--- a/Final Project/presentation/presentation.pptx
+++ b/Final Project/presentation/presentation.pptx
@@ -183,7 +183,7 @@
           <p:cNvPr id="2" name="Header Placeholder 1">
             <a:extLst>
               <a:ext uri="{FF2B5EF4-FFF2-40B4-BE49-F238E27FC236}">
-                <a16:creationId xmlns="" xmlns:a16="http://schemas.microsoft.com/office/drawing/2014/main" id="{5E4FC509-A25D-4AC1-956B-244FAC61AF2F}"/>
+                <a16:creationId xmlns:a16="http://schemas.microsoft.com/office/drawing/2014/main" xmlns="" id="{5E4FC509-A25D-4AC1-956B-244FAC61AF2F}"/>
               </a:ext>
             </a:extLst>
           </p:cNvPr>
@@ -220,7 +220,7 @@
           <p:cNvPr id="3" name="Date Placeholder 2">
             <a:extLst>
               <a:ext uri="{FF2B5EF4-FFF2-40B4-BE49-F238E27FC236}">
-                <a16:creationId xmlns="" xmlns:a16="http://schemas.microsoft.com/office/drawing/2014/main" id="{F1EDCBDF-04F2-4646-A118-9A2CBABEDF9E}"/>
+                <a16:creationId xmlns:a16="http://schemas.microsoft.com/office/drawing/2014/main" xmlns="" id="{F1EDCBDF-04F2-4646-A118-9A2CBABEDF9E}"/>
               </a:ext>
             </a:extLst>
           </p:cNvPr>
@@ -261,7 +261,7 @@
           <p:cNvPr id="4" name="Footer Placeholder 3">
             <a:extLst>
               <a:ext uri="{FF2B5EF4-FFF2-40B4-BE49-F238E27FC236}">
-                <a16:creationId xmlns="" xmlns:a16="http://schemas.microsoft.com/office/drawing/2014/main" id="{95BD4EF4-9023-4CAF-937E-F78CF009DBDD}"/>
+                <a16:creationId xmlns:a16="http://schemas.microsoft.com/office/drawing/2014/main" xmlns="" id="{95BD4EF4-9023-4CAF-937E-F78CF009DBDD}"/>
               </a:ext>
             </a:extLst>
           </p:cNvPr>
@@ -298,7 +298,7 @@
           <p:cNvPr id="5" name="Slide Number Placeholder 4">
             <a:extLst>
               <a:ext uri="{FF2B5EF4-FFF2-40B4-BE49-F238E27FC236}">
-                <a16:creationId xmlns="" xmlns:a16="http://schemas.microsoft.com/office/drawing/2014/main" id="{C0300887-CA61-4CEF-BD28-E51D6F957D72}"/>
+                <a16:creationId xmlns:a16="http://schemas.microsoft.com/office/drawing/2014/main" xmlns="" id="{C0300887-CA61-4CEF-BD28-E51D6F957D72}"/>
               </a:ext>
             </a:extLst>
           </p:cNvPr>
@@ -716,7 +716,7 @@
           <p:cNvPr id="8" name="Rectangle 7">
             <a:extLst>
               <a:ext uri="{FF2B5EF4-FFF2-40B4-BE49-F238E27FC236}">
-                <a16:creationId xmlns="" xmlns:a16="http://schemas.microsoft.com/office/drawing/2014/main" id="{278196A9-689D-4410-BFC0-7ACB19755A0C}"/>
+                <a16:creationId xmlns:a16="http://schemas.microsoft.com/office/drawing/2014/main" xmlns="" id="{278196A9-689D-4410-BFC0-7ACB19755A0C}"/>
               </a:ext>
             </a:extLst>
           </p:cNvPr>
@@ -777,7 +777,7 @@
           <p:cNvPr id="2" name="Title 1">
             <a:extLst>
               <a:ext uri="{FF2B5EF4-FFF2-40B4-BE49-F238E27FC236}">
-                <a16:creationId xmlns="" xmlns:a16="http://schemas.microsoft.com/office/drawing/2014/main" id="{129BFEAD-57CF-438A-8084-C5AC7F47E544}"/>
+                <a16:creationId xmlns:a16="http://schemas.microsoft.com/office/drawing/2014/main" xmlns="" id="{129BFEAD-57CF-438A-8084-C5AC7F47E544}"/>
               </a:ext>
             </a:extLst>
           </p:cNvPr>
@@ -814,7 +814,7 @@
           <p:cNvPr id="4" name="Date Placeholder 3">
             <a:extLst>
               <a:ext uri="{FF2B5EF4-FFF2-40B4-BE49-F238E27FC236}">
-                <a16:creationId xmlns="" xmlns:a16="http://schemas.microsoft.com/office/drawing/2014/main" id="{7E17A3CB-B083-4E49-9123-A5E47559DCDB}"/>
+                <a16:creationId xmlns:a16="http://schemas.microsoft.com/office/drawing/2014/main" xmlns="" id="{7E17A3CB-B083-4E49-9123-A5E47559DCDB}"/>
               </a:ext>
             </a:extLst>
           </p:cNvPr>
@@ -842,7 +842,7 @@
           <p:cNvPr id="5" name="Footer Placeholder 4">
             <a:extLst>
               <a:ext uri="{FF2B5EF4-FFF2-40B4-BE49-F238E27FC236}">
-                <a16:creationId xmlns="" xmlns:a16="http://schemas.microsoft.com/office/drawing/2014/main" id="{A8C4102C-4609-416C-A808-0FFE0051DAA1}"/>
+                <a16:creationId xmlns:a16="http://schemas.microsoft.com/office/drawing/2014/main" xmlns="" id="{A8C4102C-4609-416C-A808-0FFE0051DAA1}"/>
               </a:ext>
             </a:extLst>
           </p:cNvPr>
@@ -870,7 +870,7 @@
           <p:cNvPr id="6" name="Slide Number Placeholder 5">
             <a:extLst>
               <a:ext uri="{FF2B5EF4-FFF2-40B4-BE49-F238E27FC236}">
-                <a16:creationId xmlns="" xmlns:a16="http://schemas.microsoft.com/office/drawing/2014/main" id="{2D7BCC5D-6F2C-472F-BD4C-4096793DFC24}"/>
+                <a16:creationId xmlns:a16="http://schemas.microsoft.com/office/drawing/2014/main" xmlns="" id="{2D7BCC5D-6F2C-472F-BD4C-4096793DFC24}"/>
               </a:ext>
             </a:extLst>
           </p:cNvPr>
@@ -899,7 +899,7 @@
           <p:cNvPr id="7" name="Rectangle 6">
             <a:extLst>
               <a:ext uri="{FF2B5EF4-FFF2-40B4-BE49-F238E27FC236}">
-                <a16:creationId xmlns="" xmlns:a16="http://schemas.microsoft.com/office/drawing/2014/main" id="{7BE854BB-FA44-4CAB-85DF-F5C412560348}"/>
+                <a16:creationId xmlns:a16="http://schemas.microsoft.com/office/drawing/2014/main" xmlns="" id="{7BE854BB-FA44-4CAB-85DF-F5C412560348}"/>
               </a:ext>
             </a:extLst>
           </p:cNvPr>
@@ -966,7 +966,7 @@
           <p:cNvPr id="3" name="Subtitle 2">
             <a:extLst>
               <a:ext uri="{FF2B5EF4-FFF2-40B4-BE49-F238E27FC236}">
-                <a16:creationId xmlns="" xmlns:a16="http://schemas.microsoft.com/office/drawing/2014/main" id="{389BFFF1-5465-4317-B9DB-C23A5B1D76EF}"/>
+                <a16:creationId xmlns:a16="http://schemas.microsoft.com/office/drawing/2014/main" xmlns="" id="{389BFFF1-5465-4317-B9DB-C23A5B1D76EF}"/>
               </a:ext>
             </a:extLst>
           </p:cNvPr>
@@ -1048,7 +1048,7 @@
           <p:cNvPr id="10" name="Picture Placeholder 9">
             <a:extLst>
               <a:ext uri="{FF2B5EF4-FFF2-40B4-BE49-F238E27FC236}">
-                <a16:creationId xmlns="" xmlns:a16="http://schemas.microsoft.com/office/drawing/2014/main" id="{EA313B4B-5B98-4B33-885A-DF7669E72D7A}"/>
+                <a16:creationId xmlns:a16="http://schemas.microsoft.com/office/drawing/2014/main" xmlns="" id="{EA313B4B-5B98-4B33-885A-DF7669E72D7A}"/>
               </a:ext>
             </a:extLst>
           </p:cNvPr>
@@ -1089,7 +1089,7 @@
           <p:cNvPr id="15" name="Group 14">
             <a:extLst>
               <a:ext uri="{FF2B5EF4-FFF2-40B4-BE49-F238E27FC236}">
-                <a16:creationId xmlns="" xmlns:a16="http://schemas.microsoft.com/office/drawing/2014/main" id="{676B4374-8F24-43DE-860D-E5C6EA850AB4}"/>
+                <a16:creationId xmlns:a16="http://schemas.microsoft.com/office/drawing/2014/main" xmlns="" id="{676B4374-8F24-43DE-860D-E5C6EA850AB4}"/>
               </a:ext>
             </a:extLst>
           </p:cNvPr>
@@ -1109,7 +1109,7 @@
             <p:cNvPr id="11" name="Oval 10">
               <a:extLst>
                 <a:ext uri="{FF2B5EF4-FFF2-40B4-BE49-F238E27FC236}">
-                  <a16:creationId xmlns="" xmlns:a16="http://schemas.microsoft.com/office/drawing/2014/main" id="{585C7755-9394-4129-AB48-1AC32DA80C75}"/>
+                  <a16:creationId xmlns:a16="http://schemas.microsoft.com/office/drawing/2014/main" xmlns="" id="{585C7755-9394-4129-AB48-1AC32DA80C75}"/>
                 </a:ext>
               </a:extLst>
             </p:cNvPr>
@@ -1164,7 +1164,7 @@
             <p:cNvPr id="13" name="Straight Connector 12">
               <a:extLst>
                 <a:ext uri="{FF2B5EF4-FFF2-40B4-BE49-F238E27FC236}">
-                  <a16:creationId xmlns="" xmlns:a16="http://schemas.microsoft.com/office/drawing/2014/main" id="{64C71ABE-575A-48CF-82B1-EDE8535F3993}"/>
+                  <a16:creationId xmlns:a16="http://schemas.microsoft.com/office/drawing/2014/main" xmlns="" id="{64C71ABE-575A-48CF-82B1-EDE8535F3993}"/>
                 </a:ext>
               </a:extLst>
             </p:cNvPr>
@@ -1208,7 +1208,7 @@
             <p:cNvPr id="14" name="Oval 13">
               <a:extLst>
                 <a:ext uri="{FF2B5EF4-FFF2-40B4-BE49-F238E27FC236}">
-                  <a16:creationId xmlns="" xmlns:a16="http://schemas.microsoft.com/office/drawing/2014/main" id="{E3C1EA63-78B2-4715-B4DC-63D98AC7F354}"/>
+                  <a16:creationId xmlns:a16="http://schemas.microsoft.com/office/drawing/2014/main" xmlns="" id="{E3C1EA63-78B2-4715-B4DC-63D98AC7F354}"/>
                 </a:ext>
               </a:extLst>
             </p:cNvPr>
@@ -1264,7 +1264,7 @@
           <p:cNvPr id="16" name="Group 15">
             <a:extLst>
               <a:ext uri="{FF2B5EF4-FFF2-40B4-BE49-F238E27FC236}">
-                <a16:creationId xmlns="" xmlns:a16="http://schemas.microsoft.com/office/drawing/2014/main" id="{E9BB74A1-0BEA-4AD8-8138-0641A45D8B40}"/>
+                <a16:creationId xmlns:a16="http://schemas.microsoft.com/office/drawing/2014/main" xmlns="" id="{E9BB74A1-0BEA-4AD8-8138-0641A45D8B40}"/>
               </a:ext>
             </a:extLst>
           </p:cNvPr>
@@ -1284,7 +1284,7 @@
             <p:cNvPr id="17" name="Oval 16">
               <a:extLst>
                 <a:ext uri="{FF2B5EF4-FFF2-40B4-BE49-F238E27FC236}">
-                  <a16:creationId xmlns="" xmlns:a16="http://schemas.microsoft.com/office/drawing/2014/main" id="{73D0026E-5270-4C52-A1AF-5631E8192DCD}"/>
+                  <a16:creationId xmlns:a16="http://schemas.microsoft.com/office/drawing/2014/main" xmlns="" id="{73D0026E-5270-4C52-A1AF-5631E8192DCD}"/>
                 </a:ext>
               </a:extLst>
             </p:cNvPr>
@@ -1339,7 +1339,7 @@
             <p:cNvPr id="18" name="Straight Connector 17">
               <a:extLst>
                 <a:ext uri="{FF2B5EF4-FFF2-40B4-BE49-F238E27FC236}">
-                  <a16:creationId xmlns="" xmlns:a16="http://schemas.microsoft.com/office/drawing/2014/main" id="{A6085D92-5F70-4097-A2FF-C15B13788D08}"/>
+                  <a16:creationId xmlns:a16="http://schemas.microsoft.com/office/drawing/2014/main" xmlns="" id="{A6085D92-5F70-4097-A2FF-C15B13788D08}"/>
                 </a:ext>
               </a:extLst>
             </p:cNvPr>
@@ -1383,7 +1383,7 @@
             <p:cNvPr id="19" name="Oval 18">
               <a:extLst>
                 <a:ext uri="{FF2B5EF4-FFF2-40B4-BE49-F238E27FC236}">
-                  <a16:creationId xmlns="" xmlns:a16="http://schemas.microsoft.com/office/drawing/2014/main" id="{BE68EB6C-48D0-4EBF-8541-926D16790F52}"/>
+                  <a16:creationId xmlns:a16="http://schemas.microsoft.com/office/drawing/2014/main" xmlns="" id="{BE68EB6C-48D0-4EBF-8541-926D16790F52}"/>
                 </a:ext>
               </a:extLst>
             </p:cNvPr>
@@ -1469,7 +1469,7 @@
           <p:cNvPr id="15" name="Rectangle 14">
             <a:extLst>
               <a:ext uri="{FF2B5EF4-FFF2-40B4-BE49-F238E27FC236}">
-                <a16:creationId xmlns="" xmlns:a16="http://schemas.microsoft.com/office/drawing/2014/main" id="{E8E3FDB8-6D5C-48FE-99EA-7EC60F4D8191}"/>
+                <a16:creationId xmlns:a16="http://schemas.microsoft.com/office/drawing/2014/main" xmlns="" id="{E8E3FDB8-6D5C-48FE-99EA-7EC60F4D8191}"/>
               </a:ext>
             </a:extLst>
           </p:cNvPr>
@@ -1536,7 +1536,7 @@
           <p:cNvPr id="5" name="Date Placeholder 4">
             <a:extLst>
               <a:ext uri="{FF2B5EF4-FFF2-40B4-BE49-F238E27FC236}">
-                <a16:creationId xmlns="" xmlns:a16="http://schemas.microsoft.com/office/drawing/2014/main" id="{2D9775F3-A041-479A-8038-652B7D9C72E9}"/>
+                <a16:creationId xmlns:a16="http://schemas.microsoft.com/office/drawing/2014/main" xmlns="" id="{2D9775F3-A041-479A-8038-652B7D9C72E9}"/>
               </a:ext>
             </a:extLst>
           </p:cNvPr>
@@ -1564,7 +1564,7 @@
           <p:cNvPr id="6" name="Footer Placeholder 5">
             <a:extLst>
               <a:ext uri="{FF2B5EF4-FFF2-40B4-BE49-F238E27FC236}">
-                <a16:creationId xmlns="" xmlns:a16="http://schemas.microsoft.com/office/drawing/2014/main" id="{29BEDD04-BE4E-4B91-B13E-0C4FB3E1658F}"/>
+                <a16:creationId xmlns:a16="http://schemas.microsoft.com/office/drawing/2014/main" xmlns="" id="{29BEDD04-BE4E-4B91-B13E-0C4FB3E1658F}"/>
               </a:ext>
             </a:extLst>
           </p:cNvPr>
@@ -1592,7 +1592,7 @@
           <p:cNvPr id="7" name="Slide Number Placeholder 6">
             <a:extLst>
               <a:ext uri="{FF2B5EF4-FFF2-40B4-BE49-F238E27FC236}">
-                <a16:creationId xmlns="" xmlns:a16="http://schemas.microsoft.com/office/drawing/2014/main" id="{306DF5D8-12DC-494E-B0F1-2E9C86A14544}"/>
+                <a16:creationId xmlns:a16="http://schemas.microsoft.com/office/drawing/2014/main" xmlns="" id="{306DF5D8-12DC-494E-B0F1-2E9C86A14544}"/>
               </a:ext>
             </a:extLst>
           </p:cNvPr>
@@ -1621,7 +1621,7 @@
           <p:cNvPr id="8" name="Title 1">
             <a:extLst>
               <a:ext uri="{FF2B5EF4-FFF2-40B4-BE49-F238E27FC236}">
-                <a16:creationId xmlns="" xmlns:a16="http://schemas.microsoft.com/office/drawing/2014/main" id="{ABF87C9E-53A2-4DE1-89DC-3907BE2E3D3C}"/>
+                <a16:creationId xmlns:a16="http://schemas.microsoft.com/office/drawing/2014/main" xmlns="" id="{ABF87C9E-53A2-4DE1-89DC-3907BE2E3D3C}"/>
               </a:ext>
             </a:extLst>
           </p:cNvPr>
@@ -1661,7 +1661,7 @@
           <p:cNvPr id="9" name="Text Placeholder 2">
             <a:extLst>
               <a:ext uri="{FF2B5EF4-FFF2-40B4-BE49-F238E27FC236}">
-                <a16:creationId xmlns="" xmlns:a16="http://schemas.microsoft.com/office/drawing/2014/main" id="{EB453F8F-AA02-4E0D-93BF-8CF4F1490377}"/>
+                <a16:creationId xmlns:a16="http://schemas.microsoft.com/office/drawing/2014/main" xmlns="" id="{EB453F8F-AA02-4E0D-93BF-8CF4F1490377}"/>
               </a:ext>
             </a:extLst>
           </p:cNvPr>
@@ -1791,7 +1791,7 @@
           <p:cNvPr id="10" name="Picture Placeholder 10">
             <a:extLst>
               <a:ext uri="{FF2B5EF4-FFF2-40B4-BE49-F238E27FC236}">
-                <a16:creationId xmlns="" xmlns:a16="http://schemas.microsoft.com/office/drawing/2014/main" id="{A541F291-2E4B-474E-9ED0-55C97A2A066D}"/>
+                <a16:creationId xmlns:a16="http://schemas.microsoft.com/office/drawing/2014/main" xmlns="" id="{A541F291-2E4B-474E-9ED0-55C97A2A066D}"/>
               </a:ext>
             </a:extLst>
           </p:cNvPr>
@@ -1832,7 +1832,7 @@
           <p:cNvPr id="11" name="Group 10">
             <a:extLst>
               <a:ext uri="{FF2B5EF4-FFF2-40B4-BE49-F238E27FC236}">
-                <a16:creationId xmlns="" xmlns:a16="http://schemas.microsoft.com/office/drawing/2014/main" id="{59E4D57E-4989-4939-A31F-637543FAB606}"/>
+                <a16:creationId xmlns:a16="http://schemas.microsoft.com/office/drawing/2014/main" xmlns="" id="{59E4D57E-4989-4939-A31F-637543FAB606}"/>
               </a:ext>
             </a:extLst>
           </p:cNvPr>
@@ -1852,7 +1852,7 @@
             <p:cNvPr id="12" name="Straight Connector 11">
               <a:extLst>
                 <a:ext uri="{FF2B5EF4-FFF2-40B4-BE49-F238E27FC236}">
-                  <a16:creationId xmlns="" xmlns:a16="http://schemas.microsoft.com/office/drawing/2014/main" id="{370B72A7-B625-48B8-88E6-BCE2A4DD531E}"/>
+                  <a16:creationId xmlns:a16="http://schemas.microsoft.com/office/drawing/2014/main" xmlns="" id="{370B72A7-B625-48B8-88E6-BCE2A4DD531E}"/>
                 </a:ext>
               </a:extLst>
             </p:cNvPr>
@@ -1899,7 +1899,7 @@
             <p:cNvPr id="13" name="Oval 12">
               <a:extLst>
                 <a:ext uri="{FF2B5EF4-FFF2-40B4-BE49-F238E27FC236}">
-                  <a16:creationId xmlns="" xmlns:a16="http://schemas.microsoft.com/office/drawing/2014/main" id="{01ED729F-F8A5-4244-9776-4935C260F11F}"/>
+                  <a16:creationId xmlns:a16="http://schemas.microsoft.com/office/drawing/2014/main" xmlns="" id="{01ED729F-F8A5-4244-9776-4935C260F11F}"/>
                 </a:ext>
               </a:extLst>
             </p:cNvPr>
@@ -1960,7 +1960,7 @@
           <p:cNvPr id="17" name="Straight Connector 16">
             <a:extLst>
               <a:ext uri="{FF2B5EF4-FFF2-40B4-BE49-F238E27FC236}">
-                <a16:creationId xmlns="" xmlns:a16="http://schemas.microsoft.com/office/drawing/2014/main" id="{6150998C-CF95-4C6F-8962-8EB2DB30177D}"/>
+                <a16:creationId xmlns:a16="http://schemas.microsoft.com/office/drawing/2014/main" xmlns="" id="{6150998C-CF95-4C6F-8962-8EB2DB30177D}"/>
               </a:ext>
             </a:extLst>
           </p:cNvPr>
@@ -2004,7 +2004,7 @@
           <p:cNvPr id="18" name="Oval 17">
             <a:extLst>
               <a:ext uri="{FF2B5EF4-FFF2-40B4-BE49-F238E27FC236}">
-                <a16:creationId xmlns="" xmlns:a16="http://schemas.microsoft.com/office/drawing/2014/main" id="{F86A2ACD-8CF5-48A3-A678-E213A809B332}"/>
+                <a16:creationId xmlns:a16="http://schemas.microsoft.com/office/drawing/2014/main" xmlns="" id="{F86A2ACD-8CF5-48A3-A678-E213A809B332}"/>
               </a:ext>
             </a:extLst>
           </p:cNvPr>
@@ -2059,7 +2059,7 @@
           <p:cNvPr id="19" name="Straight Connector 18">
             <a:extLst>
               <a:ext uri="{FF2B5EF4-FFF2-40B4-BE49-F238E27FC236}">
-                <a16:creationId xmlns="" xmlns:a16="http://schemas.microsoft.com/office/drawing/2014/main" id="{F00811BB-0E37-4D70-84A5-97B3FBEDCBE6}"/>
+                <a16:creationId xmlns:a16="http://schemas.microsoft.com/office/drawing/2014/main" xmlns="" id="{F00811BB-0E37-4D70-84A5-97B3FBEDCBE6}"/>
               </a:ext>
             </a:extLst>
           </p:cNvPr>
@@ -2105,7 +2105,7 @@
           <p:cNvPr id="20" name="Oval 19">
             <a:extLst>
               <a:ext uri="{FF2B5EF4-FFF2-40B4-BE49-F238E27FC236}">
-                <a16:creationId xmlns="" xmlns:a16="http://schemas.microsoft.com/office/drawing/2014/main" id="{D03B3046-0457-4D23-8E0C-64E3FCD620BB}"/>
+                <a16:creationId xmlns:a16="http://schemas.microsoft.com/office/drawing/2014/main" xmlns="" id="{D03B3046-0457-4D23-8E0C-64E3FCD620BB}"/>
               </a:ext>
             </a:extLst>
           </p:cNvPr>
@@ -2160,7 +2160,7 @@
           <p:cNvPr id="16" name="Text Placeholder 15">
             <a:extLst>
               <a:ext uri="{FF2B5EF4-FFF2-40B4-BE49-F238E27FC236}">
-                <a16:creationId xmlns="" xmlns:a16="http://schemas.microsoft.com/office/drawing/2014/main" id="{D0092E26-7A96-4712-98A7-FFDA7C3D7721}"/>
+                <a16:creationId xmlns:a16="http://schemas.microsoft.com/office/drawing/2014/main" xmlns="" id="{D0092E26-7A96-4712-98A7-FFDA7C3D7721}"/>
               </a:ext>
             </a:extLst>
           </p:cNvPr>
@@ -2215,7 +2215,7 @@
           <p:cNvPr id="34" name="Text Placeholder 2">
             <a:extLst>
               <a:ext uri="{FF2B5EF4-FFF2-40B4-BE49-F238E27FC236}">
-                <a16:creationId xmlns="" xmlns:a16="http://schemas.microsoft.com/office/drawing/2014/main" id="{B17B484C-F876-40B2-89DE-FC7A9E54C835}"/>
+                <a16:creationId xmlns:a16="http://schemas.microsoft.com/office/drawing/2014/main" xmlns="" id="{B17B484C-F876-40B2-89DE-FC7A9E54C835}"/>
               </a:ext>
             </a:extLst>
           </p:cNvPr>
@@ -2350,7 +2350,7 @@
           <p:cNvPr id="36" name="Text Placeholder 2">
             <a:extLst>
               <a:ext uri="{FF2B5EF4-FFF2-40B4-BE49-F238E27FC236}">
-                <a16:creationId xmlns="" xmlns:a16="http://schemas.microsoft.com/office/drawing/2014/main" id="{99E02476-A734-4A74-BC42-F104B37C8C19}"/>
+                <a16:creationId xmlns:a16="http://schemas.microsoft.com/office/drawing/2014/main" xmlns="" id="{99E02476-A734-4A74-BC42-F104B37C8C19}"/>
               </a:ext>
             </a:extLst>
           </p:cNvPr>
@@ -2483,7 +2483,7 @@
           <p:cNvPr id="26" name="Text Placeholder 15">
             <a:extLst>
               <a:ext uri="{FF2B5EF4-FFF2-40B4-BE49-F238E27FC236}">
-                <a16:creationId xmlns="" xmlns:a16="http://schemas.microsoft.com/office/drawing/2014/main" id="{EA5D8D7D-F37C-49AD-98F0-641CE42B8A83}"/>
+                <a16:creationId xmlns:a16="http://schemas.microsoft.com/office/drawing/2014/main" xmlns="" id="{EA5D8D7D-F37C-49AD-98F0-641CE42B8A83}"/>
               </a:ext>
             </a:extLst>
           </p:cNvPr>
@@ -2538,7 +2538,7 @@
           <p:cNvPr id="27" name="Text Placeholder 2">
             <a:extLst>
               <a:ext uri="{FF2B5EF4-FFF2-40B4-BE49-F238E27FC236}">
-                <a16:creationId xmlns="" xmlns:a16="http://schemas.microsoft.com/office/drawing/2014/main" id="{521FF93D-8384-4E22-8645-BDE6AB983488}"/>
+                <a16:creationId xmlns:a16="http://schemas.microsoft.com/office/drawing/2014/main" xmlns="" id="{521FF93D-8384-4E22-8645-BDE6AB983488}"/>
               </a:ext>
             </a:extLst>
           </p:cNvPr>
@@ -2673,7 +2673,7 @@
           <p:cNvPr id="28" name="Text Placeholder 2">
             <a:extLst>
               <a:ext uri="{FF2B5EF4-FFF2-40B4-BE49-F238E27FC236}">
-                <a16:creationId xmlns="" xmlns:a16="http://schemas.microsoft.com/office/drawing/2014/main" id="{BA358F36-EA77-462E-9158-AFDF1D449A1A}"/>
+                <a16:creationId xmlns:a16="http://schemas.microsoft.com/office/drawing/2014/main" xmlns="" id="{BA358F36-EA77-462E-9158-AFDF1D449A1A}"/>
               </a:ext>
             </a:extLst>
           </p:cNvPr>
@@ -2836,7 +2836,7 @@
           <p:cNvPr id="7" name="Rectangle 6">
             <a:extLst>
               <a:ext uri="{FF2B5EF4-FFF2-40B4-BE49-F238E27FC236}">
-                <a16:creationId xmlns="" xmlns:a16="http://schemas.microsoft.com/office/drawing/2014/main" id="{09F1B35C-893A-4033-ADC0-2192AFA29271}"/>
+                <a16:creationId xmlns:a16="http://schemas.microsoft.com/office/drawing/2014/main" xmlns="" id="{09F1B35C-893A-4033-ADC0-2192AFA29271}"/>
               </a:ext>
             </a:extLst>
           </p:cNvPr>
@@ -2903,7 +2903,7 @@
           <p:cNvPr id="2" name="Title 1">
             <a:extLst>
               <a:ext uri="{FF2B5EF4-FFF2-40B4-BE49-F238E27FC236}">
-                <a16:creationId xmlns="" xmlns:a16="http://schemas.microsoft.com/office/drawing/2014/main" id="{CD637DF8-B064-4F36-89F8-EBF538A2E7F2}"/>
+                <a16:creationId xmlns:a16="http://schemas.microsoft.com/office/drawing/2014/main" xmlns="" id="{CD637DF8-B064-4F36-89F8-EBF538A2E7F2}"/>
               </a:ext>
             </a:extLst>
           </p:cNvPr>
@@ -2942,7 +2942,7 @@
           <p:cNvPr id="3" name="Text Placeholder 2">
             <a:extLst>
               <a:ext uri="{FF2B5EF4-FFF2-40B4-BE49-F238E27FC236}">
-                <a16:creationId xmlns="" xmlns:a16="http://schemas.microsoft.com/office/drawing/2014/main" id="{8A72532A-5006-46B7-AE99-3A6891CD0254}"/>
+                <a16:creationId xmlns:a16="http://schemas.microsoft.com/office/drawing/2014/main" xmlns="" id="{8A72532A-5006-46B7-AE99-3A6891CD0254}"/>
               </a:ext>
             </a:extLst>
           </p:cNvPr>
@@ -3072,7 +3072,7 @@
           <p:cNvPr id="4" name="Date Placeholder 3">
             <a:extLst>
               <a:ext uri="{FF2B5EF4-FFF2-40B4-BE49-F238E27FC236}">
-                <a16:creationId xmlns="" xmlns:a16="http://schemas.microsoft.com/office/drawing/2014/main" id="{49EFC6D7-3241-401C-A16A-4A7CC2653954}"/>
+                <a16:creationId xmlns:a16="http://schemas.microsoft.com/office/drawing/2014/main" xmlns="" id="{49EFC6D7-3241-401C-A16A-4A7CC2653954}"/>
               </a:ext>
             </a:extLst>
           </p:cNvPr>
@@ -3100,7 +3100,7 @@
           <p:cNvPr id="5" name="Footer Placeholder 4">
             <a:extLst>
               <a:ext uri="{FF2B5EF4-FFF2-40B4-BE49-F238E27FC236}">
-                <a16:creationId xmlns="" xmlns:a16="http://schemas.microsoft.com/office/drawing/2014/main" id="{F345D6DC-ABA5-4D00-9CD3-92FFDD1FA2DC}"/>
+                <a16:creationId xmlns:a16="http://schemas.microsoft.com/office/drawing/2014/main" xmlns="" id="{F345D6DC-ABA5-4D00-9CD3-92FFDD1FA2DC}"/>
               </a:ext>
             </a:extLst>
           </p:cNvPr>
@@ -3128,7 +3128,7 @@
           <p:cNvPr id="6" name="Slide Number Placeholder 5">
             <a:extLst>
               <a:ext uri="{FF2B5EF4-FFF2-40B4-BE49-F238E27FC236}">
-                <a16:creationId xmlns="" xmlns:a16="http://schemas.microsoft.com/office/drawing/2014/main" id="{92459C86-0106-40E0-AA18-795EC5787677}"/>
+                <a16:creationId xmlns:a16="http://schemas.microsoft.com/office/drawing/2014/main" xmlns="" id="{92459C86-0106-40E0-AA18-795EC5787677}"/>
               </a:ext>
             </a:extLst>
           </p:cNvPr>
@@ -3157,7 +3157,7 @@
           <p:cNvPr id="11" name="Picture Placeholder 10">
             <a:extLst>
               <a:ext uri="{FF2B5EF4-FFF2-40B4-BE49-F238E27FC236}">
-                <a16:creationId xmlns="" xmlns:a16="http://schemas.microsoft.com/office/drawing/2014/main" id="{6D14F7B3-A6CF-491C-9855-75B5784CC456}"/>
+                <a16:creationId xmlns:a16="http://schemas.microsoft.com/office/drawing/2014/main" xmlns="" id="{6D14F7B3-A6CF-491C-9855-75B5784CC456}"/>
               </a:ext>
             </a:extLst>
           </p:cNvPr>
@@ -3198,7 +3198,7 @@
           <p:cNvPr id="15" name="Group 14">
             <a:extLst>
               <a:ext uri="{FF2B5EF4-FFF2-40B4-BE49-F238E27FC236}">
-                <a16:creationId xmlns="" xmlns:a16="http://schemas.microsoft.com/office/drawing/2014/main" id="{B7317392-EF87-4050-8BBE-32F74B0CF15A}"/>
+                <a16:creationId xmlns:a16="http://schemas.microsoft.com/office/drawing/2014/main" xmlns="" id="{B7317392-EF87-4050-8BBE-32F74B0CF15A}"/>
               </a:ext>
             </a:extLst>
           </p:cNvPr>
@@ -3218,7 +3218,7 @@
             <p:cNvPr id="13" name="Straight Connector 12">
               <a:extLst>
                 <a:ext uri="{FF2B5EF4-FFF2-40B4-BE49-F238E27FC236}">
-                  <a16:creationId xmlns="" xmlns:a16="http://schemas.microsoft.com/office/drawing/2014/main" id="{785A4134-866D-4143-AC1E-8A2FFDB49855}"/>
+                  <a16:creationId xmlns:a16="http://schemas.microsoft.com/office/drawing/2014/main" xmlns="" id="{785A4134-866D-4143-AC1E-8A2FFDB49855}"/>
                 </a:ext>
               </a:extLst>
             </p:cNvPr>
@@ -3264,7 +3264,7 @@
             <p:cNvPr id="14" name="Oval 13">
               <a:extLst>
                 <a:ext uri="{FF2B5EF4-FFF2-40B4-BE49-F238E27FC236}">
-                  <a16:creationId xmlns="" xmlns:a16="http://schemas.microsoft.com/office/drawing/2014/main" id="{1BBC5D9C-B8FB-455B-9398-36DB21F2765E}"/>
+                  <a16:creationId xmlns:a16="http://schemas.microsoft.com/office/drawing/2014/main" xmlns="" id="{1BBC5D9C-B8FB-455B-9398-36DB21F2765E}"/>
                 </a:ext>
               </a:extLst>
             </p:cNvPr>
@@ -3325,7 +3325,7 @@
           <p:cNvPr id="16" name="Text Placeholder 2">
             <a:extLst>
               <a:ext uri="{FF2B5EF4-FFF2-40B4-BE49-F238E27FC236}">
-                <a16:creationId xmlns="" xmlns:a16="http://schemas.microsoft.com/office/drawing/2014/main" id="{BB522941-5C7D-4701-9AD7-BB4C11C6EBCE}"/>
+                <a16:creationId xmlns:a16="http://schemas.microsoft.com/office/drawing/2014/main" xmlns="" id="{BB522941-5C7D-4701-9AD7-BB4C11C6EBCE}"/>
               </a:ext>
             </a:extLst>
           </p:cNvPr>
@@ -3460,7 +3460,7 @@
           <p:cNvPr id="17" name="Oval 16">
             <a:extLst>
               <a:ext uri="{FF2B5EF4-FFF2-40B4-BE49-F238E27FC236}">
-                <a16:creationId xmlns="" xmlns:a16="http://schemas.microsoft.com/office/drawing/2014/main" id="{72225750-E4CE-4A81-A0C3-4023030D637E}"/>
+                <a16:creationId xmlns:a16="http://schemas.microsoft.com/office/drawing/2014/main" xmlns="" id="{72225750-E4CE-4A81-A0C3-4023030D637E}"/>
               </a:ext>
             </a:extLst>
           </p:cNvPr>
@@ -3515,7 +3515,7 @@
           <p:cNvPr id="18" name="Straight Connector 17">
             <a:extLst>
               <a:ext uri="{FF2B5EF4-FFF2-40B4-BE49-F238E27FC236}">
-                <a16:creationId xmlns="" xmlns:a16="http://schemas.microsoft.com/office/drawing/2014/main" id="{3819C324-07DF-49DB-A08C-0E6155CE3041}"/>
+                <a16:creationId xmlns:a16="http://schemas.microsoft.com/office/drawing/2014/main" xmlns="" id="{3819C324-07DF-49DB-A08C-0E6155CE3041}"/>
               </a:ext>
             </a:extLst>
           </p:cNvPr>
@@ -3559,7 +3559,7 @@
           <p:cNvPr id="19" name="Oval 18">
             <a:extLst>
               <a:ext uri="{FF2B5EF4-FFF2-40B4-BE49-F238E27FC236}">
-                <a16:creationId xmlns="" xmlns:a16="http://schemas.microsoft.com/office/drawing/2014/main" id="{75A34025-44F2-4A09-8629-F1794E9D35AF}"/>
+                <a16:creationId xmlns:a16="http://schemas.microsoft.com/office/drawing/2014/main" xmlns="" id="{75A34025-44F2-4A09-8629-F1794E9D35AF}"/>
               </a:ext>
             </a:extLst>
           </p:cNvPr>
@@ -3614,7 +3614,7 @@
           <p:cNvPr id="20" name="Straight Connector 19">
             <a:extLst>
               <a:ext uri="{FF2B5EF4-FFF2-40B4-BE49-F238E27FC236}">
-                <a16:creationId xmlns="" xmlns:a16="http://schemas.microsoft.com/office/drawing/2014/main" id="{815854A2-EAE9-4B2A-84CF-5A4BD753863A}"/>
+                <a16:creationId xmlns:a16="http://schemas.microsoft.com/office/drawing/2014/main" xmlns="" id="{815854A2-EAE9-4B2A-84CF-5A4BD753863A}"/>
               </a:ext>
             </a:extLst>
           </p:cNvPr>
@@ -3660,7 +3660,7 @@
           <p:cNvPr id="9" name="Oval 8">
             <a:extLst>
               <a:ext uri="{FF2B5EF4-FFF2-40B4-BE49-F238E27FC236}">
-                <a16:creationId xmlns="" xmlns:a16="http://schemas.microsoft.com/office/drawing/2014/main" id="{ADC059E4-36DE-4100-8F15-85A9F37E84FE}"/>
+                <a16:creationId xmlns:a16="http://schemas.microsoft.com/office/drawing/2014/main" xmlns="" id="{ADC059E4-36DE-4100-8F15-85A9F37E84FE}"/>
               </a:ext>
             </a:extLst>
           </p:cNvPr>
@@ -3717,7 +3717,7 @@
           <p:cNvPr id="21" name="Oval 20">
             <a:extLst>
               <a:ext uri="{FF2B5EF4-FFF2-40B4-BE49-F238E27FC236}">
-                <a16:creationId xmlns="" xmlns:a16="http://schemas.microsoft.com/office/drawing/2014/main" id="{34E475F8-9B44-4A3E-9F99-CF0346C89B8E}"/>
+                <a16:creationId xmlns:a16="http://schemas.microsoft.com/office/drawing/2014/main" xmlns="" id="{34E475F8-9B44-4A3E-9F99-CF0346C89B8E}"/>
               </a:ext>
             </a:extLst>
           </p:cNvPr>
@@ -3774,7 +3774,7 @@
           <p:cNvPr id="22" name="Oval 21">
             <a:extLst>
               <a:ext uri="{FF2B5EF4-FFF2-40B4-BE49-F238E27FC236}">
-                <a16:creationId xmlns="" xmlns:a16="http://schemas.microsoft.com/office/drawing/2014/main" id="{EF5FAF95-28E9-4D03-884C-A89CBC8B61DC}"/>
+                <a16:creationId xmlns:a16="http://schemas.microsoft.com/office/drawing/2014/main" xmlns="" id="{EF5FAF95-28E9-4D03-884C-A89CBC8B61DC}"/>
               </a:ext>
             </a:extLst>
           </p:cNvPr>
@@ -3831,7 +3831,7 @@
           <p:cNvPr id="27" name="Text Placeholder 15">
             <a:extLst>
               <a:ext uri="{FF2B5EF4-FFF2-40B4-BE49-F238E27FC236}">
-                <a16:creationId xmlns="" xmlns:a16="http://schemas.microsoft.com/office/drawing/2014/main" id="{5F221D05-AC12-4B7C-A00B-E28F93E23D7A}"/>
+                <a16:creationId xmlns:a16="http://schemas.microsoft.com/office/drawing/2014/main" xmlns="" id="{5F221D05-AC12-4B7C-A00B-E28F93E23D7A}"/>
               </a:ext>
             </a:extLst>
           </p:cNvPr>
@@ -3886,7 +3886,7 @@
           <p:cNvPr id="28" name="Text Placeholder 2">
             <a:extLst>
               <a:ext uri="{FF2B5EF4-FFF2-40B4-BE49-F238E27FC236}">
-                <a16:creationId xmlns="" xmlns:a16="http://schemas.microsoft.com/office/drawing/2014/main" id="{A3904B01-A725-4CE3-9321-D42F3E296703}"/>
+                <a16:creationId xmlns:a16="http://schemas.microsoft.com/office/drawing/2014/main" xmlns="" id="{A3904B01-A725-4CE3-9321-D42F3E296703}"/>
               </a:ext>
             </a:extLst>
           </p:cNvPr>
@@ -4026,7 +4026,7 @@
           <p:cNvPr id="29" name="Text Placeholder 2">
             <a:extLst>
               <a:ext uri="{FF2B5EF4-FFF2-40B4-BE49-F238E27FC236}">
-                <a16:creationId xmlns="" xmlns:a16="http://schemas.microsoft.com/office/drawing/2014/main" id="{D9CE08AF-782B-4514-BE33-D3AED71A7344}"/>
+                <a16:creationId xmlns:a16="http://schemas.microsoft.com/office/drawing/2014/main" xmlns="" id="{D9CE08AF-782B-4514-BE33-D3AED71A7344}"/>
               </a:ext>
             </a:extLst>
           </p:cNvPr>
@@ -4160,7 +4160,7 @@
           <p:cNvPr id="30" name="Text Placeholder 15">
             <a:extLst>
               <a:ext uri="{FF2B5EF4-FFF2-40B4-BE49-F238E27FC236}">
-                <a16:creationId xmlns="" xmlns:a16="http://schemas.microsoft.com/office/drawing/2014/main" id="{614098B4-704D-42A8-B776-2C93C30C39DA}"/>
+                <a16:creationId xmlns:a16="http://schemas.microsoft.com/office/drawing/2014/main" xmlns="" id="{614098B4-704D-42A8-B776-2C93C30C39DA}"/>
               </a:ext>
             </a:extLst>
           </p:cNvPr>
@@ -4215,7 +4215,7 @@
           <p:cNvPr id="31" name="Text Placeholder 2">
             <a:extLst>
               <a:ext uri="{FF2B5EF4-FFF2-40B4-BE49-F238E27FC236}">
-                <a16:creationId xmlns="" xmlns:a16="http://schemas.microsoft.com/office/drawing/2014/main" id="{CE6465F4-0B4D-4B43-BE59-BC984FE8EF05}"/>
+                <a16:creationId xmlns:a16="http://schemas.microsoft.com/office/drawing/2014/main" xmlns="" id="{CE6465F4-0B4D-4B43-BE59-BC984FE8EF05}"/>
               </a:ext>
             </a:extLst>
           </p:cNvPr>
@@ -4355,7 +4355,7 @@
           <p:cNvPr id="32" name="Text Placeholder 2">
             <a:extLst>
               <a:ext uri="{FF2B5EF4-FFF2-40B4-BE49-F238E27FC236}">
-                <a16:creationId xmlns="" xmlns:a16="http://schemas.microsoft.com/office/drawing/2014/main" id="{4DBC997E-F996-4F59-A610-3C8558F180CA}"/>
+                <a16:creationId xmlns:a16="http://schemas.microsoft.com/office/drawing/2014/main" xmlns="" id="{4DBC997E-F996-4F59-A610-3C8558F180CA}"/>
               </a:ext>
             </a:extLst>
           </p:cNvPr>
@@ -4489,7 +4489,7 @@
           <p:cNvPr id="33" name="Text Placeholder 15">
             <a:extLst>
               <a:ext uri="{FF2B5EF4-FFF2-40B4-BE49-F238E27FC236}">
-                <a16:creationId xmlns="" xmlns:a16="http://schemas.microsoft.com/office/drawing/2014/main" id="{D2098E46-8023-469E-86ED-39848BCA69B9}"/>
+                <a16:creationId xmlns:a16="http://schemas.microsoft.com/office/drawing/2014/main" xmlns="" id="{D2098E46-8023-469E-86ED-39848BCA69B9}"/>
               </a:ext>
             </a:extLst>
           </p:cNvPr>
@@ -4544,7 +4544,7 @@
           <p:cNvPr id="34" name="Text Placeholder 2">
             <a:extLst>
               <a:ext uri="{FF2B5EF4-FFF2-40B4-BE49-F238E27FC236}">
-                <a16:creationId xmlns="" xmlns:a16="http://schemas.microsoft.com/office/drawing/2014/main" id="{93715D94-9DBE-476D-B2A4-208BC6D40C35}"/>
+                <a16:creationId xmlns:a16="http://schemas.microsoft.com/office/drawing/2014/main" xmlns="" id="{93715D94-9DBE-476D-B2A4-208BC6D40C35}"/>
               </a:ext>
             </a:extLst>
           </p:cNvPr>
@@ -4684,7 +4684,7 @@
           <p:cNvPr id="35" name="Text Placeholder 2">
             <a:extLst>
               <a:ext uri="{FF2B5EF4-FFF2-40B4-BE49-F238E27FC236}">
-                <a16:creationId xmlns="" xmlns:a16="http://schemas.microsoft.com/office/drawing/2014/main" id="{C6E1A50B-8AFF-497B-8AEC-C61D95DC0685}"/>
+                <a16:creationId xmlns:a16="http://schemas.microsoft.com/office/drawing/2014/main" xmlns="" id="{C6E1A50B-8AFF-497B-8AEC-C61D95DC0685}"/>
               </a:ext>
             </a:extLst>
           </p:cNvPr>
@@ -4848,7 +4848,7 @@
           <p:cNvPr id="15" name="Rectangle 14">
             <a:extLst>
               <a:ext uri="{FF2B5EF4-FFF2-40B4-BE49-F238E27FC236}">
-                <a16:creationId xmlns="" xmlns:a16="http://schemas.microsoft.com/office/drawing/2014/main" id="{E8E3FDB8-6D5C-48FE-99EA-7EC60F4D8191}"/>
+                <a16:creationId xmlns:a16="http://schemas.microsoft.com/office/drawing/2014/main" xmlns="" id="{E8E3FDB8-6D5C-48FE-99EA-7EC60F4D8191}"/>
               </a:ext>
             </a:extLst>
           </p:cNvPr>
@@ -4915,7 +4915,7 @@
           <p:cNvPr id="5" name="Date Placeholder 4">
             <a:extLst>
               <a:ext uri="{FF2B5EF4-FFF2-40B4-BE49-F238E27FC236}">
-                <a16:creationId xmlns="" xmlns:a16="http://schemas.microsoft.com/office/drawing/2014/main" id="{2D9775F3-A041-479A-8038-652B7D9C72E9}"/>
+                <a16:creationId xmlns:a16="http://schemas.microsoft.com/office/drawing/2014/main" xmlns="" id="{2D9775F3-A041-479A-8038-652B7D9C72E9}"/>
               </a:ext>
             </a:extLst>
           </p:cNvPr>
@@ -4943,7 +4943,7 @@
           <p:cNvPr id="6" name="Footer Placeholder 5">
             <a:extLst>
               <a:ext uri="{FF2B5EF4-FFF2-40B4-BE49-F238E27FC236}">
-                <a16:creationId xmlns="" xmlns:a16="http://schemas.microsoft.com/office/drawing/2014/main" id="{29BEDD04-BE4E-4B91-B13E-0C4FB3E1658F}"/>
+                <a16:creationId xmlns:a16="http://schemas.microsoft.com/office/drawing/2014/main" xmlns="" id="{29BEDD04-BE4E-4B91-B13E-0C4FB3E1658F}"/>
               </a:ext>
             </a:extLst>
           </p:cNvPr>
@@ -4971,7 +4971,7 @@
           <p:cNvPr id="7" name="Slide Number Placeholder 6">
             <a:extLst>
               <a:ext uri="{FF2B5EF4-FFF2-40B4-BE49-F238E27FC236}">
-                <a16:creationId xmlns="" xmlns:a16="http://schemas.microsoft.com/office/drawing/2014/main" id="{306DF5D8-12DC-494E-B0F1-2E9C86A14544}"/>
+                <a16:creationId xmlns:a16="http://schemas.microsoft.com/office/drawing/2014/main" xmlns="" id="{306DF5D8-12DC-494E-B0F1-2E9C86A14544}"/>
               </a:ext>
             </a:extLst>
           </p:cNvPr>
@@ -5000,7 +5000,7 @@
           <p:cNvPr id="8" name="Title 1">
             <a:extLst>
               <a:ext uri="{FF2B5EF4-FFF2-40B4-BE49-F238E27FC236}">
-                <a16:creationId xmlns="" xmlns:a16="http://schemas.microsoft.com/office/drawing/2014/main" id="{ABF87C9E-53A2-4DE1-89DC-3907BE2E3D3C}"/>
+                <a16:creationId xmlns:a16="http://schemas.microsoft.com/office/drawing/2014/main" xmlns="" id="{ABF87C9E-53A2-4DE1-89DC-3907BE2E3D3C}"/>
               </a:ext>
             </a:extLst>
           </p:cNvPr>
@@ -5039,7 +5039,7 @@
           <p:cNvPr id="9" name="Text Placeholder 2">
             <a:extLst>
               <a:ext uri="{FF2B5EF4-FFF2-40B4-BE49-F238E27FC236}">
-                <a16:creationId xmlns="" xmlns:a16="http://schemas.microsoft.com/office/drawing/2014/main" id="{EB453F8F-AA02-4E0D-93BF-8CF4F1490377}"/>
+                <a16:creationId xmlns:a16="http://schemas.microsoft.com/office/drawing/2014/main" xmlns="" id="{EB453F8F-AA02-4E0D-93BF-8CF4F1490377}"/>
               </a:ext>
             </a:extLst>
           </p:cNvPr>
@@ -5169,7 +5169,7 @@
           <p:cNvPr id="10" name="Picture Placeholder 10">
             <a:extLst>
               <a:ext uri="{FF2B5EF4-FFF2-40B4-BE49-F238E27FC236}">
-                <a16:creationId xmlns="" xmlns:a16="http://schemas.microsoft.com/office/drawing/2014/main" id="{A541F291-2E4B-474E-9ED0-55C97A2A066D}"/>
+                <a16:creationId xmlns:a16="http://schemas.microsoft.com/office/drawing/2014/main" xmlns="" id="{A541F291-2E4B-474E-9ED0-55C97A2A066D}"/>
               </a:ext>
             </a:extLst>
           </p:cNvPr>
@@ -5210,7 +5210,7 @@
           <p:cNvPr id="11" name="Group 10">
             <a:extLst>
               <a:ext uri="{FF2B5EF4-FFF2-40B4-BE49-F238E27FC236}">
-                <a16:creationId xmlns="" xmlns:a16="http://schemas.microsoft.com/office/drawing/2014/main" id="{59E4D57E-4989-4939-A31F-637543FAB606}"/>
+                <a16:creationId xmlns:a16="http://schemas.microsoft.com/office/drawing/2014/main" xmlns="" id="{59E4D57E-4989-4939-A31F-637543FAB606}"/>
               </a:ext>
             </a:extLst>
           </p:cNvPr>
@@ -5230,7 +5230,7 @@
             <p:cNvPr id="12" name="Straight Connector 11">
               <a:extLst>
                 <a:ext uri="{FF2B5EF4-FFF2-40B4-BE49-F238E27FC236}">
-                  <a16:creationId xmlns="" xmlns:a16="http://schemas.microsoft.com/office/drawing/2014/main" id="{370B72A7-B625-48B8-88E6-BCE2A4DD531E}"/>
+                  <a16:creationId xmlns:a16="http://schemas.microsoft.com/office/drawing/2014/main" xmlns="" id="{370B72A7-B625-48B8-88E6-BCE2A4DD531E}"/>
                 </a:ext>
               </a:extLst>
             </p:cNvPr>
@@ -5276,7 +5276,7 @@
             <p:cNvPr id="13" name="Oval 12">
               <a:extLst>
                 <a:ext uri="{FF2B5EF4-FFF2-40B4-BE49-F238E27FC236}">
-                  <a16:creationId xmlns="" xmlns:a16="http://schemas.microsoft.com/office/drawing/2014/main" id="{01ED729F-F8A5-4244-9776-4935C260F11F}"/>
+                  <a16:creationId xmlns:a16="http://schemas.microsoft.com/office/drawing/2014/main" xmlns="" id="{01ED729F-F8A5-4244-9776-4935C260F11F}"/>
                 </a:ext>
               </a:extLst>
             </p:cNvPr>
@@ -5337,7 +5337,7 @@
           <p:cNvPr id="17" name="Straight Connector 16">
             <a:extLst>
               <a:ext uri="{FF2B5EF4-FFF2-40B4-BE49-F238E27FC236}">
-                <a16:creationId xmlns="" xmlns:a16="http://schemas.microsoft.com/office/drawing/2014/main" id="{6150998C-CF95-4C6F-8962-8EB2DB30177D}"/>
+                <a16:creationId xmlns:a16="http://schemas.microsoft.com/office/drawing/2014/main" xmlns="" id="{6150998C-CF95-4C6F-8962-8EB2DB30177D}"/>
               </a:ext>
             </a:extLst>
           </p:cNvPr>
@@ -5381,7 +5381,7 @@
           <p:cNvPr id="18" name="Oval 17">
             <a:extLst>
               <a:ext uri="{FF2B5EF4-FFF2-40B4-BE49-F238E27FC236}">
-                <a16:creationId xmlns="" xmlns:a16="http://schemas.microsoft.com/office/drawing/2014/main" id="{F86A2ACD-8CF5-48A3-A678-E213A809B332}"/>
+                <a16:creationId xmlns:a16="http://schemas.microsoft.com/office/drawing/2014/main" xmlns="" id="{F86A2ACD-8CF5-48A3-A678-E213A809B332}"/>
               </a:ext>
             </a:extLst>
           </p:cNvPr>
@@ -5436,7 +5436,7 @@
           <p:cNvPr id="19" name="Straight Connector 18">
             <a:extLst>
               <a:ext uri="{FF2B5EF4-FFF2-40B4-BE49-F238E27FC236}">
-                <a16:creationId xmlns="" xmlns:a16="http://schemas.microsoft.com/office/drawing/2014/main" id="{F00811BB-0E37-4D70-84A5-97B3FBEDCBE6}"/>
+                <a16:creationId xmlns:a16="http://schemas.microsoft.com/office/drawing/2014/main" xmlns="" id="{F00811BB-0E37-4D70-84A5-97B3FBEDCBE6}"/>
               </a:ext>
             </a:extLst>
           </p:cNvPr>
@@ -5482,7 +5482,7 @@
           <p:cNvPr id="20" name="Oval 19">
             <a:extLst>
               <a:ext uri="{FF2B5EF4-FFF2-40B4-BE49-F238E27FC236}">
-                <a16:creationId xmlns="" xmlns:a16="http://schemas.microsoft.com/office/drawing/2014/main" id="{D03B3046-0457-4D23-8E0C-64E3FCD620BB}"/>
+                <a16:creationId xmlns:a16="http://schemas.microsoft.com/office/drawing/2014/main" xmlns="" id="{D03B3046-0457-4D23-8E0C-64E3FCD620BB}"/>
               </a:ext>
             </a:extLst>
           </p:cNvPr>
@@ -5537,7 +5537,7 @@
           <p:cNvPr id="34" name="Text Placeholder 2">
             <a:extLst>
               <a:ext uri="{FF2B5EF4-FFF2-40B4-BE49-F238E27FC236}">
-                <a16:creationId xmlns="" xmlns:a16="http://schemas.microsoft.com/office/drawing/2014/main" id="{B17B484C-F876-40B2-89DE-FC7A9E54C835}"/>
+                <a16:creationId xmlns:a16="http://schemas.microsoft.com/office/drawing/2014/main" xmlns="" id="{B17B484C-F876-40B2-89DE-FC7A9E54C835}"/>
               </a:ext>
             </a:extLst>
           </p:cNvPr>
@@ -5672,7 +5672,7 @@
           <p:cNvPr id="36" name="Text Placeholder 2">
             <a:extLst>
               <a:ext uri="{FF2B5EF4-FFF2-40B4-BE49-F238E27FC236}">
-                <a16:creationId xmlns="" xmlns:a16="http://schemas.microsoft.com/office/drawing/2014/main" id="{99E02476-A734-4A74-BC42-F104B37C8C19}"/>
+                <a16:creationId xmlns:a16="http://schemas.microsoft.com/office/drawing/2014/main" xmlns="" id="{99E02476-A734-4A74-BC42-F104B37C8C19}"/>
               </a:ext>
             </a:extLst>
           </p:cNvPr>
@@ -5805,7 +5805,7 @@
           <p:cNvPr id="23" name="Text Placeholder 2">
             <a:extLst>
               <a:ext uri="{FF2B5EF4-FFF2-40B4-BE49-F238E27FC236}">
-                <a16:creationId xmlns="" xmlns:a16="http://schemas.microsoft.com/office/drawing/2014/main" id="{ABD2EF23-562D-4049-92E3-48371C9E83A4}"/>
+                <a16:creationId xmlns:a16="http://schemas.microsoft.com/office/drawing/2014/main" xmlns="" id="{ABD2EF23-562D-4049-92E3-48371C9E83A4}"/>
               </a:ext>
             </a:extLst>
           </p:cNvPr>
@@ -5940,7 +5940,7 @@
           <p:cNvPr id="24" name="Text Placeholder 2">
             <a:extLst>
               <a:ext uri="{FF2B5EF4-FFF2-40B4-BE49-F238E27FC236}">
-                <a16:creationId xmlns="" xmlns:a16="http://schemas.microsoft.com/office/drawing/2014/main" id="{FB2A0B34-417C-46AC-95C0-9B2A2FCC8BFC}"/>
+                <a16:creationId xmlns:a16="http://schemas.microsoft.com/office/drawing/2014/main" xmlns="" id="{FB2A0B34-417C-46AC-95C0-9B2A2FCC8BFC}"/>
               </a:ext>
             </a:extLst>
           </p:cNvPr>
@@ -6103,7 +6103,7 @@
           <p:cNvPr id="15" name="Rectangle 14">
             <a:extLst>
               <a:ext uri="{FF2B5EF4-FFF2-40B4-BE49-F238E27FC236}">
-                <a16:creationId xmlns="" xmlns:a16="http://schemas.microsoft.com/office/drawing/2014/main" id="{E8E3FDB8-6D5C-48FE-99EA-7EC60F4D8191}"/>
+                <a16:creationId xmlns:a16="http://schemas.microsoft.com/office/drawing/2014/main" xmlns="" id="{E8E3FDB8-6D5C-48FE-99EA-7EC60F4D8191}"/>
               </a:ext>
             </a:extLst>
           </p:cNvPr>
@@ -6170,7 +6170,7 @@
           <p:cNvPr id="5" name="Date Placeholder 4">
             <a:extLst>
               <a:ext uri="{FF2B5EF4-FFF2-40B4-BE49-F238E27FC236}">
-                <a16:creationId xmlns="" xmlns:a16="http://schemas.microsoft.com/office/drawing/2014/main" id="{2D9775F3-A041-479A-8038-652B7D9C72E9}"/>
+                <a16:creationId xmlns:a16="http://schemas.microsoft.com/office/drawing/2014/main" xmlns="" id="{2D9775F3-A041-479A-8038-652B7D9C72E9}"/>
               </a:ext>
             </a:extLst>
           </p:cNvPr>
@@ -6198,7 +6198,7 @@
           <p:cNvPr id="6" name="Footer Placeholder 5">
             <a:extLst>
               <a:ext uri="{FF2B5EF4-FFF2-40B4-BE49-F238E27FC236}">
-                <a16:creationId xmlns="" xmlns:a16="http://schemas.microsoft.com/office/drawing/2014/main" id="{29BEDD04-BE4E-4B91-B13E-0C4FB3E1658F}"/>
+                <a16:creationId xmlns:a16="http://schemas.microsoft.com/office/drawing/2014/main" xmlns="" id="{29BEDD04-BE4E-4B91-B13E-0C4FB3E1658F}"/>
               </a:ext>
             </a:extLst>
           </p:cNvPr>
@@ -6226,7 +6226,7 @@
           <p:cNvPr id="7" name="Slide Number Placeholder 6">
             <a:extLst>
               <a:ext uri="{FF2B5EF4-FFF2-40B4-BE49-F238E27FC236}">
-                <a16:creationId xmlns="" xmlns:a16="http://schemas.microsoft.com/office/drawing/2014/main" id="{306DF5D8-12DC-494E-B0F1-2E9C86A14544}"/>
+                <a16:creationId xmlns:a16="http://schemas.microsoft.com/office/drawing/2014/main" xmlns="" id="{306DF5D8-12DC-494E-B0F1-2E9C86A14544}"/>
               </a:ext>
             </a:extLst>
           </p:cNvPr>
@@ -6255,7 +6255,7 @@
           <p:cNvPr id="8" name="Title 1">
             <a:extLst>
               <a:ext uri="{FF2B5EF4-FFF2-40B4-BE49-F238E27FC236}">
-                <a16:creationId xmlns="" xmlns:a16="http://schemas.microsoft.com/office/drawing/2014/main" id="{ABF87C9E-53A2-4DE1-89DC-3907BE2E3D3C}"/>
+                <a16:creationId xmlns:a16="http://schemas.microsoft.com/office/drawing/2014/main" xmlns="" id="{ABF87C9E-53A2-4DE1-89DC-3907BE2E3D3C}"/>
               </a:ext>
             </a:extLst>
           </p:cNvPr>
@@ -6294,7 +6294,7 @@
           <p:cNvPr id="11" name="Group 10">
             <a:extLst>
               <a:ext uri="{FF2B5EF4-FFF2-40B4-BE49-F238E27FC236}">
-                <a16:creationId xmlns="" xmlns:a16="http://schemas.microsoft.com/office/drawing/2014/main" id="{59E4D57E-4989-4939-A31F-637543FAB606}"/>
+                <a16:creationId xmlns:a16="http://schemas.microsoft.com/office/drawing/2014/main" xmlns="" id="{59E4D57E-4989-4939-A31F-637543FAB606}"/>
               </a:ext>
             </a:extLst>
           </p:cNvPr>
@@ -6314,7 +6314,7 @@
             <p:cNvPr id="12" name="Straight Connector 11">
               <a:extLst>
                 <a:ext uri="{FF2B5EF4-FFF2-40B4-BE49-F238E27FC236}">
-                  <a16:creationId xmlns="" xmlns:a16="http://schemas.microsoft.com/office/drawing/2014/main" id="{370B72A7-B625-48B8-88E6-BCE2A4DD531E}"/>
+                  <a16:creationId xmlns:a16="http://schemas.microsoft.com/office/drawing/2014/main" xmlns="" id="{370B72A7-B625-48B8-88E6-BCE2A4DD531E}"/>
                 </a:ext>
               </a:extLst>
             </p:cNvPr>
@@ -6360,7 +6360,7 @@
             <p:cNvPr id="13" name="Oval 12">
               <a:extLst>
                 <a:ext uri="{FF2B5EF4-FFF2-40B4-BE49-F238E27FC236}">
-                  <a16:creationId xmlns="" xmlns:a16="http://schemas.microsoft.com/office/drawing/2014/main" id="{01ED729F-F8A5-4244-9776-4935C260F11F}"/>
+                  <a16:creationId xmlns:a16="http://schemas.microsoft.com/office/drawing/2014/main" xmlns="" id="{01ED729F-F8A5-4244-9776-4935C260F11F}"/>
                 </a:ext>
               </a:extLst>
             </p:cNvPr>
@@ -6421,7 +6421,7 @@
           <p:cNvPr id="17" name="Straight Connector 16">
             <a:extLst>
               <a:ext uri="{FF2B5EF4-FFF2-40B4-BE49-F238E27FC236}">
-                <a16:creationId xmlns="" xmlns:a16="http://schemas.microsoft.com/office/drawing/2014/main" id="{6150998C-CF95-4C6F-8962-8EB2DB30177D}"/>
+                <a16:creationId xmlns:a16="http://schemas.microsoft.com/office/drawing/2014/main" xmlns="" id="{6150998C-CF95-4C6F-8962-8EB2DB30177D}"/>
               </a:ext>
             </a:extLst>
           </p:cNvPr>
@@ -6465,7 +6465,7 @@
           <p:cNvPr id="18" name="Oval 17">
             <a:extLst>
               <a:ext uri="{FF2B5EF4-FFF2-40B4-BE49-F238E27FC236}">
-                <a16:creationId xmlns="" xmlns:a16="http://schemas.microsoft.com/office/drawing/2014/main" id="{F86A2ACD-8CF5-48A3-A678-E213A809B332}"/>
+                <a16:creationId xmlns:a16="http://schemas.microsoft.com/office/drawing/2014/main" xmlns="" id="{F86A2ACD-8CF5-48A3-A678-E213A809B332}"/>
               </a:ext>
             </a:extLst>
           </p:cNvPr>
@@ -6520,7 +6520,7 @@
           <p:cNvPr id="19" name="Straight Connector 18">
             <a:extLst>
               <a:ext uri="{FF2B5EF4-FFF2-40B4-BE49-F238E27FC236}">
-                <a16:creationId xmlns="" xmlns:a16="http://schemas.microsoft.com/office/drawing/2014/main" id="{F00811BB-0E37-4D70-84A5-97B3FBEDCBE6}"/>
+                <a16:creationId xmlns:a16="http://schemas.microsoft.com/office/drawing/2014/main" xmlns="" id="{F00811BB-0E37-4D70-84A5-97B3FBEDCBE6}"/>
               </a:ext>
             </a:extLst>
           </p:cNvPr>
@@ -6566,7 +6566,7 @@
           <p:cNvPr id="20" name="Oval 19">
             <a:extLst>
               <a:ext uri="{FF2B5EF4-FFF2-40B4-BE49-F238E27FC236}">
-                <a16:creationId xmlns="" xmlns:a16="http://schemas.microsoft.com/office/drawing/2014/main" id="{D03B3046-0457-4D23-8E0C-64E3FCD620BB}"/>
+                <a16:creationId xmlns:a16="http://schemas.microsoft.com/office/drawing/2014/main" xmlns="" id="{D03B3046-0457-4D23-8E0C-64E3FCD620BB}"/>
               </a:ext>
             </a:extLst>
           </p:cNvPr>
@@ -6621,7 +6621,7 @@
           <p:cNvPr id="21" name="Picture Placeholder 11" descr="Competitors logos quadrant">
             <a:extLst>
               <a:ext uri="{FF2B5EF4-FFF2-40B4-BE49-F238E27FC236}">
-                <a16:creationId xmlns="" xmlns:a16="http://schemas.microsoft.com/office/drawing/2014/main" id="{58A093A6-410B-4E4B-BA54-D31E8313D9B1}"/>
+                <a16:creationId xmlns:a16="http://schemas.microsoft.com/office/drawing/2014/main" xmlns="" id="{58A093A6-410B-4E4B-BA54-D31E8313D9B1}"/>
               </a:ext>
             </a:extLst>
           </p:cNvPr>
@@ -6672,7 +6672,7 @@
           <p:cNvPr id="22" name="Picture Placeholder 11" descr="Competitors logos quadrant">
             <a:extLst>
               <a:ext uri="{FF2B5EF4-FFF2-40B4-BE49-F238E27FC236}">
-                <a16:creationId xmlns="" xmlns:a16="http://schemas.microsoft.com/office/drawing/2014/main" id="{C852F764-614E-4E0D-B231-E5EF9B5D3AFE}"/>
+                <a16:creationId xmlns:a16="http://schemas.microsoft.com/office/drawing/2014/main" xmlns="" id="{C852F764-614E-4E0D-B231-E5EF9B5D3AFE}"/>
               </a:ext>
             </a:extLst>
           </p:cNvPr>
@@ -6723,7 +6723,7 @@
           <p:cNvPr id="25" name="Picture Placeholder 11" descr="Competitors logos quadrant">
             <a:extLst>
               <a:ext uri="{FF2B5EF4-FFF2-40B4-BE49-F238E27FC236}">
-                <a16:creationId xmlns="" xmlns:a16="http://schemas.microsoft.com/office/drawing/2014/main" id="{0349F007-C349-4EF3-A61F-86C43BEB5478}"/>
+                <a16:creationId xmlns:a16="http://schemas.microsoft.com/office/drawing/2014/main" xmlns="" id="{0349F007-C349-4EF3-A61F-86C43BEB5478}"/>
               </a:ext>
             </a:extLst>
           </p:cNvPr>
@@ -6774,7 +6774,7 @@
           <p:cNvPr id="26" name="Picture Placeholder 11" descr="Competitors logos quadrant">
             <a:extLst>
               <a:ext uri="{FF2B5EF4-FFF2-40B4-BE49-F238E27FC236}">
-                <a16:creationId xmlns="" xmlns:a16="http://schemas.microsoft.com/office/drawing/2014/main" id="{FEA8BDDC-623F-4C67-AD04-E7801B537019}"/>
+                <a16:creationId xmlns:a16="http://schemas.microsoft.com/office/drawing/2014/main" xmlns="" id="{FEA8BDDC-623F-4C67-AD04-E7801B537019}"/>
               </a:ext>
             </a:extLst>
           </p:cNvPr>
@@ -6825,7 +6825,7 @@
           <p:cNvPr id="27" name="Picture Placeholder 11" descr="Competitors logos quadrant">
             <a:extLst>
               <a:ext uri="{FF2B5EF4-FFF2-40B4-BE49-F238E27FC236}">
-                <a16:creationId xmlns="" xmlns:a16="http://schemas.microsoft.com/office/drawing/2014/main" id="{28B0D00B-97E7-4133-B35A-AC2EF334CD2B}"/>
+                <a16:creationId xmlns:a16="http://schemas.microsoft.com/office/drawing/2014/main" xmlns="" id="{28B0D00B-97E7-4133-B35A-AC2EF334CD2B}"/>
               </a:ext>
             </a:extLst>
           </p:cNvPr>
@@ -6876,7 +6876,7 @@
           <p:cNvPr id="28" name="Picture Placeholder 11" descr="Competitors logos quadrant">
             <a:extLst>
               <a:ext uri="{FF2B5EF4-FFF2-40B4-BE49-F238E27FC236}">
-                <a16:creationId xmlns="" xmlns:a16="http://schemas.microsoft.com/office/drawing/2014/main" id="{8D1A7417-EFAD-46F6-ADA5-117D4C7B1A9D}"/>
+                <a16:creationId xmlns:a16="http://schemas.microsoft.com/office/drawing/2014/main" xmlns="" id="{8D1A7417-EFAD-46F6-ADA5-117D4C7B1A9D}"/>
               </a:ext>
             </a:extLst>
           </p:cNvPr>
@@ -6927,7 +6927,7 @@
           <p:cNvPr id="29" name="Text Placeholder 7">
             <a:extLst>
               <a:ext uri="{FF2B5EF4-FFF2-40B4-BE49-F238E27FC236}">
-                <a16:creationId xmlns="" xmlns:a16="http://schemas.microsoft.com/office/drawing/2014/main" id="{D4B80E14-BBC8-42CC-8777-FFF50D168A09}"/>
+                <a16:creationId xmlns:a16="http://schemas.microsoft.com/office/drawing/2014/main" xmlns="" id="{D4B80E14-BBC8-42CC-8777-FFF50D168A09}"/>
               </a:ext>
             </a:extLst>
           </p:cNvPr>
@@ -6986,7 +6986,7 @@
           <p:cNvPr id="30" name="Text Placeholder 7">
             <a:extLst>
               <a:ext uri="{FF2B5EF4-FFF2-40B4-BE49-F238E27FC236}">
-                <a16:creationId xmlns="" xmlns:a16="http://schemas.microsoft.com/office/drawing/2014/main" id="{95033551-3DD0-4EBE-8DFD-9335F8BA9268}"/>
+                <a16:creationId xmlns:a16="http://schemas.microsoft.com/office/drawing/2014/main" xmlns="" id="{95033551-3DD0-4EBE-8DFD-9335F8BA9268}"/>
               </a:ext>
             </a:extLst>
           </p:cNvPr>
@@ -7045,7 +7045,7 @@
           <p:cNvPr id="31" name="Text Placeholder 7">
             <a:extLst>
               <a:ext uri="{FF2B5EF4-FFF2-40B4-BE49-F238E27FC236}">
-                <a16:creationId xmlns="" xmlns:a16="http://schemas.microsoft.com/office/drawing/2014/main" id="{CC507E62-D7F3-4E81-8DE2-5A7084588A33}"/>
+                <a16:creationId xmlns:a16="http://schemas.microsoft.com/office/drawing/2014/main" xmlns="" id="{CC507E62-D7F3-4E81-8DE2-5A7084588A33}"/>
               </a:ext>
             </a:extLst>
           </p:cNvPr>
@@ -7104,7 +7104,7 @@
           <p:cNvPr id="32" name="Picture Placeholder 13">
             <a:extLst>
               <a:ext uri="{FF2B5EF4-FFF2-40B4-BE49-F238E27FC236}">
-                <a16:creationId xmlns="" xmlns:a16="http://schemas.microsoft.com/office/drawing/2014/main" id="{61EF622D-8E08-41C3-BEBA-2274C2AB487A}"/>
+                <a16:creationId xmlns:a16="http://schemas.microsoft.com/office/drawing/2014/main" xmlns="" id="{61EF622D-8E08-41C3-BEBA-2274C2AB487A}"/>
               </a:ext>
             </a:extLst>
           </p:cNvPr>
@@ -7153,7 +7153,7 @@
           <p:cNvPr id="33" name="Text Placeholder 7">
             <a:extLst>
               <a:ext uri="{FF2B5EF4-FFF2-40B4-BE49-F238E27FC236}">
-                <a16:creationId xmlns="" xmlns:a16="http://schemas.microsoft.com/office/drawing/2014/main" id="{690ADA54-0156-49A9-AEF7-A4972EEB15AA}"/>
+                <a16:creationId xmlns:a16="http://schemas.microsoft.com/office/drawing/2014/main" xmlns="" id="{690ADA54-0156-49A9-AEF7-A4972EEB15AA}"/>
               </a:ext>
             </a:extLst>
           </p:cNvPr>
@@ -7212,7 +7212,7 @@
           <p:cNvPr id="4" name="Group 3">
             <a:extLst>
               <a:ext uri="{FF2B5EF4-FFF2-40B4-BE49-F238E27FC236}">
-                <a16:creationId xmlns="" xmlns:a16="http://schemas.microsoft.com/office/drawing/2014/main" id="{32193FB7-0142-40DD-9186-F3156B0AE4B0}"/>
+                <a16:creationId xmlns:a16="http://schemas.microsoft.com/office/drawing/2014/main" xmlns="" id="{32193FB7-0142-40DD-9186-F3156B0AE4B0}"/>
               </a:ext>
             </a:extLst>
           </p:cNvPr>
@@ -7232,7 +7232,7 @@
             <p:cNvPr id="3" name="Straight Connector 2">
               <a:extLst>
                 <a:ext uri="{FF2B5EF4-FFF2-40B4-BE49-F238E27FC236}">
-                  <a16:creationId xmlns="" xmlns:a16="http://schemas.microsoft.com/office/drawing/2014/main" id="{CD1389D4-2EB7-40E2-B21B-4EE70FCA2236}"/>
+                  <a16:creationId xmlns:a16="http://schemas.microsoft.com/office/drawing/2014/main" xmlns="" id="{CD1389D4-2EB7-40E2-B21B-4EE70FCA2236}"/>
                 </a:ext>
               </a:extLst>
             </p:cNvPr>
@@ -7275,7 +7275,7 @@
             <p:cNvPr id="35" name="Oval 34">
               <a:extLst>
                 <a:ext uri="{FF2B5EF4-FFF2-40B4-BE49-F238E27FC236}">
-                  <a16:creationId xmlns="" xmlns:a16="http://schemas.microsoft.com/office/drawing/2014/main" id="{BA48E795-AD00-4819-94E4-A5211D331715}"/>
+                  <a16:creationId xmlns:a16="http://schemas.microsoft.com/office/drawing/2014/main" xmlns="" id="{BA48E795-AD00-4819-94E4-A5211D331715}"/>
                 </a:ext>
               </a:extLst>
             </p:cNvPr>
@@ -7333,7 +7333,7 @@
           <p:cNvPr id="37" name="Group 36">
             <a:extLst>
               <a:ext uri="{FF2B5EF4-FFF2-40B4-BE49-F238E27FC236}">
-                <a16:creationId xmlns="" xmlns:a16="http://schemas.microsoft.com/office/drawing/2014/main" id="{41BD97BD-35F4-4534-8B74-24D44A99BC58}"/>
+                <a16:creationId xmlns:a16="http://schemas.microsoft.com/office/drawing/2014/main" xmlns="" id="{41BD97BD-35F4-4534-8B74-24D44A99BC58}"/>
               </a:ext>
             </a:extLst>
           </p:cNvPr>
@@ -7353,7 +7353,7 @@
             <p:cNvPr id="38" name="Straight Connector 37">
               <a:extLst>
                 <a:ext uri="{FF2B5EF4-FFF2-40B4-BE49-F238E27FC236}">
-                  <a16:creationId xmlns="" xmlns:a16="http://schemas.microsoft.com/office/drawing/2014/main" id="{D8351F13-467F-49F8-8279-C5B29A51798F}"/>
+                  <a16:creationId xmlns:a16="http://schemas.microsoft.com/office/drawing/2014/main" xmlns="" id="{D8351F13-467F-49F8-8279-C5B29A51798F}"/>
                 </a:ext>
               </a:extLst>
             </p:cNvPr>
@@ -7396,7 +7396,7 @@
             <p:cNvPr id="39" name="Oval 38">
               <a:extLst>
                 <a:ext uri="{FF2B5EF4-FFF2-40B4-BE49-F238E27FC236}">
-                  <a16:creationId xmlns="" xmlns:a16="http://schemas.microsoft.com/office/drawing/2014/main" id="{09AA12FA-7959-4581-B344-DF9E7B0AD37A}"/>
+                  <a16:creationId xmlns:a16="http://schemas.microsoft.com/office/drawing/2014/main" xmlns="" id="{09AA12FA-7959-4581-B344-DF9E7B0AD37A}"/>
                 </a:ext>
               </a:extLst>
             </p:cNvPr>
@@ -7484,7 +7484,7 @@
           <p:cNvPr id="7" name="Rectangle 6">
             <a:extLst>
               <a:ext uri="{FF2B5EF4-FFF2-40B4-BE49-F238E27FC236}">
-                <a16:creationId xmlns="" xmlns:a16="http://schemas.microsoft.com/office/drawing/2014/main" id="{09F1B35C-893A-4033-ADC0-2192AFA29271}"/>
+                <a16:creationId xmlns:a16="http://schemas.microsoft.com/office/drawing/2014/main" xmlns="" id="{09F1B35C-893A-4033-ADC0-2192AFA29271}"/>
               </a:ext>
             </a:extLst>
           </p:cNvPr>
@@ -7551,7 +7551,7 @@
           <p:cNvPr id="2" name="Title 1">
             <a:extLst>
               <a:ext uri="{FF2B5EF4-FFF2-40B4-BE49-F238E27FC236}">
-                <a16:creationId xmlns="" xmlns:a16="http://schemas.microsoft.com/office/drawing/2014/main" id="{CD637DF8-B064-4F36-89F8-EBF538A2E7F2}"/>
+                <a16:creationId xmlns:a16="http://schemas.microsoft.com/office/drawing/2014/main" xmlns="" id="{CD637DF8-B064-4F36-89F8-EBF538A2E7F2}"/>
               </a:ext>
             </a:extLst>
           </p:cNvPr>
@@ -7590,7 +7590,7 @@
           <p:cNvPr id="3" name="Text Placeholder 2">
             <a:extLst>
               <a:ext uri="{FF2B5EF4-FFF2-40B4-BE49-F238E27FC236}">
-                <a16:creationId xmlns="" xmlns:a16="http://schemas.microsoft.com/office/drawing/2014/main" id="{8A72532A-5006-46B7-AE99-3A6891CD0254}"/>
+                <a16:creationId xmlns:a16="http://schemas.microsoft.com/office/drawing/2014/main" xmlns="" id="{8A72532A-5006-46B7-AE99-3A6891CD0254}"/>
               </a:ext>
             </a:extLst>
           </p:cNvPr>
@@ -7720,7 +7720,7 @@
           <p:cNvPr id="4" name="Date Placeholder 3">
             <a:extLst>
               <a:ext uri="{FF2B5EF4-FFF2-40B4-BE49-F238E27FC236}">
-                <a16:creationId xmlns="" xmlns:a16="http://schemas.microsoft.com/office/drawing/2014/main" id="{49EFC6D7-3241-401C-A16A-4A7CC2653954}"/>
+                <a16:creationId xmlns:a16="http://schemas.microsoft.com/office/drawing/2014/main" xmlns="" id="{49EFC6D7-3241-401C-A16A-4A7CC2653954}"/>
               </a:ext>
             </a:extLst>
           </p:cNvPr>
@@ -7748,7 +7748,7 @@
           <p:cNvPr id="5" name="Footer Placeholder 4">
             <a:extLst>
               <a:ext uri="{FF2B5EF4-FFF2-40B4-BE49-F238E27FC236}">
-                <a16:creationId xmlns="" xmlns:a16="http://schemas.microsoft.com/office/drawing/2014/main" id="{F345D6DC-ABA5-4D00-9CD3-92FFDD1FA2DC}"/>
+                <a16:creationId xmlns:a16="http://schemas.microsoft.com/office/drawing/2014/main" xmlns="" id="{F345D6DC-ABA5-4D00-9CD3-92FFDD1FA2DC}"/>
               </a:ext>
             </a:extLst>
           </p:cNvPr>
@@ -7776,7 +7776,7 @@
           <p:cNvPr id="6" name="Slide Number Placeholder 5">
             <a:extLst>
               <a:ext uri="{FF2B5EF4-FFF2-40B4-BE49-F238E27FC236}">
-                <a16:creationId xmlns="" xmlns:a16="http://schemas.microsoft.com/office/drawing/2014/main" id="{92459C86-0106-40E0-AA18-795EC5787677}"/>
+                <a16:creationId xmlns:a16="http://schemas.microsoft.com/office/drawing/2014/main" xmlns="" id="{92459C86-0106-40E0-AA18-795EC5787677}"/>
               </a:ext>
             </a:extLst>
           </p:cNvPr>
@@ -7805,7 +7805,7 @@
           <p:cNvPr id="11" name="Picture Placeholder 10">
             <a:extLst>
               <a:ext uri="{FF2B5EF4-FFF2-40B4-BE49-F238E27FC236}">
-                <a16:creationId xmlns="" xmlns:a16="http://schemas.microsoft.com/office/drawing/2014/main" id="{6D14F7B3-A6CF-491C-9855-75B5784CC456}"/>
+                <a16:creationId xmlns:a16="http://schemas.microsoft.com/office/drawing/2014/main" xmlns="" id="{6D14F7B3-A6CF-491C-9855-75B5784CC456}"/>
               </a:ext>
             </a:extLst>
           </p:cNvPr>
@@ -7846,7 +7846,7 @@
           <p:cNvPr id="15" name="Group 14">
             <a:extLst>
               <a:ext uri="{FF2B5EF4-FFF2-40B4-BE49-F238E27FC236}">
-                <a16:creationId xmlns="" xmlns:a16="http://schemas.microsoft.com/office/drawing/2014/main" id="{B7317392-EF87-4050-8BBE-32F74B0CF15A}"/>
+                <a16:creationId xmlns:a16="http://schemas.microsoft.com/office/drawing/2014/main" xmlns="" id="{B7317392-EF87-4050-8BBE-32F74B0CF15A}"/>
               </a:ext>
             </a:extLst>
           </p:cNvPr>
@@ -7866,7 +7866,7 @@
             <p:cNvPr id="13" name="Straight Connector 12">
               <a:extLst>
                 <a:ext uri="{FF2B5EF4-FFF2-40B4-BE49-F238E27FC236}">
-                  <a16:creationId xmlns="" xmlns:a16="http://schemas.microsoft.com/office/drawing/2014/main" id="{785A4134-866D-4143-AC1E-8A2FFDB49855}"/>
+                  <a16:creationId xmlns:a16="http://schemas.microsoft.com/office/drawing/2014/main" xmlns="" id="{785A4134-866D-4143-AC1E-8A2FFDB49855}"/>
                 </a:ext>
               </a:extLst>
             </p:cNvPr>
@@ -7910,7 +7910,7 @@
             <p:cNvPr id="14" name="Oval 13">
               <a:extLst>
                 <a:ext uri="{FF2B5EF4-FFF2-40B4-BE49-F238E27FC236}">
-                  <a16:creationId xmlns="" xmlns:a16="http://schemas.microsoft.com/office/drawing/2014/main" id="{1BBC5D9C-B8FB-455B-9398-36DB21F2765E}"/>
+                  <a16:creationId xmlns:a16="http://schemas.microsoft.com/office/drawing/2014/main" xmlns="" id="{1BBC5D9C-B8FB-455B-9398-36DB21F2765E}"/>
                 </a:ext>
               </a:extLst>
             </p:cNvPr>
@@ -7971,7 +7971,7 @@
           <p:cNvPr id="17" name="Oval 16">
             <a:extLst>
               <a:ext uri="{FF2B5EF4-FFF2-40B4-BE49-F238E27FC236}">
-                <a16:creationId xmlns="" xmlns:a16="http://schemas.microsoft.com/office/drawing/2014/main" id="{72225750-E4CE-4A81-A0C3-4023030D637E}"/>
+                <a16:creationId xmlns:a16="http://schemas.microsoft.com/office/drawing/2014/main" xmlns="" id="{72225750-E4CE-4A81-A0C3-4023030D637E}"/>
               </a:ext>
             </a:extLst>
           </p:cNvPr>
@@ -8026,7 +8026,7 @@
           <p:cNvPr id="18" name="Straight Connector 17">
             <a:extLst>
               <a:ext uri="{FF2B5EF4-FFF2-40B4-BE49-F238E27FC236}">
-                <a16:creationId xmlns="" xmlns:a16="http://schemas.microsoft.com/office/drawing/2014/main" id="{3819C324-07DF-49DB-A08C-0E6155CE3041}"/>
+                <a16:creationId xmlns:a16="http://schemas.microsoft.com/office/drawing/2014/main" xmlns="" id="{3819C324-07DF-49DB-A08C-0E6155CE3041}"/>
               </a:ext>
             </a:extLst>
           </p:cNvPr>
@@ -8070,7 +8070,7 @@
           <p:cNvPr id="19" name="Oval 18">
             <a:extLst>
               <a:ext uri="{FF2B5EF4-FFF2-40B4-BE49-F238E27FC236}">
-                <a16:creationId xmlns="" xmlns:a16="http://schemas.microsoft.com/office/drawing/2014/main" id="{75A34025-44F2-4A09-8629-F1794E9D35AF}"/>
+                <a16:creationId xmlns:a16="http://schemas.microsoft.com/office/drawing/2014/main" xmlns="" id="{75A34025-44F2-4A09-8629-F1794E9D35AF}"/>
               </a:ext>
             </a:extLst>
           </p:cNvPr>
@@ -8125,7 +8125,7 @@
           <p:cNvPr id="20" name="Straight Connector 19">
             <a:extLst>
               <a:ext uri="{FF2B5EF4-FFF2-40B4-BE49-F238E27FC236}">
-                <a16:creationId xmlns="" xmlns:a16="http://schemas.microsoft.com/office/drawing/2014/main" id="{815854A2-EAE9-4B2A-84CF-5A4BD753863A}"/>
+                <a16:creationId xmlns:a16="http://schemas.microsoft.com/office/drawing/2014/main" xmlns="" id="{815854A2-EAE9-4B2A-84CF-5A4BD753863A}"/>
               </a:ext>
             </a:extLst>
           </p:cNvPr>
@@ -8171,7 +8171,7 @@
           <p:cNvPr id="21" name="Text Placeholder 15">
             <a:extLst>
               <a:ext uri="{FF2B5EF4-FFF2-40B4-BE49-F238E27FC236}">
-                <a16:creationId xmlns="" xmlns:a16="http://schemas.microsoft.com/office/drawing/2014/main" id="{DA80730C-5AC9-41A0-ACC5-624F0652D685}"/>
+                <a16:creationId xmlns:a16="http://schemas.microsoft.com/office/drawing/2014/main" xmlns="" id="{DA80730C-5AC9-41A0-ACC5-624F0652D685}"/>
               </a:ext>
             </a:extLst>
           </p:cNvPr>
@@ -8228,7 +8228,7 @@
           <p:cNvPr id="22" name="Text Placeholder 15">
             <a:extLst>
               <a:ext uri="{FF2B5EF4-FFF2-40B4-BE49-F238E27FC236}">
-                <a16:creationId xmlns="" xmlns:a16="http://schemas.microsoft.com/office/drawing/2014/main" id="{515B23A8-23EB-4E6E-A24C-4154570D7DC0}"/>
+                <a16:creationId xmlns:a16="http://schemas.microsoft.com/office/drawing/2014/main" xmlns="" id="{515B23A8-23EB-4E6E-A24C-4154570D7DC0}"/>
               </a:ext>
             </a:extLst>
           </p:cNvPr>
@@ -8285,7 +8285,7 @@
           <p:cNvPr id="23" name="Text Placeholder 15">
             <a:extLst>
               <a:ext uri="{FF2B5EF4-FFF2-40B4-BE49-F238E27FC236}">
-                <a16:creationId xmlns="" xmlns:a16="http://schemas.microsoft.com/office/drawing/2014/main" id="{C12919ED-FD55-4081-BB4A-2B2FDA3BED17}"/>
+                <a16:creationId xmlns:a16="http://schemas.microsoft.com/office/drawing/2014/main" xmlns="" id="{C12919ED-FD55-4081-BB4A-2B2FDA3BED17}"/>
               </a:ext>
             </a:extLst>
           </p:cNvPr>
@@ -8342,7 +8342,7 @@
           <p:cNvPr id="24" name="Straight Connector 23">
             <a:extLst>
               <a:ext uri="{FF2B5EF4-FFF2-40B4-BE49-F238E27FC236}">
-                <a16:creationId xmlns="" xmlns:a16="http://schemas.microsoft.com/office/drawing/2014/main" id="{56A6259C-432B-4405-9E82-995AF092FB7A}"/>
+                <a16:creationId xmlns:a16="http://schemas.microsoft.com/office/drawing/2014/main" xmlns="" id="{56A6259C-432B-4405-9E82-995AF092FB7A}"/>
               </a:ext>
             </a:extLst>
           </p:cNvPr>
@@ -8385,7 +8385,7 @@
           <p:cNvPr id="25" name="Straight Connector 24">
             <a:extLst>
               <a:ext uri="{FF2B5EF4-FFF2-40B4-BE49-F238E27FC236}">
-                <a16:creationId xmlns="" xmlns:a16="http://schemas.microsoft.com/office/drawing/2014/main" id="{13BC485E-8BCE-479F-A7E9-7F9E193E6E96}"/>
+                <a16:creationId xmlns:a16="http://schemas.microsoft.com/office/drawing/2014/main" xmlns="" id="{13BC485E-8BCE-479F-A7E9-7F9E193E6E96}"/>
               </a:ext>
             </a:extLst>
           </p:cNvPr>
@@ -8428,7 +8428,7 @@
           <p:cNvPr id="26" name="Straight Connector 25">
             <a:extLst>
               <a:ext uri="{FF2B5EF4-FFF2-40B4-BE49-F238E27FC236}">
-                <a16:creationId xmlns="" xmlns:a16="http://schemas.microsoft.com/office/drawing/2014/main" id="{D5094BC6-BA16-4E05-868C-3AE971AF3DA4}"/>
+                <a16:creationId xmlns:a16="http://schemas.microsoft.com/office/drawing/2014/main" xmlns="" id="{D5094BC6-BA16-4E05-868C-3AE971AF3DA4}"/>
               </a:ext>
             </a:extLst>
           </p:cNvPr>
@@ -8471,7 +8471,7 @@
           <p:cNvPr id="27" name="Straight Connector 26">
             <a:extLst>
               <a:ext uri="{FF2B5EF4-FFF2-40B4-BE49-F238E27FC236}">
-                <a16:creationId xmlns="" xmlns:a16="http://schemas.microsoft.com/office/drawing/2014/main" id="{F9130EC6-4A8D-447F-862E-E5A693E68C8C}"/>
+                <a16:creationId xmlns:a16="http://schemas.microsoft.com/office/drawing/2014/main" xmlns="" id="{F9130EC6-4A8D-447F-862E-E5A693E68C8C}"/>
               </a:ext>
             </a:extLst>
           </p:cNvPr>
@@ -8514,7 +8514,7 @@
           <p:cNvPr id="29" name="Text Placeholder 2">
             <a:extLst>
               <a:ext uri="{FF2B5EF4-FFF2-40B4-BE49-F238E27FC236}">
-                <a16:creationId xmlns="" xmlns:a16="http://schemas.microsoft.com/office/drawing/2014/main" id="{1B29C9C1-9494-4E8B-A0F3-611E947A19B3}"/>
+                <a16:creationId xmlns:a16="http://schemas.microsoft.com/office/drawing/2014/main" xmlns="" id="{1B29C9C1-9494-4E8B-A0F3-611E947A19B3}"/>
               </a:ext>
             </a:extLst>
           </p:cNvPr>
@@ -8649,7 +8649,7 @@
           <p:cNvPr id="30" name="Text Placeholder 2">
             <a:extLst>
               <a:ext uri="{FF2B5EF4-FFF2-40B4-BE49-F238E27FC236}">
-                <a16:creationId xmlns="" xmlns:a16="http://schemas.microsoft.com/office/drawing/2014/main" id="{ABB09D16-148A-45C2-B0B8-1495E8DC7D64}"/>
+                <a16:creationId xmlns:a16="http://schemas.microsoft.com/office/drawing/2014/main" xmlns="" id="{ABB09D16-148A-45C2-B0B8-1495E8DC7D64}"/>
               </a:ext>
             </a:extLst>
           </p:cNvPr>
@@ -8783,7 +8783,7 @@
           <p:cNvPr id="31" name="Text Placeholder 2">
             <a:extLst>
               <a:ext uri="{FF2B5EF4-FFF2-40B4-BE49-F238E27FC236}">
-                <a16:creationId xmlns="" xmlns:a16="http://schemas.microsoft.com/office/drawing/2014/main" id="{67814C7C-3597-4B16-A4AC-D81985C587BD}"/>
+                <a16:creationId xmlns:a16="http://schemas.microsoft.com/office/drawing/2014/main" xmlns="" id="{67814C7C-3597-4B16-A4AC-D81985C587BD}"/>
               </a:ext>
             </a:extLst>
           </p:cNvPr>
@@ -8916,7 +8916,7 @@
           <p:cNvPr id="43" name="Text Placeholder 2">
             <a:extLst>
               <a:ext uri="{FF2B5EF4-FFF2-40B4-BE49-F238E27FC236}">
-                <a16:creationId xmlns="" xmlns:a16="http://schemas.microsoft.com/office/drawing/2014/main" id="{EFE2A8C5-F462-436C-B748-BBE5D58CB8B4}"/>
+                <a16:creationId xmlns:a16="http://schemas.microsoft.com/office/drawing/2014/main" xmlns="" id="{EFE2A8C5-F462-436C-B748-BBE5D58CB8B4}"/>
               </a:ext>
             </a:extLst>
           </p:cNvPr>
@@ -9051,7 +9051,7 @@
           <p:cNvPr id="44" name="Text Placeholder 2">
             <a:extLst>
               <a:ext uri="{FF2B5EF4-FFF2-40B4-BE49-F238E27FC236}">
-                <a16:creationId xmlns="" xmlns:a16="http://schemas.microsoft.com/office/drawing/2014/main" id="{586DAC0D-9859-40A1-8456-F0B43D96718B}"/>
+                <a16:creationId xmlns:a16="http://schemas.microsoft.com/office/drawing/2014/main" xmlns="" id="{586DAC0D-9859-40A1-8456-F0B43D96718B}"/>
               </a:ext>
             </a:extLst>
           </p:cNvPr>
@@ -9185,7 +9185,7 @@
           <p:cNvPr id="45" name="Text Placeholder 2">
             <a:extLst>
               <a:ext uri="{FF2B5EF4-FFF2-40B4-BE49-F238E27FC236}">
-                <a16:creationId xmlns="" xmlns:a16="http://schemas.microsoft.com/office/drawing/2014/main" id="{37B983EE-F89D-4F09-8A9F-2347FA364217}"/>
+                <a16:creationId xmlns:a16="http://schemas.microsoft.com/office/drawing/2014/main" xmlns="" id="{37B983EE-F89D-4F09-8A9F-2347FA364217}"/>
               </a:ext>
             </a:extLst>
           </p:cNvPr>
@@ -9318,7 +9318,7 @@
           <p:cNvPr id="46" name="Text Placeholder 2">
             <a:extLst>
               <a:ext uri="{FF2B5EF4-FFF2-40B4-BE49-F238E27FC236}">
-                <a16:creationId xmlns="" xmlns:a16="http://schemas.microsoft.com/office/drawing/2014/main" id="{D30DD128-A937-4A2F-B070-523A5BAAE260}"/>
+                <a16:creationId xmlns:a16="http://schemas.microsoft.com/office/drawing/2014/main" xmlns="" id="{D30DD128-A937-4A2F-B070-523A5BAAE260}"/>
               </a:ext>
             </a:extLst>
           </p:cNvPr>
@@ -9453,7 +9453,7 @@
           <p:cNvPr id="47" name="Text Placeholder 2">
             <a:extLst>
               <a:ext uri="{FF2B5EF4-FFF2-40B4-BE49-F238E27FC236}">
-                <a16:creationId xmlns="" xmlns:a16="http://schemas.microsoft.com/office/drawing/2014/main" id="{5737B87C-E3C0-46B2-8B79-63EB60491503}"/>
+                <a16:creationId xmlns:a16="http://schemas.microsoft.com/office/drawing/2014/main" xmlns="" id="{5737B87C-E3C0-46B2-8B79-63EB60491503}"/>
               </a:ext>
             </a:extLst>
           </p:cNvPr>
@@ -9587,7 +9587,7 @@
           <p:cNvPr id="48" name="Text Placeholder 2">
             <a:extLst>
               <a:ext uri="{FF2B5EF4-FFF2-40B4-BE49-F238E27FC236}">
-                <a16:creationId xmlns="" xmlns:a16="http://schemas.microsoft.com/office/drawing/2014/main" id="{22F76863-7DCD-4365-80F0-001D51F08779}"/>
+                <a16:creationId xmlns:a16="http://schemas.microsoft.com/office/drawing/2014/main" xmlns="" id="{22F76863-7DCD-4365-80F0-001D51F08779}"/>
               </a:ext>
             </a:extLst>
           </p:cNvPr>
@@ -9750,7 +9750,7 @@
           <p:cNvPr id="15" name="Rectangle 14">
             <a:extLst>
               <a:ext uri="{FF2B5EF4-FFF2-40B4-BE49-F238E27FC236}">
-                <a16:creationId xmlns="" xmlns:a16="http://schemas.microsoft.com/office/drawing/2014/main" id="{E8E3FDB8-6D5C-48FE-99EA-7EC60F4D8191}"/>
+                <a16:creationId xmlns:a16="http://schemas.microsoft.com/office/drawing/2014/main" xmlns="" id="{E8E3FDB8-6D5C-48FE-99EA-7EC60F4D8191}"/>
               </a:ext>
             </a:extLst>
           </p:cNvPr>
@@ -9817,7 +9817,7 @@
           <p:cNvPr id="5" name="Date Placeholder 4">
             <a:extLst>
               <a:ext uri="{FF2B5EF4-FFF2-40B4-BE49-F238E27FC236}">
-                <a16:creationId xmlns="" xmlns:a16="http://schemas.microsoft.com/office/drawing/2014/main" id="{2D9775F3-A041-479A-8038-652B7D9C72E9}"/>
+                <a16:creationId xmlns:a16="http://schemas.microsoft.com/office/drawing/2014/main" xmlns="" id="{2D9775F3-A041-479A-8038-652B7D9C72E9}"/>
               </a:ext>
             </a:extLst>
           </p:cNvPr>
@@ -9845,7 +9845,7 @@
           <p:cNvPr id="6" name="Footer Placeholder 5">
             <a:extLst>
               <a:ext uri="{FF2B5EF4-FFF2-40B4-BE49-F238E27FC236}">
-                <a16:creationId xmlns="" xmlns:a16="http://schemas.microsoft.com/office/drawing/2014/main" id="{29BEDD04-BE4E-4B91-B13E-0C4FB3E1658F}"/>
+                <a16:creationId xmlns:a16="http://schemas.microsoft.com/office/drawing/2014/main" xmlns="" id="{29BEDD04-BE4E-4B91-B13E-0C4FB3E1658F}"/>
               </a:ext>
             </a:extLst>
           </p:cNvPr>
@@ -9873,7 +9873,7 @@
           <p:cNvPr id="7" name="Slide Number Placeholder 6">
             <a:extLst>
               <a:ext uri="{FF2B5EF4-FFF2-40B4-BE49-F238E27FC236}">
-                <a16:creationId xmlns="" xmlns:a16="http://schemas.microsoft.com/office/drawing/2014/main" id="{306DF5D8-12DC-494E-B0F1-2E9C86A14544}"/>
+                <a16:creationId xmlns:a16="http://schemas.microsoft.com/office/drawing/2014/main" xmlns="" id="{306DF5D8-12DC-494E-B0F1-2E9C86A14544}"/>
               </a:ext>
             </a:extLst>
           </p:cNvPr>
@@ -9902,7 +9902,7 @@
           <p:cNvPr id="8" name="Title 1">
             <a:extLst>
               <a:ext uri="{FF2B5EF4-FFF2-40B4-BE49-F238E27FC236}">
-                <a16:creationId xmlns="" xmlns:a16="http://schemas.microsoft.com/office/drawing/2014/main" id="{ABF87C9E-53A2-4DE1-89DC-3907BE2E3D3C}"/>
+                <a16:creationId xmlns:a16="http://schemas.microsoft.com/office/drawing/2014/main" xmlns="" id="{ABF87C9E-53A2-4DE1-89DC-3907BE2E3D3C}"/>
               </a:ext>
             </a:extLst>
           </p:cNvPr>
@@ -9941,7 +9941,7 @@
           <p:cNvPr id="10" name="Picture Placeholder 10">
             <a:extLst>
               <a:ext uri="{FF2B5EF4-FFF2-40B4-BE49-F238E27FC236}">
-                <a16:creationId xmlns="" xmlns:a16="http://schemas.microsoft.com/office/drawing/2014/main" id="{A541F291-2E4B-474E-9ED0-55C97A2A066D}"/>
+                <a16:creationId xmlns:a16="http://schemas.microsoft.com/office/drawing/2014/main" xmlns="" id="{A541F291-2E4B-474E-9ED0-55C97A2A066D}"/>
               </a:ext>
             </a:extLst>
           </p:cNvPr>
@@ -9982,7 +9982,7 @@
           <p:cNvPr id="11" name="Group 10">
             <a:extLst>
               <a:ext uri="{FF2B5EF4-FFF2-40B4-BE49-F238E27FC236}">
-                <a16:creationId xmlns="" xmlns:a16="http://schemas.microsoft.com/office/drawing/2014/main" id="{59E4D57E-4989-4939-A31F-637543FAB606}"/>
+                <a16:creationId xmlns:a16="http://schemas.microsoft.com/office/drawing/2014/main" xmlns="" id="{59E4D57E-4989-4939-A31F-637543FAB606}"/>
               </a:ext>
             </a:extLst>
           </p:cNvPr>
@@ -10002,7 +10002,7 @@
             <p:cNvPr id="12" name="Straight Connector 11">
               <a:extLst>
                 <a:ext uri="{FF2B5EF4-FFF2-40B4-BE49-F238E27FC236}">
-                  <a16:creationId xmlns="" xmlns:a16="http://schemas.microsoft.com/office/drawing/2014/main" id="{370B72A7-B625-48B8-88E6-BCE2A4DD531E}"/>
+                  <a16:creationId xmlns:a16="http://schemas.microsoft.com/office/drawing/2014/main" xmlns="" id="{370B72A7-B625-48B8-88E6-BCE2A4DD531E}"/>
                 </a:ext>
               </a:extLst>
             </p:cNvPr>
@@ -10048,7 +10048,7 @@
             <p:cNvPr id="13" name="Oval 12">
               <a:extLst>
                 <a:ext uri="{FF2B5EF4-FFF2-40B4-BE49-F238E27FC236}">
-                  <a16:creationId xmlns="" xmlns:a16="http://schemas.microsoft.com/office/drawing/2014/main" id="{01ED729F-F8A5-4244-9776-4935C260F11F}"/>
+                  <a16:creationId xmlns:a16="http://schemas.microsoft.com/office/drawing/2014/main" xmlns="" id="{01ED729F-F8A5-4244-9776-4935C260F11F}"/>
                 </a:ext>
               </a:extLst>
             </p:cNvPr>
@@ -10109,7 +10109,7 @@
           <p:cNvPr id="17" name="Straight Connector 16">
             <a:extLst>
               <a:ext uri="{FF2B5EF4-FFF2-40B4-BE49-F238E27FC236}">
-                <a16:creationId xmlns="" xmlns:a16="http://schemas.microsoft.com/office/drawing/2014/main" id="{6150998C-CF95-4C6F-8962-8EB2DB30177D}"/>
+                <a16:creationId xmlns:a16="http://schemas.microsoft.com/office/drawing/2014/main" xmlns="" id="{6150998C-CF95-4C6F-8962-8EB2DB30177D}"/>
               </a:ext>
             </a:extLst>
           </p:cNvPr>
@@ -10153,7 +10153,7 @@
           <p:cNvPr id="18" name="Oval 17">
             <a:extLst>
               <a:ext uri="{FF2B5EF4-FFF2-40B4-BE49-F238E27FC236}">
-                <a16:creationId xmlns="" xmlns:a16="http://schemas.microsoft.com/office/drawing/2014/main" id="{F86A2ACD-8CF5-48A3-A678-E213A809B332}"/>
+                <a16:creationId xmlns:a16="http://schemas.microsoft.com/office/drawing/2014/main" xmlns="" id="{F86A2ACD-8CF5-48A3-A678-E213A809B332}"/>
               </a:ext>
             </a:extLst>
           </p:cNvPr>
@@ -10208,7 +10208,7 @@
           <p:cNvPr id="19" name="Straight Connector 18">
             <a:extLst>
               <a:ext uri="{FF2B5EF4-FFF2-40B4-BE49-F238E27FC236}">
-                <a16:creationId xmlns="" xmlns:a16="http://schemas.microsoft.com/office/drawing/2014/main" id="{F00811BB-0E37-4D70-84A5-97B3FBEDCBE6}"/>
+                <a16:creationId xmlns:a16="http://schemas.microsoft.com/office/drawing/2014/main" xmlns="" id="{F00811BB-0E37-4D70-84A5-97B3FBEDCBE6}"/>
               </a:ext>
             </a:extLst>
           </p:cNvPr>
@@ -10254,7 +10254,7 @@
           <p:cNvPr id="20" name="Oval 19">
             <a:extLst>
               <a:ext uri="{FF2B5EF4-FFF2-40B4-BE49-F238E27FC236}">
-                <a16:creationId xmlns="" xmlns:a16="http://schemas.microsoft.com/office/drawing/2014/main" id="{D03B3046-0457-4D23-8E0C-64E3FCD620BB}"/>
+                <a16:creationId xmlns:a16="http://schemas.microsoft.com/office/drawing/2014/main" xmlns="" id="{D03B3046-0457-4D23-8E0C-64E3FCD620BB}"/>
               </a:ext>
             </a:extLst>
           </p:cNvPr>
@@ -10309,7 +10309,7 @@
           <p:cNvPr id="36" name="Text Placeholder 2">
             <a:extLst>
               <a:ext uri="{FF2B5EF4-FFF2-40B4-BE49-F238E27FC236}">
-                <a16:creationId xmlns="" xmlns:a16="http://schemas.microsoft.com/office/drawing/2014/main" id="{99E02476-A734-4A74-BC42-F104B37C8C19}"/>
+                <a16:creationId xmlns:a16="http://schemas.microsoft.com/office/drawing/2014/main" xmlns="" id="{99E02476-A734-4A74-BC42-F104B37C8C19}"/>
               </a:ext>
             </a:extLst>
           </p:cNvPr>
@@ -10442,7 +10442,7 @@
           <p:cNvPr id="24" name="Text Placeholder 2">
             <a:extLst>
               <a:ext uri="{FF2B5EF4-FFF2-40B4-BE49-F238E27FC236}">
-                <a16:creationId xmlns="" xmlns:a16="http://schemas.microsoft.com/office/drawing/2014/main" id="{FB2A0B34-417C-46AC-95C0-9B2A2FCC8BFC}"/>
+                <a16:creationId xmlns:a16="http://schemas.microsoft.com/office/drawing/2014/main" xmlns="" id="{FB2A0B34-417C-46AC-95C0-9B2A2FCC8BFC}"/>
               </a:ext>
             </a:extLst>
           </p:cNvPr>
@@ -10575,7 +10575,7 @@
           <p:cNvPr id="3" name="Content Placeholder 2">
             <a:extLst>
               <a:ext uri="{FF2B5EF4-FFF2-40B4-BE49-F238E27FC236}">
-                <a16:creationId xmlns="" xmlns:a16="http://schemas.microsoft.com/office/drawing/2014/main" id="{7D36F8EF-728B-45C1-87D8-4AD8FA8F3716}"/>
+                <a16:creationId xmlns:a16="http://schemas.microsoft.com/office/drawing/2014/main" xmlns="" id="{7D36F8EF-728B-45C1-87D8-4AD8FA8F3716}"/>
               </a:ext>
             </a:extLst>
           </p:cNvPr>
@@ -10656,7 +10656,7 @@
           <p:cNvPr id="22" name="Content Placeholder 2">
             <a:extLst>
               <a:ext uri="{FF2B5EF4-FFF2-40B4-BE49-F238E27FC236}">
-                <a16:creationId xmlns="" xmlns:a16="http://schemas.microsoft.com/office/drawing/2014/main" id="{7395C5B4-6B03-4F70-96F8-3AE3A7817B52}"/>
+                <a16:creationId xmlns:a16="http://schemas.microsoft.com/office/drawing/2014/main" xmlns="" id="{7395C5B4-6B03-4F70-96F8-3AE3A7817B52}"/>
               </a:ext>
             </a:extLst>
           </p:cNvPr>
@@ -10767,7 +10767,7 @@
           <p:cNvPr id="15" name="Rectangle 14">
             <a:extLst>
               <a:ext uri="{FF2B5EF4-FFF2-40B4-BE49-F238E27FC236}">
-                <a16:creationId xmlns="" xmlns:a16="http://schemas.microsoft.com/office/drawing/2014/main" id="{E8E3FDB8-6D5C-48FE-99EA-7EC60F4D8191}"/>
+                <a16:creationId xmlns:a16="http://schemas.microsoft.com/office/drawing/2014/main" xmlns="" id="{E8E3FDB8-6D5C-48FE-99EA-7EC60F4D8191}"/>
               </a:ext>
             </a:extLst>
           </p:cNvPr>
@@ -10834,7 +10834,7 @@
           <p:cNvPr id="5" name="Date Placeholder 4">
             <a:extLst>
               <a:ext uri="{FF2B5EF4-FFF2-40B4-BE49-F238E27FC236}">
-                <a16:creationId xmlns="" xmlns:a16="http://schemas.microsoft.com/office/drawing/2014/main" id="{2D9775F3-A041-479A-8038-652B7D9C72E9}"/>
+                <a16:creationId xmlns:a16="http://schemas.microsoft.com/office/drawing/2014/main" xmlns="" id="{2D9775F3-A041-479A-8038-652B7D9C72E9}"/>
               </a:ext>
             </a:extLst>
           </p:cNvPr>
@@ -10862,7 +10862,7 @@
           <p:cNvPr id="6" name="Footer Placeholder 5">
             <a:extLst>
               <a:ext uri="{FF2B5EF4-FFF2-40B4-BE49-F238E27FC236}">
-                <a16:creationId xmlns="" xmlns:a16="http://schemas.microsoft.com/office/drawing/2014/main" id="{29BEDD04-BE4E-4B91-B13E-0C4FB3E1658F}"/>
+                <a16:creationId xmlns:a16="http://schemas.microsoft.com/office/drawing/2014/main" xmlns="" id="{29BEDD04-BE4E-4B91-B13E-0C4FB3E1658F}"/>
               </a:ext>
             </a:extLst>
           </p:cNvPr>
@@ -10890,7 +10890,7 @@
           <p:cNvPr id="7" name="Slide Number Placeholder 6">
             <a:extLst>
               <a:ext uri="{FF2B5EF4-FFF2-40B4-BE49-F238E27FC236}">
-                <a16:creationId xmlns="" xmlns:a16="http://schemas.microsoft.com/office/drawing/2014/main" id="{306DF5D8-12DC-494E-B0F1-2E9C86A14544}"/>
+                <a16:creationId xmlns:a16="http://schemas.microsoft.com/office/drawing/2014/main" xmlns="" id="{306DF5D8-12DC-494E-B0F1-2E9C86A14544}"/>
               </a:ext>
             </a:extLst>
           </p:cNvPr>
@@ -10919,7 +10919,7 @@
           <p:cNvPr id="8" name="Title 1">
             <a:extLst>
               <a:ext uri="{FF2B5EF4-FFF2-40B4-BE49-F238E27FC236}">
-                <a16:creationId xmlns="" xmlns:a16="http://schemas.microsoft.com/office/drawing/2014/main" id="{ABF87C9E-53A2-4DE1-89DC-3907BE2E3D3C}"/>
+                <a16:creationId xmlns:a16="http://schemas.microsoft.com/office/drawing/2014/main" xmlns="" id="{ABF87C9E-53A2-4DE1-89DC-3907BE2E3D3C}"/>
               </a:ext>
             </a:extLst>
           </p:cNvPr>
@@ -10958,7 +10958,7 @@
           <p:cNvPr id="9" name="Text Placeholder 2">
             <a:extLst>
               <a:ext uri="{FF2B5EF4-FFF2-40B4-BE49-F238E27FC236}">
-                <a16:creationId xmlns="" xmlns:a16="http://schemas.microsoft.com/office/drawing/2014/main" id="{EB453F8F-AA02-4E0D-93BF-8CF4F1490377}"/>
+                <a16:creationId xmlns:a16="http://schemas.microsoft.com/office/drawing/2014/main" xmlns="" id="{EB453F8F-AA02-4E0D-93BF-8CF4F1490377}"/>
               </a:ext>
             </a:extLst>
           </p:cNvPr>
@@ -11088,7 +11088,7 @@
           <p:cNvPr id="10" name="Picture Placeholder 10">
             <a:extLst>
               <a:ext uri="{FF2B5EF4-FFF2-40B4-BE49-F238E27FC236}">
-                <a16:creationId xmlns="" xmlns:a16="http://schemas.microsoft.com/office/drawing/2014/main" id="{A541F291-2E4B-474E-9ED0-55C97A2A066D}"/>
+                <a16:creationId xmlns:a16="http://schemas.microsoft.com/office/drawing/2014/main" xmlns="" id="{A541F291-2E4B-474E-9ED0-55C97A2A066D}"/>
               </a:ext>
             </a:extLst>
           </p:cNvPr>
@@ -11129,7 +11129,7 @@
           <p:cNvPr id="11" name="Group 10">
             <a:extLst>
               <a:ext uri="{FF2B5EF4-FFF2-40B4-BE49-F238E27FC236}">
-                <a16:creationId xmlns="" xmlns:a16="http://schemas.microsoft.com/office/drawing/2014/main" id="{59E4D57E-4989-4939-A31F-637543FAB606}"/>
+                <a16:creationId xmlns:a16="http://schemas.microsoft.com/office/drawing/2014/main" xmlns="" id="{59E4D57E-4989-4939-A31F-637543FAB606}"/>
               </a:ext>
             </a:extLst>
           </p:cNvPr>
@@ -11149,7 +11149,7 @@
             <p:cNvPr id="12" name="Straight Connector 11">
               <a:extLst>
                 <a:ext uri="{FF2B5EF4-FFF2-40B4-BE49-F238E27FC236}">
-                  <a16:creationId xmlns="" xmlns:a16="http://schemas.microsoft.com/office/drawing/2014/main" id="{370B72A7-B625-48B8-88E6-BCE2A4DD531E}"/>
+                  <a16:creationId xmlns:a16="http://schemas.microsoft.com/office/drawing/2014/main" xmlns="" id="{370B72A7-B625-48B8-88E6-BCE2A4DD531E}"/>
                 </a:ext>
               </a:extLst>
             </p:cNvPr>
@@ -11195,7 +11195,7 @@
             <p:cNvPr id="13" name="Oval 12">
               <a:extLst>
                 <a:ext uri="{FF2B5EF4-FFF2-40B4-BE49-F238E27FC236}">
-                  <a16:creationId xmlns="" xmlns:a16="http://schemas.microsoft.com/office/drawing/2014/main" id="{01ED729F-F8A5-4244-9776-4935C260F11F}"/>
+                  <a16:creationId xmlns:a16="http://schemas.microsoft.com/office/drawing/2014/main" xmlns="" id="{01ED729F-F8A5-4244-9776-4935C260F11F}"/>
                 </a:ext>
               </a:extLst>
             </p:cNvPr>
@@ -11256,7 +11256,7 @@
           <p:cNvPr id="17" name="Straight Connector 16">
             <a:extLst>
               <a:ext uri="{FF2B5EF4-FFF2-40B4-BE49-F238E27FC236}">
-                <a16:creationId xmlns="" xmlns:a16="http://schemas.microsoft.com/office/drawing/2014/main" id="{6150998C-CF95-4C6F-8962-8EB2DB30177D}"/>
+                <a16:creationId xmlns:a16="http://schemas.microsoft.com/office/drawing/2014/main" xmlns="" id="{6150998C-CF95-4C6F-8962-8EB2DB30177D}"/>
               </a:ext>
             </a:extLst>
           </p:cNvPr>
@@ -11300,7 +11300,7 @@
           <p:cNvPr id="18" name="Oval 17">
             <a:extLst>
               <a:ext uri="{FF2B5EF4-FFF2-40B4-BE49-F238E27FC236}">
-                <a16:creationId xmlns="" xmlns:a16="http://schemas.microsoft.com/office/drawing/2014/main" id="{F86A2ACD-8CF5-48A3-A678-E213A809B332}"/>
+                <a16:creationId xmlns:a16="http://schemas.microsoft.com/office/drawing/2014/main" xmlns="" id="{F86A2ACD-8CF5-48A3-A678-E213A809B332}"/>
               </a:ext>
             </a:extLst>
           </p:cNvPr>
@@ -11355,7 +11355,7 @@
           <p:cNvPr id="19" name="Straight Connector 18">
             <a:extLst>
               <a:ext uri="{FF2B5EF4-FFF2-40B4-BE49-F238E27FC236}">
-                <a16:creationId xmlns="" xmlns:a16="http://schemas.microsoft.com/office/drawing/2014/main" id="{F00811BB-0E37-4D70-84A5-97B3FBEDCBE6}"/>
+                <a16:creationId xmlns:a16="http://schemas.microsoft.com/office/drawing/2014/main" xmlns="" id="{F00811BB-0E37-4D70-84A5-97B3FBEDCBE6}"/>
               </a:ext>
             </a:extLst>
           </p:cNvPr>
@@ -11401,7 +11401,7 @@
           <p:cNvPr id="20" name="Oval 19">
             <a:extLst>
               <a:ext uri="{FF2B5EF4-FFF2-40B4-BE49-F238E27FC236}">
-                <a16:creationId xmlns="" xmlns:a16="http://schemas.microsoft.com/office/drawing/2014/main" id="{D03B3046-0457-4D23-8E0C-64E3FCD620BB}"/>
+                <a16:creationId xmlns:a16="http://schemas.microsoft.com/office/drawing/2014/main" xmlns="" id="{D03B3046-0457-4D23-8E0C-64E3FCD620BB}"/>
               </a:ext>
             </a:extLst>
           </p:cNvPr>
@@ -11456,7 +11456,7 @@
           <p:cNvPr id="16" name="Text Placeholder 15">
             <a:extLst>
               <a:ext uri="{FF2B5EF4-FFF2-40B4-BE49-F238E27FC236}">
-                <a16:creationId xmlns="" xmlns:a16="http://schemas.microsoft.com/office/drawing/2014/main" id="{D0092E26-7A96-4712-98A7-FFDA7C3D7721}"/>
+                <a16:creationId xmlns:a16="http://schemas.microsoft.com/office/drawing/2014/main" xmlns="" id="{D0092E26-7A96-4712-98A7-FFDA7C3D7721}"/>
               </a:ext>
             </a:extLst>
           </p:cNvPr>
@@ -11511,7 +11511,7 @@
           <p:cNvPr id="34" name="Text Placeholder 2">
             <a:extLst>
               <a:ext uri="{FF2B5EF4-FFF2-40B4-BE49-F238E27FC236}">
-                <a16:creationId xmlns="" xmlns:a16="http://schemas.microsoft.com/office/drawing/2014/main" id="{B17B484C-F876-40B2-89DE-FC7A9E54C835}"/>
+                <a16:creationId xmlns:a16="http://schemas.microsoft.com/office/drawing/2014/main" xmlns="" id="{B17B484C-F876-40B2-89DE-FC7A9E54C835}"/>
               </a:ext>
             </a:extLst>
           </p:cNvPr>
@@ -11646,7 +11646,7 @@
           <p:cNvPr id="36" name="Text Placeholder 2">
             <a:extLst>
               <a:ext uri="{FF2B5EF4-FFF2-40B4-BE49-F238E27FC236}">
-                <a16:creationId xmlns="" xmlns:a16="http://schemas.microsoft.com/office/drawing/2014/main" id="{99E02476-A734-4A74-BC42-F104B37C8C19}"/>
+                <a16:creationId xmlns:a16="http://schemas.microsoft.com/office/drawing/2014/main" xmlns="" id="{99E02476-A734-4A74-BC42-F104B37C8C19}"/>
               </a:ext>
             </a:extLst>
           </p:cNvPr>
@@ -11779,7 +11779,7 @@
           <p:cNvPr id="14" name="Straight Connector 13">
             <a:extLst>
               <a:ext uri="{FF2B5EF4-FFF2-40B4-BE49-F238E27FC236}">
-                <a16:creationId xmlns="" xmlns:a16="http://schemas.microsoft.com/office/drawing/2014/main" id="{1AD3A3AB-488E-4090-9FD5-E005D5A9ECF5}"/>
+                <a16:creationId xmlns:a16="http://schemas.microsoft.com/office/drawing/2014/main" xmlns="" id="{1AD3A3AB-488E-4090-9FD5-E005D5A9ECF5}"/>
               </a:ext>
             </a:extLst>
           </p:cNvPr>
@@ -11822,7 +11822,7 @@
           <p:cNvPr id="21" name="Oval 20">
             <a:extLst>
               <a:ext uri="{FF2B5EF4-FFF2-40B4-BE49-F238E27FC236}">
-                <a16:creationId xmlns="" xmlns:a16="http://schemas.microsoft.com/office/drawing/2014/main" id="{BD6729DC-C5B3-485B-B5CD-F06FC3CAFD9A}"/>
+                <a16:creationId xmlns:a16="http://schemas.microsoft.com/office/drawing/2014/main" xmlns="" id="{BD6729DC-C5B3-485B-B5CD-F06FC3CAFD9A}"/>
               </a:ext>
             </a:extLst>
           </p:cNvPr>
@@ -11881,7 +11881,7 @@
           <p:cNvPr id="29" name="Oval 28">
             <a:extLst>
               <a:ext uri="{FF2B5EF4-FFF2-40B4-BE49-F238E27FC236}">
-                <a16:creationId xmlns="" xmlns:a16="http://schemas.microsoft.com/office/drawing/2014/main" id="{C4046DD7-8FB2-43D4-8E94-3D35DC3E2891}"/>
+                <a16:creationId xmlns:a16="http://schemas.microsoft.com/office/drawing/2014/main" xmlns="" id="{C4046DD7-8FB2-43D4-8E94-3D35DC3E2891}"/>
               </a:ext>
             </a:extLst>
           </p:cNvPr>
@@ -11940,7 +11940,7 @@
           <p:cNvPr id="30" name="Oval 29">
             <a:extLst>
               <a:ext uri="{FF2B5EF4-FFF2-40B4-BE49-F238E27FC236}">
-                <a16:creationId xmlns="" xmlns:a16="http://schemas.microsoft.com/office/drawing/2014/main" id="{A320A73A-D3CB-4E04-B7E2-F3696B8ACDEA}"/>
+                <a16:creationId xmlns:a16="http://schemas.microsoft.com/office/drawing/2014/main" xmlns="" id="{A320A73A-D3CB-4E04-B7E2-F3696B8ACDEA}"/>
               </a:ext>
             </a:extLst>
           </p:cNvPr>
@@ -11999,7 +11999,7 @@
           <p:cNvPr id="31" name="Oval 30">
             <a:extLst>
               <a:ext uri="{FF2B5EF4-FFF2-40B4-BE49-F238E27FC236}">
-                <a16:creationId xmlns="" xmlns:a16="http://schemas.microsoft.com/office/drawing/2014/main" id="{3E2B01F0-78A8-41AE-95B8-811603402031}"/>
+                <a16:creationId xmlns:a16="http://schemas.microsoft.com/office/drawing/2014/main" xmlns="" id="{3E2B01F0-78A8-41AE-95B8-811603402031}"/>
               </a:ext>
             </a:extLst>
           </p:cNvPr>
@@ -12058,7 +12058,7 @@
           <p:cNvPr id="32" name="Text Placeholder 2">
             <a:extLst>
               <a:ext uri="{FF2B5EF4-FFF2-40B4-BE49-F238E27FC236}">
-                <a16:creationId xmlns="" xmlns:a16="http://schemas.microsoft.com/office/drawing/2014/main" id="{A70E382B-B932-45B7-BD95-6D722A4A2480}"/>
+                <a16:creationId xmlns:a16="http://schemas.microsoft.com/office/drawing/2014/main" xmlns="" id="{A70E382B-B932-45B7-BD95-6D722A4A2480}"/>
               </a:ext>
             </a:extLst>
           </p:cNvPr>
@@ -12193,7 +12193,7 @@
           <p:cNvPr id="33" name="Text Placeholder 2">
             <a:extLst>
               <a:ext uri="{FF2B5EF4-FFF2-40B4-BE49-F238E27FC236}">
-                <a16:creationId xmlns="" xmlns:a16="http://schemas.microsoft.com/office/drawing/2014/main" id="{2F096B52-06C2-46DF-BB33-70D931283F16}"/>
+                <a16:creationId xmlns:a16="http://schemas.microsoft.com/office/drawing/2014/main" xmlns="" id="{2F096B52-06C2-46DF-BB33-70D931283F16}"/>
               </a:ext>
             </a:extLst>
           </p:cNvPr>
@@ -12326,7 +12326,7 @@
           <p:cNvPr id="35" name="Text Placeholder 2">
             <a:extLst>
               <a:ext uri="{FF2B5EF4-FFF2-40B4-BE49-F238E27FC236}">
-                <a16:creationId xmlns="" xmlns:a16="http://schemas.microsoft.com/office/drawing/2014/main" id="{5D87FD43-95C9-4217-AD5F-FE02E28AD4CE}"/>
+                <a16:creationId xmlns:a16="http://schemas.microsoft.com/office/drawing/2014/main" xmlns="" id="{5D87FD43-95C9-4217-AD5F-FE02E28AD4CE}"/>
               </a:ext>
             </a:extLst>
           </p:cNvPr>
@@ -12461,7 +12461,7 @@
           <p:cNvPr id="37" name="Text Placeholder 2">
             <a:extLst>
               <a:ext uri="{FF2B5EF4-FFF2-40B4-BE49-F238E27FC236}">
-                <a16:creationId xmlns="" xmlns:a16="http://schemas.microsoft.com/office/drawing/2014/main" id="{A6706CEB-523E-4248-9A66-5D139D8B0DE5}"/>
+                <a16:creationId xmlns:a16="http://schemas.microsoft.com/office/drawing/2014/main" xmlns="" id="{A6706CEB-523E-4248-9A66-5D139D8B0DE5}"/>
               </a:ext>
             </a:extLst>
           </p:cNvPr>
@@ -12594,7 +12594,7 @@
           <p:cNvPr id="38" name="Text Placeholder 2">
             <a:extLst>
               <a:ext uri="{FF2B5EF4-FFF2-40B4-BE49-F238E27FC236}">
-                <a16:creationId xmlns="" xmlns:a16="http://schemas.microsoft.com/office/drawing/2014/main" id="{6ADC931C-F9B2-467E-A024-CB5BE74BAD85}"/>
+                <a16:creationId xmlns:a16="http://schemas.microsoft.com/office/drawing/2014/main" xmlns="" id="{6ADC931C-F9B2-467E-A024-CB5BE74BAD85}"/>
               </a:ext>
             </a:extLst>
           </p:cNvPr>
@@ -12729,7 +12729,7 @@
           <p:cNvPr id="39" name="Text Placeholder 2">
             <a:extLst>
               <a:ext uri="{FF2B5EF4-FFF2-40B4-BE49-F238E27FC236}">
-                <a16:creationId xmlns="" xmlns:a16="http://schemas.microsoft.com/office/drawing/2014/main" id="{0A301DE6-2E75-41F5-9314-B269815BA3F3}"/>
+                <a16:creationId xmlns:a16="http://schemas.microsoft.com/office/drawing/2014/main" xmlns="" id="{0A301DE6-2E75-41F5-9314-B269815BA3F3}"/>
               </a:ext>
             </a:extLst>
           </p:cNvPr>
@@ -12862,7 +12862,7 @@
           <p:cNvPr id="40" name="Text Placeholder 15">
             <a:extLst>
               <a:ext uri="{FF2B5EF4-FFF2-40B4-BE49-F238E27FC236}">
-                <a16:creationId xmlns="" xmlns:a16="http://schemas.microsoft.com/office/drawing/2014/main" id="{B9154606-4DE0-4DC7-830A-371423BE4201}"/>
+                <a16:creationId xmlns:a16="http://schemas.microsoft.com/office/drawing/2014/main" xmlns="" id="{B9154606-4DE0-4DC7-830A-371423BE4201}"/>
               </a:ext>
             </a:extLst>
           </p:cNvPr>
@@ -12917,7 +12917,7 @@
           <p:cNvPr id="41" name="Text Placeholder 15">
             <a:extLst>
               <a:ext uri="{FF2B5EF4-FFF2-40B4-BE49-F238E27FC236}">
-                <a16:creationId xmlns="" xmlns:a16="http://schemas.microsoft.com/office/drawing/2014/main" id="{5AC8C127-0F88-413C-B7BA-2ED0F81E7D4E}"/>
+                <a16:creationId xmlns:a16="http://schemas.microsoft.com/office/drawing/2014/main" xmlns="" id="{5AC8C127-0F88-413C-B7BA-2ED0F81E7D4E}"/>
               </a:ext>
             </a:extLst>
           </p:cNvPr>
@@ -12972,7 +12972,7 @@
           <p:cNvPr id="42" name="Text Placeholder 15">
             <a:extLst>
               <a:ext uri="{FF2B5EF4-FFF2-40B4-BE49-F238E27FC236}">
-                <a16:creationId xmlns="" xmlns:a16="http://schemas.microsoft.com/office/drawing/2014/main" id="{63C5707A-6E08-4B58-A5FE-40063DB6548E}"/>
+                <a16:creationId xmlns:a16="http://schemas.microsoft.com/office/drawing/2014/main" xmlns="" id="{63C5707A-6E08-4B58-A5FE-40063DB6548E}"/>
               </a:ext>
             </a:extLst>
           </p:cNvPr>
@@ -13057,7 +13057,7 @@
           <p:cNvPr id="7" name="Rectangle 6">
             <a:extLst>
               <a:ext uri="{FF2B5EF4-FFF2-40B4-BE49-F238E27FC236}">
-                <a16:creationId xmlns="" xmlns:a16="http://schemas.microsoft.com/office/drawing/2014/main" id="{09F1B35C-893A-4033-ADC0-2192AFA29271}"/>
+                <a16:creationId xmlns:a16="http://schemas.microsoft.com/office/drawing/2014/main" xmlns="" id="{09F1B35C-893A-4033-ADC0-2192AFA29271}"/>
               </a:ext>
             </a:extLst>
           </p:cNvPr>
@@ -13124,7 +13124,7 @@
           <p:cNvPr id="2" name="Title 1">
             <a:extLst>
               <a:ext uri="{FF2B5EF4-FFF2-40B4-BE49-F238E27FC236}">
-                <a16:creationId xmlns="" xmlns:a16="http://schemas.microsoft.com/office/drawing/2014/main" id="{CD637DF8-B064-4F36-89F8-EBF538A2E7F2}"/>
+                <a16:creationId xmlns:a16="http://schemas.microsoft.com/office/drawing/2014/main" xmlns="" id="{CD637DF8-B064-4F36-89F8-EBF538A2E7F2}"/>
               </a:ext>
             </a:extLst>
           </p:cNvPr>
@@ -13163,7 +13163,7 @@
           <p:cNvPr id="3" name="Text Placeholder 2">
             <a:extLst>
               <a:ext uri="{FF2B5EF4-FFF2-40B4-BE49-F238E27FC236}">
-                <a16:creationId xmlns="" xmlns:a16="http://schemas.microsoft.com/office/drawing/2014/main" id="{8A72532A-5006-46B7-AE99-3A6891CD0254}"/>
+                <a16:creationId xmlns:a16="http://schemas.microsoft.com/office/drawing/2014/main" xmlns="" id="{8A72532A-5006-46B7-AE99-3A6891CD0254}"/>
               </a:ext>
             </a:extLst>
           </p:cNvPr>
@@ -13293,7 +13293,7 @@
           <p:cNvPr id="4" name="Date Placeholder 3">
             <a:extLst>
               <a:ext uri="{FF2B5EF4-FFF2-40B4-BE49-F238E27FC236}">
-                <a16:creationId xmlns="" xmlns:a16="http://schemas.microsoft.com/office/drawing/2014/main" id="{49EFC6D7-3241-401C-A16A-4A7CC2653954}"/>
+                <a16:creationId xmlns:a16="http://schemas.microsoft.com/office/drawing/2014/main" xmlns="" id="{49EFC6D7-3241-401C-A16A-4A7CC2653954}"/>
               </a:ext>
             </a:extLst>
           </p:cNvPr>
@@ -13321,7 +13321,7 @@
           <p:cNvPr id="5" name="Footer Placeholder 4">
             <a:extLst>
               <a:ext uri="{FF2B5EF4-FFF2-40B4-BE49-F238E27FC236}">
-                <a16:creationId xmlns="" xmlns:a16="http://schemas.microsoft.com/office/drawing/2014/main" id="{F345D6DC-ABA5-4D00-9CD3-92FFDD1FA2DC}"/>
+                <a16:creationId xmlns:a16="http://schemas.microsoft.com/office/drawing/2014/main" xmlns="" id="{F345D6DC-ABA5-4D00-9CD3-92FFDD1FA2DC}"/>
               </a:ext>
             </a:extLst>
           </p:cNvPr>
@@ -13349,7 +13349,7 @@
           <p:cNvPr id="6" name="Slide Number Placeholder 5">
             <a:extLst>
               <a:ext uri="{FF2B5EF4-FFF2-40B4-BE49-F238E27FC236}">
-                <a16:creationId xmlns="" xmlns:a16="http://schemas.microsoft.com/office/drawing/2014/main" id="{92459C86-0106-40E0-AA18-795EC5787677}"/>
+                <a16:creationId xmlns:a16="http://schemas.microsoft.com/office/drawing/2014/main" xmlns="" id="{92459C86-0106-40E0-AA18-795EC5787677}"/>
               </a:ext>
             </a:extLst>
           </p:cNvPr>
@@ -13378,7 +13378,7 @@
           <p:cNvPr id="11" name="Picture Placeholder 10">
             <a:extLst>
               <a:ext uri="{FF2B5EF4-FFF2-40B4-BE49-F238E27FC236}">
-                <a16:creationId xmlns="" xmlns:a16="http://schemas.microsoft.com/office/drawing/2014/main" id="{6D14F7B3-A6CF-491C-9855-75B5784CC456}"/>
+                <a16:creationId xmlns:a16="http://schemas.microsoft.com/office/drawing/2014/main" xmlns="" id="{6D14F7B3-A6CF-491C-9855-75B5784CC456}"/>
               </a:ext>
             </a:extLst>
           </p:cNvPr>
@@ -13419,7 +13419,7 @@
           <p:cNvPr id="15" name="Group 14">
             <a:extLst>
               <a:ext uri="{FF2B5EF4-FFF2-40B4-BE49-F238E27FC236}">
-                <a16:creationId xmlns="" xmlns:a16="http://schemas.microsoft.com/office/drawing/2014/main" id="{B7317392-EF87-4050-8BBE-32F74B0CF15A}"/>
+                <a16:creationId xmlns:a16="http://schemas.microsoft.com/office/drawing/2014/main" xmlns="" id="{B7317392-EF87-4050-8BBE-32F74B0CF15A}"/>
               </a:ext>
             </a:extLst>
           </p:cNvPr>
@@ -13439,7 +13439,7 @@
             <p:cNvPr id="13" name="Straight Connector 12">
               <a:extLst>
                 <a:ext uri="{FF2B5EF4-FFF2-40B4-BE49-F238E27FC236}">
-                  <a16:creationId xmlns="" xmlns:a16="http://schemas.microsoft.com/office/drawing/2014/main" id="{785A4134-866D-4143-AC1E-8A2FFDB49855}"/>
+                  <a16:creationId xmlns:a16="http://schemas.microsoft.com/office/drawing/2014/main" xmlns="" id="{785A4134-866D-4143-AC1E-8A2FFDB49855}"/>
                 </a:ext>
               </a:extLst>
             </p:cNvPr>
@@ -13485,7 +13485,7 @@
             <p:cNvPr id="14" name="Oval 13">
               <a:extLst>
                 <a:ext uri="{FF2B5EF4-FFF2-40B4-BE49-F238E27FC236}">
-                  <a16:creationId xmlns="" xmlns:a16="http://schemas.microsoft.com/office/drawing/2014/main" id="{1BBC5D9C-B8FB-455B-9398-36DB21F2765E}"/>
+                  <a16:creationId xmlns:a16="http://schemas.microsoft.com/office/drawing/2014/main" xmlns="" id="{1BBC5D9C-B8FB-455B-9398-36DB21F2765E}"/>
                 </a:ext>
               </a:extLst>
             </p:cNvPr>
@@ -13546,7 +13546,7 @@
           <p:cNvPr id="17" name="Oval 16">
             <a:extLst>
               <a:ext uri="{FF2B5EF4-FFF2-40B4-BE49-F238E27FC236}">
-                <a16:creationId xmlns="" xmlns:a16="http://schemas.microsoft.com/office/drawing/2014/main" id="{72225750-E4CE-4A81-A0C3-4023030D637E}"/>
+                <a16:creationId xmlns:a16="http://schemas.microsoft.com/office/drawing/2014/main" xmlns="" id="{72225750-E4CE-4A81-A0C3-4023030D637E}"/>
               </a:ext>
             </a:extLst>
           </p:cNvPr>
@@ -13601,7 +13601,7 @@
           <p:cNvPr id="18" name="Straight Connector 17">
             <a:extLst>
               <a:ext uri="{FF2B5EF4-FFF2-40B4-BE49-F238E27FC236}">
-                <a16:creationId xmlns="" xmlns:a16="http://schemas.microsoft.com/office/drawing/2014/main" id="{3819C324-07DF-49DB-A08C-0E6155CE3041}"/>
+                <a16:creationId xmlns:a16="http://schemas.microsoft.com/office/drawing/2014/main" xmlns="" id="{3819C324-07DF-49DB-A08C-0E6155CE3041}"/>
               </a:ext>
             </a:extLst>
           </p:cNvPr>
@@ -13645,7 +13645,7 @@
           <p:cNvPr id="19" name="Oval 18">
             <a:extLst>
               <a:ext uri="{FF2B5EF4-FFF2-40B4-BE49-F238E27FC236}">
-                <a16:creationId xmlns="" xmlns:a16="http://schemas.microsoft.com/office/drawing/2014/main" id="{75A34025-44F2-4A09-8629-F1794E9D35AF}"/>
+                <a16:creationId xmlns:a16="http://schemas.microsoft.com/office/drawing/2014/main" xmlns="" id="{75A34025-44F2-4A09-8629-F1794E9D35AF}"/>
               </a:ext>
             </a:extLst>
           </p:cNvPr>
@@ -13700,7 +13700,7 @@
           <p:cNvPr id="20" name="Straight Connector 19">
             <a:extLst>
               <a:ext uri="{FF2B5EF4-FFF2-40B4-BE49-F238E27FC236}">
-                <a16:creationId xmlns="" xmlns:a16="http://schemas.microsoft.com/office/drawing/2014/main" id="{815854A2-EAE9-4B2A-84CF-5A4BD753863A}"/>
+                <a16:creationId xmlns:a16="http://schemas.microsoft.com/office/drawing/2014/main" xmlns="" id="{815854A2-EAE9-4B2A-84CF-5A4BD753863A}"/>
               </a:ext>
             </a:extLst>
           </p:cNvPr>
@@ -13746,7 +13746,7 @@
           <p:cNvPr id="10" name="Table Placeholder 9">
             <a:extLst>
               <a:ext uri="{FF2B5EF4-FFF2-40B4-BE49-F238E27FC236}">
-                <a16:creationId xmlns="" xmlns:a16="http://schemas.microsoft.com/office/drawing/2014/main" id="{3F646CE6-E75B-4112-896D-5A26E1F1520E}"/>
+                <a16:creationId xmlns:a16="http://schemas.microsoft.com/office/drawing/2014/main" xmlns="" id="{3F646CE6-E75B-4112-896D-5A26E1F1520E}"/>
               </a:ext>
             </a:extLst>
           </p:cNvPr>
@@ -13817,7 +13817,7 @@
           <p:cNvPr id="7" name="Rectangle 6">
             <a:extLst>
               <a:ext uri="{FF2B5EF4-FFF2-40B4-BE49-F238E27FC236}">
-                <a16:creationId xmlns="" xmlns:a16="http://schemas.microsoft.com/office/drawing/2014/main" id="{09F1B35C-893A-4033-ADC0-2192AFA29271}"/>
+                <a16:creationId xmlns:a16="http://schemas.microsoft.com/office/drawing/2014/main" xmlns="" id="{09F1B35C-893A-4033-ADC0-2192AFA29271}"/>
               </a:ext>
             </a:extLst>
           </p:cNvPr>
@@ -13884,7 +13884,7 @@
           <p:cNvPr id="2" name="Title 1">
             <a:extLst>
               <a:ext uri="{FF2B5EF4-FFF2-40B4-BE49-F238E27FC236}">
-                <a16:creationId xmlns="" xmlns:a16="http://schemas.microsoft.com/office/drawing/2014/main" id="{CD637DF8-B064-4F36-89F8-EBF538A2E7F2}"/>
+                <a16:creationId xmlns:a16="http://schemas.microsoft.com/office/drawing/2014/main" xmlns="" id="{CD637DF8-B064-4F36-89F8-EBF538A2E7F2}"/>
               </a:ext>
             </a:extLst>
           </p:cNvPr>
@@ -13923,7 +13923,7 @@
           <p:cNvPr id="3" name="Text Placeholder 2">
             <a:extLst>
               <a:ext uri="{FF2B5EF4-FFF2-40B4-BE49-F238E27FC236}">
-                <a16:creationId xmlns="" xmlns:a16="http://schemas.microsoft.com/office/drawing/2014/main" id="{8A72532A-5006-46B7-AE99-3A6891CD0254}"/>
+                <a16:creationId xmlns:a16="http://schemas.microsoft.com/office/drawing/2014/main" xmlns="" id="{8A72532A-5006-46B7-AE99-3A6891CD0254}"/>
               </a:ext>
             </a:extLst>
           </p:cNvPr>
@@ -14053,7 +14053,7 @@
           <p:cNvPr id="4" name="Date Placeholder 3">
             <a:extLst>
               <a:ext uri="{FF2B5EF4-FFF2-40B4-BE49-F238E27FC236}">
-                <a16:creationId xmlns="" xmlns:a16="http://schemas.microsoft.com/office/drawing/2014/main" id="{49EFC6D7-3241-401C-A16A-4A7CC2653954}"/>
+                <a16:creationId xmlns:a16="http://schemas.microsoft.com/office/drawing/2014/main" xmlns="" id="{49EFC6D7-3241-401C-A16A-4A7CC2653954}"/>
               </a:ext>
             </a:extLst>
           </p:cNvPr>
@@ -14081,7 +14081,7 @@
           <p:cNvPr id="5" name="Footer Placeholder 4">
             <a:extLst>
               <a:ext uri="{FF2B5EF4-FFF2-40B4-BE49-F238E27FC236}">
-                <a16:creationId xmlns="" xmlns:a16="http://schemas.microsoft.com/office/drawing/2014/main" id="{F345D6DC-ABA5-4D00-9CD3-92FFDD1FA2DC}"/>
+                <a16:creationId xmlns:a16="http://schemas.microsoft.com/office/drawing/2014/main" xmlns="" id="{F345D6DC-ABA5-4D00-9CD3-92FFDD1FA2DC}"/>
               </a:ext>
             </a:extLst>
           </p:cNvPr>
@@ -14109,7 +14109,7 @@
           <p:cNvPr id="6" name="Slide Number Placeholder 5">
             <a:extLst>
               <a:ext uri="{FF2B5EF4-FFF2-40B4-BE49-F238E27FC236}">
-                <a16:creationId xmlns="" xmlns:a16="http://schemas.microsoft.com/office/drawing/2014/main" id="{92459C86-0106-40E0-AA18-795EC5787677}"/>
+                <a16:creationId xmlns:a16="http://schemas.microsoft.com/office/drawing/2014/main" xmlns="" id="{92459C86-0106-40E0-AA18-795EC5787677}"/>
               </a:ext>
             </a:extLst>
           </p:cNvPr>
@@ -14138,7 +14138,7 @@
           <p:cNvPr id="11" name="Picture Placeholder 10">
             <a:extLst>
               <a:ext uri="{FF2B5EF4-FFF2-40B4-BE49-F238E27FC236}">
-                <a16:creationId xmlns="" xmlns:a16="http://schemas.microsoft.com/office/drawing/2014/main" id="{6D14F7B3-A6CF-491C-9855-75B5784CC456}"/>
+                <a16:creationId xmlns:a16="http://schemas.microsoft.com/office/drawing/2014/main" xmlns="" id="{6D14F7B3-A6CF-491C-9855-75B5784CC456}"/>
               </a:ext>
             </a:extLst>
           </p:cNvPr>
@@ -14179,7 +14179,7 @@
           <p:cNvPr id="15" name="Group 14">
             <a:extLst>
               <a:ext uri="{FF2B5EF4-FFF2-40B4-BE49-F238E27FC236}">
-                <a16:creationId xmlns="" xmlns:a16="http://schemas.microsoft.com/office/drawing/2014/main" id="{B7317392-EF87-4050-8BBE-32F74B0CF15A}"/>
+                <a16:creationId xmlns:a16="http://schemas.microsoft.com/office/drawing/2014/main" xmlns="" id="{B7317392-EF87-4050-8BBE-32F74B0CF15A}"/>
               </a:ext>
             </a:extLst>
           </p:cNvPr>
@@ -14199,7 +14199,7 @@
             <p:cNvPr id="13" name="Straight Connector 12">
               <a:extLst>
                 <a:ext uri="{FF2B5EF4-FFF2-40B4-BE49-F238E27FC236}">
-                  <a16:creationId xmlns="" xmlns:a16="http://schemas.microsoft.com/office/drawing/2014/main" id="{785A4134-866D-4143-AC1E-8A2FFDB49855}"/>
+                  <a16:creationId xmlns:a16="http://schemas.microsoft.com/office/drawing/2014/main" xmlns="" id="{785A4134-866D-4143-AC1E-8A2FFDB49855}"/>
                 </a:ext>
               </a:extLst>
             </p:cNvPr>
@@ -14243,7 +14243,7 @@
             <p:cNvPr id="14" name="Oval 13">
               <a:extLst>
                 <a:ext uri="{FF2B5EF4-FFF2-40B4-BE49-F238E27FC236}">
-                  <a16:creationId xmlns="" xmlns:a16="http://schemas.microsoft.com/office/drawing/2014/main" id="{1BBC5D9C-B8FB-455B-9398-36DB21F2765E}"/>
+                  <a16:creationId xmlns:a16="http://schemas.microsoft.com/office/drawing/2014/main" xmlns="" id="{1BBC5D9C-B8FB-455B-9398-36DB21F2765E}"/>
                 </a:ext>
               </a:extLst>
             </p:cNvPr>
@@ -14304,7 +14304,7 @@
           <p:cNvPr id="17" name="Oval 16">
             <a:extLst>
               <a:ext uri="{FF2B5EF4-FFF2-40B4-BE49-F238E27FC236}">
-                <a16:creationId xmlns="" xmlns:a16="http://schemas.microsoft.com/office/drawing/2014/main" id="{72225750-E4CE-4A81-A0C3-4023030D637E}"/>
+                <a16:creationId xmlns:a16="http://schemas.microsoft.com/office/drawing/2014/main" xmlns="" id="{72225750-E4CE-4A81-A0C3-4023030D637E}"/>
               </a:ext>
             </a:extLst>
           </p:cNvPr>
@@ -14359,7 +14359,7 @@
           <p:cNvPr id="18" name="Straight Connector 17">
             <a:extLst>
               <a:ext uri="{FF2B5EF4-FFF2-40B4-BE49-F238E27FC236}">
-                <a16:creationId xmlns="" xmlns:a16="http://schemas.microsoft.com/office/drawing/2014/main" id="{3819C324-07DF-49DB-A08C-0E6155CE3041}"/>
+                <a16:creationId xmlns:a16="http://schemas.microsoft.com/office/drawing/2014/main" xmlns="" id="{3819C324-07DF-49DB-A08C-0E6155CE3041}"/>
               </a:ext>
             </a:extLst>
           </p:cNvPr>
@@ -14403,7 +14403,7 @@
           <p:cNvPr id="19" name="Oval 18">
             <a:extLst>
               <a:ext uri="{FF2B5EF4-FFF2-40B4-BE49-F238E27FC236}">
-                <a16:creationId xmlns="" xmlns:a16="http://schemas.microsoft.com/office/drawing/2014/main" id="{75A34025-44F2-4A09-8629-F1794E9D35AF}"/>
+                <a16:creationId xmlns:a16="http://schemas.microsoft.com/office/drawing/2014/main" xmlns="" id="{75A34025-44F2-4A09-8629-F1794E9D35AF}"/>
               </a:ext>
             </a:extLst>
           </p:cNvPr>
@@ -14458,7 +14458,7 @@
           <p:cNvPr id="20" name="Straight Connector 19">
             <a:extLst>
               <a:ext uri="{FF2B5EF4-FFF2-40B4-BE49-F238E27FC236}">
-                <a16:creationId xmlns="" xmlns:a16="http://schemas.microsoft.com/office/drawing/2014/main" id="{815854A2-EAE9-4B2A-84CF-5A4BD753863A}"/>
+                <a16:creationId xmlns:a16="http://schemas.microsoft.com/office/drawing/2014/main" xmlns="" id="{815854A2-EAE9-4B2A-84CF-5A4BD753863A}"/>
               </a:ext>
             </a:extLst>
           </p:cNvPr>
@@ -14504,7 +14504,7 @@
           <p:cNvPr id="29" name="Text Placeholder 2">
             <a:extLst>
               <a:ext uri="{FF2B5EF4-FFF2-40B4-BE49-F238E27FC236}">
-                <a16:creationId xmlns="" xmlns:a16="http://schemas.microsoft.com/office/drawing/2014/main" id="{1B29C9C1-9494-4E8B-A0F3-611E947A19B3}"/>
+                <a16:creationId xmlns:a16="http://schemas.microsoft.com/office/drawing/2014/main" xmlns="" id="{1B29C9C1-9494-4E8B-A0F3-611E947A19B3}"/>
               </a:ext>
             </a:extLst>
           </p:cNvPr>
@@ -14639,7 +14639,7 @@
           <p:cNvPr id="30" name="Text Placeholder 2">
             <a:extLst>
               <a:ext uri="{FF2B5EF4-FFF2-40B4-BE49-F238E27FC236}">
-                <a16:creationId xmlns="" xmlns:a16="http://schemas.microsoft.com/office/drawing/2014/main" id="{ABB09D16-148A-45C2-B0B8-1495E8DC7D64}"/>
+                <a16:creationId xmlns:a16="http://schemas.microsoft.com/office/drawing/2014/main" xmlns="" id="{ABB09D16-148A-45C2-B0B8-1495E8DC7D64}"/>
               </a:ext>
             </a:extLst>
           </p:cNvPr>
@@ -14773,7 +14773,7 @@
           <p:cNvPr id="31" name="Text Placeholder 2">
             <a:extLst>
               <a:ext uri="{FF2B5EF4-FFF2-40B4-BE49-F238E27FC236}">
-                <a16:creationId xmlns="" xmlns:a16="http://schemas.microsoft.com/office/drawing/2014/main" id="{67814C7C-3597-4B16-A4AC-D81985C587BD}"/>
+                <a16:creationId xmlns:a16="http://schemas.microsoft.com/office/drawing/2014/main" xmlns="" id="{67814C7C-3597-4B16-A4AC-D81985C587BD}"/>
               </a:ext>
             </a:extLst>
           </p:cNvPr>
@@ -14906,7 +14906,7 @@
           <p:cNvPr id="9" name="Picture Placeholder 8">
             <a:extLst>
               <a:ext uri="{FF2B5EF4-FFF2-40B4-BE49-F238E27FC236}">
-                <a16:creationId xmlns="" xmlns:a16="http://schemas.microsoft.com/office/drawing/2014/main" id="{B284A57B-147A-4287-AA6B-E508A9222F7F}"/>
+                <a16:creationId xmlns:a16="http://schemas.microsoft.com/office/drawing/2014/main" xmlns="" id="{B284A57B-147A-4287-AA6B-E508A9222F7F}"/>
               </a:ext>
             </a:extLst>
           </p:cNvPr>
@@ -14955,7 +14955,7 @@
           <p:cNvPr id="35" name="Picture Placeholder 8">
             <a:extLst>
               <a:ext uri="{FF2B5EF4-FFF2-40B4-BE49-F238E27FC236}">
-                <a16:creationId xmlns="" xmlns:a16="http://schemas.microsoft.com/office/drawing/2014/main" id="{9DBE0996-CEA3-41C3-A75A-84DC3C2B5194}"/>
+                <a16:creationId xmlns:a16="http://schemas.microsoft.com/office/drawing/2014/main" xmlns="" id="{9DBE0996-CEA3-41C3-A75A-84DC3C2B5194}"/>
               </a:ext>
             </a:extLst>
           </p:cNvPr>
@@ -15004,7 +15004,7 @@
           <p:cNvPr id="36" name="Picture Placeholder 8">
             <a:extLst>
               <a:ext uri="{FF2B5EF4-FFF2-40B4-BE49-F238E27FC236}">
-                <a16:creationId xmlns="" xmlns:a16="http://schemas.microsoft.com/office/drawing/2014/main" id="{F7B28261-CB14-4E4E-AA66-A0239B3DD28E}"/>
+                <a16:creationId xmlns:a16="http://schemas.microsoft.com/office/drawing/2014/main" xmlns="" id="{F7B28261-CB14-4E4E-AA66-A0239B3DD28E}"/>
               </a:ext>
             </a:extLst>
           </p:cNvPr>
@@ -15053,7 +15053,7 @@
           <p:cNvPr id="37" name="Text Placeholder 2">
             <a:extLst>
               <a:ext uri="{FF2B5EF4-FFF2-40B4-BE49-F238E27FC236}">
-                <a16:creationId xmlns="" xmlns:a16="http://schemas.microsoft.com/office/drawing/2014/main" id="{BAA53E0C-9536-4177-A63F-0E2565EC53CD}"/>
+                <a16:creationId xmlns:a16="http://schemas.microsoft.com/office/drawing/2014/main" xmlns="" id="{BAA53E0C-9536-4177-A63F-0E2565EC53CD}"/>
               </a:ext>
             </a:extLst>
           </p:cNvPr>
@@ -15188,7 +15188,7 @@
           <p:cNvPr id="38" name="Text Placeholder 2">
             <a:extLst>
               <a:ext uri="{FF2B5EF4-FFF2-40B4-BE49-F238E27FC236}">
-                <a16:creationId xmlns="" xmlns:a16="http://schemas.microsoft.com/office/drawing/2014/main" id="{67EF8E36-183B-420B-AF25-17CFA963987A}"/>
+                <a16:creationId xmlns:a16="http://schemas.microsoft.com/office/drawing/2014/main" xmlns="" id="{67EF8E36-183B-420B-AF25-17CFA963987A}"/>
               </a:ext>
             </a:extLst>
           </p:cNvPr>
@@ -15322,7 +15322,7 @@
           <p:cNvPr id="39" name="Text Placeholder 2">
             <a:extLst>
               <a:ext uri="{FF2B5EF4-FFF2-40B4-BE49-F238E27FC236}">
-                <a16:creationId xmlns="" xmlns:a16="http://schemas.microsoft.com/office/drawing/2014/main" id="{58DA6E86-8039-4690-AFE1-7CCF07B7CBAF}"/>
+                <a16:creationId xmlns:a16="http://schemas.microsoft.com/office/drawing/2014/main" xmlns="" id="{58DA6E86-8039-4690-AFE1-7CCF07B7CBAF}"/>
               </a:ext>
             </a:extLst>
           </p:cNvPr>
@@ -15455,7 +15455,7 @@
           <p:cNvPr id="41" name="Text Placeholder 2">
             <a:extLst>
               <a:ext uri="{FF2B5EF4-FFF2-40B4-BE49-F238E27FC236}">
-                <a16:creationId xmlns="" xmlns:a16="http://schemas.microsoft.com/office/drawing/2014/main" id="{933214B9-0452-4C8B-AB10-922F3C3BCF01}"/>
+                <a16:creationId xmlns:a16="http://schemas.microsoft.com/office/drawing/2014/main" xmlns="" id="{933214B9-0452-4C8B-AB10-922F3C3BCF01}"/>
               </a:ext>
             </a:extLst>
           </p:cNvPr>
@@ -15590,7 +15590,7 @@
           <p:cNvPr id="42" name="Text Placeholder 2">
             <a:extLst>
               <a:ext uri="{FF2B5EF4-FFF2-40B4-BE49-F238E27FC236}">
-                <a16:creationId xmlns="" xmlns:a16="http://schemas.microsoft.com/office/drawing/2014/main" id="{A5C23113-D98B-48C7-A675-4FD5F50333F3}"/>
+                <a16:creationId xmlns:a16="http://schemas.microsoft.com/office/drawing/2014/main" xmlns="" id="{A5C23113-D98B-48C7-A675-4FD5F50333F3}"/>
               </a:ext>
             </a:extLst>
           </p:cNvPr>
@@ -15724,7 +15724,7 @@
           <p:cNvPr id="49" name="Text Placeholder 2">
             <a:extLst>
               <a:ext uri="{FF2B5EF4-FFF2-40B4-BE49-F238E27FC236}">
-                <a16:creationId xmlns="" xmlns:a16="http://schemas.microsoft.com/office/drawing/2014/main" id="{09781257-B563-41E0-B9E6-9C7330084BCC}"/>
+                <a16:creationId xmlns:a16="http://schemas.microsoft.com/office/drawing/2014/main" xmlns="" id="{09781257-B563-41E0-B9E6-9C7330084BCC}"/>
               </a:ext>
             </a:extLst>
           </p:cNvPr>
@@ -15857,7 +15857,7 @@
           <p:cNvPr id="32" name="Straight Connector 31">
             <a:extLst>
               <a:ext uri="{FF2B5EF4-FFF2-40B4-BE49-F238E27FC236}">
-                <a16:creationId xmlns="" xmlns:a16="http://schemas.microsoft.com/office/drawing/2014/main" id="{9A32EC27-ACD8-47C0-A3ED-E4ED58D88358}"/>
+                <a16:creationId xmlns:a16="http://schemas.microsoft.com/office/drawing/2014/main" xmlns="" id="{9A32EC27-ACD8-47C0-A3ED-E4ED58D88358}"/>
               </a:ext>
             </a:extLst>
           </p:cNvPr>
@@ -15901,7 +15901,7 @@
           <p:cNvPr id="33" name="Straight Connector 32">
             <a:extLst>
               <a:ext uri="{FF2B5EF4-FFF2-40B4-BE49-F238E27FC236}">
-                <a16:creationId xmlns="" xmlns:a16="http://schemas.microsoft.com/office/drawing/2014/main" id="{99E8819A-135C-4A5C-9F6A-A3BE05AA294F}"/>
+                <a16:creationId xmlns:a16="http://schemas.microsoft.com/office/drawing/2014/main" xmlns="" id="{99E8819A-135C-4A5C-9F6A-A3BE05AA294F}"/>
               </a:ext>
             </a:extLst>
           </p:cNvPr>
@@ -15975,7 +15975,7 @@
           <p:cNvPr id="15" name="Rectangle 14">
             <a:extLst>
               <a:ext uri="{FF2B5EF4-FFF2-40B4-BE49-F238E27FC236}">
-                <a16:creationId xmlns="" xmlns:a16="http://schemas.microsoft.com/office/drawing/2014/main" id="{E8E3FDB8-6D5C-48FE-99EA-7EC60F4D8191}"/>
+                <a16:creationId xmlns:a16="http://schemas.microsoft.com/office/drawing/2014/main" xmlns="" id="{E8E3FDB8-6D5C-48FE-99EA-7EC60F4D8191}"/>
               </a:ext>
             </a:extLst>
           </p:cNvPr>
@@ -16042,7 +16042,7 @@
           <p:cNvPr id="5" name="Date Placeholder 4">
             <a:extLst>
               <a:ext uri="{FF2B5EF4-FFF2-40B4-BE49-F238E27FC236}">
-                <a16:creationId xmlns="" xmlns:a16="http://schemas.microsoft.com/office/drawing/2014/main" id="{2D9775F3-A041-479A-8038-652B7D9C72E9}"/>
+                <a16:creationId xmlns:a16="http://schemas.microsoft.com/office/drawing/2014/main" xmlns="" id="{2D9775F3-A041-479A-8038-652B7D9C72E9}"/>
               </a:ext>
             </a:extLst>
           </p:cNvPr>
@@ -16070,7 +16070,7 @@
           <p:cNvPr id="6" name="Footer Placeholder 5">
             <a:extLst>
               <a:ext uri="{FF2B5EF4-FFF2-40B4-BE49-F238E27FC236}">
-                <a16:creationId xmlns="" xmlns:a16="http://schemas.microsoft.com/office/drawing/2014/main" id="{29BEDD04-BE4E-4B91-B13E-0C4FB3E1658F}"/>
+                <a16:creationId xmlns:a16="http://schemas.microsoft.com/office/drawing/2014/main" xmlns="" id="{29BEDD04-BE4E-4B91-B13E-0C4FB3E1658F}"/>
               </a:ext>
             </a:extLst>
           </p:cNvPr>
@@ -16098,7 +16098,7 @@
           <p:cNvPr id="7" name="Slide Number Placeholder 6">
             <a:extLst>
               <a:ext uri="{FF2B5EF4-FFF2-40B4-BE49-F238E27FC236}">
-                <a16:creationId xmlns="" xmlns:a16="http://schemas.microsoft.com/office/drawing/2014/main" id="{306DF5D8-12DC-494E-B0F1-2E9C86A14544}"/>
+                <a16:creationId xmlns:a16="http://schemas.microsoft.com/office/drawing/2014/main" xmlns="" id="{306DF5D8-12DC-494E-B0F1-2E9C86A14544}"/>
               </a:ext>
             </a:extLst>
           </p:cNvPr>
@@ -16127,7 +16127,7 @@
           <p:cNvPr id="8" name="Title 1">
             <a:extLst>
               <a:ext uri="{FF2B5EF4-FFF2-40B4-BE49-F238E27FC236}">
-                <a16:creationId xmlns="" xmlns:a16="http://schemas.microsoft.com/office/drawing/2014/main" id="{ABF87C9E-53A2-4DE1-89DC-3907BE2E3D3C}"/>
+                <a16:creationId xmlns:a16="http://schemas.microsoft.com/office/drawing/2014/main" xmlns="" id="{ABF87C9E-53A2-4DE1-89DC-3907BE2E3D3C}"/>
               </a:ext>
             </a:extLst>
           </p:cNvPr>
@@ -16167,7 +16167,7 @@
           <p:cNvPr id="9" name="Text Placeholder 2">
             <a:extLst>
               <a:ext uri="{FF2B5EF4-FFF2-40B4-BE49-F238E27FC236}">
-                <a16:creationId xmlns="" xmlns:a16="http://schemas.microsoft.com/office/drawing/2014/main" id="{EB453F8F-AA02-4E0D-93BF-8CF4F1490377}"/>
+                <a16:creationId xmlns:a16="http://schemas.microsoft.com/office/drawing/2014/main" xmlns="" id="{EB453F8F-AA02-4E0D-93BF-8CF4F1490377}"/>
               </a:ext>
             </a:extLst>
           </p:cNvPr>
@@ -16297,7 +16297,7 @@
           <p:cNvPr id="10" name="Picture Placeholder 10">
             <a:extLst>
               <a:ext uri="{FF2B5EF4-FFF2-40B4-BE49-F238E27FC236}">
-                <a16:creationId xmlns="" xmlns:a16="http://schemas.microsoft.com/office/drawing/2014/main" id="{A541F291-2E4B-474E-9ED0-55C97A2A066D}"/>
+                <a16:creationId xmlns:a16="http://schemas.microsoft.com/office/drawing/2014/main" xmlns="" id="{A541F291-2E4B-474E-9ED0-55C97A2A066D}"/>
               </a:ext>
             </a:extLst>
           </p:cNvPr>
@@ -16338,7 +16338,7 @@
           <p:cNvPr id="11" name="Group 10">
             <a:extLst>
               <a:ext uri="{FF2B5EF4-FFF2-40B4-BE49-F238E27FC236}">
-                <a16:creationId xmlns="" xmlns:a16="http://schemas.microsoft.com/office/drawing/2014/main" id="{59E4D57E-4989-4939-A31F-637543FAB606}"/>
+                <a16:creationId xmlns:a16="http://schemas.microsoft.com/office/drawing/2014/main" xmlns="" id="{59E4D57E-4989-4939-A31F-637543FAB606}"/>
               </a:ext>
             </a:extLst>
           </p:cNvPr>
@@ -16358,7 +16358,7 @@
             <p:cNvPr id="12" name="Straight Connector 11">
               <a:extLst>
                 <a:ext uri="{FF2B5EF4-FFF2-40B4-BE49-F238E27FC236}">
-                  <a16:creationId xmlns="" xmlns:a16="http://schemas.microsoft.com/office/drawing/2014/main" id="{370B72A7-B625-48B8-88E6-BCE2A4DD531E}"/>
+                  <a16:creationId xmlns:a16="http://schemas.microsoft.com/office/drawing/2014/main" xmlns="" id="{370B72A7-B625-48B8-88E6-BCE2A4DD531E}"/>
                 </a:ext>
               </a:extLst>
             </p:cNvPr>
@@ -16404,7 +16404,7 @@
             <p:cNvPr id="13" name="Oval 12">
               <a:extLst>
                 <a:ext uri="{FF2B5EF4-FFF2-40B4-BE49-F238E27FC236}">
-                  <a16:creationId xmlns="" xmlns:a16="http://schemas.microsoft.com/office/drawing/2014/main" id="{01ED729F-F8A5-4244-9776-4935C260F11F}"/>
+                  <a16:creationId xmlns:a16="http://schemas.microsoft.com/office/drawing/2014/main" xmlns="" id="{01ED729F-F8A5-4244-9776-4935C260F11F}"/>
                 </a:ext>
               </a:extLst>
             </p:cNvPr>
@@ -16465,7 +16465,7 @@
           <p:cNvPr id="14" name="Text Placeholder 2">
             <a:extLst>
               <a:ext uri="{FF2B5EF4-FFF2-40B4-BE49-F238E27FC236}">
-                <a16:creationId xmlns="" xmlns:a16="http://schemas.microsoft.com/office/drawing/2014/main" id="{BE12A846-0DFC-435B-BAE9-D90C353E0344}"/>
+                <a16:creationId xmlns:a16="http://schemas.microsoft.com/office/drawing/2014/main" xmlns="" id="{BE12A846-0DFC-435B-BAE9-D90C353E0344}"/>
               </a:ext>
             </a:extLst>
           </p:cNvPr>
@@ -16602,7 +16602,7 @@
           <p:cNvPr id="17" name="Straight Connector 16">
             <a:extLst>
               <a:ext uri="{FF2B5EF4-FFF2-40B4-BE49-F238E27FC236}">
-                <a16:creationId xmlns="" xmlns:a16="http://schemas.microsoft.com/office/drawing/2014/main" id="{6150998C-CF95-4C6F-8962-8EB2DB30177D}"/>
+                <a16:creationId xmlns:a16="http://schemas.microsoft.com/office/drawing/2014/main" xmlns="" id="{6150998C-CF95-4C6F-8962-8EB2DB30177D}"/>
               </a:ext>
             </a:extLst>
           </p:cNvPr>
@@ -16646,7 +16646,7 @@
           <p:cNvPr id="18" name="Oval 17">
             <a:extLst>
               <a:ext uri="{FF2B5EF4-FFF2-40B4-BE49-F238E27FC236}">
-                <a16:creationId xmlns="" xmlns:a16="http://schemas.microsoft.com/office/drawing/2014/main" id="{F86A2ACD-8CF5-48A3-A678-E213A809B332}"/>
+                <a16:creationId xmlns:a16="http://schemas.microsoft.com/office/drawing/2014/main" xmlns="" id="{F86A2ACD-8CF5-48A3-A678-E213A809B332}"/>
               </a:ext>
             </a:extLst>
           </p:cNvPr>
@@ -16701,7 +16701,7 @@
           <p:cNvPr id="19" name="Straight Connector 18">
             <a:extLst>
               <a:ext uri="{FF2B5EF4-FFF2-40B4-BE49-F238E27FC236}">
-                <a16:creationId xmlns="" xmlns:a16="http://schemas.microsoft.com/office/drawing/2014/main" id="{F00811BB-0E37-4D70-84A5-97B3FBEDCBE6}"/>
+                <a16:creationId xmlns:a16="http://schemas.microsoft.com/office/drawing/2014/main" xmlns="" id="{F00811BB-0E37-4D70-84A5-97B3FBEDCBE6}"/>
               </a:ext>
             </a:extLst>
           </p:cNvPr>
@@ -16747,7 +16747,7 @@
           <p:cNvPr id="20" name="Oval 19">
             <a:extLst>
               <a:ext uri="{FF2B5EF4-FFF2-40B4-BE49-F238E27FC236}">
-                <a16:creationId xmlns="" xmlns:a16="http://schemas.microsoft.com/office/drawing/2014/main" id="{D03B3046-0457-4D23-8E0C-64E3FCD620BB}"/>
+                <a16:creationId xmlns:a16="http://schemas.microsoft.com/office/drawing/2014/main" xmlns="" id="{D03B3046-0457-4D23-8E0C-64E3FCD620BB}"/>
               </a:ext>
             </a:extLst>
           </p:cNvPr>
@@ -16802,7 +16802,7 @@
           <p:cNvPr id="22" name="Text Placeholder 2">
             <a:extLst>
               <a:ext uri="{FF2B5EF4-FFF2-40B4-BE49-F238E27FC236}">
-                <a16:creationId xmlns="" xmlns:a16="http://schemas.microsoft.com/office/drawing/2014/main" id="{F2ACDD32-C1AB-4359-B055-2F910492987E}"/>
+                <a16:creationId xmlns:a16="http://schemas.microsoft.com/office/drawing/2014/main" xmlns="" id="{F2ACDD32-C1AB-4359-B055-2F910492987E}"/>
               </a:ext>
             </a:extLst>
           </p:cNvPr>
@@ -16935,7 +16935,7 @@
           <p:cNvPr id="3" name="Picture Placeholder 2">
             <a:extLst>
               <a:ext uri="{FF2B5EF4-FFF2-40B4-BE49-F238E27FC236}">
-                <a16:creationId xmlns="" xmlns:a16="http://schemas.microsoft.com/office/drawing/2014/main" id="{F6FF07C5-314A-4EA8-B78F-7A51C234D3A1}"/>
+                <a16:creationId xmlns:a16="http://schemas.microsoft.com/office/drawing/2014/main" xmlns="" id="{F6FF07C5-314A-4EA8-B78F-7A51C234D3A1}"/>
               </a:ext>
             </a:extLst>
           </p:cNvPr>
@@ -16987,7 +16987,7 @@
           <p:cNvPr id="23" name="Straight Connector 22">
             <a:extLst>
               <a:ext uri="{FF2B5EF4-FFF2-40B4-BE49-F238E27FC236}">
-                <a16:creationId xmlns="" xmlns:a16="http://schemas.microsoft.com/office/drawing/2014/main" id="{B691060D-E361-43B0-BFD7-43D7CC4E5CCD}"/>
+                <a16:creationId xmlns:a16="http://schemas.microsoft.com/office/drawing/2014/main" xmlns="" id="{B691060D-E361-43B0-BFD7-43D7CC4E5CCD}"/>
               </a:ext>
             </a:extLst>
           </p:cNvPr>
@@ -17030,7 +17030,7 @@
           <p:cNvPr id="40" name="Text Placeholder 2">
             <a:extLst>
               <a:ext uri="{FF2B5EF4-FFF2-40B4-BE49-F238E27FC236}">
-                <a16:creationId xmlns="" xmlns:a16="http://schemas.microsoft.com/office/drawing/2014/main" id="{4A98AB01-9578-4430-96AD-F434AF0CDA20}"/>
+                <a16:creationId xmlns:a16="http://schemas.microsoft.com/office/drawing/2014/main" xmlns="" id="{4A98AB01-9578-4430-96AD-F434AF0CDA20}"/>
               </a:ext>
             </a:extLst>
           </p:cNvPr>
@@ -17167,7 +17167,7 @@
           <p:cNvPr id="41" name="Text Placeholder 2">
             <a:extLst>
               <a:ext uri="{FF2B5EF4-FFF2-40B4-BE49-F238E27FC236}">
-                <a16:creationId xmlns="" xmlns:a16="http://schemas.microsoft.com/office/drawing/2014/main" id="{EF9D60F2-A1FB-4A95-997B-A4F1723AC1EC}"/>
+                <a16:creationId xmlns:a16="http://schemas.microsoft.com/office/drawing/2014/main" xmlns="" id="{EF9D60F2-A1FB-4A95-997B-A4F1723AC1EC}"/>
               </a:ext>
             </a:extLst>
           </p:cNvPr>
@@ -17300,7 +17300,7 @@
           <p:cNvPr id="42" name="Picture Placeholder 2">
             <a:extLst>
               <a:ext uri="{FF2B5EF4-FFF2-40B4-BE49-F238E27FC236}">
-                <a16:creationId xmlns="" xmlns:a16="http://schemas.microsoft.com/office/drawing/2014/main" id="{76A56D2A-42F0-40C5-96D7-B1AC33152A85}"/>
+                <a16:creationId xmlns:a16="http://schemas.microsoft.com/office/drawing/2014/main" xmlns="" id="{76A56D2A-42F0-40C5-96D7-B1AC33152A85}"/>
               </a:ext>
             </a:extLst>
           </p:cNvPr>
@@ -17352,7 +17352,7 @@
           <p:cNvPr id="43" name="Straight Connector 42">
             <a:extLst>
               <a:ext uri="{FF2B5EF4-FFF2-40B4-BE49-F238E27FC236}">
-                <a16:creationId xmlns="" xmlns:a16="http://schemas.microsoft.com/office/drawing/2014/main" id="{CF6D1C91-9136-4678-A712-92BE9B3902C4}"/>
+                <a16:creationId xmlns:a16="http://schemas.microsoft.com/office/drawing/2014/main" xmlns="" id="{CF6D1C91-9136-4678-A712-92BE9B3902C4}"/>
               </a:ext>
             </a:extLst>
           </p:cNvPr>
@@ -17395,7 +17395,7 @@
           <p:cNvPr id="44" name="Text Placeholder 2">
             <a:extLst>
               <a:ext uri="{FF2B5EF4-FFF2-40B4-BE49-F238E27FC236}">
-                <a16:creationId xmlns="" xmlns:a16="http://schemas.microsoft.com/office/drawing/2014/main" id="{BACF15AB-FF8A-422B-840D-88503024E5D3}"/>
+                <a16:creationId xmlns:a16="http://schemas.microsoft.com/office/drawing/2014/main" xmlns="" id="{BACF15AB-FF8A-422B-840D-88503024E5D3}"/>
               </a:ext>
             </a:extLst>
           </p:cNvPr>
@@ -17532,7 +17532,7 @@
           <p:cNvPr id="45" name="Text Placeholder 2">
             <a:extLst>
               <a:ext uri="{FF2B5EF4-FFF2-40B4-BE49-F238E27FC236}">
-                <a16:creationId xmlns="" xmlns:a16="http://schemas.microsoft.com/office/drawing/2014/main" id="{EFC2028F-7DFE-412D-97DF-707D128D95E0}"/>
+                <a16:creationId xmlns:a16="http://schemas.microsoft.com/office/drawing/2014/main" xmlns="" id="{EFC2028F-7DFE-412D-97DF-707D128D95E0}"/>
               </a:ext>
             </a:extLst>
           </p:cNvPr>
@@ -17665,7 +17665,7 @@
           <p:cNvPr id="47" name="Text Placeholder 2">
             <a:extLst>
               <a:ext uri="{FF2B5EF4-FFF2-40B4-BE49-F238E27FC236}">
-                <a16:creationId xmlns="" xmlns:a16="http://schemas.microsoft.com/office/drawing/2014/main" id="{4349A4F0-1181-4A58-BFD4-4783CD130356}"/>
+                <a16:creationId xmlns:a16="http://schemas.microsoft.com/office/drawing/2014/main" xmlns="" id="{4349A4F0-1181-4A58-BFD4-4783CD130356}"/>
               </a:ext>
             </a:extLst>
           </p:cNvPr>
@@ -17802,7 +17802,7 @@
           <p:cNvPr id="48" name="Text Placeholder 2">
             <a:extLst>
               <a:ext uri="{FF2B5EF4-FFF2-40B4-BE49-F238E27FC236}">
-                <a16:creationId xmlns="" xmlns:a16="http://schemas.microsoft.com/office/drawing/2014/main" id="{DC1D5D83-8D32-491F-87EB-9DA9360D4F2B}"/>
+                <a16:creationId xmlns:a16="http://schemas.microsoft.com/office/drawing/2014/main" xmlns="" id="{DC1D5D83-8D32-491F-87EB-9DA9360D4F2B}"/>
               </a:ext>
             </a:extLst>
           </p:cNvPr>
@@ -17935,7 +17935,7 @@
           <p:cNvPr id="50" name="Text Placeholder 2">
             <a:extLst>
               <a:ext uri="{FF2B5EF4-FFF2-40B4-BE49-F238E27FC236}">
-                <a16:creationId xmlns="" xmlns:a16="http://schemas.microsoft.com/office/drawing/2014/main" id="{8120723F-A42C-4B81-97FD-6F575E5C2584}"/>
+                <a16:creationId xmlns:a16="http://schemas.microsoft.com/office/drawing/2014/main" xmlns="" id="{8120723F-A42C-4B81-97FD-6F575E5C2584}"/>
               </a:ext>
             </a:extLst>
           </p:cNvPr>
@@ -18072,7 +18072,7 @@
           <p:cNvPr id="51" name="Text Placeholder 2">
             <a:extLst>
               <a:ext uri="{FF2B5EF4-FFF2-40B4-BE49-F238E27FC236}">
-                <a16:creationId xmlns="" xmlns:a16="http://schemas.microsoft.com/office/drawing/2014/main" id="{27D068F1-398F-4D11-977C-080C8151C786}"/>
+                <a16:creationId xmlns:a16="http://schemas.microsoft.com/office/drawing/2014/main" xmlns="" id="{27D068F1-398F-4D11-977C-080C8151C786}"/>
               </a:ext>
             </a:extLst>
           </p:cNvPr>
@@ -18205,7 +18205,7 @@
           <p:cNvPr id="53" name="Text Placeholder 2">
             <a:extLst>
               <a:ext uri="{FF2B5EF4-FFF2-40B4-BE49-F238E27FC236}">
-                <a16:creationId xmlns="" xmlns:a16="http://schemas.microsoft.com/office/drawing/2014/main" id="{B795705E-C5CB-46CC-9E41-D2269E07BC15}"/>
+                <a16:creationId xmlns:a16="http://schemas.microsoft.com/office/drawing/2014/main" xmlns="" id="{B795705E-C5CB-46CC-9E41-D2269E07BC15}"/>
               </a:ext>
             </a:extLst>
           </p:cNvPr>
@@ -18342,7 +18342,7 @@
           <p:cNvPr id="54" name="Text Placeholder 2">
             <a:extLst>
               <a:ext uri="{FF2B5EF4-FFF2-40B4-BE49-F238E27FC236}">
-                <a16:creationId xmlns="" xmlns:a16="http://schemas.microsoft.com/office/drawing/2014/main" id="{80211A2B-0F3C-4DBE-AE01-069AE7FC3468}"/>
+                <a16:creationId xmlns:a16="http://schemas.microsoft.com/office/drawing/2014/main" xmlns="" id="{80211A2B-0F3C-4DBE-AE01-069AE7FC3468}"/>
               </a:ext>
             </a:extLst>
           </p:cNvPr>
@@ -18475,7 +18475,7 @@
           <p:cNvPr id="56" name="Straight Connector 55">
             <a:extLst>
               <a:ext uri="{FF2B5EF4-FFF2-40B4-BE49-F238E27FC236}">
-                <a16:creationId xmlns="" xmlns:a16="http://schemas.microsoft.com/office/drawing/2014/main" id="{2E5E9742-C670-47AB-AA69-AE65D7915B06}"/>
+                <a16:creationId xmlns:a16="http://schemas.microsoft.com/office/drawing/2014/main" xmlns="" id="{2E5E9742-C670-47AB-AA69-AE65D7915B06}"/>
               </a:ext>
             </a:extLst>
           </p:cNvPr>
@@ -18518,7 +18518,7 @@
           <p:cNvPr id="57" name="Straight Connector 56">
             <a:extLst>
               <a:ext uri="{FF2B5EF4-FFF2-40B4-BE49-F238E27FC236}">
-                <a16:creationId xmlns="" xmlns:a16="http://schemas.microsoft.com/office/drawing/2014/main" id="{158712DB-5183-45D8-9ABB-6E0795658012}"/>
+                <a16:creationId xmlns:a16="http://schemas.microsoft.com/office/drawing/2014/main" xmlns="" id="{158712DB-5183-45D8-9ABB-6E0795658012}"/>
               </a:ext>
             </a:extLst>
           </p:cNvPr>
@@ -18561,7 +18561,7 @@
           <p:cNvPr id="49" name="Picture Placeholder 2">
             <a:extLst>
               <a:ext uri="{FF2B5EF4-FFF2-40B4-BE49-F238E27FC236}">
-                <a16:creationId xmlns="" xmlns:a16="http://schemas.microsoft.com/office/drawing/2014/main" id="{417A32F4-3459-4A31-A90E-AA771FD4D491}"/>
+                <a16:creationId xmlns:a16="http://schemas.microsoft.com/office/drawing/2014/main" xmlns="" id="{417A32F4-3459-4A31-A90E-AA771FD4D491}"/>
               </a:ext>
             </a:extLst>
           </p:cNvPr>
@@ -18616,7 +18616,7 @@
           <p:cNvPr id="55" name="Picture Placeholder 2">
             <a:extLst>
               <a:ext uri="{FF2B5EF4-FFF2-40B4-BE49-F238E27FC236}">
-                <a16:creationId xmlns="" xmlns:a16="http://schemas.microsoft.com/office/drawing/2014/main" id="{63549FA7-92E5-4DB1-92FA-15902DFD3753}"/>
+                <a16:creationId xmlns:a16="http://schemas.microsoft.com/office/drawing/2014/main" xmlns="" id="{63549FA7-92E5-4DB1-92FA-15902DFD3753}"/>
               </a:ext>
             </a:extLst>
           </p:cNvPr>
@@ -18671,7 +18671,7 @@
           <p:cNvPr id="46" name="Picture Placeholder 2">
             <a:extLst>
               <a:ext uri="{FF2B5EF4-FFF2-40B4-BE49-F238E27FC236}">
-                <a16:creationId xmlns="" xmlns:a16="http://schemas.microsoft.com/office/drawing/2014/main" id="{0F62D330-6A30-4A65-89DA-EDFE4AAD343E}"/>
+                <a16:creationId xmlns:a16="http://schemas.microsoft.com/office/drawing/2014/main" xmlns="" id="{0F62D330-6A30-4A65-89DA-EDFE4AAD343E}"/>
               </a:ext>
             </a:extLst>
           </p:cNvPr>
@@ -18726,7 +18726,7 @@
           <p:cNvPr id="52" name="Picture Placeholder 2">
             <a:extLst>
               <a:ext uri="{FF2B5EF4-FFF2-40B4-BE49-F238E27FC236}">
-                <a16:creationId xmlns="" xmlns:a16="http://schemas.microsoft.com/office/drawing/2014/main" id="{A3FC286B-05E7-4E48-A7FD-197800349118}"/>
+                <a16:creationId xmlns:a16="http://schemas.microsoft.com/office/drawing/2014/main" xmlns="" id="{A3FC286B-05E7-4E48-A7FD-197800349118}"/>
               </a:ext>
             </a:extLst>
           </p:cNvPr>
@@ -18811,7 +18811,7 @@
           <p:cNvPr id="8" name="Picture Placeholder 7">
             <a:extLst>
               <a:ext uri="{FF2B5EF4-FFF2-40B4-BE49-F238E27FC236}">
-                <a16:creationId xmlns="" xmlns:a16="http://schemas.microsoft.com/office/drawing/2014/main" id="{C799DC18-D353-427C-B849-0204F13D9B3D}"/>
+                <a16:creationId xmlns:a16="http://schemas.microsoft.com/office/drawing/2014/main" xmlns="" id="{C799DC18-D353-427C-B849-0204F13D9B3D}"/>
               </a:ext>
             </a:extLst>
           </p:cNvPr>
@@ -18852,7 +18852,7 @@
           <p:cNvPr id="7" name="Rectangle 6">
             <a:extLst>
               <a:ext uri="{FF2B5EF4-FFF2-40B4-BE49-F238E27FC236}">
-                <a16:creationId xmlns="" xmlns:a16="http://schemas.microsoft.com/office/drawing/2014/main" id="{45015858-8549-49EA-BB83-070E0D9D4890}"/>
+                <a16:creationId xmlns:a16="http://schemas.microsoft.com/office/drawing/2014/main" xmlns="" id="{45015858-8549-49EA-BB83-070E0D9D4890}"/>
               </a:ext>
             </a:extLst>
           </p:cNvPr>
@@ -18919,7 +18919,7 @@
           <p:cNvPr id="2" name="Title 1">
             <a:extLst>
               <a:ext uri="{FF2B5EF4-FFF2-40B4-BE49-F238E27FC236}">
-                <a16:creationId xmlns="" xmlns:a16="http://schemas.microsoft.com/office/drawing/2014/main" id="{2206FBAC-B8FD-4768-B682-E0B93BA33105}"/>
+                <a16:creationId xmlns:a16="http://schemas.microsoft.com/office/drawing/2014/main" xmlns="" id="{2206FBAC-B8FD-4768-B682-E0B93BA33105}"/>
               </a:ext>
             </a:extLst>
           </p:cNvPr>
@@ -18972,7 +18972,7 @@
           <p:cNvPr id="4" name="Date Placeholder 3">
             <a:extLst>
               <a:ext uri="{FF2B5EF4-FFF2-40B4-BE49-F238E27FC236}">
-                <a16:creationId xmlns="" xmlns:a16="http://schemas.microsoft.com/office/drawing/2014/main" id="{2472534F-03A6-408A-9BF1-303D0A440BA4}"/>
+                <a16:creationId xmlns:a16="http://schemas.microsoft.com/office/drawing/2014/main" xmlns="" id="{2472534F-03A6-408A-9BF1-303D0A440BA4}"/>
               </a:ext>
             </a:extLst>
           </p:cNvPr>
@@ -19000,7 +19000,7 @@
           <p:cNvPr id="5" name="Footer Placeholder 4">
             <a:extLst>
               <a:ext uri="{FF2B5EF4-FFF2-40B4-BE49-F238E27FC236}">
-                <a16:creationId xmlns="" xmlns:a16="http://schemas.microsoft.com/office/drawing/2014/main" id="{0A24E181-0C50-4F43-A5A7-6FDD1500C708}"/>
+                <a16:creationId xmlns:a16="http://schemas.microsoft.com/office/drawing/2014/main" xmlns="" id="{0A24E181-0C50-4F43-A5A7-6FDD1500C708}"/>
               </a:ext>
             </a:extLst>
           </p:cNvPr>
@@ -19028,7 +19028,7 @@
           <p:cNvPr id="6" name="Slide Number Placeholder 5">
             <a:extLst>
               <a:ext uri="{FF2B5EF4-FFF2-40B4-BE49-F238E27FC236}">
-                <a16:creationId xmlns="" xmlns:a16="http://schemas.microsoft.com/office/drawing/2014/main" id="{13A749CC-EB55-4FEF-AA4C-9A9C6E2AA9C0}"/>
+                <a16:creationId xmlns:a16="http://schemas.microsoft.com/office/drawing/2014/main" xmlns="" id="{13A749CC-EB55-4FEF-AA4C-9A9C6E2AA9C0}"/>
               </a:ext>
             </a:extLst>
           </p:cNvPr>
@@ -19057,7 +19057,7 @@
           <p:cNvPr id="9" name="Group 8">
             <a:extLst>
               <a:ext uri="{FF2B5EF4-FFF2-40B4-BE49-F238E27FC236}">
-                <a16:creationId xmlns="" xmlns:a16="http://schemas.microsoft.com/office/drawing/2014/main" id="{6F3E26A6-6962-4A35-AA86-805537D45296}"/>
+                <a16:creationId xmlns:a16="http://schemas.microsoft.com/office/drawing/2014/main" xmlns="" id="{6F3E26A6-6962-4A35-AA86-805537D45296}"/>
               </a:ext>
             </a:extLst>
           </p:cNvPr>
@@ -19077,7 +19077,7 @@
             <p:cNvPr id="10" name="Oval 9">
               <a:extLst>
                 <a:ext uri="{FF2B5EF4-FFF2-40B4-BE49-F238E27FC236}">
-                  <a16:creationId xmlns="" xmlns:a16="http://schemas.microsoft.com/office/drawing/2014/main" id="{681504C4-12AC-4251-8E47-0089784BDB9B}"/>
+                  <a16:creationId xmlns:a16="http://schemas.microsoft.com/office/drawing/2014/main" xmlns="" id="{681504C4-12AC-4251-8E47-0089784BDB9B}"/>
                 </a:ext>
               </a:extLst>
             </p:cNvPr>
@@ -19132,7 +19132,7 @@
             <p:cNvPr id="11" name="Straight Connector 10">
               <a:extLst>
                 <a:ext uri="{FF2B5EF4-FFF2-40B4-BE49-F238E27FC236}">
-                  <a16:creationId xmlns="" xmlns:a16="http://schemas.microsoft.com/office/drawing/2014/main" id="{192040D0-01C2-4643-8F84-3B8F334E545C}"/>
+                  <a16:creationId xmlns:a16="http://schemas.microsoft.com/office/drawing/2014/main" xmlns="" id="{192040D0-01C2-4643-8F84-3B8F334E545C}"/>
                 </a:ext>
               </a:extLst>
             </p:cNvPr>
@@ -19176,7 +19176,7 @@
             <p:cNvPr id="12" name="Oval 11">
               <a:extLst>
                 <a:ext uri="{FF2B5EF4-FFF2-40B4-BE49-F238E27FC236}">
-                  <a16:creationId xmlns="" xmlns:a16="http://schemas.microsoft.com/office/drawing/2014/main" id="{7ED601E9-2BFC-460B-A2A8-69A787A4988E}"/>
+                  <a16:creationId xmlns:a16="http://schemas.microsoft.com/office/drawing/2014/main" xmlns="" id="{7ED601E9-2BFC-460B-A2A8-69A787A4988E}"/>
                 </a:ext>
               </a:extLst>
             </p:cNvPr>
@@ -19232,7 +19232,7 @@
           <p:cNvPr id="13" name="Group 12">
             <a:extLst>
               <a:ext uri="{FF2B5EF4-FFF2-40B4-BE49-F238E27FC236}">
-                <a16:creationId xmlns="" xmlns:a16="http://schemas.microsoft.com/office/drawing/2014/main" id="{BB49A8A6-FEDB-4D20-B581-A84DB8EFE977}"/>
+                <a16:creationId xmlns:a16="http://schemas.microsoft.com/office/drawing/2014/main" xmlns="" id="{BB49A8A6-FEDB-4D20-B581-A84DB8EFE977}"/>
               </a:ext>
             </a:extLst>
           </p:cNvPr>
@@ -19252,7 +19252,7 @@
             <p:cNvPr id="14" name="Oval 13">
               <a:extLst>
                 <a:ext uri="{FF2B5EF4-FFF2-40B4-BE49-F238E27FC236}">
-                  <a16:creationId xmlns="" xmlns:a16="http://schemas.microsoft.com/office/drawing/2014/main" id="{C2F65998-5EC3-446A-8307-1CF81A348CE3}"/>
+                  <a16:creationId xmlns:a16="http://schemas.microsoft.com/office/drawing/2014/main" xmlns="" id="{C2F65998-5EC3-446A-8307-1CF81A348CE3}"/>
                 </a:ext>
               </a:extLst>
             </p:cNvPr>
@@ -19307,7 +19307,7 @@
             <p:cNvPr id="15" name="Straight Connector 14">
               <a:extLst>
                 <a:ext uri="{FF2B5EF4-FFF2-40B4-BE49-F238E27FC236}">
-                  <a16:creationId xmlns="" xmlns:a16="http://schemas.microsoft.com/office/drawing/2014/main" id="{7CC5D776-F60A-4A0C-AA7C-EFACDA2CEA88}"/>
+                  <a16:creationId xmlns:a16="http://schemas.microsoft.com/office/drawing/2014/main" xmlns="" id="{7CC5D776-F60A-4A0C-AA7C-EFACDA2CEA88}"/>
                 </a:ext>
               </a:extLst>
             </p:cNvPr>
@@ -19351,7 +19351,7 @@
             <p:cNvPr id="16" name="Oval 15">
               <a:extLst>
                 <a:ext uri="{FF2B5EF4-FFF2-40B4-BE49-F238E27FC236}">
-                  <a16:creationId xmlns="" xmlns:a16="http://schemas.microsoft.com/office/drawing/2014/main" id="{AEAFE309-55C5-409C-92ED-748307C74318}"/>
+                  <a16:creationId xmlns:a16="http://schemas.microsoft.com/office/drawing/2014/main" xmlns="" id="{AEAFE309-55C5-409C-92ED-748307C74318}"/>
                 </a:ext>
               </a:extLst>
             </p:cNvPr>
@@ -19407,7 +19407,7 @@
           <p:cNvPr id="17" name="Subtitle 2">
             <a:extLst>
               <a:ext uri="{FF2B5EF4-FFF2-40B4-BE49-F238E27FC236}">
-                <a16:creationId xmlns="" xmlns:a16="http://schemas.microsoft.com/office/drawing/2014/main" id="{5B77B20B-76F5-4912-803D-5709F730D4FB}"/>
+                <a16:creationId xmlns:a16="http://schemas.microsoft.com/office/drawing/2014/main" xmlns="" id="{5B77B20B-76F5-4912-803D-5709F730D4FB}"/>
               </a:ext>
             </a:extLst>
           </p:cNvPr>
@@ -19489,7 +19489,7 @@
           <p:cNvPr id="18" name="Picture Placeholder 9">
             <a:extLst>
               <a:ext uri="{FF2B5EF4-FFF2-40B4-BE49-F238E27FC236}">
-                <a16:creationId xmlns="" xmlns:a16="http://schemas.microsoft.com/office/drawing/2014/main" id="{4293BA4F-7776-4C41-BE4F-7247935D5CCC}"/>
+                <a16:creationId xmlns:a16="http://schemas.microsoft.com/office/drawing/2014/main" xmlns="" id="{4293BA4F-7776-4C41-BE4F-7247935D5CCC}"/>
               </a:ext>
             </a:extLst>
           </p:cNvPr>
@@ -19560,7 +19560,7 @@
           <p:cNvPr id="7" name="Rectangle 6">
             <a:extLst>
               <a:ext uri="{FF2B5EF4-FFF2-40B4-BE49-F238E27FC236}">
-                <a16:creationId xmlns="" xmlns:a16="http://schemas.microsoft.com/office/drawing/2014/main" id="{09F1B35C-893A-4033-ADC0-2192AFA29271}"/>
+                <a16:creationId xmlns:a16="http://schemas.microsoft.com/office/drawing/2014/main" xmlns="" id="{09F1B35C-893A-4033-ADC0-2192AFA29271}"/>
               </a:ext>
             </a:extLst>
           </p:cNvPr>
@@ -19627,7 +19627,7 @@
           <p:cNvPr id="2" name="Title 1">
             <a:extLst>
               <a:ext uri="{FF2B5EF4-FFF2-40B4-BE49-F238E27FC236}">
-                <a16:creationId xmlns="" xmlns:a16="http://schemas.microsoft.com/office/drawing/2014/main" id="{CD637DF8-B064-4F36-89F8-EBF538A2E7F2}"/>
+                <a16:creationId xmlns:a16="http://schemas.microsoft.com/office/drawing/2014/main" xmlns="" id="{CD637DF8-B064-4F36-89F8-EBF538A2E7F2}"/>
               </a:ext>
             </a:extLst>
           </p:cNvPr>
@@ -19666,7 +19666,7 @@
           <p:cNvPr id="3" name="Text Placeholder 2">
             <a:extLst>
               <a:ext uri="{FF2B5EF4-FFF2-40B4-BE49-F238E27FC236}">
-                <a16:creationId xmlns="" xmlns:a16="http://schemas.microsoft.com/office/drawing/2014/main" id="{8A72532A-5006-46B7-AE99-3A6891CD0254}"/>
+                <a16:creationId xmlns:a16="http://schemas.microsoft.com/office/drawing/2014/main" xmlns="" id="{8A72532A-5006-46B7-AE99-3A6891CD0254}"/>
               </a:ext>
             </a:extLst>
           </p:cNvPr>
@@ -19796,7 +19796,7 @@
           <p:cNvPr id="4" name="Date Placeholder 3">
             <a:extLst>
               <a:ext uri="{FF2B5EF4-FFF2-40B4-BE49-F238E27FC236}">
-                <a16:creationId xmlns="" xmlns:a16="http://schemas.microsoft.com/office/drawing/2014/main" id="{49EFC6D7-3241-401C-A16A-4A7CC2653954}"/>
+                <a16:creationId xmlns:a16="http://schemas.microsoft.com/office/drawing/2014/main" xmlns="" id="{49EFC6D7-3241-401C-A16A-4A7CC2653954}"/>
               </a:ext>
             </a:extLst>
           </p:cNvPr>
@@ -19824,7 +19824,7 @@
           <p:cNvPr id="5" name="Footer Placeholder 4">
             <a:extLst>
               <a:ext uri="{FF2B5EF4-FFF2-40B4-BE49-F238E27FC236}">
-                <a16:creationId xmlns="" xmlns:a16="http://schemas.microsoft.com/office/drawing/2014/main" id="{F345D6DC-ABA5-4D00-9CD3-92FFDD1FA2DC}"/>
+                <a16:creationId xmlns:a16="http://schemas.microsoft.com/office/drawing/2014/main" xmlns="" id="{F345D6DC-ABA5-4D00-9CD3-92FFDD1FA2DC}"/>
               </a:ext>
             </a:extLst>
           </p:cNvPr>
@@ -19852,7 +19852,7 @@
           <p:cNvPr id="6" name="Slide Number Placeholder 5">
             <a:extLst>
               <a:ext uri="{FF2B5EF4-FFF2-40B4-BE49-F238E27FC236}">
-                <a16:creationId xmlns="" xmlns:a16="http://schemas.microsoft.com/office/drawing/2014/main" id="{92459C86-0106-40E0-AA18-795EC5787677}"/>
+                <a16:creationId xmlns:a16="http://schemas.microsoft.com/office/drawing/2014/main" xmlns="" id="{92459C86-0106-40E0-AA18-795EC5787677}"/>
               </a:ext>
             </a:extLst>
           </p:cNvPr>
@@ -19881,7 +19881,7 @@
           <p:cNvPr id="11" name="Picture Placeholder 10">
             <a:extLst>
               <a:ext uri="{FF2B5EF4-FFF2-40B4-BE49-F238E27FC236}">
-                <a16:creationId xmlns="" xmlns:a16="http://schemas.microsoft.com/office/drawing/2014/main" id="{6D14F7B3-A6CF-491C-9855-75B5784CC456}"/>
+                <a16:creationId xmlns:a16="http://schemas.microsoft.com/office/drawing/2014/main" xmlns="" id="{6D14F7B3-A6CF-491C-9855-75B5784CC456}"/>
               </a:ext>
             </a:extLst>
           </p:cNvPr>
@@ -19922,7 +19922,7 @@
           <p:cNvPr id="15" name="Group 14">
             <a:extLst>
               <a:ext uri="{FF2B5EF4-FFF2-40B4-BE49-F238E27FC236}">
-                <a16:creationId xmlns="" xmlns:a16="http://schemas.microsoft.com/office/drawing/2014/main" id="{B7317392-EF87-4050-8BBE-32F74B0CF15A}"/>
+                <a16:creationId xmlns:a16="http://schemas.microsoft.com/office/drawing/2014/main" xmlns="" id="{B7317392-EF87-4050-8BBE-32F74B0CF15A}"/>
               </a:ext>
             </a:extLst>
           </p:cNvPr>
@@ -19942,7 +19942,7 @@
             <p:cNvPr id="13" name="Straight Connector 12">
               <a:extLst>
                 <a:ext uri="{FF2B5EF4-FFF2-40B4-BE49-F238E27FC236}">
-                  <a16:creationId xmlns="" xmlns:a16="http://schemas.microsoft.com/office/drawing/2014/main" id="{785A4134-866D-4143-AC1E-8A2FFDB49855}"/>
+                  <a16:creationId xmlns:a16="http://schemas.microsoft.com/office/drawing/2014/main" xmlns="" id="{785A4134-866D-4143-AC1E-8A2FFDB49855}"/>
                 </a:ext>
               </a:extLst>
             </p:cNvPr>
@@ -19988,7 +19988,7 @@
             <p:cNvPr id="14" name="Oval 13">
               <a:extLst>
                 <a:ext uri="{FF2B5EF4-FFF2-40B4-BE49-F238E27FC236}">
-                  <a16:creationId xmlns="" xmlns:a16="http://schemas.microsoft.com/office/drawing/2014/main" id="{1BBC5D9C-B8FB-455B-9398-36DB21F2765E}"/>
+                  <a16:creationId xmlns:a16="http://schemas.microsoft.com/office/drawing/2014/main" xmlns="" id="{1BBC5D9C-B8FB-455B-9398-36DB21F2765E}"/>
                 </a:ext>
               </a:extLst>
             </p:cNvPr>
@@ -20049,7 +20049,7 @@
           <p:cNvPr id="17" name="Oval 16">
             <a:extLst>
               <a:ext uri="{FF2B5EF4-FFF2-40B4-BE49-F238E27FC236}">
-                <a16:creationId xmlns="" xmlns:a16="http://schemas.microsoft.com/office/drawing/2014/main" id="{72225750-E4CE-4A81-A0C3-4023030D637E}"/>
+                <a16:creationId xmlns:a16="http://schemas.microsoft.com/office/drawing/2014/main" xmlns="" id="{72225750-E4CE-4A81-A0C3-4023030D637E}"/>
               </a:ext>
             </a:extLst>
           </p:cNvPr>
@@ -20104,7 +20104,7 @@
           <p:cNvPr id="18" name="Straight Connector 17">
             <a:extLst>
               <a:ext uri="{FF2B5EF4-FFF2-40B4-BE49-F238E27FC236}">
-                <a16:creationId xmlns="" xmlns:a16="http://schemas.microsoft.com/office/drawing/2014/main" id="{3819C324-07DF-49DB-A08C-0E6155CE3041}"/>
+                <a16:creationId xmlns:a16="http://schemas.microsoft.com/office/drawing/2014/main" xmlns="" id="{3819C324-07DF-49DB-A08C-0E6155CE3041}"/>
               </a:ext>
             </a:extLst>
           </p:cNvPr>
@@ -20148,7 +20148,7 @@
           <p:cNvPr id="19" name="Oval 18">
             <a:extLst>
               <a:ext uri="{FF2B5EF4-FFF2-40B4-BE49-F238E27FC236}">
-                <a16:creationId xmlns="" xmlns:a16="http://schemas.microsoft.com/office/drawing/2014/main" id="{75A34025-44F2-4A09-8629-F1794E9D35AF}"/>
+                <a16:creationId xmlns:a16="http://schemas.microsoft.com/office/drawing/2014/main" xmlns="" id="{75A34025-44F2-4A09-8629-F1794E9D35AF}"/>
               </a:ext>
             </a:extLst>
           </p:cNvPr>
@@ -20203,7 +20203,7 @@
           <p:cNvPr id="20" name="Straight Connector 19">
             <a:extLst>
               <a:ext uri="{FF2B5EF4-FFF2-40B4-BE49-F238E27FC236}">
-                <a16:creationId xmlns="" xmlns:a16="http://schemas.microsoft.com/office/drawing/2014/main" id="{815854A2-EAE9-4B2A-84CF-5A4BD753863A}"/>
+                <a16:creationId xmlns:a16="http://schemas.microsoft.com/office/drawing/2014/main" xmlns="" id="{815854A2-EAE9-4B2A-84CF-5A4BD753863A}"/>
               </a:ext>
             </a:extLst>
           </p:cNvPr>
@@ -20249,7 +20249,7 @@
           <p:cNvPr id="36" name="Text Placeholder 2">
             <a:extLst>
               <a:ext uri="{FF2B5EF4-FFF2-40B4-BE49-F238E27FC236}">
-                <a16:creationId xmlns="" xmlns:a16="http://schemas.microsoft.com/office/drawing/2014/main" id="{9A5180A6-7D2B-4341-A749-16387D907EEF}"/>
+                <a16:creationId xmlns:a16="http://schemas.microsoft.com/office/drawing/2014/main" xmlns="" id="{9A5180A6-7D2B-4341-A749-16387D907EEF}"/>
               </a:ext>
             </a:extLst>
           </p:cNvPr>
@@ -20330,7 +20330,7 @@
           <p:cNvPr id="37" name="Text Placeholder 2">
             <a:extLst>
               <a:ext uri="{FF2B5EF4-FFF2-40B4-BE49-F238E27FC236}">
-                <a16:creationId xmlns="" xmlns:a16="http://schemas.microsoft.com/office/drawing/2014/main" id="{79DFBEE7-50AA-4F4F-8B5D-AD23ECAD9919}"/>
+                <a16:creationId xmlns:a16="http://schemas.microsoft.com/office/drawing/2014/main" xmlns="" id="{79DFBEE7-50AA-4F4F-8B5D-AD23ECAD9919}"/>
               </a:ext>
             </a:extLst>
           </p:cNvPr>
@@ -20412,7 +20412,7 @@
           <p:cNvPr id="39" name="Text Placeholder 2">
             <a:extLst>
               <a:ext uri="{FF2B5EF4-FFF2-40B4-BE49-F238E27FC236}">
-                <a16:creationId xmlns="" xmlns:a16="http://schemas.microsoft.com/office/drawing/2014/main" id="{306EAF0C-F17D-47D6-BAA1-16745F4F70D9}"/>
+                <a16:creationId xmlns:a16="http://schemas.microsoft.com/office/drawing/2014/main" xmlns="" id="{306EAF0C-F17D-47D6-BAA1-16745F4F70D9}"/>
               </a:ext>
             </a:extLst>
           </p:cNvPr>
@@ -20493,7 +20493,7 @@
           <p:cNvPr id="40" name="Text Placeholder 2">
             <a:extLst>
               <a:ext uri="{FF2B5EF4-FFF2-40B4-BE49-F238E27FC236}">
-                <a16:creationId xmlns="" xmlns:a16="http://schemas.microsoft.com/office/drawing/2014/main" id="{D091E31C-C1DC-4D72-8C9E-3B6BD91E72AF}"/>
+                <a16:creationId xmlns:a16="http://schemas.microsoft.com/office/drawing/2014/main" xmlns="" id="{D091E31C-C1DC-4D72-8C9E-3B6BD91E72AF}"/>
               </a:ext>
             </a:extLst>
           </p:cNvPr>
@@ -20575,7 +20575,7 @@
           <p:cNvPr id="42" name="Text Placeholder 2">
             <a:extLst>
               <a:ext uri="{FF2B5EF4-FFF2-40B4-BE49-F238E27FC236}">
-                <a16:creationId xmlns="" xmlns:a16="http://schemas.microsoft.com/office/drawing/2014/main" id="{F62E753C-C8BE-457D-9B22-6A8227347A67}"/>
+                <a16:creationId xmlns:a16="http://schemas.microsoft.com/office/drawing/2014/main" xmlns="" id="{F62E753C-C8BE-457D-9B22-6A8227347A67}"/>
               </a:ext>
             </a:extLst>
           </p:cNvPr>
@@ -20656,7 +20656,7 @@
           <p:cNvPr id="43" name="Text Placeholder 2">
             <a:extLst>
               <a:ext uri="{FF2B5EF4-FFF2-40B4-BE49-F238E27FC236}">
-                <a16:creationId xmlns="" xmlns:a16="http://schemas.microsoft.com/office/drawing/2014/main" id="{BC1E8F6C-0BDD-4AFA-9E8D-5EF61AA59F50}"/>
+                <a16:creationId xmlns:a16="http://schemas.microsoft.com/office/drawing/2014/main" xmlns="" id="{BC1E8F6C-0BDD-4AFA-9E8D-5EF61AA59F50}"/>
               </a:ext>
             </a:extLst>
           </p:cNvPr>
@@ -20738,7 +20738,7 @@
           <p:cNvPr id="45" name="Text Placeholder 2">
             <a:extLst>
               <a:ext uri="{FF2B5EF4-FFF2-40B4-BE49-F238E27FC236}">
-                <a16:creationId xmlns="" xmlns:a16="http://schemas.microsoft.com/office/drawing/2014/main" id="{C70C9772-55FF-4449-988F-6CDDE075E730}"/>
+                <a16:creationId xmlns:a16="http://schemas.microsoft.com/office/drawing/2014/main" xmlns="" id="{C70C9772-55FF-4449-988F-6CDDE075E730}"/>
               </a:ext>
             </a:extLst>
           </p:cNvPr>
@@ -20819,7 +20819,7 @@
           <p:cNvPr id="46" name="Text Placeholder 2">
             <a:extLst>
               <a:ext uri="{FF2B5EF4-FFF2-40B4-BE49-F238E27FC236}">
-                <a16:creationId xmlns="" xmlns:a16="http://schemas.microsoft.com/office/drawing/2014/main" id="{75EE6DCE-6A55-4D95-85F7-E22E3E268256}"/>
+                <a16:creationId xmlns:a16="http://schemas.microsoft.com/office/drawing/2014/main" xmlns="" id="{75EE6DCE-6A55-4D95-85F7-E22E3E268256}"/>
               </a:ext>
             </a:extLst>
           </p:cNvPr>
@@ -20901,7 +20901,7 @@
           <p:cNvPr id="48" name="Text Placeholder 2">
             <a:extLst>
               <a:ext uri="{FF2B5EF4-FFF2-40B4-BE49-F238E27FC236}">
-                <a16:creationId xmlns="" xmlns:a16="http://schemas.microsoft.com/office/drawing/2014/main" id="{84DC7882-7541-4AEA-95FE-DDBCF6F9CA32}"/>
+                <a16:creationId xmlns:a16="http://schemas.microsoft.com/office/drawing/2014/main" xmlns="" id="{84DC7882-7541-4AEA-95FE-DDBCF6F9CA32}"/>
               </a:ext>
             </a:extLst>
           </p:cNvPr>
@@ -20982,7 +20982,7 @@
           <p:cNvPr id="49" name="Text Placeholder 2">
             <a:extLst>
               <a:ext uri="{FF2B5EF4-FFF2-40B4-BE49-F238E27FC236}">
-                <a16:creationId xmlns="" xmlns:a16="http://schemas.microsoft.com/office/drawing/2014/main" id="{5542D500-4CD6-4FDE-9133-F8020797D9B5}"/>
+                <a16:creationId xmlns:a16="http://schemas.microsoft.com/office/drawing/2014/main" xmlns="" id="{5542D500-4CD6-4FDE-9133-F8020797D9B5}"/>
               </a:ext>
             </a:extLst>
           </p:cNvPr>
@@ -21064,7 +21064,7 @@
           <p:cNvPr id="51" name="Text Placeholder 2">
             <a:extLst>
               <a:ext uri="{FF2B5EF4-FFF2-40B4-BE49-F238E27FC236}">
-                <a16:creationId xmlns="" xmlns:a16="http://schemas.microsoft.com/office/drawing/2014/main" id="{500C362B-BA02-4F7D-86F6-3F6F2EF20D04}"/>
+                <a16:creationId xmlns:a16="http://schemas.microsoft.com/office/drawing/2014/main" xmlns="" id="{500C362B-BA02-4F7D-86F6-3F6F2EF20D04}"/>
               </a:ext>
             </a:extLst>
           </p:cNvPr>
@@ -21145,7 +21145,7 @@
           <p:cNvPr id="52" name="Text Placeholder 2">
             <a:extLst>
               <a:ext uri="{FF2B5EF4-FFF2-40B4-BE49-F238E27FC236}">
-                <a16:creationId xmlns="" xmlns:a16="http://schemas.microsoft.com/office/drawing/2014/main" id="{E213E497-634E-40E7-BF08-765CC21529E2}"/>
+                <a16:creationId xmlns:a16="http://schemas.microsoft.com/office/drawing/2014/main" xmlns="" id="{E213E497-634E-40E7-BF08-765CC21529E2}"/>
               </a:ext>
             </a:extLst>
           </p:cNvPr>
@@ -21227,7 +21227,7 @@
           <p:cNvPr id="8" name="Oval 7">
             <a:extLst>
               <a:ext uri="{FF2B5EF4-FFF2-40B4-BE49-F238E27FC236}">
-                <a16:creationId xmlns="" xmlns:a16="http://schemas.microsoft.com/office/drawing/2014/main" id="{FA01C659-0131-449B-BA07-5BC568F00BF0}"/>
+                <a16:creationId xmlns:a16="http://schemas.microsoft.com/office/drawing/2014/main" xmlns="" id="{FA01C659-0131-449B-BA07-5BC568F00BF0}"/>
               </a:ext>
             </a:extLst>
           </p:cNvPr>
@@ -21284,7 +21284,7 @@
           <p:cNvPr id="54" name="Oval 53">
             <a:extLst>
               <a:ext uri="{FF2B5EF4-FFF2-40B4-BE49-F238E27FC236}">
-                <a16:creationId xmlns="" xmlns:a16="http://schemas.microsoft.com/office/drawing/2014/main" id="{69CB80EA-A8D6-4099-9412-0C14095755FF}"/>
+                <a16:creationId xmlns:a16="http://schemas.microsoft.com/office/drawing/2014/main" xmlns="" id="{69CB80EA-A8D6-4099-9412-0C14095755FF}"/>
               </a:ext>
             </a:extLst>
           </p:cNvPr>
@@ -21341,7 +21341,7 @@
           <p:cNvPr id="55" name="Oval 54">
             <a:extLst>
               <a:ext uri="{FF2B5EF4-FFF2-40B4-BE49-F238E27FC236}">
-                <a16:creationId xmlns="" xmlns:a16="http://schemas.microsoft.com/office/drawing/2014/main" id="{2E20CCE5-B889-49FE-8FA6-A6F0F11A5D91}"/>
+                <a16:creationId xmlns:a16="http://schemas.microsoft.com/office/drawing/2014/main" xmlns="" id="{2E20CCE5-B889-49FE-8FA6-A6F0F11A5D91}"/>
               </a:ext>
             </a:extLst>
           </p:cNvPr>
@@ -21401,7 +21401,7 @@
           <p:cNvPr id="56" name="Oval 55">
             <a:extLst>
               <a:ext uri="{FF2B5EF4-FFF2-40B4-BE49-F238E27FC236}">
-                <a16:creationId xmlns="" xmlns:a16="http://schemas.microsoft.com/office/drawing/2014/main" id="{769A77E3-4AFB-45BB-8FDC-4AD084EA9D23}"/>
+                <a16:creationId xmlns:a16="http://schemas.microsoft.com/office/drawing/2014/main" xmlns="" id="{769A77E3-4AFB-45BB-8FDC-4AD084EA9D23}"/>
               </a:ext>
             </a:extLst>
           </p:cNvPr>
@@ -21458,7 +21458,7 @@
           <p:cNvPr id="57" name="Oval 56">
             <a:extLst>
               <a:ext uri="{FF2B5EF4-FFF2-40B4-BE49-F238E27FC236}">
-                <a16:creationId xmlns="" xmlns:a16="http://schemas.microsoft.com/office/drawing/2014/main" id="{53A8B986-3280-4EAC-846B-9167ECC55646}"/>
+                <a16:creationId xmlns:a16="http://schemas.microsoft.com/office/drawing/2014/main" xmlns="" id="{53A8B986-3280-4EAC-846B-9167ECC55646}"/>
               </a:ext>
             </a:extLst>
           </p:cNvPr>
@@ -21515,7 +21515,7 @@
           <p:cNvPr id="58" name="Oval 57">
             <a:extLst>
               <a:ext uri="{FF2B5EF4-FFF2-40B4-BE49-F238E27FC236}">
-                <a16:creationId xmlns="" xmlns:a16="http://schemas.microsoft.com/office/drawing/2014/main" id="{0AE6D315-5EC0-4956-B7BF-B94D2AFE679B}"/>
+                <a16:creationId xmlns:a16="http://schemas.microsoft.com/office/drawing/2014/main" xmlns="" id="{0AE6D315-5EC0-4956-B7BF-B94D2AFE679B}"/>
               </a:ext>
             </a:extLst>
           </p:cNvPr>
@@ -21575,7 +21575,7 @@
           <p:cNvPr id="12" name="Chart Placeholder 11">
             <a:extLst>
               <a:ext uri="{FF2B5EF4-FFF2-40B4-BE49-F238E27FC236}">
-                <a16:creationId xmlns="" xmlns:a16="http://schemas.microsoft.com/office/drawing/2014/main" id="{9ED8422E-0C74-45EF-B794-252146C6639A}"/>
+                <a16:creationId xmlns:a16="http://schemas.microsoft.com/office/drawing/2014/main" xmlns="" id="{9ED8422E-0C74-45EF-B794-252146C6639A}"/>
               </a:ext>
             </a:extLst>
           </p:cNvPr>
@@ -21616,7 +21616,7 @@
           <p:cNvPr id="35" name="Oval 34">
             <a:extLst>
               <a:ext uri="{FF2B5EF4-FFF2-40B4-BE49-F238E27FC236}">
-                <a16:creationId xmlns="" xmlns:a16="http://schemas.microsoft.com/office/drawing/2014/main" id="{E8B7C827-F016-49F6-B775-FAC0E6420466}"/>
+                <a16:creationId xmlns:a16="http://schemas.microsoft.com/office/drawing/2014/main" xmlns="" id="{E8B7C827-F016-49F6-B775-FAC0E6420466}"/>
               </a:ext>
             </a:extLst>
           </p:cNvPr>
@@ -21673,7 +21673,7 @@
           <p:cNvPr id="38" name="Oval 37">
             <a:extLst>
               <a:ext uri="{FF2B5EF4-FFF2-40B4-BE49-F238E27FC236}">
-                <a16:creationId xmlns="" xmlns:a16="http://schemas.microsoft.com/office/drawing/2014/main" id="{C0F8D2C7-9093-4F92-B8A4-D819FEE69F1F}"/>
+                <a16:creationId xmlns:a16="http://schemas.microsoft.com/office/drawing/2014/main" xmlns="" id="{C0F8D2C7-9093-4F92-B8A4-D819FEE69F1F}"/>
               </a:ext>
             </a:extLst>
           </p:cNvPr>
@@ -21730,7 +21730,7 @@
           <p:cNvPr id="41" name="Straight Connector 40">
             <a:extLst>
               <a:ext uri="{FF2B5EF4-FFF2-40B4-BE49-F238E27FC236}">
-                <a16:creationId xmlns="" xmlns:a16="http://schemas.microsoft.com/office/drawing/2014/main" id="{0DE9D0C0-04C1-4621-8B2D-E65A25A8DCF3}"/>
+                <a16:creationId xmlns:a16="http://schemas.microsoft.com/office/drawing/2014/main" xmlns="" id="{0DE9D0C0-04C1-4621-8B2D-E65A25A8DCF3}"/>
               </a:ext>
             </a:extLst>
           </p:cNvPr>
@@ -21803,7 +21803,7 @@
           <p:cNvPr id="15" name="Rectangle 14">
             <a:extLst>
               <a:ext uri="{FF2B5EF4-FFF2-40B4-BE49-F238E27FC236}">
-                <a16:creationId xmlns="" xmlns:a16="http://schemas.microsoft.com/office/drawing/2014/main" id="{E8E3FDB8-6D5C-48FE-99EA-7EC60F4D8191}"/>
+                <a16:creationId xmlns:a16="http://schemas.microsoft.com/office/drawing/2014/main" xmlns="" id="{E8E3FDB8-6D5C-48FE-99EA-7EC60F4D8191}"/>
               </a:ext>
             </a:extLst>
           </p:cNvPr>
@@ -21870,7 +21870,7 @@
           <p:cNvPr id="5" name="Date Placeholder 4">
             <a:extLst>
               <a:ext uri="{FF2B5EF4-FFF2-40B4-BE49-F238E27FC236}">
-                <a16:creationId xmlns="" xmlns:a16="http://schemas.microsoft.com/office/drawing/2014/main" id="{2D9775F3-A041-479A-8038-652B7D9C72E9}"/>
+                <a16:creationId xmlns:a16="http://schemas.microsoft.com/office/drawing/2014/main" xmlns="" id="{2D9775F3-A041-479A-8038-652B7D9C72E9}"/>
               </a:ext>
             </a:extLst>
           </p:cNvPr>
@@ -21898,7 +21898,7 @@
           <p:cNvPr id="6" name="Footer Placeholder 5">
             <a:extLst>
               <a:ext uri="{FF2B5EF4-FFF2-40B4-BE49-F238E27FC236}">
-                <a16:creationId xmlns="" xmlns:a16="http://schemas.microsoft.com/office/drawing/2014/main" id="{29BEDD04-BE4E-4B91-B13E-0C4FB3E1658F}"/>
+                <a16:creationId xmlns:a16="http://schemas.microsoft.com/office/drawing/2014/main" xmlns="" id="{29BEDD04-BE4E-4B91-B13E-0C4FB3E1658F}"/>
               </a:ext>
             </a:extLst>
           </p:cNvPr>
@@ -21926,7 +21926,7 @@
           <p:cNvPr id="7" name="Slide Number Placeholder 6">
             <a:extLst>
               <a:ext uri="{FF2B5EF4-FFF2-40B4-BE49-F238E27FC236}">
-                <a16:creationId xmlns="" xmlns:a16="http://schemas.microsoft.com/office/drawing/2014/main" id="{306DF5D8-12DC-494E-B0F1-2E9C86A14544}"/>
+                <a16:creationId xmlns:a16="http://schemas.microsoft.com/office/drawing/2014/main" xmlns="" id="{306DF5D8-12DC-494E-B0F1-2E9C86A14544}"/>
               </a:ext>
             </a:extLst>
           </p:cNvPr>
@@ -21955,7 +21955,7 @@
           <p:cNvPr id="8" name="Title 1">
             <a:extLst>
               <a:ext uri="{FF2B5EF4-FFF2-40B4-BE49-F238E27FC236}">
-                <a16:creationId xmlns="" xmlns:a16="http://schemas.microsoft.com/office/drawing/2014/main" id="{ABF87C9E-53A2-4DE1-89DC-3907BE2E3D3C}"/>
+                <a16:creationId xmlns:a16="http://schemas.microsoft.com/office/drawing/2014/main" xmlns="" id="{ABF87C9E-53A2-4DE1-89DC-3907BE2E3D3C}"/>
               </a:ext>
             </a:extLst>
           </p:cNvPr>
@@ -21994,7 +21994,7 @@
           <p:cNvPr id="9" name="Text Placeholder 2">
             <a:extLst>
               <a:ext uri="{FF2B5EF4-FFF2-40B4-BE49-F238E27FC236}">
-                <a16:creationId xmlns="" xmlns:a16="http://schemas.microsoft.com/office/drawing/2014/main" id="{EB453F8F-AA02-4E0D-93BF-8CF4F1490377}"/>
+                <a16:creationId xmlns:a16="http://schemas.microsoft.com/office/drawing/2014/main" xmlns="" id="{EB453F8F-AA02-4E0D-93BF-8CF4F1490377}"/>
               </a:ext>
             </a:extLst>
           </p:cNvPr>
@@ -22124,7 +22124,7 @@
           <p:cNvPr id="10" name="Picture Placeholder 10">
             <a:extLst>
               <a:ext uri="{FF2B5EF4-FFF2-40B4-BE49-F238E27FC236}">
-                <a16:creationId xmlns="" xmlns:a16="http://schemas.microsoft.com/office/drawing/2014/main" id="{A541F291-2E4B-474E-9ED0-55C97A2A066D}"/>
+                <a16:creationId xmlns:a16="http://schemas.microsoft.com/office/drawing/2014/main" xmlns="" id="{A541F291-2E4B-474E-9ED0-55C97A2A066D}"/>
               </a:ext>
             </a:extLst>
           </p:cNvPr>
@@ -22165,7 +22165,7 @@
           <p:cNvPr id="11" name="Group 10">
             <a:extLst>
               <a:ext uri="{FF2B5EF4-FFF2-40B4-BE49-F238E27FC236}">
-                <a16:creationId xmlns="" xmlns:a16="http://schemas.microsoft.com/office/drawing/2014/main" id="{59E4D57E-4989-4939-A31F-637543FAB606}"/>
+                <a16:creationId xmlns:a16="http://schemas.microsoft.com/office/drawing/2014/main" xmlns="" id="{59E4D57E-4989-4939-A31F-637543FAB606}"/>
               </a:ext>
             </a:extLst>
           </p:cNvPr>
@@ -22185,7 +22185,7 @@
             <p:cNvPr id="12" name="Straight Connector 11">
               <a:extLst>
                 <a:ext uri="{FF2B5EF4-FFF2-40B4-BE49-F238E27FC236}">
-                  <a16:creationId xmlns="" xmlns:a16="http://schemas.microsoft.com/office/drawing/2014/main" id="{370B72A7-B625-48B8-88E6-BCE2A4DD531E}"/>
+                  <a16:creationId xmlns:a16="http://schemas.microsoft.com/office/drawing/2014/main" xmlns="" id="{370B72A7-B625-48B8-88E6-BCE2A4DD531E}"/>
                 </a:ext>
               </a:extLst>
             </p:cNvPr>
@@ -22229,7 +22229,7 @@
             <p:cNvPr id="13" name="Oval 12">
               <a:extLst>
                 <a:ext uri="{FF2B5EF4-FFF2-40B4-BE49-F238E27FC236}">
-                  <a16:creationId xmlns="" xmlns:a16="http://schemas.microsoft.com/office/drawing/2014/main" id="{01ED729F-F8A5-4244-9776-4935C260F11F}"/>
+                  <a16:creationId xmlns:a16="http://schemas.microsoft.com/office/drawing/2014/main" xmlns="" id="{01ED729F-F8A5-4244-9776-4935C260F11F}"/>
                 </a:ext>
               </a:extLst>
             </p:cNvPr>
@@ -22290,7 +22290,7 @@
           <p:cNvPr id="14" name="Text Placeholder 2">
             <a:extLst>
               <a:ext uri="{FF2B5EF4-FFF2-40B4-BE49-F238E27FC236}">
-                <a16:creationId xmlns="" xmlns:a16="http://schemas.microsoft.com/office/drawing/2014/main" id="{BE12A846-0DFC-435B-BAE9-D90C353E0344}"/>
+                <a16:creationId xmlns:a16="http://schemas.microsoft.com/office/drawing/2014/main" xmlns="" id="{BE12A846-0DFC-435B-BAE9-D90C353E0344}"/>
               </a:ext>
             </a:extLst>
           </p:cNvPr>
@@ -22425,7 +22425,7 @@
           <p:cNvPr id="17" name="Straight Connector 16">
             <a:extLst>
               <a:ext uri="{FF2B5EF4-FFF2-40B4-BE49-F238E27FC236}">
-                <a16:creationId xmlns="" xmlns:a16="http://schemas.microsoft.com/office/drawing/2014/main" id="{6150998C-CF95-4C6F-8962-8EB2DB30177D}"/>
+                <a16:creationId xmlns:a16="http://schemas.microsoft.com/office/drawing/2014/main" xmlns="" id="{6150998C-CF95-4C6F-8962-8EB2DB30177D}"/>
               </a:ext>
             </a:extLst>
           </p:cNvPr>
@@ -22469,7 +22469,7 @@
           <p:cNvPr id="18" name="Oval 17">
             <a:extLst>
               <a:ext uri="{FF2B5EF4-FFF2-40B4-BE49-F238E27FC236}">
-                <a16:creationId xmlns="" xmlns:a16="http://schemas.microsoft.com/office/drawing/2014/main" id="{F86A2ACD-8CF5-48A3-A678-E213A809B332}"/>
+                <a16:creationId xmlns:a16="http://schemas.microsoft.com/office/drawing/2014/main" xmlns="" id="{F86A2ACD-8CF5-48A3-A678-E213A809B332}"/>
               </a:ext>
             </a:extLst>
           </p:cNvPr>
@@ -22524,7 +22524,7 @@
           <p:cNvPr id="19" name="Straight Connector 18">
             <a:extLst>
               <a:ext uri="{FF2B5EF4-FFF2-40B4-BE49-F238E27FC236}">
-                <a16:creationId xmlns="" xmlns:a16="http://schemas.microsoft.com/office/drawing/2014/main" id="{F00811BB-0E37-4D70-84A5-97B3FBEDCBE6}"/>
+                <a16:creationId xmlns:a16="http://schemas.microsoft.com/office/drawing/2014/main" xmlns="" id="{F00811BB-0E37-4D70-84A5-97B3FBEDCBE6}"/>
               </a:ext>
             </a:extLst>
           </p:cNvPr>
@@ -22570,7 +22570,7 @@
           <p:cNvPr id="20" name="Oval 19">
             <a:extLst>
               <a:ext uri="{FF2B5EF4-FFF2-40B4-BE49-F238E27FC236}">
-                <a16:creationId xmlns="" xmlns:a16="http://schemas.microsoft.com/office/drawing/2014/main" id="{D03B3046-0457-4D23-8E0C-64E3FCD620BB}"/>
+                <a16:creationId xmlns:a16="http://schemas.microsoft.com/office/drawing/2014/main" xmlns="" id="{D03B3046-0457-4D23-8E0C-64E3FCD620BB}"/>
               </a:ext>
             </a:extLst>
           </p:cNvPr>
@@ -22625,7 +22625,7 @@
           <p:cNvPr id="22" name="Picture Placeholder 7">
             <a:extLst>
               <a:ext uri="{FF2B5EF4-FFF2-40B4-BE49-F238E27FC236}">
-                <a16:creationId xmlns="" xmlns:a16="http://schemas.microsoft.com/office/drawing/2014/main" id="{CF430BFB-0A7C-4FB8-B93B-8DA19F3E634A}"/>
+                <a16:creationId xmlns:a16="http://schemas.microsoft.com/office/drawing/2014/main" xmlns="" id="{CF430BFB-0A7C-4FB8-B93B-8DA19F3E634A}"/>
               </a:ext>
             </a:extLst>
           </p:cNvPr>
@@ -22696,7 +22696,7 @@
           <p:cNvPr id="15" name="Rectangle 14">
             <a:extLst>
               <a:ext uri="{FF2B5EF4-FFF2-40B4-BE49-F238E27FC236}">
-                <a16:creationId xmlns="" xmlns:a16="http://schemas.microsoft.com/office/drawing/2014/main" id="{E8E3FDB8-6D5C-48FE-99EA-7EC60F4D8191}"/>
+                <a16:creationId xmlns:a16="http://schemas.microsoft.com/office/drawing/2014/main" xmlns="" id="{E8E3FDB8-6D5C-48FE-99EA-7EC60F4D8191}"/>
               </a:ext>
             </a:extLst>
           </p:cNvPr>
@@ -22763,7 +22763,7 @@
           <p:cNvPr id="3" name="Picture Placeholder 2">
             <a:extLst>
               <a:ext uri="{FF2B5EF4-FFF2-40B4-BE49-F238E27FC236}">
-                <a16:creationId xmlns="" xmlns:a16="http://schemas.microsoft.com/office/drawing/2014/main" id="{36EF099F-79D2-486F-A4B2-DD4F699752C8}"/>
+                <a16:creationId xmlns:a16="http://schemas.microsoft.com/office/drawing/2014/main" xmlns="" id="{36EF099F-79D2-486F-A4B2-DD4F699752C8}"/>
               </a:ext>
             </a:extLst>
           </p:cNvPr>
@@ -22804,7 +22804,7 @@
           <p:cNvPr id="5" name="Date Placeholder 4">
             <a:extLst>
               <a:ext uri="{FF2B5EF4-FFF2-40B4-BE49-F238E27FC236}">
-                <a16:creationId xmlns="" xmlns:a16="http://schemas.microsoft.com/office/drawing/2014/main" id="{2D9775F3-A041-479A-8038-652B7D9C72E9}"/>
+                <a16:creationId xmlns:a16="http://schemas.microsoft.com/office/drawing/2014/main" xmlns="" id="{2D9775F3-A041-479A-8038-652B7D9C72E9}"/>
               </a:ext>
             </a:extLst>
           </p:cNvPr>
@@ -22832,7 +22832,7 @@
           <p:cNvPr id="6" name="Footer Placeholder 5">
             <a:extLst>
               <a:ext uri="{FF2B5EF4-FFF2-40B4-BE49-F238E27FC236}">
-                <a16:creationId xmlns="" xmlns:a16="http://schemas.microsoft.com/office/drawing/2014/main" id="{29BEDD04-BE4E-4B91-B13E-0C4FB3E1658F}"/>
+                <a16:creationId xmlns:a16="http://schemas.microsoft.com/office/drawing/2014/main" xmlns="" id="{29BEDD04-BE4E-4B91-B13E-0C4FB3E1658F}"/>
               </a:ext>
             </a:extLst>
           </p:cNvPr>
@@ -22860,7 +22860,7 @@
           <p:cNvPr id="7" name="Slide Number Placeholder 6">
             <a:extLst>
               <a:ext uri="{FF2B5EF4-FFF2-40B4-BE49-F238E27FC236}">
-                <a16:creationId xmlns="" xmlns:a16="http://schemas.microsoft.com/office/drawing/2014/main" id="{306DF5D8-12DC-494E-B0F1-2E9C86A14544}"/>
+                <a16:creationId xmlns:a16="http://schemas.microsoft.com/office/drawing/2014/main" xmlns="" id="{306DF5D8-12DC-494E-B0F1-2E9C86A14544}"/>
               </a:ext>
             </a:extLst>
           </p:cNvPr>
@@ -22889,7 +22889,7 @@
           <p:cNvPr id="10" name="Picture Placeholder 10">
             <a:extLst>
               <a:ext uri="{FF2B5EF4-FFF2-40B4-BE49-F238E27FC236}">
-                <a16:creationId xmlns="" xmlns:a16="http://schemas.microsoft.com/office/drawing/2014/main" id="{A541F291-2E4B-474E-9ED0-55C97A2A066D}"/>
+                <a16:creationId xmlns:a16="http://schemas.microsoft.com/office/drawing/2014/main" xmlns="" id="{A541F291-2E4B-474E-9ED0-55C97A2A066D}"/>
               </a:ext>
             </a:extLst>
           </p:cNvPr>
@@ -22930,7 +22930,7 @@
           <p:cNvPr id="21" name="Title 1">
             <a:extLst>
               <a:ext uri="{FF2B5EF4-FFF2-40B4-BE49-F238E27FC236}">
-                <a16:creationId xmlns="" xmlns:a16="http://schemas.microsoft.com/office/drawing/2014/main" id="{1FF22294-F2E5-4C74-A30C-46BA988FD586}"/>
+                <a16:creationId xmlns:a16="http://schemas.microsoft.com/office/drawing/2014/main" xmlns="" id="{1FF22294-F2E5-4C74-A30C-46BA988FD586}"/>
               </a:ext>
             </a:extLst>
           </p:cNvPr>
@@ -22969,7 +22969,7 @@
           <p:cNvPr id="22" name="Text Placeholder 3">
             <a:extLst>
               <a:ext uri="{FF2B5EF4-FFF2-40B4-BE49-F238E27FC236}">
-                <a16:creationId xmlns="" xmlns:a16="http://schemas.microsoft.com/office/drawing/2014/main" id="{FC5C0DA6-1B31-4BDF-BAEB-BF7978102847}"/>
+                <a16:creationId xmlns:a16="http://schemas.microsoft.com/office/drawing/2014/main" xmlns="" id="{FC5C0DA6-1B31-4BDF-BAEB-BF7978102847}"/>
               </a:ext>
             </a:extLst>
           </p:cNvPr>
@@ -23051,7 +23051,7 @@
           <p:cNvPr id="23" name="Text Placeholder 3">
             <a:extLst>
               <a:ext uri="{FF2B5EF4-FFF2-40B4-BE49-F238E27FC236}">
-                <a16:creationId xmlns="" xmlns:a16="http://schemas.microsoft.com/office/drawing/2014/main" id="{5E1647C9-9AC1-4500-A56E-94CABC656E0C}"/>
+                <a16:creationId xmlns:a16="http://schemas.microsoft.com/office/drawing/2014/main" xmlns="" id="{5E1647C9-9AC1-4500-A56E-94CABC656E0C}"/>
               </a:ext>
             </a:extLst>
           </p:cNvPr>
@@ -23134,7 +23134,7 @@
           <p:cNvPr id="24" name="Text Placeholder 3">
             <a:extLst>
               <a:ext uri="{FF2B5EF4-FFF2-40B4-BE49-F238E27FC236}">
-                <a16:creationId xmlns="" xmlns:a16="http://schemas.microsoft.com/office/drawing/2014/main" id="{8605CECB-8164-4428-B478-98C42902F9FC}"/>
+                <a16:creationId xmlns:a16="http://schemas.microsoft.com/office/drawing/2014/main" xmlns="" id="{8605CECB-8164-4428-B478-98C42902F9FC}"/>
               </a:ext>
             </a:extLst>
           </p:cNvPr>
@@ -23216,7 +23216,7 @@
           <p:cNvPr id="25" name="Text Placeholder 3">
             <a:extLst>
               <a:ext uri="{FF2B5EF4-FFF2-40B4-BE49-F238E27FC236}">
-                <a16:creationId xmlns="" xmlns:a16="http://schemas.microsoft.com/office/drawing/2014/main" id="{D39B56C4-E128-4995-91CC-64C268BC7603}"/>
+                <a16:creationId xmlns:a16="http://schemas.microsoft.com/office/drawing/2014/main" xmlns="" id="{D39B56C4-E128-4995-91CC-64C268BC7603}"/>
               </a:ext>
             </a:extLst>
           </p:cNvPr>
@@ -23300,7 +23300,7 @@
           <p:cNvPr id="26" name="Text Placeholder 3">
             <a:extLst>
               <a:ext uri="{FF2B5EF4-FFF2-40B4-BE49-F238E27FC236}">
-                <a16:creationId xmlns="" xmlns:a16="http://schemas.microsoft.com/office/drawing/2014/main" id="{94772DA1-74CC-430C-9A8E-5A6586692CAB}"/>
+                <a16:creationId xmlns:a16="http://schemas.microsoft.com/office/drawing/2014/main" xmlns="" id="{94772DA1-74CC-430C-9A8E-5A6586692CAB}"/>
               </a:ext>
             </a:extLst>
           </p:cNvPr>
@@ -23382,7 +23382,7 @@
           <p:cNvPr id="27" name="Text Placeholder 3">
             <a:extLst>
               <a:ext uri="{FF2B5EF4-FFF2-40B4-BE49-F238E27FC236}">
-                <a16:creationId xmlns="" xmlns:a16="http://schemas.microsoft.com/office/drawing/2014/main" id="{7A073B5B-2BE3-49D1-A646-1492F534C94B}"/>
+                <a16:creationId xmlns:a16="http://schemas.microsoft.com/office/drawing/2014/main" xmlns="" id="{7A073B5B-2BE3-49D1-A646-1492F534C94B}"/>
               </a:ext>
             </a:extLst>
           </p:cNvPr>
@@ -23475,7 +23475,7 @@
           <p:cNvPr id="28" name="Text Placeholder 3">
             <a:extLst>
               <a:ext uri="{FF2B5EF4-FFF2-40B4-BE49-F238E27FC236}">
-                <a16:creationId xmlns="" xmlns:a16="http://schemas.microsoft.com/office/drawing/2014/main" id="{52D10EDD-0329-4443-8665-7603E4A83B16}"/>
+                <a16:creationId xmlns:a16="http://schemas.microsoft.com/office/drawing/2014/main" xmlns="" id="{52D10EDD-0329-4443-8665-7603E4A83B16}"/>
               </a:ext>
             </a:extLst>
           </p:cNvPr>
@@ -23557,7 +23557,7 @@
           <p:cNvPr id="4" name="Group 3">
             <a:extLst>
               <a:ext uri="{FF2B5EF4-FFF2-40B4-BE49-F238E27FC236}">
-                <a16:creationId xmlns="" xmlns:a16="http://schemas.microsoft.com/office/drawing/2014/main" id="{5F591C52-0202-44BA-A6BE-E2362516B893}"/>
+                <a16:creationId xmlns:a16="http://schemas.microsoft.com/office/drawing/2014/main" xmlns="" id="{5F591C52-0202-44BA-A6BE-E2362516B893}"/>
               </a:ext>
             </a:extLst>
           </p:cNvPr>
@@ -23577,7 +23577,7 @@
             <p:cNvPr id="11" name="Group 10">
               <a:extLst>
                 <a:ext uri="{FF2B5EF4-FFF2-40B4-BE49-F238E27FC236}">
-                  <a16:creationId xmlns="" xmlns:a16="http://schemas.microsoft.com/office/drawing/2014/main" id="{59E4D57E-4989-4939-A31F-637543FAB606}"/>
+                  <a16:creationId xmlns:a16="http://schemas.microsoft.com/office/drawing/2014/main" xmlns="" id="{59E4D57E-4989-4939-A31F-637543FAB606}"/>
                 </a:ext>
               </a:extLst>
             </p:cNvPr>
@@ -23597,7 +23597,7 @@
               <p:cNvPr id="12" name="Straight Connector 11">
                 <a:extLst>
                   <a:ext uri="{FF2B5EF4-FFF2-40B4-BE49-F238E27FC236}">
-                    <a16:creationId xmlns="" xmlns:a16="http://schemas.microsoft.com/office/drawing/2014/main" id="{370B72A7-B625-48B8-88E6-BCE2A4DD531E}"/>
+                    <a16:creationId xmlns:a16="http://schemas.microsoft.com/office/drawing/2014/main" xmlns="" id="{370B72A7-B625-48B8-88E6-BCE2A4DD531E}"/>
                   </a:ext>
                 </a:extLst>
               </p:cNvPr>
@@ -23641,7 +23641,7 @@
               <p:cNvPr id="13" name="Oval 12">
                 <a:extLst>
                   <a:ext uri="{FF2B5EF4-FFF2-40B4-BE49-F238E27FC236}">
-                    <a16:creationId xmlns="" xmlns:a16="http://schemas.microsoft.com/office/drawing/2014/main" id="{01ED729F-F8A5-4244-9776-4935C260F11F}"/>
+                    <a16:creationId xmlns:a16="http://schemas.microsoft.com/office/drawing/2014/main" xmlns="" id="{01ED729F-F8A5-4244-9776-4935C260F11F}"/>
                   </a:ext>
                 </a:extLst>
               </p:cNvPr>
@@ -23702,7 +23702,7 @@
             <p:cNvPr id="29" name="Oval 28">
               <a:extLst>
                 <a:ext uri="{FF2B5EF4-FFF2-40B4-BE49-F238E27FC236}">
-                  <a16:creationId xmlns="" xmlns:a16="http://schemas.microsoft.com/office/drawing/2014/main" id="{BECBEDE0-51BB-48BD-AAAD-63B6F60C1D57}"/>
+                  <a16:creationId xmlns:a16="http://schemas.microsoft.com/office/drawing/2014/main" xmlns="" id="{BECBEDE0-51BB-48BD-AAAD-63B6F60C1D57}"/>
                 </a:ext>
               </a:extLst>
             </p:cNvPr>
@@ -23763,7 +23763,7 @@
           <p:cNvPr id="32" name="Group 31">
             <a:extLst>
               <a:ext uri="{FF2B5EF4-FFF2-40B4-BE49-F238E27FC236}">
-                <a16:creationId xmlns="" xmlns:a16="http://schemas.microsoft.com/office/drawing/2014/main" id="{63E1608D-F119-4C0D-8D91-7CB089C037C8}"/>
+                <a16:creationId xmlns:a16="http://schemas.microsoft.com/office/drawing/2014/main" xmlns="" id="{63E1608D-F119-4C0D-8D91-7CB089C037C8}"/>
               </a:ext>
             </a:extLst>
           </p:cNvPr>
@@ -23783,7 +23783,7 @@
             <p:cNvPr id="33" name="Group 32">
               <a:extLst>
                 <a:ext uri="{FF2B5EF4-FFF2-40B4-BE49-F238E27FC236}">
-                  <a16:creationId xmlns="" xmlns:a16="http://schemas.microsoft.com/office/drawing/2014/main" id="{EBDC0121-6865-4B65-A28B-1CEDB16AAD9E}"/>
+                  <a16:creationId xmlns:a16="http://schemas.microsoft.com/office/drawing/2014/main" xmlns="" id="{EBDC0121-6865-4B65-A28B-1CEDB16AAD9E}"/>
                 </a:ext>
               </a:extLst>
             </p:cNvPr>
@@ -23803,7 +23803,7 @@
               <p:cNvPr id="35" name="Straight Connector 34">
                 <a:extLst>
                   <a:ext uri="{FF2B5EF4-FFF2-40B4-BE49-F238E27FC236}">
-                    <a16:creationId xmlns="" xmlns:a16="http://schemas.microsoft.com/office/drawing/2014/main" id="{386E3714-07DE-4318-B5BC-25F879B97D59}"/>
+                    <a16:creationId xmlns:a16="http://schemas.microsoft.com/office/drawing/2014/main" xmlns="" id="{386E3714-07DE-4318-B5BC-25F879B97D59}"/>
                   </a:ext>
                 </a:extLst>
               </p:cNvPr>
@@ -23847,7 +23847,7 @@
               <p:cNvPr id="36" name="Oval 35">
                 <a:extLst>
                   <a:ext uri="{FF2B5EF4-FFF2-40B4-BE49-F238E27FC236}">
-                    <a16:creationId xmlns="" xmlns:a16="http://schemas.microsoft.com/office/drawing/2014/main" id="{2ECCE30B-E848-4C5E-83A1-A811D489E7B8}"/>
+                    <a16:creationId xmlns:a16="http://schemas.microsoft.com/office/drawing/2014/main" xmlns="" id="{2ECCE30B-E848-4C5E-83A1-A811D489E7B8}"/>
                   </a:ext>
                 </a:extLst>
               </p:cNvPr>
@@ -23908,7 +23908,7 @@
             <p:cNvPr id="34" name="Oval 33">
               <a:extLst>
                 <a:ext uri="{FF2B5EF4-FFF2-40B4-BE49-F238E27FC236}">
-                  <a16:creationId xmlns="" xmlns:a16="http://schemas.microsoft.com/office/drawing/2014/main" id="{09817AEC-C67C-49A3-AC5A-669FD4D6D586}"/>
+                  <a16:creationId xmlns:a16="http://schemas.microsoft.com/office/drawing/2014/main" xmlns="" id="{09817AEC-C67C-49A3-AC5A-669FD4D6D586}"/>
                 </a:ext>
               </a:extLst>
             </p:cNvPr>
@@ -23999,7 +23999,7 @@
           <p:cNvPr id="15" name="Rectangle 14">
             <a:extLst>
               <a:ext uri="{FF2B5EF4-FFF2-40B4-BE49-F238E27FC236}">
-                <a16:creationId xmlns="" xmlns:a16="http://schemas.microsoft.com/office/drawing/2014/main" id="{E8E3FDB8-6D5C-48FE-99EA-7EC60F4D8191}"/>
+                <a16:creationId xmlns:a16="http://schemas.microsoft.com/office/drawing/2014/main" xmlns="" id="{E8E3FDB8-6D5C-48FE-99EA-7EC60F4D8191}"/>
               </a:ext>
             </a:extLst>
           </p:cNvPr>
@@ -24066,7 +24066,7 @@
           <p:cNvPr id="3" name="Picture Placeholder 2">
             <a:extLst>
               <a:ext uri="{FF2B5EF4-FFF2-40B4-BE49-F238E27FC236}">
-                <a16:creationId xmlns="" xmlns:a16="http://schemas.microsoft.com/office/drawing/2014/main" id="{96C5B5AA-0D95-4C33-8EBC-90401B51BDB4}"/>
+                <a16:creationId xmlns:a16="http://schemas.microsoft.com/office/drawing/2014/main" xmlns="" id="{96C5B5AA-0D95-4C33-8EBC-90401B51BDB4}"/>
               </a:ext>
             </a:extLst>
           </p:cNvPr>
@@ -24107,7 +24107,7 @@
           <p:cNvPr id="5" name="Date Placeholder 4">
             <a:extLst>
               <a:ext uri="{FF2B5EF4-FFF2-40B4-BE49-F238E27FC236}">
-                <a16:creationId xmlns="" xmlns:a16="http://schemas.microsoft.com/office/drawing/2014/main" id="{2D9775F3-A041-479A-8038-652B7D9C72E9}"/>
+                <a16:creationId xmlns:a16="http://schemas.microsoft.com/office/drawing/2014/main" xmlns="" id="{2D9775F3-A041-479A-8038-652B7D9C72E9}"/>
               </a:ext>
             </a:extLst>
           </p:cNvPr>
@@ -24135,7 +24135,7 @@
           <p:cNvPr id="6" name="Footer Placeholder 5">
             <a:extLst>
               <a:ext uri="{FF2B5EF4-FFF2-40B4-BE49-F238E27FC236}">
-                <a16:creationId xmlns="" xmlns:a16="http://schemas.microsoft.com/office/drawing/2014/main" id="{29BEDD04-BE4E-4B91-B13E-0C4FB3E1658F}"/>
+                <a16:creationId xmlns:a16="http://schemas.microsoft.com/office/drawing/2014/main" xmlns="" id="{29BEDD04-BE4E-4B91-B13E-0C4FB3E1658F}"/>
               </a:ext>
             </a:extLst>
           </p:cNvPr>
@@ -24163,7 +24163,7 @@
           <p:cNvPr id="7" name="Slide Number Placeholder 6">
             <a:extLst>
               <a:ext uri="{FF2B5EF4-FFF2-40B4-BE49-F238E27FC236}">
-                <a16:creationId xmlns="" xmlns:a16="http://schemas.microsoft.com/office/drawing/2014/main" id="{306DF5D8-12DC-494E-B0F1-2E9C86A14544}"/>
+                <a16:creationId xmlns:a16="http://schemas.microsoft.com/office/drawing/2014/main" xmlns="" id="{306DF5D8-12DC-494E-B0F1-2E9C86A14544}"/>
               </a:ext>
             </a:extLst>
           </p:cNvPr>
@@ -24192,7 +24192,7 @@
           <p:cNvPr id="8" name="Title 1">
             <a:extLst>
               <a:ext uri="{FF2B5EF4-FFF2-40B4-BE49-F238E27FC236}">
-                <a16:creationId xmlns="" xmlns:a16="http://schemas.microsoft.com/office/drawing/2014/main" id="{ABF87C9E-53A2-4DE1-89DC-3907BE2E3D3C}"/>
+                <a16:creationId xmlns:a16="http://schemas.microsoft.com/office/drawing/2014/main" xmlns="" id="{ABF87C9E-53A2-4DE1-89DC-3907BE2E3D3C}"/>
               </a:ext>
             </a:extLst>
           </p:cNvPr>
@@ -24231,7 +24231,7 @@
           <p:cNvPr id="10" name="Picture Placeholder 10">
             <a:extLst>
               <a:ext uri="{FF2B5EF4-FFF2-40B4-BE49-F238E27FC236}">
-                <a16:creationId xmlns="" xmlns:a16="http://schemas.microsoft.com/office/drawing/2014/main" id="{A541F291-2E4B-474E-9ED0-55C97A2A066D}"/>
+                <a16:creationId xmlns:a16="http://schemas.microsoft.com/office/drawing/2014/main" xmlns="" id="{A541F291-2E4B-474E-9ED0-55C97A2A066D}"/>
               </a:ext>
             </a:extLst>
           </p:cNvPr>
@@ -24272,7 +24272,7 @@
           <p:cNvPr id="17" name="Straight Connector 16">
             <a:extLst>
               <a:ext uri="{FF2B5EF4-FFF2-40B4-BE49-F238E27FC236}">
-                <a16:creationId xmlns="" xmlns:a16="http://schemas.microsoft.com/office/drawing/2014/main" id="{6150998C-CF95-4C6F-8962-8EB2DB30177D}"/>
+                <a16:creationId xmlns:a16="http://schemas.microsoft.com/office/drawing/2014/main" xmlns="" id="{6150998C-CF95-4C6F-8962-8EB2DB30177D}"/>
               </a:ext>
             </a:extLst>
           </p:cNvPr>
@@ -24316,7 +24316,7 @@
           <p:cNvPr id="18" name="Oval 17">
             <a:extLst>
               <a:ext uri="{FF2B5EF4-FFF2-40B4-BE49-F238E27FC236}">
-                <a16:creationId xmlns="" xmlns:a16="http://schemas.microsoft.com/office/drawing/2014/main" id="{F86A2ACD-8CF5-48A3-A678-E213A809B332}"/>
+                <a16:creationId xmlns:a16="http://schemas.microsoft.com/office/drawing/2014/main" xmlns="" id="{F86A2ACD-8CF5-48A3-A678-E213A809B332}"/>
               </a:ext>
             </a:extLst>
           </p:cNvPr>
@@ -24371,7 +24371,7 @@
           <p:cNvPr id="19" name="Straight Connector 18">
             <a:extLst>
               <a:ext uri="{FF2B5EF4-FFF2-40B4-BE49-F238E27FC236}">
-                <a16:creationId xmlns="" xmlns:a16="http://schemas.microsoft.com/office/drawing/2014/main" id="{F00811BB-0E37-4D70-84A5-97B3FBEDCBE6}"/>
+                <a16:creationId xmlns:a16="http://schemas.microsoft.com/office/drawing/2014/main" xmlns="" id="{F00811BB-0E37-4D70-84A5-97B3FBEDCBE6}"/>
               </a:ext>
             </a:extLst>
           </p:cNvPr>
@@ -24417,7 +24417,7 @@
           <p:cNvPr id="20" name="Oval 19">
             <a:extLst>
               <a:ext uri="{FF2B5EF4-FFF2-40B4-BE49-F238E27FC236}">
-                <a16:creationId xmlns="" xmlns:a16="http://schemas.microsoft.com/office/drawing/2014/main" id="{D03B3046-0457-4D23-8E0C-64E3FCD620BB}"/>
+                <a16:creationId xmlns:a16="http://schemas.microsoft.com/office/drawing/2014/main" xmlns="" id="{D03B3046-0457-4D23-8E0C-64E3FCD620BB}"/>
               </a:ext>
             </a:extLst>
           </p:cNvPr>
@@ -24472,7 +24472,7 @@
           <p:cNvPr id="4" name="Group 3">
             <a:extLst>
               <a:ext uri="{FF2B5EF4-FFF2-40B4-BE49-F238E27FC236}">
-                <a16:creationId xmlns="" xmlns:a16="http://schemas.microsoft.com/office/drawing/2014/main" id="{908B302A-0F76-466E-9FCE-DCEECCBCF6C9}"/>
+                <a16:creationId xmlns:a16="http://schemas.microsoft.com/office/drawing/2014/main" xmlns="" id="{908B302A-0F76-466E-9FCE-DCEECCBCF6C9}"/>
               </a:ext>
             </a:extLst>
           </p:cNvPr>
@@ -24492,7 +24492,7 @@
             <p:cNvPr id="11" name="Group 10">
               <a:extLst>
                 <a:ext uri="{FF2B5EF4-FFF2-40B4-BE49-F238E27FC236}">
-                  <a16:creationId xmlns="" xmlns:a16="http://schemas.microsoft.com/office/drawing/2014/main" id="{59E4D57E-4989-4939-A31F-637543FAB606}"/>
+                  <a16:creationId xmlns:a16="http://schemas.microsoft.com/office/drawing/2014/main" xmlns="" id="{59E4D57E-4989-4939-A31F-637543FAB606}"/>
                 </a:ext>
               </a:extLst>
             </p:cNvPr>
@@ -24512,7 +24512,7 @@
               <p:cNvPr id="12" name="Straight Connector 11">
                 <a:extLst>
                   <a:ext uri="{FF2B5EF4-FFF2-40B4-BE49-F238E27FC236}">
-                    <a16:creationId xmlns="" xmlns:a16="http://schemas.microsoft.com/office/drawing/2014/main" id="{370B72A7-B625-48B8-88E6-BCE2A4DD531E}"/>
+                    <a16:creationId xmlns:a16="http://schemas.microsoft.com/office/drawing/2014/main" xmlns="" id="{370B72A7-B625-48B8-88E6-BCE2A4DD531E}"/>
                   </a:ext>
                 </a:extLst>
               </p:cNvPr>
@@ -24556,7 +24556,7 @@
               <p:cNvPr id="13" name="Oval 12">
                 <a:extLst>
                   <a:ext uri="{FF2B5EF4-FFF2-40B4-BE49-F238E27FC236}">
-                    <a16:creationId xmlns="" xmlns:a16="http://schemas.microsoft.com/office/drawing/2014/main" id="{01ED729F-F8A5-4244-9776-4935C260F11F}"/>
+                    <a16:creationId xmlns:a16="http://schemas.microsoft.com/office/drawing/2014/main" xmlns="" id="{01ED729F-F8A5-4244-9776-4935C260F11F}"/>
                   </a:ext>
                 </a:extLst>
               </p:cNvPr>
@@ -24617,7 +24617,7 @@
             <p:cNvPr id="21" name="Oval 20">
               <a:extLst>
                 <a:ext uri="{FF2B5EF4-FFF2-40B4-BE49-F238E27FC236}">
-                  <a16:creationId xmlns="" xmlns:a16="http://schemas.microsoft.com/office/drawing/2014/main" id="{427C0C4F-6341-4BE0-931E-AAA6EA2AF137}"/>
+                  <a16:creationId xmlns:a16="http://schemas.microsoft.com/office/drawing/2014/main" xmlns="" id="{427C0C4F-6341-4BE0-931E-AAA6EA2AF137}"/>
                 </a:ext>
               </a:extLst>
             </p:cNvPr>
@@ -24708,7 +24708,7 @@
           <p:cNvPr id="15" name="Rectangle 14">
             <a:extLst>
               <a:ext uri="{FF2B5EF4-FFF2-40B4-BE49-F238E27FC236}">
-                <a16:creationId xmlns="" xmlns:a16="http://schemas.microsoft.com/office/drawing/2014/main" id="{E8E3FDB8-6D5C-48FE-99EA-7EC60F4D8191}"/>
+                <a16:creationId xmlns:a16="http://schemas.microsoft.com/office/drawing/2014/main" xmlns="" id="{E8E3FDB8-6D5C-48FE-99EA-7EC60F4D8191}"/>
               </a:ext>
             </a:extLst>
           </p:cNvPr>
@@ -24775,7 +24775,7 @@
           <p:cNvPr id="5" name="Date Placeholder 4">
             <a:extLst>
               <a:ext uri="{FF2B5EF4-FFF2-40B4-BE49-F238E27FC236}">
-                <a16:creationId xmlns="" xmlns:a16="http://schemas.microsoft.com/office/drawing/2014/main" id="{2D9775F3-A041-479A-8038-652B7D9C72E9}"/>
+                <a16:creationId xmlns:a16="http://schemas.microsoft.com/office/drawing/2014/main" xmlns="" id="{2D9775F3-A041-479A-8038-652B7D9C72E9}"/>
               </a:ext>
             </a:extLst>
           </p:cNvPr>
@@ -24803,7 +24803,7 @@
           <p:cNvPr id="6" name="Footer Placeholder 5">
             <a:extLst>
               <a:ext uri="{FF2B5EF4-FFF2-40B4-BE49-F238E27FC236}">
-                <a16:creationId xmlns="" xmlns:a16="http://schemas.microsoft.com/office/drawing/2014/main" id="{29BEDD04-BE4E-4B91-B13E-0C4FB3E1658F}"/>
+                <a16:creationId xmlns:a16="http://schemas.microsoft.com/office/drawing/2014/main" xmlns="" id="{29BEDD04-BE4E-4B91-B13E-0C4FB3E1658F}"/>
               </a:ext>
             </a:extLst>
           </p:cNvPr>
@@ -24831,7 +24831,7 @@
           <p:cNvPr id="7" name="Slide Number Placeholder 6">
             <a:extLst>
               <a:ext uri="{FF2B5EF4-FFF2-40B4-BE49-F238E27FC236}">
-                <a16:creationId xmlns="" xmlns:a16="http://schemas.microsoft.com/office/drawing/2014/main" id="{306DF5D8-12DC-494E-B0F1-2E9C86A14544}"/>
+                <a16:creationId xmlns:a16="http://schemas.microsoft.com/office/drawing/2014/main" xmlns="" id="{306DF5D8-12DC-494E-B0F1-2E9C86A14544}"/>
               </a:ext>
             </a:extLst>
           </p:cNvPr>
@@ -24860,7 +24860,7 @@
           <p:cNvPr id="8" name="Title 1">
             <a:extLst>
               <a:ext uri="{FF2B5EF4-FFF2-40B4-BE49-F238E27FC236}">
-                <a16:creationId xmlns="" xmlns:a16="http://schemas.microsoft.com/office/drawing/2014/main" id="{ABF87C9E-53A2-4DE1-89DC-3907BE2E3D3C}"/>
+                <a16:creationId xmlns:a16="http://schemas.microsoft.com/office/drawing/2014/main" xmlns="" id="{ABF87C9E-53A2-4DE1-89DC-3907BE2E3D3C}"/>
               </a:ext>
             </a:extLst>
           </p:cNvPr>
@@ -24899,7 +24899,7 @@
           <p:cNvPr id="10" name="Picture Placeholder 10">
             <a:extLst>
               <a:ext uri="{FF2B5EF4-FFF2-40B4-BE49-F238E27FC236}">
-                <a16:creationId xmlns="" xmlns:a16="http://schemas.microsoft.com/office/drawing/2014/main" id="{A541F291-2E4B-474E-9ED0-55C97A2A066D}"/>
+                <a16:creationId xmlns:a16="http://schemas.microsoft.com/office/drawing/2014/main" xmlns="" id="{A541F291-2E4B-474E-9ED0-55C97A2A066D}"/>
               </a:ext>
             </a:extLst>
           </p:cNvPr>
@@ -24940,7 +24940,7 @@
           <p:cNvPr id="11" name="Group 10">
             <a:extLst>
               <a:ext uri="{FF2B5EF4-FFF2-40B4-BE49-F238E27FC236}">
-                <a16:creationId xmlns="" xmlns:a16="http://schemas.microsoft.com/office/drawing/2014/main" id="{59E4D57E-4989-4939-A31F-637543FAB606}"/>
+                <a16:creationId xmlns:a16="http://schemas.microsoft.com/office/drawing/2014/main" xmlns="" id="{59E4D57E-4989-4939-A31F-637543FAB606}"/>
               </a:ext>
             </a:extLst>
           </p:cNvPr>
@@ -24960,7 +24960,7 @@
             <p:cNvPr id="12" name="Straight Connector 11">
               <a:extLst>
                 <a:ext uri="{FF2B5EF4-FFF2-40B4-BE49-F238E27FC236}">
-                  <a16:creationId xmlns="" xmlns:a16="http://schemas.microsoft.com/office/drawing/2014/main" id="{370B72A7-B625-48B8-88E6-BCE2A4DD531E}"/>
+                  <a16:creationId xmlns:a16="http://schemas.microsoft.com/office/drawing/2014/main" xmlns="" id="{370B72A7-B625-48B8-88E6-BCE2A4DD531E}"/>
                 </a:ext>
               </a:extLst>
             </p:cNvPr>
@@ -25006,7 +25006,7 @@
             <p:cNvPr id="13" name="Oval 12">
               <a:extLst>
                 <a:ext uri="{FF2B5EF4-FFF2-40B4-BE49-F238E27FC236}">
-                  <a16:creationId xmlns="" xmlns:a16="http://schemas.microsoft.com/office/drawing/2014/main" id="{01ED729F-F8A5-4244-9776-4935C260F11F}"/>
+                  <a16:creationId xmlns:a16="http://schemas.microsoft.com/office/drawing/2014/main" xmlns="" id="{01ED729F-F8A5-4244-9776-4935C260F11F}"/>
                 </a:ext>
               </a:extLst>
             </p:cNvPr>
@@ -25067,7 +25067,7 @@
           <p:cNvPr id="17" name="Straight Connector 16">
             <a:extLst>
               <a:ext uri="{FF2B5EF4-FFF2-40B4-BE49-F238E27FC236}">
-                <a16:creationId xmlns="" xmlns:a16="http://schemas.microsoft.com/office/drawing/2014/main" id="{6150998C-CF95-4C6F-8962-8EB2DB30177D}"/>
+                <a16:creationId xmlns:a16="http://schemas.microsoft.com/office/drawing/2014/main" xmlns="" id="{6150998C-CF95-4C6F-8962-8EB2DB30177D}"/>
               </a:ext>
             </a:extLst>
           </p:cNvPr>
@@ -25111,7 +25111,7 @@
           <p:cNvPr id="18" name="Oval 17">
             <a:extLst>
               <a:ext uri="{FF2B5EF4-FFF2-40B4-BE49-F238E27FC236}">
-                <a16:creationId xmlns="" xmlns:a16="http://schemas.microsoft.com/office/drawing/2014/main" id="{F86A2ACD-8CF5-48A3-A678-E213A809B332}"/>
+                <a16:creationId xmlns:a16="http://schemas.microsoft.com/office/drawing/2014/main" xmlns="" id="{F86A2ACD-8CF5-48A3-A678-E213A809B332}"/>
               </a:ext>
             </a:extLst>
           </p:cNvPr>
@@ -25166,7 +25166,7 @@
           <p:cNvPr id="19" name="Straight Connector 18">
             <a:extLst>
               <a:ext uri="{FF2B5EF4-FFF2-40B4-BE49-F238E27FC236}">
-                <a16:creationId xmlns="" xmlns:a16="http://schemas.microsoft.com/office/drawing/2014/main" id="{F00811BB-0E37-4D70-84A5-97B3FBEDCBE6}"/>
+                <a16:creationId xmlns:a16="http://schemas.microsoft.com/office/drawing/2014/main" xmlns="" id="{F00811BB-0E37-4D70-84A5-97B3FBEDCBE6}"/>
               </a:ext>
             </a:extLst>
           </p:cNvPr>
@@ -25212,7 +25212,7 @@
           <p:cNvPr id="20" name="Oval 19">
             <a:extLst>
               <a:ext uri="{FF2B5EF4-FFF2-40B4-BE49-F238E27FC236}">
-                <a16:creationId xmlns="" xmlns:a16="http://schemas.microsoft.com/office/drawing/2014/main" id="{D03B3046-0457-4D23-8E0C-64E3FCD620BB}"/>
+                <a16:creationId xmlns:a16="http://schemas.microsoft.com/office/drawing/2014/main" xmlns="" id="{D03B3046-0457-4D23-8E0C-64E3FCD620BB}"/>
               </a:ext>
             </a:extLst>
           </p:cNvPr>
@@ -25267,7 +25267,7 @@
           <p:cNvPr id="40" name="Text Placeholder 2">
             <a:extLst>
               <a:ext uri="{FF2B5EF4-FFF2-40B4-BE49-F238E27FC236}">
-                <a16:creationId xmlns="" xmlns:a16="http://schemas.microsoft.com/office/drawing/2014/main" id="{4A98AB01-9578-4430-96AD-F434AF0CDA20}"/>
+                <a16:creationId xmlns:a16="http://schemas.microsoft.com/office/drawing/2014/main" xmlns="" id="{4A98AB01-9578-4430-96AD-F434AF0CDA20}"/>
               </a:ext>
             </a:extLst>
           </p:cNvPr>
@@ -25404,7 +25404,7 @@
           <p:cNvPr id="41" name="Text Placeholder 2">
             <a:extLst>
               <a:ext uri="{FF2B5EF4-FFF2-40B4-BE49-F238E27FC236}">
-                <a16:creationId xmlns="" xmlns:a16="http://schemas.microsoft.com/office/drawing/2014/main" id="{EF9D60F2-A1FB-4A95-997B-A4F1723AC1EC}"/>
+                <a16:creationId xmlns:a16="http://schemas.microsoft.com/office/drawing/2014/main" xmlns="" id="{EF9D60F2-A1FB-4A95-997B-A4F1723AC1EC}"/>
               </a:ext>
             </a:extLst>
           </p:cNvPr>
@@ -25544,7 +25544,7 @@
           <p:cNvPr id="42" name="Picture Placeholder 2">
             <a:extLst>
               <a:ext uri="{FF2B5EF4-FFF2-40B4-BE49-F238E27FC236}">
-                <a16:creationId xmlns="" xmlns:a16="http://schemas.microsoft.com/office/drawing/2014/main" id="{76A56D2A-42F0-40C5-96D7-B1AC33152A85}"/>
+                <a16:creationId xmlns:a16="http://schemas.microsoft.com/office/drawing/2014/main" xmlns="" id="{76A56D2A-42F0-40C5-96D7-B1AC33152A85}"/>
               </a:ext>
             </a:extLst>
           </p:cNvPr>
@@ -25596,7 +25596,7 @@
           <p:cNvPr id="43" name="Straight Connector 42">
             <a:extLst>
               <a:ext uri="{FF2B5EF4-FFF2-40B4-BE49-F238E27FC236}">
-                <a16:creationId xmlns="" xmlns:a16="http://schemas.microsoft.com/office/drawing/2014/main" id="{CF6D1C91-9136-4678-A712-92BE9B3902C4}"/>
+                <a16:creationId xmlns:a16="http://schemas.microsoft.com/office/drawing/2014/main" xmlns="" id="{CF6D1C91-9136-4678-A712-92BE9B3902C4}"/>
               </a:ext>
             </a:extLst>
           </p:cNvPr>
@@ -25639,7 +25639,7 @@
           <p:cNvPr id="4" name="Text Placeholder 3">
             <a:extLst>
               <a:ext uri="{FF2B5EF4-FFF2-40B4-BE49-F238E27FC236}">
-                <a16:creationId xmlns="" xmlns:a16="http://schemas.microsoft.com/office/drawing/2014/main" id="{F2D92A7B-1C40-4AEB-92C3-C35F8C01F1FA}"/>
+                <a16:creationId xmlns:a16="http://schemas.microsoft.com/office/drawing/2014/main" xmlns="" id="{F2D92A7B-1C40-4AEB-92C3-C35F8C01F1FA}"/>
               </a:ext>
             </a:extLst>
           </p:cNvPr>
@@ -25876,7 +25876,7 @@
           <p:cNvPr id="24" name="Oval 23">
             <a:extLst>
               <a:ext uri="{FF2B5EF4-FFF2-40B4-BE49-F238E27FC236}">
-                <a16:creationId xmlns="" xmlns:a16="http://schemas.microsoft.com/office/drawing/2014/main" id="{F2E312F1-B417-47B6-97E4-7CCA31034F82}"/>
+                <a16:creationId xmlns:a16="http://schemas.microsoft.com/office/drawing/2014/main" xmlns="" id="{F2E312F1-B417-47B6-97E4-7CCA31034F82}"/>
               </a:ext>
             </a:extLst>
           </p:cNvPr>
@@ -25936,7 +25936,7 @@
           <p:cNvPr id="58" name="Text Placeholder 2">
             <a:extLst>
               <a:ext uri="{FF2B5EF4-FFF2-40B4-BE49-F238E27FC236}">
-                <a16:creationId xmlns="" xmlns:a16="http://schemas.microsoft.com/office/drawing/2014/main" id="{13DB5D84-04D8-4536-A06B-AED76E7C51D7}"/>
+                <a16:creationId xmlns:a16="http://schemas.microsoft.com/office/drawing/2014/main" xmlns="" id="{13DB5D84-04D8-4536-A06B-AED76E7C51D7}"/>
               </a:ext>
             </a:extLst>
           </p:cNvPr>
@@ -26073,7 +26073,7 @@
           <p:cNvPr id="59" name="Text Placeholder 2">
             <a:extLst>
               <a:ext uri="{FF2B5EF4-FFF2-40B4-BE49-F238E27FC236}">
-                <a16:creationId xmlns="" xmlns:a16="http://schemas.microsoft.com/office/drawing/2014/main" id="{3AB0AC7E-7919-422E-95A1-82E8B125756D}"/>
+                <a16:creationId xmlns:a16="http://schemas.microsoft.com/office/drawing/2014/main" xmlns="" id="{3AB0AC7E-7919-422E-95A1-82E8B125756D}"/>
               </a:ext>
             </a:extLst>
           </p:cNvPr>
@@ -26213,7 +26213,7 @@
           <p:cNvPr id="60" name="Picture Placeholder 2">
             <a:extLst>
               <a:ext uri="{FF2B5EF4-FFF2-40B4-BE49-F238E27FC236}">
-                <a16:creationId xmlns="" xmlns:a16="http://schemas.microsoft.com/office/drawing/2014/main" id="{B44FD76B-D1AE-458B-AF32-E4AA246B0881}"/>
+                <a16:creationId xmlns:a16="http://schemas.microsoft.com/office/drawing/2014/main" xmlns="" id="{B44FD76B-D1AE-458B-AF32-E4AA246B0881}"/>
               </a:ext>
             </a:extLst>
           </p:cNvPr>
@@ -26265,7 +26265,7 @@
           <p:cNvPr id="61" name="Straight Connector 60">
             <a:extLst>
               <a:ext uri="{FF2B5EF4-FFF2-40B4-BE49-F238E27FC236}">
-                <a16:creationId xmlns="" xmlns:a16="http://schemas.microsoft.com/office/drawing/2014/main" id="{07D22CD4-7F86-495D-B381-7D706058B916}"/>
+                <a16:creationId xmlns:a16="http://schemas.microsoft.com/office/drawing/2014/main" xmlns="" id="{07D22CD4-7F86-495D-B381-7D706058B916}"/>
               </a:ext>
             </a:extLst>
           </p:cNvPr>
@@ -26308,7 +26308,7 @@
           <p:cNvPr id="62" name="Text Placeholder 3">
             <a:extLst>
               <a:ext uri="{FF2B5EF4-FFF2-40B4-BE49-F238E27FC236}">
-                <a16:creationId xmlns="" xmlns:a16="http://schemas.microsoft.com/office/drawing/2014/main" id="{1BA0EB90-BA97-4A18-AD3D-1E839B636DEB}"/>
+                <a16:creationId xmlns:a16="http://schemas.microsoft.com/office/drawing/2014/main" xmlns="" id="{1BA0EB90-BA97-4A18-AD3D-1E839B636DEB}"/>
               </a:ext>
             </a:extLst>
           </p:cNvPr>
@@ -26545,7 +26545,7 @@
           <p:cNvPr id="63" name="Oval 62">
             <a:extLst>
               <a:ext uri="{FF2B5EF4-FFF2-40B4-BE49-F238E27FC236}">
-                <a16:creationId xmlns="" xmlns:a16="http://schemas.microsoft.com/office/drawing/2014/main" id="{ED057A87-963C-4F8A-BD4C-959BF8AF699B}"/>
+                <a16:creationId xmlns:a16="http://schemas.microsoft.com/office/drawing/2014/main" xmlns="" id="{ED057A87-963C-4F8A-BD4C-959BF8AF699B}"/>
               </a:ext>
             </a:extLst>
           </p:cNvPr>
@@ -26605,7 +26605,7 @@
           <p:cNvPr id="64" name="Text Placeholder 2">
             <a:extLst>
               <a:ext uri="{FF2B5EF4-FFF2-40B4-BE49-F238E27FC236}">
-                <a16:creationId xmlns="" xmlns:a16="http://schemas.microsoft.com/office/drawing/2014/main" id="{B6BAFE05-9EC0-4C3C-AB0F-89A83361452F}"/>
+                <a16:creationId xmlns:a16="http://schemas.microsoft.com/office/drawing/2014/main" xmlns="" id="{B6BAFE05-9EC0-4C3C-AB0F-89A83361452F}"/>
               </a:ext>
             </a:extLst>
           </p:cNvPr>
@@ -26742,7 +26742,7 @@
           <p:cNvPr id="65" name="Text Placeholder 2">
             <a:extLst>
               <a:ext uri="{FF2B5EF4-FFF2-40B4-BE49-F238E27FC236}">
-                <a16:creationId xmlns="" xmlns:a16="http://schemas.microsoft.com/office/drawing/2014/main" id="{290BF8E2-78CA-4427-9231-3C5EDC272DEE}"/>
+                <a16:creationId xmlns:a16="http://schemas.microsoft.com/office/drawing/2014/main" xmlns="" id="{290BF8E2-78CA-4427-9231-3C5EDC272DEE}"/>
               </a:ext>
             </a:extLst>
           </p:cNvPr>
@@ -26882,7 +26882,7 @@
           <p:cNvPr id="66" name="Picture Placeholder 2">
             <a:extLst>
               <a:ext uri="{FF2B5EF4-FFF2-40B4-BE49-F238E27FC236}">
-                <a16:creationId xmlns="" xmlns:a16="http://schemas.microsoft.com/office/drawing/2014/main" id="{ACA8732F-AB9E-4253-BB5A-5ADD5BA9B153}"/>
+                <a16:creationId xmlns:a16="http://schemas.microsoft.com/office/drawing/2014/main" xmlns="" id="{ACA8732F-AB9E-4253-BB5A-5ADD5BA9B153}"/>
               </a:ext>
             </a:extLst>
           </p:cNvPr>
@@ -26934,7 +26934,7 @@
           <p:cNvPr id="67" name="Straight Connector 66">
             <a:extLst>
               <a:ext uri="{FF2B5EF4-FFF2-40B4-BE49-F238E27FC236}">
-                <a16:creationId xmlns="" xmlns:a16="http://schemas.microsoft.com/office/drawing/2014/main" id="{BB9A566A-8C97-4AE6-B9EF-701587499889}"/>
+                <a16:creationId xmlns:a16="http://schemas.microsoft.com/office/drawing/2014/main" xmlns="" id="{BB9A566A-8C97-4AE6-B9EF-701587499889}"/>
               </a:ext>
             </a:extLst>
           </p:cNvPr>
@@ -26977,7 +26977,7 @@
           <p:cNvPr id="68" name="Text Placeholder 3">
             <a:extLst>
               <a:ext uri="{FF2B5EF4-FFF2-40B4-BE49-F238E27FC236}">
-                <a16:creationId xmlns="" xmlns:a16="http://schemas.microsoft.com/office/drawing/2014/main" id="{45B69021-5E85-4B37-B529-366AC57512FD}"/>
+                <a16:creationId xmlns:a16="http://schemas.microsoft.com/office/drawing/2014/main" xmlns="" id="{45B69021-5E85-4B37-B529-366AC57512FD}"/>
               </a:ext>
             </a:extLst>
           </p:cNvPr>
@@ -27214,7 +27214,7 @@
           <p:cNvPr id="69" name="Oval 68">
             <a:extLst>
               <a:ext uri="{FF2B5EF4-FFF2-40B4-BE49-F238E27FC236}">
-                <a16:creationId xmlns="" xmlns:a16="http://schemas.microsoft.com/office/drawing/2014/main" id="{E407CD49-808A-445A-96C0-E3083C9FB390}"/>
+                <a16:creationId xmlns:a16="http://schemas.microsoft.com/office/drawing/2014/main" xmlns="" id="{E407CD49-808A-445A-96C0-E3083C9FB390}"/>
               </a:ext>
             </a:extLst>
           </p:cNvPr>
@@ -27304,7 +27304,7 @@
           <p:cNvPr id="7" name="Rectangle 6">
             <a:extLst>
               <a:ext uri="{FF2B5EF4-FFF2-40B4-BE49-F238E27FC236}">
-                <a16:creationId xmlns="" xmlns:a16="http://schemas.microsoft.com/office/drawing/2014/main" id="{09F1B35C-893A-4033-ADC0-2192AFA29271}"/>
+                <a16:creationId xmlns:a16="http://schemas.microsoft.com/office/drawing/2014/main" xmlns="" id="{09F1B35C-893A-4033-ADC0-2192AFA29271}"/>
               </a:ext>
             </a:extLst>
           </p:cNvPr>
@@ -27371,7 +27371,7 @@
           <p:cNvPr id="2" name="Title 1">
             <a:extLst>
               <a:ext uri="{FF2B5EF4-FFF2-40B4-BE49-F238E27FC236}">
-                <a16:creationId xmlns="" xmlns:a16="http://schemas.microsoft.com/office/drawing/2014/main" id="{CD637DF8-B064-4F36-89F8-EBF538A2E7F2}"/>
+                <a16:creationId xmlns:a16="http://schemas.microsoft.com/office/drawing/2014/main" xmlns="" id="{CD637DF8-B064-4F36-89F8-EBF538A2E7F2}"/>
               </a:ext>
             </a:extLst>
           </p:cNvPr>
@@ -27410,7 +27410,7 @@
           <p:cNvPr id="3" name="Text Placeholder 2">
             <a:extLst>
               <a:ext uri="{FF2B5EF4-FFF2-40B4-BE49-F238E27FC236}">
-                <a16:creationId xmlns="" xmlns:a16="http://schemas.microsoft.com/office/drawing/2014/main" id="{8A72532A-5006-46B7-AE99-3A6891CD0254}"/>
+                <a16:creationId xmlns:a16="http://schemas.microsoft.com/office/drawing/2014/main" xmlns="" id="{8A72532A-5006-46B7-AE99-3A6891CD0254}"/>
               </a:ext>
             </a:extLst>
           </p:cNvPr>
@@ -27540,7 +27540,7 @@
           <p:cNvPr id="4" name="Date Placeholder 3">
             <a:extLst>
               <a:ext uri="{FF2B5EF4-FFF2-40B4-BE49-F238E27FC236}">
-                <a16:creationId xmlns="" xmlns:a16="http://schemas.microsoft.com/office/drawing/2014/main" id="{49EFC6D7-3241-401C-A16A-4A7CC2653954}"/>
+                <a16:creationId xmlns:a16="http://schemas.microsoft.com/office/drawing/2014/main" xmlns="" id="{49EFC6D7-3241-401C-A16A-4A7CC2653954}"/>
               </a:ext>
             </a:extLst>
           </p:cNvPr>
@@ -27568,7 +27568,7 @@
           <p:cNvPr id="5" name="Footer Placeholder 4">
             <a:extLst>
               <a:ext uri="{FF2B5EF4-FFF2-40B4-BE49-F238E27FC236}">
-                <a16:creationId xmlns="" xmlns:a16="http://schemas.microsoft.com/office/drawing/2014/main" id="{F345D6DC-ABA5-4D00-9CD3-92FFDD1FA2DC}"/>
+                <a16:creationId xmlns:a16="http://schemas.microsoft.com/office/drawing/2014/main" xmlns="" id="{F345D6DC-ABA5-4D00-9CD3-92FFDD1FA2DC}"/>
               </a:ext>
             </a:extLst>
           </p:cNvPr>
@@ -27596,7 +27596,7 @@
           <p:cNvPr id="6" name="Slide Number Placeholder 5">
             <a:extLst>
               <a:ext uri="{FF2B5EF4-FFF2-40B4-BE49-F238E27FC236}">
-                <a16:creationId xmlns="" xmlns:a16="http://schemas.microsoft.com/office/drawing/2014/main" id="{92459C86-0106-40E0-AA18-795EC5787677}"/>
+                <a16:creationId xmlns:a16="http://schemas.microsoft.com/office/drawing/2014/main" xmlns="" id="{92459C86-0106-40E0-AA18-795EC5787677}"/>
               </a:ext>
             </a:extLst>
           </p:cNvPr>
@@ -27625,7 +27625,7 @@
           <p:cNvPr id="11" name="Picture Placeholder 10">
             <a:extLst>
               <a:ext uri="{FF2B5EF4-FFF2-40B4-BE49-F238E27FC236}">
-                <a16:creationId xmlns="" xmlns:a16="http://schemas.microsoft.com/office/drawing/2014/main" id="{6D14F7B3-A6CF-491C-9855-75B5784CC456}"/>
+                <a16:creationId xmlns:a16="http://schemas.microsoft.com/office/drawing/2014/main" xmlns="" id="{6D14F7B3-A6CF-491C-9855-75B5784CC456}"/>
               </a:ext>
             </a:extLst>
           </p:cNvPr>
@@ -27666,7 +27666,7 @@
           <p:cNvPr id="15" name="Group 14">
             <a:extLst>
               <a:ext uri="{FF2B5EF4-FFF2-40B4-BE49-F238E27FC236}">
-                <a16:creationId xmlns="" xmlns:a16="http://schemas.microsoft.com/office/drawing/2014/main" id="{B7317392-EF87-4050-8BBE-32F74B0CF15A}"/>
+                <a16:creationId xmlns:a16="http://schemas.microsoft.com/office/drawing/2014/main" xmlns="" id="{B7317392-EF87-4050-8BBE-32F74B0CF15A}"/>
               </a:ext>
             </a:extLst>
           </p:cNvPr>
@@ -27686,7 +27686,7 @@
             <p:cNvPr id="13" name="Straight Connector 12">
               <a:extLst>
                 <a:ext uri="{FF2B5EF4-FFF2-40B4-BE49-F238E27FC236}">
-                  <a16:creationId xmlns="" xmlns:a16="http://schemas.microsoft.com/office/drawing/2014/main" id="{785A4134-866D-4143-AC1E-8A2FFDB49855}"/>
+                  <a16:creationId xmlns:a16="http://schemas.microsoft.com/office/drawing/2014/main" xmlns="" id="{785A4134-866D-4143-AC1E-8A2FFDB49855}"/>
                 </a:ext>
               </a:extLst>
             </p:cNvPr>
@@ -27732,7 +27732,7 @@
             <p:cNvPr id="14" name="Oval 13">
               <a:extLst>
                 <a:ext uri="{FF2B5EF4-FFF2-40B4-BE49-F238E27FC236}">
-                  <a16:creationId xmlns="" xmlns:a16="http://schemas.microsoft.com/office/drawing/2014/main" id="{1BBC5D9C-B8FB-455B-9398-36DB21F2765E}"/>
+                  <a16:creationId xmlns:a16="http://schemas.microsoft.com/office/drawing/2014/main" xmlns="" id="{1BBC5D9C-B8FB-455B-9398-36DB21F2765E}"/>
                 </a:ext>
               </a:extLst>
             </p:cNvPr>
@@ -27793,7 +27793,7 @@
           <p:cNvPr id="17" name="Oval 16">
             <a:extLst>
               <a:ext uri="{FF2B5EF4-FFF2-40B4-BE49-F238E27FC236}">
-                <a16:creationId xmlns="" xmlns:a16="http://schemas.microsoft.com/office/drawing/2014/main" id="{72225750-E4CE-4A81-A0C3-4023030D637E}"/>
+                <a16:creationId xmlns:a16="http://schemas.microsoft.com/office/drawing/2014/main" xmlns="" id="{72225750-E4CE-4A81-A0C3-4023030D637E}"/>
               </a:ext>
             </a:extLst>
           </p:cNvPr>
@@ -27848,7 +27848,7 @@
           <p:cNvPr id="18" name="Straight Connector 17">
             <a:extLst>
               <a:ext uri="{FF2B5EF4-FFF2-40B4-BE49-F238E27FC236}">
-                <a16:creationId xmlns="" xmlns:a16="http://schemas.microsoft.com/office/drawing/2014/main" id="{3819C324-07DF-49DB-A08C-0E6155CE3041}"/>
+                <a16:creationId xmlns:a16="http://schemas.microsoft.com/office/drawing/2014/main" xmlns="" id="{3819C324-07DF-49DB-A08C-0E6155CE3041}"/>
               </a:ext>
             </a:extLst>
           </p:cNvPr>
@@ -27892,7 +27892,7 @@
           <p:cNvPr id="19" name="Oval 18">
             <a:extLst>
               <a:ext uri="{FF2B5EF4-FFF2-40B4-BE49-F238E27FC236}">
-                <a16:creationId xmlns="" xmlns:a16="http://schemas.microsoft.com/office/drawing/2014/main" id="{75A34025-44F2-4A09-8629-F1794E9D35AF}"/>
+                <a16:creationId xmlns:a16="http://schemas.microsoft.com/office/drawing/2014/main" xmlns="" id="{75A34025-44F2-4A09-8629-F1794E9D35AF}"/>
               </a:ext>
             </a:extLst>
           </p:cNvPr>
@@ -27947,7 +27947,7 @@
           <p:cNvPr id="20" name="Straight Connector 19">
             <a:extLst>
               <a:ext uri="{FF2B5EF4-FFF2-40B4-BE49-F238E27FC236}">
-                <a16:creationId xmlns="" xmlns:a16="http://schemas.microsoft.com/office/drawing/2014/main" id="{815854A2-EAE9-4B2A-84CF-5A4BD753863A}"/>
+                <a16:creationId xmlns:a16="http://schemas.microsoft.com/office/drawing/2014/main" xmlns="" id="{815854A2-EAE9-4B2A-84CF-5A4BD753863A}"/>
               </a:ext>
             </a:extLst>
           </p:cNvPr>
@@ -27993,7 +27993,7 @@
           <p:cNvPr id="35" name="Text Placeholder 2">
             <a:extLst>
               <a:ext uri="{FF2B5EF4-FFF2-40B4-BE49-F238E27FC236}">
-                <a16:creationId xmlns="" xmlns:a16="http://schemas.microsoft.com/office/drawing/2014/main" id="{82DA762C-1D45-43AA-9DB3-3D8DBE3EACFE}"/>
+                <a16:creationId xmlns:a16="http://schemas.microsoft.com/office/drawing/2014/main" xmlns="" id="{82DA762C-1D45-43AA-9DB3-3D8DBE3EACFE}"/>
               </a:ext>
             </a:extLst>
           </p:cNvPr>
@@ -28128,7 +28128,7 @@
           <p:cNvPr id="38" name="Text Placeholder 2">
             <a:extLst>
               <a:ext uri="{FF2B5EF4-FFF2-40B4-BE49-F238E27FC236}">
-                <a16:creationId xmlns="" xmlns:a16="http://schemas.microsoft.com/office/drawing/2014/main" id="{4C3C1BF4-C955-4D71-87E4-BE0F7B619575}"/>
+                <a16:creationId xmlns:a16="http://schemas.microsoft.com/office/drawing/2014/main" xmlns="" id="{4C3C1BF4-C955-4D71-87E4-BE0F7B619575}"/>
               </a:ext>
             </a:extLst>
           </p:cNvPr>
@@ -28293,7 +28293,7 @@
           <p:cNvPr id="15" name="Rectangle 14">
             <a:extLst>
               <a:ext uri="{FF2B5EF4-FFF2-40B4-BE49-F238E27FC236}">
-                <a16:creationId xmlns="" xmlns:a16="http://schemas.microsoft.com/office/drawing/2014/main" id="{E8E3FDB8-6D5C-48FE-99EA-7EC60F4D8191}"/>
+                <a16:creationId xmlns:a16="http://schemas.microsoft.com/office/drawing/2014/main" xmlns="" id="{E8E3FDB8-6D5C-48FE-99EA-7EC60F4D8191}"/>
               </a:ext>
             </a:extLst>
           </p:cNvPr>
@@ -28360,7 +28360,7 @@
           <p:cNvPr id="5" name="Date Placeholder 4">
             <a:extLst>
               <a:ext uri="{FF2B5EF4-FFF2-40B4-BE49-F238E27FC236}">
-                <a16:creationId xmlns="" xmlns:a16="http://schemas.microsoft.com/office/drawing/2014/main" id="{2D9775F3-A041-479A-8038-652B7D9C72E9}"/>
+                <a16:creationId xmlns:a16="http://schemas.microsoft.com/office/drawing/2014/main" xmlns="" id="{2D9775F3-A041-479A-8038-652B7D9C72E9}"/>
               </a:ext>
             </a:extLst>
           </p:cNvPr>
@@ -28388,7 +28388,7 @@
           <p:cNvPr id="6" name="Footer Placeholder 5">
             <a:extLst>
               <a:ext uri="{FF2B5EF4-FFF2-40B4-BE49-F238E27FC236}">
-                <a16:creationId xmlns="" xmlns:a16="http://schemas.microsoft.com/office/drawing/2014/main" id="{29BEDD04-BE4E-4B91-B13E-0C4FB3E1658F}"/>
+                <a16:creationId xmlns:a16="http://schemas.microsoft.com/office/drawing/2014/main" xmlns="" id="{29BEDD04-BE4E-4B91-B13E-0C4FB3E1658F}"/>
               </a:ext>
             </a:extLst>
           </p:cNvPr>
@@ -28416,7 +28416,7 @@
           <p:cNvPr id="7" name="Slide Number Placeholder 6">
             <a:extLst>
               <a:ext uri="{FF2B5EF4-FFF2-40B4-BE49-F238E27FC236}">
-                <a16:creationId xmlns="" xmlns:a16="http://schemas.microsoft.com/office/drawing/2014/main" id="{306DF5D8-12DC-494E-B0F1-2E9C86A14544}"/>
+                <a16:creationId xmlns:a16="http://schemas.microsoft.com/office/drawing/2014/main" xmlns="" id="{306DF5D8-12DC-494E-B0F1-2E9C86A14544}"/>
               </a:ext>
             </a:extLst>
           </p:cNvPr>
@@ -28445,7 +28445,7 @@
           <p:cNvPr id="8" name="Title 1">
             <a:extLst>
               <a:ext uri="{FF2B5EF4-FFF2-40B4-BE49-F238E27FC236}">
-                <a16:creationId xmlns="" xmlns:a16="http://schemas.microsoft.com/office/drawing/2014/main" id="{ABF87C9E-53A2-4DE1-89DC-3907BE2E3D3C}"/>
+                <a16:creationId xmlns:a16="http://schemas.microsoft.com/office/drawing/2014/main" xmlns="" id="{ABF87C9E-53A2-4DE1-89DC-3907BE2E3D3C}"/>
               </a:ext>
             </a:extLst>
           </p:cNvPr>
@@ -28484,7 +28484,7 @@
           <p:cNvPr id="9" name="Text Placeholder 2">
             <a:extLst>
               <a:ext uri="{FF2B5EF4-FFF2-40B4-BE49-F238E27FC236}">
-                <a16:creationId xmlns="" xmlns:a16="http://schemas.microsoft.com/office/drawing/2014/main" id="{EB453F8F-AA02-4E0D-93BF-8CF4F1490377}"/>
+                <a16:creationId xmlns:a16="http://schemas.microsoft.com/office/drawing/2014/main" xmlns="" id="{EB453F8F-AA02-4E0D-93BF-8CF4F1490377}"/>
               </a:ext>
             </a:extLst>
           </p:cNvPr>
@@ -28614,7 +28614,7 @@
           <p:cNvPr id="10" name="Picture Placeholder 10">
             <a:extLst>
               <a:ext uri="{FF2B5EF4-FFF2-40B4-BE49-F238E27FC236}">
-                <a16:creationId xmlns="" xmlns:a16="http://schemas.microsoft.com/office/drawing/2014/main" id="{A541F291-2E4B-474E-9ED0-55C97A2A066D}"/>
+                <a16:creationId xmlns:a16="http://schemas.microsoft.com/office/drawing/2014/main" xmlns="" id="{A541F291-2E4B-474E-9ED0-55C97A2A066D}"/>
               </a:ext>
             </a:extLst>
           </p:cNvPr>
@@ -28655,7 +28655,7 @@
           <p:cNvPr id="11" name="Group 10">
             <a:extLst>
               <a:ext uri="{FF2B5EF4-FFF2-40B4-BE49-F238E27FC236}">
-                <a16:creationId xmlns="" xmlns:a16="http://schemas.microsoft.com/office/drawing/2014/main" id="{59E4D57E-4989-4939-A31F-637543FAB606}"/>
+                <a16:creationId xmlns:a16="http://schemas.microsoft.com/office/drawing/2014/main" xmlns="" id="{59E4D57E-4989-4939-A31F-637543FAB606}"/>
               </a:ext>
             </a:extLst>
           </p:cNvPr>
@@ -28675,7 +28675,7 @@
             <p:cNvPr id="12" name="Straight Connector 11">
               <a:extLst>
                 <a:ext uri="{FF2B5EF4-FFF2-40B4-BE49-F238E27FC236}">
-                  <a16:creationId xmlns="" xmlns:a16="http://schemas.microsoft.com/office/drawing/2014/main" id="{370B72A7-B625-48B8-88E6-BCE2A4DD531E}"/>
+                  <a16:creationId xmlns:a16="http://schemas.microsoft.com/office/drawing/2014/main" xmlns="" id="{370B72A7-B625-48B8-88E6-BCE2A4DD531E}"/>
                 </a:ext>
               </a:extLst>
             </p:cNvPr>
@@ -28721,7 +28721,7 @@
             <p:cNvPr id="13" name="Oval 12">
               <a:extLst>
                 <a:ext uri="{FF2B5EF4-FFF2-40B4-BE49-F238E27FC236}">
-                  <a16:creationId xmlns="" xmlns:a16="http://schemas.microsoft.com/office/drawing/2014/main" id="{01ED729F-F8A5-4244-9776-4935C260F11F}"/>
+                  <a16:creationId xmlns:a16="http://schemas.microsoft.com/office/drawing/2014/main" xmlns="" id="{01ED729F-F8A5-4244-9776-4935C260F11F}"/>
                 </a:ext>
               </a:extLst>
             </p:cNvPr>
@@ -28782,7 +28782,7 @@
           <p:cNvPr id="17" name="Straight Connector 16">
             <a:extLst>
               <a:ext uri="{FF2B5EF4-FFF2-40B4-BE49-F238E27FC236}">
-                <a16:creationId xmlns="" xmlns:a16="http://schemas.microsoft.com/office/drawing/2014/main" id="{6150998C-CF95-4C6F-8962-8EB2DB30177D}"/>
+                <a16:creationId xmlns:a16="http://schemas.microsoft.com/office/drawing/2014/main" xmlns="" id="{6150998C-CF95-4C6F-8962-8EB2DB30177D}"/>
               </a:ext>
             </a:extLst>
           </p:cNvPr>
@@ -28826,7 +28826,7 @@
           <p:cNvPr id="18" name="Oval 17">
             <a:extLst>
               <a:ext uri="{FF2B5EF4-FFF2-40B4-BE49-F238E27FC236}">
-                <a16:creationId xmlns="" xmlns:a16="http://schemas.microsoft.com/office/drawing/2014/main" id="{F86A2ACD-8CF5-48A3-A678-E213A809B332}"/>
+                <a16:creationId xmlns:a16="http://schemas.microsoft.com/office/drawing/2014/main" xmlns="" id="{F86A2ACD-8CF5-48A3-A678-E213A809B332}"/>
               </a:ext>
             </a:extLst>
           </p:cNvPr>
@@ -28881,7 +28881,7 @@
           <p:cNvPr id="19" name="Straight Connector 18">
             <a:extLst>
               <a:ext uri="{FF2B5EF4-FFF2-40B4-BE49-F238E27FC236}">
-                <a16:creationId xmlns="" xmlns:a16="http://schemas.microsoft.com/office/drawing/2014/main" id="{F00811BB-0E37-4D70-84A5-97B3FBEDCBE6}"/>
+                <a16:creationId xmlns:a16="http://schemas.microsoft.com/office/drawing/2014/main" xmlns="" id="{F00811BB-0E37-4D70-84A5-97B3FBEDCBE6}"/>
               </a:ext>
             </a:extLst>
           </p:cNvPr>
@@ -28927,7 +28927,7 @@
           <p:cNvPr id="20" name="Oval 19">
             <a:extLst>
               <a:ext uri="{FF2B5EF4-FFF2-40B4-BE49-F238E27FC236}">
-                <a16:creationId xmlns="" xmlns:a16="http://schemas.microsoft.com/office/drawing/2014/main" id="{D03B3046-0457-4D23-8E0C-64E3FCD620BB}"/>
+                <a16:creationId xmlns:a16="http://schemas.microsoft.com/office/drawing/2014/main" xmlns="" id="{D03B3046-0457-4D23-8E0C-64E3FCD620BB}"/>
               </a:ext>
             </a:extLst>
           </p:cNvPr>
@@ -28982,7 +28982,7 @@
           <p:cNvPr id="23" name="Text Placeholder 2">
             <a:extLst>
               <a:ext uri="{FF2B5EF4-FFF2-40B4-BE49-F238E27FC236}">
-                <a16:creationId xmlns="" xmlns:a16="http://schemas.microsoft.com/office/drawing/2014/main" id="{ABD2EF23-562D-4049-92E3-48371C9E83A4}"/>
+                <a16:creationId xmlns:a16="http://schemas.microsoft.com/office/drawing/2014/main" xmlns="" id="{ABD2EF23-562D-4049-92E3-48371C9E83A4}"/>
               </a:ext>
             </a:extLst>
           </p:cNvPr>
@@ -29117,7 +29117,7 @@
           <p:cNvPr id="3" name="Rectangle 2">
             <a:extLst>
               <a:ext uri="{FF2B5EF4-FFF2-40B4-BE49-F238E27FC236}">
-                <a16:creationId xmlns="" xmlns:a16="http://schemas.microsoft.com/office/drawing/2014/main" id="{496B07E0-C579-4C5F-9AD4-6AF791562924}"/>
+                <a16:creationId xmlns:a16="http://schemas.microsoft.com/office/drawing/2014/main" xmlns="" id="{496B07E0-C579-4C5F-9AD4-6AF791562924}"/>
               </a:ext>
             </a:extLst>
           </p:cNvPr>
@@ -29136,7 +29136,7 @@
             <a:blip r:embed="rId2">
               <a:extLst>
                 <a:ext uri="{96DAC541-7B7A-43D3-8B79-37D633B846F1}">
-                  <asvg:svgBlip xmlns="" xmlns:asvg="http://schemas.microsoft.com/office/drawing/2016/SVG/main" r:embed="rId3"/>
+                  <asvg:svgBlip xmlns:asvg="http://schemas.microsoft.com/office/drawing/2016/SVG/main" xmlns="" r:embed="rId3"/>
                 </a:ext>
               </a:extLst>
             </a:blip>
@@ -29184,7 +29184,7 @@
           <p:cNvPr id="21" name="Picture Placeholder 2">
             <a:extLst>
               <a:ext uri="{FF2B5EF4-FFF2-40B4-BE49-F238E27FC236}">
-                <a16:creationId xmlns="" xmlns:a16="http://schemas.microsoft.com/office/drawing/2014/main" id="{D5639F99-011E-49CF-8ABD-A4DB4439FB47}"/>
+                <a16:creationId xmlns:a16="http://schemas.microsoft.com/office/drawing/2014/main" xmlns="" id="{D5639F99-011E-49CF-8ABD-A4DB4439FB47}"/>
               </a:ext>
             </a:extLst>
           </p:cNvPr>
@@ -29230,7 +29230,7 @@
           <p:cNvPr id="22" name="Picture Placeholder 2">
             <a:extLst>
               <a:ext uri="{FF2B5EF4-FFF2-40B4-BE49-F238E27FC236}">
-                <a16:creationId xmlns="" xmlns:a16="http://schemas.microsoft.com/office/drawing/2014/main" id="{028483B2-B562-448D-AEE1-556BC9366BBA}"/>
+                <a16:creationId xmlns:a16="http://schemas.microsoft.com/office/drawing/2014/main" xmlns="" id="{028483B2-B562-448D-AEE1-556BC9366BBA}"/>
               </a:ext>
             </a:extLst>
           </p:cNvPr>
@@ -29306,7 +29306,7 @@
           <p:cNvPr id="35" name="Rectangle 34">
             <a:extLst>
               <a:ext uri="{FF2B5EF4-FFF2-40B4-BE49-F238E27FC236}">
-                <a16:creationId xmlns="" xmlns:a16="http://schemas.microsoft.com/office/drawing/2014/main" id="{42737603-04DB-411C-B2D9-BDFF9AEE89D6}"/>
+                <a16:creationId xmlns:a16="http://schemas.microsoft.com/office/drawing/2014/main" xmlns="" id="{42737603-04DB-411C-B2D9-BDFF9AEE89D6}"/>
               </a:ext>
             </a:extLst>
           </p:cNvPr>
@@ -29373,7 +29373,7 @@
           <p:cNvPr id="21" name="Text Placeholder 3">
             <a:extLst>
               <a:ext uri="{FF2B5EF4-FFF2-40B4-BE49-F238E27FC236}">
-                <a16:creationId xmlns="" xmlns:a16="http://schemas.microsoft.com/office/drawing/2014/main" id="{605A03A4-E79C-49C5-A546-FF8E2D42E9D2}"/>
+                <a16:creationId xmlns:a16="http://schemas.microsoft.com/office/drawing/2014/main" xmlns="" id="{605A03A4-E79C-49C5-A546-FF8E2D42E9D2}"/>
               </a:ext>
             </a:extLst>
           </p:cNvPr>
@@ -29459,7 +29459,7 @@
           <p:cNvPr id="22" name="Text Placeholder 3">
             <a:extLst>
               <a:ext uri="{FF2B5EF4-FFF2-40B4-BE49-F238E27FC236}">
-                <a16:creationId xmlns="" xmlns:a16="http://schemas.microsoft.com/office/drawing/2014/main" id="{9EA27EF7-FC6B-496C-B737-B9219950367E}"/>
+                <a16:creationId xmlns:a16="http://schemas.microsoft.com/office/drawing/2014/main" xmlns="" id="{9EA27EF7-FC6B-496C-B737-B9219950367E}"/>
               </a:ext>
             </a:extLst>
           </p:cNvPr>
@@ -29549,7 +29549,7 @@
           <p:cNvPr id="23" name="Text Placeholder 3">
             <a:extLst>
               <a:ext uri="{FF2B5EF4-FFF2-40B4-BE49-F238E27FC236}">
-                <a16:creationId xmlns="" xmlns:a16="http://schemas.microsoft.com/office/drawing/2014/main" id="{6C0E2C30-6E91-49DE-B7A1-6E32A19EC81D}"/>
+                <a16:creationId xmlns:a16="http://schemas.microsoft.com/office/drawing/2014/main" xmlns="" id="{6C0E2C30-6E91-49DE-B7A1-6E32A19EC81D}"/>
               </a:ext>
             </a:extLst>
           </p:cNvPr>
@@ -29644,7 +29644,7 @@
           <p:cNvPr id="24" name="Picture Placeholder 12">
             <a:extLst>
               <a:ext uri="{FF2B5EF4-FFF2-40B4-BE49-F238E27FC236}">
-                <a16:creationId xmlns="" xmlns:a16="http://schemas.microsoft.com/office/drawing/2014/main" id="{70BE5E73-C067-492F-BE30-5E3DADAD40EF}"/>
+                <a16:creationId xmlns:a16="http://schemas.microsoft.com/office/drawing/2014/main" xmlns="" id="{70BE5E73-C067-492F-BE30-5E3DADAD40EF}"/>
               </a:ext>
             </a:extLst>
           </p:cNvPr>
@@ -29689,7 +29689,7 @@
           <p:cNvPr id="25" name="Picture Placeholder 12">
             <a:extLst>
               <a:ext uri="{FF2B5EF4-FFF2-40B4-BE49-F238E27FC236}">
-                <a16:creationId xmlns="" xmlns:a16="http://schemas.microsoft.com/office/drawing/2014/main" id="{36A9B448-4FDC-41F7-941E-5BF5A129057A}"/>
+                <a16:creationId xmlns:a16="http://schemas.microsoft.com/office/drawing/2014/main" xmlns="" id="{36A9B448-4FDC-41F7-941E-5BF5A129057A}"/>
               </a:ext>
             </a:extLst>
           </p:cNvPr>
@@ -29734,7 +29734,7 @@
           <p:cNvPr id="26" name="Text Placeholder 3">
             <a:extLst>
               <a:ext uri="{FF2B5EF4-FFF2-40B4-BE49-F238E27FC236}">
-                <a16:creationId xmlns="" xmlns:a16="http://schemas.microsoft.com/office/drawing/2014/main" id="{90B3A413-8776-4B3B-931F-C132DAB3A425}"/>
+                <a16:creationId xmlns:a16="http://schemas.microsoft.com/office/drawing/2014/main" xmlns="" id="{90B3A413-8776-4B3B-931F-C132DAB3A425}"/>
               </a:ext>
             </a:extLst>
           </p:cNvPr>
@@ -29829,7 +29829,7 @@
           <p:cNvPr id="27" name="Text Placeholder 3">
             <a:extLst>
               <a:ext uri="{FF2B5EF4-FFF2-40B4-BE49-F238E27FC236}">
-                <a16:creationId xmlns="" xmlns:a16="http://schemas.microsoft.com/office/drawing/2014/main" id="{BAD0CCD5-B712-4DB2-BFE3-4D3461B29F6D}"/>
+                <a16:creationId xmlns:a16="http://schemas.microsoft.com/office/drawing/2014/main" xmlns="" id="{BAD0CCD5-B712-4DB2-BFE3-4D3461B29F6D}"/>
               </a:ext>
             </a:extLst>
           </p:cNvPr>
@@ -29919,7 +29919,7 @@
           <p:cNvPr id="28" name="Picture Placeholder 12">
             <a:extLst>
               <a:ext uri="{FF2B5EF4-FFF2-40B4-BE49-F238E27FC236}">
-                <a16:creationId xmlns="" xmlns:a16="http://schemas.microsoft.com/office/drawing/2014/main" id="{64125935-B0D3-4ABD-9BBA-A60E46D2C55C}"/>
+                <a16:creationId xmlns:a16="http://schemas.microsoft.com/office/drawing/2014/main" xmlns="" id="{64125935-B0D3-4ABD-9BBA-A60E46D2C55C}"/>
               </a:ext>
             </a:extLst>
           </p:cNvPr>
@@ -29964,7 +29964,7 @@
           <p:cNvPr id="29" name="Text Placeholder 3">
             <a:extLst>
               <a:ext uri="{FF2B5EF4-FFF2-40B4-BE49-F238E27FC236}">
-                <a16:creationId xmlns="" xmlns:a16="http://schemas.microsoft.com/office/drawing/2014/main" id="{47D3BA4D-FA26-44C8-B927-E42CC8E67B79}"/>
+                <a16:creationId xmlns:a16="http://schemas.microsoft.com/office/drawing/2014/main" xmlns="" id="{47D3BA4D-FA26-44C8-B927-E42CC8E67B79}"/>
               </a:ext>
             </a:extLst>
           </p:cNvPr>
@@ -30059,7 +30059,7 @@
           <p:cNvPr id="30" name="Text Placeholder 3">
             <a:extLst>
               <a:ext uri="{FF2B5EF4-FFF2-40B4-BE49-F238E27FC236}">
-                <a16:creationId xmlns="" xmlns:a16="http://schemas.microsoft.com/office/drawing/2014/main" id="{2D2A84D7-2523-470B-A3C0-0140355D4F68}"/>
+                <a16:creationId xmlns:a16="http://schemas.microsoft.com/office/drawing/2014/main" xmlns="" id="{2D2A84D7-2523-470B-A3C0-0140355D4F68}"/>
               </a:ext>
             </a:extLst>
           </p:cNvPr>
@@ -30149,7 +30149,7 @@
           <p:cNvPr id="32" name="Text Placeholder 3">
             <a:extLst>
               <a:ext uri="{FF2B5EF4-FFF2-40B4-BE49-F238E27FC236}">
-                <a16:creationId xmlns="" xmlns:a16="http://schemas.microsoft.com/office/drawing/2014/main" id="{55D1A91B-BB99-4DC7-B8F5-55514B49A9D1}"/>
+                <a16:creationId xmlns:a16="http://schemas.microsoft.com/office/drawing/2014/main" xmlns="" id="{55D1A91B-BB99-4DC7-B8F5-55514B49A9D1}"/>
               </a:ext>
             </a:extLst>
           </p:cNvPr>
@@ -30244,7 +30244,7 @@
           <p:cNvPr id="33" name="Text Placeholder 3">
             <a:extLst>
               <a:ext uri="{FF2B5EF4-FFF2-40B4-BE49-F238E27FC236}">
-                <a16:creationId xmlns="" xmlns:a16="http://schemas.microsoft.com/office/drawing/2014/main" id="{FFAB2C75-BBBF-4A4D-A633-7CEFFABAFE32}"/>
+                <a16:creationId xmlns:a16="http://schemas.microsoft.com/office/drawing/2014/main" xmlns="" id="{FFAB2C75-BBBF-4A4D-A633-7CEFFABAFE32}"/>
               </a:ext>
             </a:extLst>
           </p:cNvPr>
@@ -30339,7 +30339,7 @@
           <p:cNvPr id="34" name="Text Placeholder 7">
             <a:extLst>
               <a:ext uri="{FF2B5EF4-FFF2-40B4-BE49-F238E27FC236}">
-                <a16:creationId xmlns="" xmlns:a16="http://schemas.microsoft.com/office/drawing/2014/main" id="{83CD3289-0FBC-4854-8EB2-ADD41F89CA4F}"/>
+                <a16:creationId xmlns:a16="http://schemas.microsoft.com/office/drawing/2014/main" xmlns="" id="{83CD3289-0FBC-4854-8EB2-ADD41F89CA4F}"/>
               </a:ext>
             </a:extLst>
           </p:cNvPr>
@@ -30390,7 +30390,7 @@
           <p:cNvPr id="36" name="Text Placeholder 7">
             <a:extLst>
               <a:ext uri="{FF2B5EF4-FFF2-40B4-BE49-F238E27FC236}">
-                <a16:creationId xmlns="" xmlns:a16="http://schemas.microsoft.com/office/drawing/2014/main" id="{2F18CD59-6602-4DEC-9B12-412E6BAF9283}"/>
+                <a16:creationId xmlns:a16="http://schemas.microsoft.com/office/drawing/2014/main" xmlns="" id="{2F18CD59-6602-4DEC-9B12-412E6BAF9283}"/>
               </a:ext>
             </a:extLst>
           </p:cNvPr>
@@ -30450,7 +30450,7 @@
           <p:cNvPr id="37" name="Text Placeholder 7">
             <a:extLst>
               <a:ext uri="{FF2B5EF4-FFF2-40B4-BE49-F238E27FC236}">
-                <a16:creationId xmlns="" xmlns:a16="http://schemas.microsoft.com/office/drawing/2014/main" id="{88B09568-0B94-4B51-BE65-A72C65C3D7DA}"/>
+                <a16:creationId xmlns:a16="http://schemas.microsoft.com/office/drawing/2014/main" xmlns="" id="{88B09568-0B94-4B51-BE65-A72C65C3D7DA}"/>
               </a:ext>
             </a:extLst>
           </p:cNvPr>
@@ -30510,7 +30510,7 @@
           <p:cNvPr id="40" name="Text Placeholder 3">
             <a:extLst>
               <a:ext uri="{FF2B5EF4-FFF2-40B4-BE49-F238E27FC236}">
-                <a16:creationId xmlns="" xmlns:a16="http://schemas.microsoft.com/office/drawing/2014/main" id="{315834F5-9ACD-4898-B96E-8C732881FF01}"/>
+                <a16:creationId xmlns:a16="http://schemas.microsoft.com/office/drawing/2014/main" xmlns="" id="{315834F5-9ACD-4898-B96E-8C732881FF01}"/>
               </a:ext>
             </a:extLst>
           </p:cNvPr>
@@ -30596,7 +30596,7 @@
           <p:cNvPr id="38" name="Title 1">
             <a:extLst>
               <a:ext uri="{FF2B5EF4-FFF2-40B4-BE49-F238E27FC236}">
-                <a16:creationId xmlns="" xmlns:a16="http://schemas.microsoft.com/office/drawing/2014/main" id="{7E5CF6DE-4761-4BA5-A429-30AC8BBAD45B}"/>
+                <a16:creationId xmlns:a16="http://schemas.microsoft.com/office/drawing/2014/main" xmlns="" id="{7E5CF6DE-4761-4BA5-A429-30AC8BBAD45B}"/>
               </a:ext>
             </a:extLst>
           </p:cNvPr>
@@ -30649,7 +30649,7 @@
           <p:cNvPr id="41" name="Picture Placeholder 9">
             <a:extLst>
               <a:ext uri="{FF2B5EF4-FFF2-40B4-BE49-F238E27FC236}">
-                <a16:creationId xmlns="" xmlns:a16="http://schemas.microsoft.com/office/drawing/2014/main" id="{8A4896B5-1C5E-47F0-8F0C-4EF97E356C86}"/>
+                <a16:creationId xmlns:a16="http://schemas.microsoft.com/office/drawing/2014/main" xmlns="" id="{8A4896B5-1C5E-47F0-8F0C-4EF97E356C86}"/>
               </a:ext>
             </a:extLst>
           </p:cNvPr>
@@ -30690,7 +30690,7 @@
           <p:cNvPr id="31" name="Group 30">
             <a:extLst>
               <a:ext uri="{FF2B5EF4-FFF2-40B4-BE49-F238E27FC236}">
-                <a16:creationId xmlns="" xmlns:a16="http://schemas.microsoft.com/office/drawing/2014/main" id="{D87F4783-C8BA-411C-A188-4A4DAED10C02}"/>
+                <a16:creationId xmlns:a16="http://schemas.microsoft.com/office/drawing/2014/main" xmlns="" id="{D87F4783-C8BA-411C-A188-4A4DAED10C02}"/>
               </a:ext>
             </a:extLst>
           </p:cNvPr>
@@ -30710,7 +30710,7 @@
             <p:cNvPr id="39" name="Straight Connector 38">
               <a:extLst>
                 <a:ext uri="{FF2B5EF4-FFF2-40B4-BE49-F238E27FC236}">
-                  <a16:creationId xmlns="" xmlns:a16="http://schemas.microsoft.com/office/drawing/2014/main" id="{959A2713-966D-4694-A067-D6BE1B2986D1}"/>
+                  <a16:creationId xmlns:a16="http://schemas.microsoft.com/office/drawing/2014/main" xmlns="" id="{959A2713-966D-4694-A067-D6BE1B2986D1}"/>
                 </a:ext>
               </a:extLst>
             </p:cNvPr>
@@ -30756,7 +30756,7 @@
             <p:cNvPr id="42" name="Oval 41">
               <a:extLst>
                 <a:ext uri="{FF2B5EF4-FFF2-40B4-BE49-F238E27FC236}">
-                  <a16:creationId xmlns="" xmlns:a16="http://schemas.microsoft.com/office/drawing/2014/main" id="{FCA15F19-C2FE-4F13-9359-69E884CA83B9}"/>
+                  <a16:creationId xmlns:a16="http://schemas.microsoft.com/office/drawing/2014/main" xmlns="" id="{FCA15F19-C2FE-4F13-9359-69E884CA83B9}"/>
                 </a:ext>
               </a:extLst>
             </p:cNvPr>
@@ -30847,7 +30847,7 @@
           <p:cNvPr id="8" name="Rectangle 7">
             <a:extLst>
               <a:ext uri="{FF2B5EF4-FFF2-40B4-BE49-F238E27FC236}">
-                <a16:creationId xmlns="" xmlns:a16="http://schemas.microsoft.com/office/drawing/2014/main" id="{278196A9-689D-4410-BFC0-7ACB19755A0C}"/>
+                <a16:creationId xmlns:a16="http://schemas.microsoft.com/office/drawing/2014/main" xmlns="" id="{278196A9-689D-4410-BFC0-7ACB19755A0C}"/>
               </a:ext>
             </a:extLst>
           </p:cNvPr>
@@ -30908,7 +30908,7 @@
           <p:cNvPr id="2" name="Title 1">
             <a:extLst>
               <a:ext uri="{FF2B5EF4-FFF2-40B4-BE49-F238E27FC236}">
-                <a16:creationId xmlns="" xmlns:a16="http://schemas.microsoft.com/office/drawing/2014/main" id="{129BFEAD-57CF-438A-8084-C5AC7F47E544}"/>
+                <a16:creationId xmlns:a16="http://schemas.microsoft.com/office/drawing/2014/main" xmlns="" id="{129BFEAD-57CF-438A-8084-C5AC7F47E544}"/>
               </a:ext>
             </a:extLst>
           </p:cNvPr>
@@ -30945,7 +30945,7 @@
           <p:cNvPr id="4" name="Date Placeholder 3">
             <a:extLst>
               <a:ext uri="{FF2B5EF4-FFF2-40B4-BE49-F238E27FC236}">
-                <a16:creationId xmlns="" xmlns:a16="http://schemas.microsoft.com/office/drawing/2014/main" id="{7E17A3CB-B083-4E49-9123-A5E47559DCDB}"/>
+                <a16:creationId xmlns:a16="http://schemas.microsoft.com/office/drawing/2014/main" xmlns="" id="{7E17A3CB-B083-4E49-9123-A5E47559DCDB}"/>
               </a:ext>
             </a:extLst>
           </p:cNvPr>
@@ -30973,7 +30973,7 @@
           <p:cNvPr id="5" name="Footer Placeholder 4">
             <a:extLst>
               <a:ext uri="{FF2B5EF4-FFF2-40B4-BE49-F238E27FC236}">
-                <a16:creationId xmlns="" xmlns:a16="http://schemas.microsoft.com/office/drawing/2014/main" id="{A8C4102C-4609-416C-A808-0FFE0051DAA1}"/>
+                <a16:creationId xmlns:a16="http://schemas.microsoft.com/office/drawing/2014/main" xmlns="" id="{A8C4102C-4609-416C-A808-0FFE0051DAA1}"/>
               </a:ext>
             </a:extLst>
           </p:cNvPr>
@@ -31001,7 +31001,7 @@
           <p:cNvPr id="6" name="Slide Number Placeholder 5">
             <a:extLst>
               <a:ext uri="{FF2B5EF4-FFF2-40B4-BE49-F238E27FC236}">
-                <a16:creationId xmlns="" xmlns:a16="http://schemas.microsoft.com/office/drawing/2014/main" id="{2D7BCC5D-6F2C-472F-BD4C-4096793DFC24}"/>
+                <a16:creationId xmlns:a16="http://schemas.microsoft.com/office/drawing/2014/main" xmlns="" id="{2D7BCC5D-6F2C-472F-BD4C-4096793DFC24}"/>
               </a:ext>
             </a:extLst>
           </p:cNvPr>
@@ -31030,7 +31030,7 @@
           <p:cNvPr id="7" name="Rectangle 6">
             <a:extLst>
               <a:ext uri="{FF2B5EF4-FFF2-40B4-BE49-F238E27FC236}">
-                <a16:creationId xmlns="" xmlns:a16="http://schemas.microsoft.com/office/drawing/2014/main" id="{7BE854BB-FA44-4CAB-85DF-F5C412560348}"/>
+                <a16:creationId xmlns:a16="http://schemas.microsoft.com/office/drawing/2014/main" xmlns="" id="{7BE854BB-FA44-4CAB-85DF-F5C412560348}"/>
               </a:ext>
             </a:extLst>
           </p:cNvPr>
@@ -31097,7 +31097,7 @@
           <p:cNvPr id="3" name="Subtitle 2">
             <a:extLst>
               <a:ext uri="{FF2B5EF4-FFF2-40B4-BE49-F238E27FC236}">
-                <a16:creationId xmlns="" xmlns:a16="http://schemas.microsoft.com/office/drawing/2014/main" id="{389BFFF1-5465-4317-B9DB-C23A5B1D76EF}"/>
+                <a16:creationId xmlns:a16="http://schemas.microsoft.com/office/drawing/2014/main" xmlns="" id="{389BFFF1-5465-4317-B9DB-C23A5B1D76EF}"/>
               </a:ext>
             </a:extLst>
           </p:cNvPr>
@@ -31179,7 +31179,7 @@
           <p:cNvPr id="15" name="Group 14">
             <a:extLst>
               <a:ext uri="{FF2B5EF4-FFF2-40B4-BE49-F238E27FC236}">
-                <a16:creationId xmlns="" xmlns:a16="http://schemas.microsoft.com/office/drawing/2014/main" id="{676B4374-8F24-43DE-860D-E5C6EA850AB4}"/>
+                <a16:creationId xmlns:a16="http://schemas.microsoft.com/office/drawing/2014/main" xmlns="" id="{676B4374-8F24-43DE-860D-E5C6EA850AB4}"/>
               </a:ext>
             </a:extLst>
           </p:cNvPr>
@@ -31199,7 +31199,7 @@
             <p:cNvPr id="11" name="Oval 10">
               <a:extLst>
                 <a:ext uri="{FF2B5EF4-FFF2-40B4-BE49-F238E27FC236}">
-                  <a16:creationId xmlns="" xmlns:a16="http://schemas.microsoft.com/office/drawing/2014/main" id="{585C7755-9394-4129-AB48-1AC32DA80C75}"/>
+                  <a16:creationId xmlns:a16="http://schemas.microsoft.com/office/drawing/2014/main" xmlns="" id="{585C7755-9394-4129-AB48-1AC32DA80C75}"/>
                 </a:ext>
               </a:extLst>
             </p:cNvPr>
@@ -31254,7 +31254,7 @@
             <p:cNvPr id="13" name="Straight Connector 12">
               <a:extLst>
                 <a:ext uri="{FF2B5EF4-FFF2-40B4-BE49-F238E27FC236}">
-                  <a16:creationId xmlns="" xmlns:a16="http://schemas.microsoft.com/office/drawing/2014/main" id="{64C71ABE-575A-48CF-82B1-EDE8535F3993}"/>
+                  <a16:creationId xmlns:a16="http://schemas.microsoft.com/office/drawing/2014/main" xmlns="" id="{64C71ABE-575A-48CF-82B1-EDE8535F3993}"/>
                 </a:ext>
               </a:extLst>
             </p:cNvPr>
@@ -31298,7 +31298,7 @@
             <p:cNvPr id="14" name="Oval 13">
               <a:extLst>
                 <a:ext uri="{FF2B5EF4-FFF2-40B4-BE49-F238E27FC236}">
-                  <a16:creationId xmlns="" xmlns:a16="http://schemas.microsoft.com/office/drawing/2014/main" id="{E3C1EA63-78B2-4715-B4DC-63D98AC7F354}"/>
+                  <a16:creationId xmlns:a16="http://schemas.microsoft.com/office/drawing/2014/main" xmlns="" id="{E3C1EA63-78B2-4715-B4DC-63D98AC7F354}"/>
                 </a:ext>
               </a:extLst>
             </p:cNvPr>
@@ -31354,7 +31354,7 @@
           <p:cNvPr id="16" name="Group 15">
             <a:extLst>
               <a:ext uri="{FF2B5EF4-FFF2-40B4-BE49-F238E27FC236}">
-                <a16:creationId xmlns="" xmlns:a16="http://schemas.microsoft.com/office/drawing/2014/main" id="{E9BB74A1-0BEA-4AD8-8138-0641A45D8B40}"/>
+                <a16:creationId xmlns:a16="http://schemas.microsoft.com/office/drawing/2014/main" xmlns="" id="{E9BB74A1-0BEA-4AD8-8138-0641A45D8B40}"/>
               </a:ext>
             </a:extLst>
           </p:cNvPr>
@@ -31374,7 +31374,7 @@
             <p:cNvPr id="17" name="Oval 16">
               <a:extLst>
                 <a:ext uri="{FF2B5EF4-FFF2-40B4-BE49-F238E27FC236}">
-                  <a16:creationId xmlns="" xmlns:a16="http://schemas.microsoft.com/office/drawing/2014/main" id="{73D0026E-5270-4C52-A1AF-5631E8192DCD}"/>
+                  <a16:creationId xmlns:a16="http://schemas.microsoft.com/office/drawing/2014/main" xmlns="" id="{73D0026E-5270-4C52-A1AF-5631E8192DCD}"/>
                 </a:ext>
               </a:extLst>
             </p:cNvPr>
@@ -31429,7 +31429,7 @@
             <p:cNvPr id="18" name="Straight Connector 17">
               <a:extLst>
                 <a:ext uri="{FF2B5EF4-FFF2-40B4-BE49-F238E27FC236}">
-                  <a16:creationId xmlns="" xmlns:a16="http://schemas.microsoft.com/office/drawing/2014/main" id="{A6085D92-5F70-4097-A2FF-C15B13788D08}"/>
+                  <a16:creationId xmlns:a16="http://schemas.microsoft.com/office/drawing/2014/main" xmlns="" id="{A6085D92-5F70-4097-A2FF-C15B13788D08}"/>
                 </a:ext>
               </a:extLst>
             </p:cNvPr>
@@ -31473,7 +31473,7 @@
             <p:cNvPr id="19" name="Oval 18">
               <a:extLst>
                 <a:ext uri="{FF2B5EF4-FFF2-40B4-BE49-F238E27FC236}">
-                  <a16:creationId xmlns="" xmlns:a16="http://schemas.microsoft.com/office/drawing/2014/main" id="{BE68EB6C-48D0-4EBF-8541-926D16790F52}"/>
+                  <a16:creationId xmlns:a16="http://schemas.microsoft.com/office/drawing/2014/main" xmlns="" id="{BE68EB6C-48D0-4EBF-8541-926D16790F52}"/>
                 </a:ext>
               </a:extLst>
             </p:cNvPr>
@@ -31559,7 +31559,7 @@
           <p:cNvPr id="7" name="Rectangle 6">
             <a:extLst>
               <a:ext uri="{FF2B5EF4-FFF2-40B4-BE49-F238E27FC236}">
-                <a16:creationId xmlns="" xmlns:a16="http://schemas.microsoft.com/office/drawing/2014/main" id="{45015858-8549-49EA-BB83-070E0D9D4890}"/>
+                <a16:creationId xmlns:a16="http://schemas.microsoft.com/office/drawing/2014/main" xmlns="" id="{45015858-8549-49EA-BB83-070E0D9D4890}"/>
               </a:ext>
             </a:extLst>
           </p:cNvPr>
@@ -31626,7 +31626,7 @@
           <p:cNvPr id="2" name="Title 1">
             <a:extLst>
               <a:ext uri="{FF2B5EF4-FFF2-40B4-BE49-F238E27FC236}">
-                <a16:creationId xmlns="" xmlns:a16="http://schemas.microsoft.com/office/drawing/2014/main" id="{2206FBAC-B8FD-4768-B682-E0B93BA33105}"/>
+                <a16:creationId xmlns:a16="http://schemas.microsoft.com/office/drawing/2014/main" xmlns="" id="{2206FBAC-B8FD-4768-B682-E0B93BA33105}"/>
               </a:ext>
             </a:extLst>
           </p:cNvPr>
@@ -31679,7 +31679,7 @@
           <p:cNvPr id="4" name="Date Placeholder 3">
             <a:extLst>
               <a:ext uri="{FF2B5EF4-FFF2-40B4-BE49-F238E27FC236}">
-                <a16:creationId xmlns="" xmlns:a16="http://schemas.microsoft.com/office/drawing/2014/main" id="{2472534F-03A6-408A-9BF1-303D0A440BA4}"/>
+                <a16:creationId xmlns:a16="http://schemas.microsoft.com/office/drawing/2014/main" xmlns="" id="{2472534F-03A6-408A-9BF1-303D0A440BA4}"/>
               </a:ext>
             </a:extLst>
           </p:cNvPr>
@@ -31707,7 +31707,7 @@
           <p:cNvPr id="5" name="Footer Placeholder 4">
             <a:extLst>
               <a:ext uri="{FF2B5EF4-FFF2-40B4-BE49-F238E27FC236}">
-                <a16:creationId xmlns="" xmlns:a16="http://schemas.microsoft.com/office/drawing/2014/main" id="{0A24E181-0C50-4F43-A5A7-6FDD1500C708}"/>
+                <a16:creationId xmlns:a16="http://schemas.microsoft.com/office/drawing/2014/main" xmlns="" id="{0A24E181-0C50-4F43-A5A7-6FDD1500C708}"/>
               </a:ext>
             </a:extLst>
           </p:cNvPr>
@@ -31735,7 +31735,7 @@
           <p:cNvPr id="6" name="Slide Number Placeholder 5">
             <a:extLst>
               <a:ext uri="{FF2B5EF4-FFF2-40B4-BE49-F238E27FC236}">
-                <a16:creationId xmlns="" xmlns:a16="http://schemas.microsoft.com/office/drawing/2014/main" id="{13A749CC-EB55-4FEF-AA4C-9A9C6E2AA9C0}"/>
+                <a16:creationId xmlns:a16="http://schemas.microsoft.com/office/drawing/2014/main" xmlns="" id="{13A749CC-EB55-4FEF-AA4C-9A9C6E2AA9C0}"/>
               </a:ext>
             </a:extLst>
           </p:cNvPr>
@@ -31764,7 +31764,7 @@
           <p:cNvPr id="9" name="Group 8">
             <a:extLst>
               <a:ext uri="{FF2B5EF4-FFF2-40B4-BE49-F238E27FC236}">
-                <a16:creationId xmlns="" xmlns:a16="http://schemas.microsoft.com/office/drawing/2014/main" id="{6F3E26A6-6962-4A35-AA86-805537D45296}"/>
+                <a16:creationId xmlns:a16="http://schemas.microsoft.com/office/drawing/2014/main" xmlns="" id="{6F3E26A6-6962-4A35-AA86-805537D45296}"/>
               </a:ext>
             </a:extLst>
           </p:cNvPr>
@@ -31784,7 +31784,7 @@
             <p:cNvPr id="10" name="Oval 9">
               <a:extLst>
                 <a:ext uri="{FF2B5EF4-FFF2-40B4-BE49-F238E27FC236}">
-                  <a16:creationId xmlns="" xmlns:a16="http://schemas.microsoft.com/office/drawing/2014/main" id="{681504C4-12AC-4251-8E47-0089784BDB9B}"/>
+                  <a16:creationId xmlns:a16="http://schemas.microsoft.com/office/drawing/2014/main" xmlns="" id="{681504C4-12AC-4251-8E47-0089784BDB9B}"/>
                 </a:ext>
               </a:extLst>
             </p:cNvPr>
@@ -31839,7 +31839,7 @@
             <p:cNvPr id="11" name="Straight Connector 10">
               <a:extLst>
                 <a:ext uri="{FF2B5EF4-FFF2-40B4-BE49-F238E27FC236}">
-                  <a16:creationId xmlns="" xmlns:a16="http://schemas.microsoft.com/office/drawing/2014/main" id="{192040D0-01C2-4643-8F84-3B8F334E545C}"/>
+                  <a16:creationId xmlns:a16="http://schemas.microsoft.com/office/drawing/2014/main" xmlns="" id="{192040D0-01C2-4643-8F84-3B8F334E545C}"/>
                 </a:ext>
               </a:extLst>
             </p:cNvPr>
@@ -31883,7 +31883,7 @@
             <p:cNvPr id="12" name="Oval 11">
               <a:extLst>
                 <a:ext uri="{FF2B5EF4-FFF2-40B4-BE49-F238E27FC236}">
-                  <a16:creationId xmlns="" xmlns:a16="http://schemas.microsoft.com/office/drawing/2014/main" id="{7ED601E9-2BFC-460B-A2A8-69A787A4988E}"/>
+                  <a16:creationId xmlns:a16="http://schemas.microsoft.com/office/drawing/2014/main" xmlns="" id="{7ED601E9-2BFC-460B-A2A8-69A787A4988E}"/>
                 </a:ext>
               </a:extLst>
             </p:cNvPr>
@@ -31939,7 +31939,7 @@
           <p:cNvPr id="13" name="Group 12">
             <a:extLst>
               <a:ext uri="{FF2B5EF4-FFF2-40B4-BE49-F238E27FC236}">
-                <a16:creationId xmlns="" xmlns:a16="http://schemas.microsoft.com/office/drawing/2014/main" id="{BB49A8A6-FEDB-4D20-B581-A84DB8EFE977}"/>
+                <a16:creationId xmlns:a16="http://schemas.microsoft.com/office/drawing/2014/main" xmlns="" id="{BB49A8A6-FEDB-4D20-B581-A84DB8EFE977}"/>
               </a:ext>
             </a:extLst>
           </p:cNvPr>
@@ -31959,7 +31959,7 @@
             <p:cNvPr id="14" name="Oval 13">
               <a:extLst>
                 <a:ext uri="{FF2B5EF4-FFF2-40B4-BE49-F238E27FC236}">
-                  <a16:creationId xmlns="" xmlns:a16="http://schemas.microsoft.com/office/drawing/2014/main" id="{C2F65998-5EC3-446A-8307-1CF81A348CE3}"/>
+                  <a16:creationId xmlns:a16="http://schemas.microsoft.com/office/drawing/2014/main" xmlns="" id="{C2F65998-5EC3-446A-8307-1CF81A348CE3}"/>
                 </a:ext>
               </a:extLst>
             </p:cNvPr>
@@ -32014,7 +32014,7 @@
             <p:cNvPr id="15" name="Straight Connector 14">
               <a:extLst>
                 <a:ext uri="{FF2B5EF4-FFF2-40B4-BE49-F238E27FC236}">
-                  <a16:creationId xmlns="" xmlns:a16="http://schemas.microsoft.com/office/drawing/2014/main" id="{7CC5D776-F60A-4A0C-AA7C-EFACDA2CEA88}"/>
+                  <a16:creationId xmlns:a16="http://schemas.microsoft.com/office/drawing/2014/main" xmlns="" id="{7CC5D776-F60A-4A0C-AA7C-EFACDA2CEA88}"/>
                 </a:ext>
               </a:extLst>
             </p:cNvPr>
@@ -32058,7 +32058,7 @@
             <p:cNvPr id="16" name="Oval 15">
               <a:extLst>
                 <a:ext uri="{FF2B5EF4-FFF2-40B4-BE49-F238E27FC236}">
-                  <a16:creationId xmlns="" xmlns:a16="http://schemas.microsoft.com/office/drawing/2014/main" id="{AEAFE309-55C5-409C-92ED-748307C74318}"/>
+                  <a16:creationId xmlns:a16="http://schemas.microsoft.com/office/drawing/2014/main" xmlns="" id="{AEAFE309-55C5-409C-92ED-748307C74318}"/>
                 </a:ext>
               </a:extLst>
             </p:cNvPr>
@@ -32114,7 +32114,7 @@
           <p:cNvPr id="17" name="Subtitle 2">
             <a:extLst>
               <a:ext uri="{FF2B5EF4-FFF2-40B4-BE49-F238E27FC236}">
-                <a16:creationId xmlns="" xmlns:a16="http://schemas.microsoft.com/office/drawing/2014/main" id="{5B77B20B-76F5-4912-803D-5709F730D4FB}"/>
+                <a16:creationId xmlns:a16="http://schemas.microsoft.com/office/drawing/2014/main" xmlns="" id="{5B77B20B-76F5-4912-803D-5709F730D4FB}"/>
               </a:ext>
             </a:extLst>
           </p:cNvPr>
@@ -32226,7 +32226,7 @@
           <p:cNvPr id="7" name="Rectangle 6">
             <a:extLst>
               <a:ext uri="{FF2B5EF4-FFF2-40B4-BE49-F238E27FC236}">
-                <a16:creationId xmlns="" xmlns:a16="http://schemas.microsoft.com/office/drawing/2014/main" id="{09F1B35C-893A-4033-ADC0-2192AFA29271}"/>
+                <a16:creationId xmlns:a16="http://schemas.microsoft.com/office/drawing/2014/main" xmlns="" id="{09F1B35C-893A-4033-ADC0-2192AFA29271}"/>
               </a:ext>
             </a:extLst>
           </p:cNvPr>
@@ -32293,7 +32293,7 @@
           <p:cNvPr id="2" name="Title 1">
             <a:extLst>
               <a:ext uri="{FF2B5EF4-FFF2-40B4-BE49-F238E27FC236}">
-                <a16:creationId xmlns="" xmlns:a16="http://schemas.microsoft.com/office/drawing/2014/main" id="{CD637DF8-B064-4F36-89F8-EBF538A2E7F2}"/>
+                <a16:creationId xmlns:a16="http://schemas.microsoft.com/office/drawing/2014/main" xmlns="" id="{CD637DF8-B064-4F36-89F8-EBF538A2E7F2}"/>
               </a:ext>
             </a:extLst>
           </p:cNvPr>
@@ -32332,7 +32332,7 @@
           <p:cNvPr id="3" name="Text Placeholder 2">
             <a:extLst>
               <a:ext uri="{FF2B5EF4-FFF2-40B4-BE49-F238E27FC236}">
-                <a16:creationId xmlns="" xmlns:a16="http://schemas.microsoft.com/office/drawing/2014/main" id="{8A72532A-5006-46B7-AE99-3A6891CD0254}"/>
+                <a16:creationId xmlns:a16="http://schemas.microsoft.com/office/drawing/2014/main" xmlns="" id="{8A72532A-5006-46B7-AE99-3A6891CD0254}"/>
               </a:ext>
             </a:extLst>
           </p:cNvPr>
@@ -32462,7 +32462,7 @@
           <p:cNvPr id="4" name="Date Placeholder 3">
             <a:extLst>
               <a:ext uri="{FF2B5EF4-FFF2-40B4-BE49-F238E27FC236}">
-                <a16:creationId xmlns="" xmlns:a16="http://schemas.microsoft.com/office/drawing/2014/main" id="{49EFC6D7-3241-401C-A16A-4A7CC2653954}"/>
+                <a16:creationId xmlns:a16="http://schemas.microsoft.com/office/drawing/2014/main" xmlns="" id="{49EFC6D7-3241-401C-A16A-4A7CC2653954}"/>
               </a:ext>
             </a:extLst>
           </p:cNvPr>
@@ -32490,7 +32490,7 @@
           <p:cNvPr id="5" name="Footer Placeholder 4">
             <a:extLst>
               <a:ext uri="{FF2B5EF4-FFF2-40B4-BE49-F238E27FC236}">
-                <a16:creationId xmlns="" xmlns:a16="http://schemas.microsoft.com/office/drawing/2014/main" id="{F345D6DC-ABA5-4D00-9CD3-92FFDD1FA2DC}"/>
+                <a16:creationId xmlns:a16="http://schemas.microsoft.com/office/drawing/2014/main" xmlns="" id="{F345D6DC-ABA5-4D00-9CD3-92FFDD1FA2DC}"/>
               </a:ext>
             </a:extLst>
           </p:cNvPr>
@@ -32518,7 +32518,7 @@
           <p:cNvPr id="6" name="Slide Number Placeholder 5">
             <a:extLst>
               <a:ext uri="{FF2B5EF4-FFF2-40B4-BE49-F238E27FC236}">
-                <a16:creationId xmlns="" xmlns:a16="http://schemas.microsoft.com/office/drawing/2014/main" id="{92459C86-0106-40E0-AA18-795EC5787677}"/>
+                <a16:creationId xmlns:a16="http://schemas.microsoft.com/office/drawing/2014/main" xmlns="" id="{92459C86-0106-40E0-AA18-795EC5787677}"/>
               </a:ext>
             </a:extLst>
           </p:cNvPr>
@@ -32547,7 +32547,7 @@
           <p:cNvPr id="11" name="Picture Placeholder 10">
             <a:extLst>
               <a:ext uri="{FF2B5EF4-FFF2-40B4-BE49-F238E27FC236}">
-                <a16:creationId xmlns="" xmlns:a16="http://schemas.microsoft.com/office/drawing/2014/main" id="{6D14F7B3-A6CF-491C-9855-75B5784CC456}"/>
+                <a16:creationId xmlns:a16="http://schemas.microsoft.com/office/drawing/2014/main" xmlns="" id="{6D14F7B3-A6CF-491C-9855-75B5784CC456}"/>
               </a:ext>
             </a:extLst>
           </p:cNvPr>
@@ -32588,7 +32588,7 @@
           <p:cNvPr id="15" name="Group 14">
             <a:extLst>
               <a:ext uri="{FF2B5EF4-FFF2-40B4-BE49-F238E27FC236}">
-                <a16:creationId xmlns="" xmlns:a16="http://schemas.microsoft.com/office/drawing/2014/main" id="{B7317392-EF87-4050-8BBE-32F74B0CF15A}"/>
+                <a16:creationId xmlns:a16="http://schemas.microsoft.com/office/drawing/2014/main" xmlns="" id="{B7317392-EF87-4050-8BBE-32F74B0CF15A}"/>
               </a:ext>
             </a:extLst>
           </p:cNvPr>
@@ -32608,7 +32608,7 @@
             <p:cNvPr id="13" name="Straight Connector 12">
               <a:extLst>
                 <a:ext uri="{FF2B5EF4-FFF2-40B4-BE49-F238E27FC236}">
-                  <a16:creationId xmlns="" xmlns:a16="http://schemas.microsoft.com/office/drawing/2014/main" id="{785A4134-866D-4143-AC1E-8A2FFDB49855}"/>
+                  <a16:creationId xmlns:a16="http://schemas.microsoft.com/office/drawing/2014/main" xmlns="" id="{785A4134-866D-4143-AC1E-8A2FFDB49855}"/>
                 </a:ext>
               </a:extLst>
             </p:cNvPr>
@@ -32652,7 +32652,7 @@
             <p:cNvPr id="14" name="Oval 13">
               <a:extLst>
                 <a:ext uri="{FF2B5EF4-FFF2-40B4-BE49-F238E27FC236}">
-                  <a16:creationId xmlns="" xmlns:a16="http://schemas.microsoft.com/office/drawing/2014/main" id="{1BBC5D9C-B8FB-455B-9398-36DB21F2765E}"/>
+                  <a16:creationId xmlns:a16="http://schemas.microsoft.com/office/drawing/2014/main" xmlns="" id="{1BBC5D9C-B8FB-455B-9398-36DB21F2765E}"/>
                 </a:ext>
               </a:extLst>
             </p:cNvPr>
@@ -32713,7 +32713,7 @@
           <p:cNvPr id="16" name="Text Placeholder 2">
             <a:extLst>
               <a:ext uri="{FF2B5EF4-FFF2-40B4-BE49-F238E27FC236}">
-                <a16:creationId xmlns="" xmlns:a16="http://schemas.microsoft.com/office/drawing/2014/main" id="{BB522941-5C7D-4701-9AD7-BB4C11C6EBCE}"/>
+                <a16:creationId xmlns:a16="http://schemas.microsoft.com/office/drawing/2014/main" xmlns="" id="{BB522941-5C7D-4701-9AD7-BB4C11C6EBCE}"/>
               </a:ext>
             </a:extLst>
           </p:cNvPr>
@@ -32844,7 +32844,7 @@
           <p:cNvPr id="17" name="Oval 16">
             <a:extLst>
               <a:ext uri="{FF2B5EF4-FFF2-40B4-BE49-F238E27FC236}">
-                <a16:creationId xmlns="" xmlns:a16="http://schemas.microsoft.com/office/drawing/2014/main" id="{72225750-E4CE-4A81-A0C3-4023030D637E}"/>
+                <a16:creationId xmlns:a16="http://schemas.microsoft.com/office/drawing/2014/main" xmlns="" id="{72225750-E4CE-4A81-A0C3-4023030D637E}"/>
               </a:ext>
             </a:extLst>
           </p:cNvPr>
@@ -32899,7 +32899,7 @@
           <p:cNvPr id="18" name="Straight Connector 17">
             <a:extLst>
               <a:ext uri="{FF2B5EF4-FFF2-40B4-BE49-F238E27FC236}">
-                <a16:creationId xmlns="" xmlns:a16="http://schemas.microsoft.com/office/drawing/2014/main" id="{3819C324-07DF-49DB-A08C-0E6155CE3041}"/>
+                <a16:creationId xmlns:a16="http://schemas.microsoft.com/office/drawing/2014/main" xmlns="" id="{3819C324-07DF-49DB-A08C-0E6155CE3041}"/>
               </a:ext>
             </a:extLst>
           </p:cNvPr>
@@ -32943,7 +32943,7 @@
           <p:cNvPr id="19" name="Oval 18">
             <a:extLst>
               <a:ext uri="{FF2B5EF4-FFF2-40B4-BE49-F238E27FC236}">
-                <a16:creationId xmlns="" xmlns:a16="http://schemas.microsoft.com/office/drawing/2014/main" id="{75A34025-44F2-4A09-8629-F1794E9D35AF}"/>
+                <a16:creationId xmlns:a16="http://schemas.microsoft.com/office/drawing/2014/main" xmlns="" id="{75A34025-44F2-4A09-8629-F1794E9D35AF}"/>
               </a:ext>
             </a:extLst>
           </p:cNvPr>
@@ -32998,7 +32998,7 @@
           <p:cNvPr id="20" name="Straight Connector 19">
             <a:extLst>
               <a:ext uri="{FF2B5EF4-FFF2-40B4-BE49-F238E27FC236}">
-                <a16:creationId xmlns="" xmlns:a16="http://schemas.microsoft.com/office/drawing/2014/main" id="{815854A2-EAE9-4B2A-84CF-5A4BD753863A}"/>
+                <a16:creationId xmlns:a16="http://schemas.microsoft.com/office/drawing/2014/main" xmlns="" id="{815854A2-EAE9-4B2A-84CF-5A4BD753863A}"/>
               </a:ext>
             </a:extLst>
           </p:cNvPr>
@@ -33044,7 +33044,7 @@
           <p:cNvPr id="22" name="Picture Placeholder 7">
             <a:extLst>
               <a:ext uri="{FF2B5EF4-FFF2-40B4-BE49-F238E27FC236}">
-                <a16:creationId xmlns="" xmlns:a16="http://schemas.microsoft.com/office/drawing/2014/main" id="{DE71F7A0-F439-470D-A1B8-556C960D112C}"/>
+                <a16:creationId xmlns:a16="http://schemas.microsoft.com/office/drawing/2014/main" xmlns="" id="{DE71F7A0-F439-470D-A1B8-556C960D112C}"/>
               </a:ext>
             </a:extLst>
           </p:cNvPr>
@@ -33115,7 +33115,7 @@
           <p:cNvPr id="7" name="Rectangle 6">
             <a:extLst>
               <a:ext uri="{FF2B5EF4-FFF2-40B4-BE49-F238E27FC236}">
-                <a16:creationId xmlns="" xmlns:a16="http://schemas.microsoft.com/office/drawing/2014/main" id="{A16E3F0B-343E-4C97-A8D6-C47FCC915F74}"/>
+                <a16:creationId xmlns:a16="http://schemas.microsoft.com/office/drawing/2014/main" xmlns="" id="{A16E3F0B-343E-4C97-A8D6-C47FCC915F74}"/>
               </a:ext>
             </a:extLst>
           </p:cNvPr>
@@ -33182,7 +33182,7 @@
           <p:cNvPr id="2" name="Title 1">
             <a:extLst>
               <a:ext uri="{FF2B5EF4-FFF2-40B4-BE49-F238E27FC236}">
-                <a16:creationId xmlns="" xmlns:a16="http://schemas.microsoft.com/office/drawing/2014/main" id="{7215E379-3C1C-4942-917E-02E25E8CB910}"/>
+                <a16:creationId xmlns:a16="http://schemas.microsoft.com/office/drawing/2014/main" xmlns="" id="{7215E379-3C1C-4942-917E-02E25E8CB910}"/>
               </a:ext>
             </a:extLst>
           </p:cNvPr>
@@ -33216,7 +33216,7 @@
           <p:cNvPr id="3" name="Date Placeholder 2">
             <a:extLst>
               <a:ext uri="{FF2B5EF4-FFF2-40B4-BE49-F238E27FC236}">
-                <a16:creationId xmlns="" xmlns:a16="http://schemas.microsoft.com/office/drawing/2014/main" id="{046047C4-77C4-4E19-8DD7-2ED3165B7637}"/>
+                <a16:creationId xmlns:a16="http://schemas.microsoft.com/office/drawing/2014/main" xmlns="" id="{046047C4-77C4-4E19-8DD7-2ED3165B7637}"/>
               </a:ext>
             </a:extLst>
           </p:cNvPr>
@@ -33244,7 +33244,7 @@
           <p:cNvPr id="4" name="Footer Placeholder 3">
             <a:extLst>
               <a:ext uri="{FF2B5EF4-FFF2-40B4-BE49-F238E27FC236}">
-                <a16:creationId xmlns="" xmlns:a16="http://schemas.microsoft.com/office/drawing/2014/main" id="{D250B5CF-1C4F-4BA2-8E78-5F48C92A9DA1}"/>
+                <a16:creationId xmlns:a16="http://schemas.microsoft.com/office/drawing/2014/main" xmlns="" id="{D250B5CF-1C4F-4BA2-8E78-5F48C92A9DA1}"/>
               </a:ext>
             </a:extLst>
           </p:cNvPr>
@@ -33272,7 +33272,7 @@
           <p:cNvPr id="5" name="Slide Number Placeholder 4">
             <a:extLst>
               <a:ext uri="{FF2B5EF4-FFF2-40B4-BE49-F238E27FC236}">
-                <a16:creationId xmlns="" xmlns:a16="http://schemas.microsoft.com/office/drawing/2014/main" id="{714C6A0A-8A9D-47A1-97DA-BB494915175B}"/>
+                <a16:creationId xmlns:a16="http://schemas.microsoft.com/office/drawing/2014/main" xmlns="" id="{714C6A0A-8A9D-47A1-97DA-BB494915175B}"/>
               </a:ext>
             </a:extLst>
           </p:cNvPr>
@@ -33302,7 +33302,7 @@
           <p:cNvPr id="6" name="Content Placeholder 2">
             <a:extLst>
               <a:ext uri="{FF2B5EF4-FFF2-40B4-BE49-F238E27FC236}">
-                <a16:creationId xmlns="" xmlns:a16="http://schemas.microsoft.com/office/drawing/2014/main" id="{DEA943F6-C418-4339-8C7E-A12127BDE29C}"/>
+                <a16:creationId xmlns:a16="http://schemas.microsoft.com/office/drawing/2014/main" xmlns="" id="{DEA943F6-C418-4339-8C7E-A12127BDE29C}"/>
               </a:ext>
             </a:extLst>
           </p:cNvPr>
@@ -33431,7 +33431,7 @@
           <p:cNvPr id="9" name="Rectangle 8">
             <a:extLst>
               <a:ext uri="{FF2B5EF4-FFF2-40B4-BE49-F238E27FC236}">
-                <a16:creationId xmlns="" xmlns:a16="http://schemas.microsoft.com/office/drawing/2014/main" id="{8B6FE9A2-5CE4-4652-97CE-3FF947D5485F}"/>
+                <a16:creationId xmlns:a16="http://schemas.microsoft.com/office/drawing/2014/main" xmlns="" id="{8B6FE9A2-5CE4-4652-97CE-3FF947D5485F}"/>
               </a:ext>
             </a:extLst>
           </p:cNvPr>
@@ -33498,7 +33498,7 @@
           <p:cNvPr id="2" name="Title 1">
             <a:extLst>
               <a:ext uri="{FF2B5EF4-FFF2-40B4-BE49-F238E27FC236}">
-                <a16:creationId xmlns="" xmlns:a16="http://schemas.microsoft.com/office/drawing/2014/main" id="{7215E379-3C1C-4942-917E-02E25E8CB910}"/>
+                <a16:creationId xmlns:a16="http://schemas.microsoft.com/office/drawing/2014/main" xmlns="" id="{7215E379-3C1C-4942-917E-02E25E8CB910}"/>
               </a:ext>
             </a:extLst>
           </p:cNvPr>
@@ -33532,7 +33532,7 @@
           <p:cNvPr id="3" name="Date Placeholder 2">
             <a:extLst>
               <a:ext uri="{FF2B5EF4-FFF2-40B4-BE49-F238E27FC236}">
-                <a16:creationId xmlns="" xmlns:a16="http://schemas.microsoft.com/office/drawing/2014/main" id="{046047C4-77C4-4E19-8DD7-2ED3165B7637}"/>
+                <a16:creationId xmlns:a16="http://schemas.microsoft.com/office/drawing/2014/main" xmlns="" id="{046047C4-77C4-4E19-8DD7-2ED3165B7637}"/>
               </a:ext>
             </a:extLst>
           </p:cNvPr>
@@ -33560,7 +33560,7 @@
           <p:cNvPr id="4" name="Footer Placeholder 3">
             <a:extLst>
               <a:ext uri="{FF2B5EF4-FFF2-40B4-BE49-F238E27FC236}">
-                <a16:creationId xmlns="" xmlns:a16="http://schemas.microsoft.com/office/drawing/2014/main" id="{D250B5CF-1C4F-4BA2-8E78-5F48C92A9DA1}"/>
+                <a16:creationId xmlns:a16="http://schemas.microsoft.com/office/drawing/2014/main" xmlns="" id="{D250B5CF-1C4F-4BA2-8E78-5F48C92A9DA1}"/>
               </a:ext>
             </a:extLst>
           </p:cNvPr>
@@ -33588,7 +33588,7 @@
           <p:cNvPr id="5" name="Slide Number Placeholder 4">
             <a:extLst>
               <a:ext uri="{FF2B5EF4-FFF2-40B4-BE49-F238E27FC236}">
-                <a16:creationId xmlns="" xmlns:a16="http://schemas.microsoft.com/office/drawing/2014/main" id="{714C6A0A-8A9D-47A1-97DA-BB494915175B}"/>
+                <a16:creationId xmlns:a16="http://schemas.microsoft.com/office/drawing/2014/main" xmlns="" id="{714C6A0A-8A9D-47A1-97DA-BB494915175B}"/>
               </a:ext>
             </a:extLst>
           </p:cNvPr>
@@ -33618,7 +33618,7 @@
           <p:cNvPr id="7" name="Content Placeholder 2">
             <a:extLst>
               <a:ext uri="{FF2B5EF4-FFF2-40B4-BE49-F238E27FC236}">
-                <a16:creationId xmlns="" xmlns:a16="http://schemas.microsoft.com/office/drawing/2014/main" id="{3FD6D4E1-CC57-4556-9CB7-31B375477219}"/>
+                <a16:creationId xmlns:a16="http://schemas.microsoft.com/office/drawing/2014/main" xmlns="" id="{3FD6D4E1-CC57-4556-9CB7-31B375477219}"/>
               </a:ext>
             </a:extLst>
           </p:cNvPr>
@@ -33719,7 +33719,7 @@
           <p:cNvPr id="8" name="Content Placeholder 3">
             <a:extLst>
               <a:ext uri="{FF2B5EF4-FFF2-40B4-BE49-F238E27FC236}">
-                <a16:creationId xmlns="" xmlns:a16="http://schemas.microsoft.com/office/drawing/2014/main" id="{2AE7A31C-D605-4363-B037-1938B9304C13}"/>
+                <a16:creationId xmlns:a16="http://schemas.microsoft.com/office/drawing/2014/main" xmlns="" id="{2AE7A31C-D605-4363-B037-1938B9304C13}"/>
               </a:ext>
             </a:extLst>
           </p:cNvPr>
@@ -33850,7 +33850,7 @@
           <p:cNvPr id="11" name="Rectangle 10">
             <a:extLst>
               <a:ext uri="{FF2B5EF4-FFF2-40B4-BE49-F238E27FC236}">
-                <a16:creationId xmlns="" xmlns:a16="http://schemas.microsoft.com/office/drawing/2014/main" id="{A4B5E40D-C1A5-4C5A-BBA0-C3E41F028D01}"/>
+                <a16:creationId xmlns:a16="http://schemas.microsoft.com/office/drawing/2014/main" xmlns="" id="{A4B5E40D-C1A5-4C5A-BBA0-C3E41F028D01}"/>
               </a:ext>
             </a:extLst>
           </p:cNvPr>
@@ -33917,7 +33917,7 @@
           <p:cNvPr id="2" name="Title 1">
             <a:extLst>
               <a:ext uri="{FF2B5EF4-FFF2-40B4-BE49-F238E27FC236}">
-                <a16:creationId xmlns="" xmlns:a16="http://schemas.microsoft.com/office/drawing/2014/main" id="{7215E379-3C1C-4942-917E-02E25E8CB910}"/>
+                <a16:creationId xmlns:a16="http://schemas.microsoft.com/office/drawing/2014/main" xmlns="" id="{7215E379-3C1C-4942-917E-02E25E8CB910}"/>
               </a:ext>
             </a:extLst>
           </p:cNvPr>
@@ -33951,7 +33951,7 @@
           <p:cNvPr id="3" name="Date Placeholder 2">
             <a:extLst>
               <a:ext uri="{FF2B5EF4-FFF2-40B4-BE49-F238E27FC236}">
-                <a16:creationId xmlns="" xmlns:a16="http://schemas.microsoft.com/office/drawing/2014/main" id="{046047C4-77C4-4E19-8DD7-2ED3165B7637}"/>
+                <a16:creationId xmlns:a16="http://schemas.microsoft.com/office/drawing/2014/main" xmlns="" id="{046047C4-77C4-4E19-8DD7-2ED3165B7637}"/>
               </a:ext>
             </a:extLst>
           </p:cNvPr>
@@ -33979,7 +33979,7 @@
           <p:cNvPr id="4" name="Footer Placeholder 3">
             <a:extLst>
               <a:ext uri="{FF2B5EF4-FFF2-40B4-BE49-F238E27FC236}">
-                <a16:creationId xmlns="" xmlns:a16="http://schemas.microsoft.com/office/drawing/2014/main" id="{D250B5CF-1C4F-4BA2-8E78-5F48C92A9DA1}"/>
+                <a16:creationId xmlns:a16="http://schemas.microsoft.com/office/drawing/2014/main" xmlns="" id="{D250B5CF-1C4F-4BA2-8E78-5F48C92A9DA1}"/>
               </a:ext>
             </a:extLst>
           </p:cNvPr>
@@ -34007,7 +34007,7 @@
           <p:cNvPr id="5" name="Slide Number Placeholder 4">
             <a:extLst>
               <a:ext uri="{FF2B5EF4-FFF2-40B4-BE49-F238E27FC236}">
-                <a16:creationId xmlns="" xmlns:a16="http://schemas.microsoft.com/office/drawing/2014/main" id="{714C6A0A-8A9D-47A1-97DA-BB494915175B}"/>
+                <a16:creationId xmlns:a16="http://schemas.microsoft.com/office/drawing/2014/main" xmlns="" id="{714C6A0A-8A9D-47A1-97DA-BB494915175B}"/>
               </a:ext>
             </a:extLst>
           </p:cNvPr>
@@ -34037,7 +34037,7 @@
           <p:cNvPr id="7" name="Text Placeholder 2">
             <a:extLst>
               <a:ext uri="{FF2B5EF4-FFF2-40B4-BE49-F238E27FC236}">
-                <a16:creationId xmlns="" xmlns:a16="http://schemas.microsoft.com/office/drawing/2014/main" id="{85C650EE-495E-44EB-870B-AC85B18EBDB8}"/>
+                <a16:creationId xmlns:a16="http://schemas.microsoft.com/office/drawing/2014/main" xmlns="" id="{85C650EE-495E-44EB-870B-AC85B18EBDB8}"/>
               </a:ext>
             </a:extLst>
           </p:cNvPr>
@@ -34110,7 +34110,7 @@
           <p:cNvPr id="8" name="Content Placeholder 3">
             <a:extLst>
               <a:ext uri="{FF2B5EF4-FFF2-40B4-BE49-F238E27FC236}">
-                <a16:creationId xmlns="" xmlns:a16="http://schemas.microsoft.com/office/drawing/2014/main" id="{77DCC2A5-8A6A-431F-BD6C-93E32539A0F4}"/>
+                <a16:creationId xmlns:a16="http://schemas.microsoft.com/office/drawing/2014/main" xmlns="" id="{77DCC2A5-8A6A-431F-BD6C-93E32539A0F4}"/>
               </a:ext>
             </a:extLst>
           </p:cNvPr>
@@ -34211,7 +34211,7 @@
           <p:cNvPr id="9" name="Text Placeholder 4">
             <a:extLst>
               <a:ext uri="{FF2B5EF4-FFF2-40B4-BE49-F238E27FC236}">
-                <a16:creationId xmlns="" xmlns:a16="http://schemas.microsoft.com/office/drawing/2014/main" id="{7FE620E9-8AD3-4771-8897-E65B461E2801}"/>
+                <a16:creationId xmlns:a16="http://schemas.microsoft.com/office/drawing/2014/main" xmlns="" id="{7FE620E9-8AD3-4771-8897-E65B461E2801}"/>
               </a:ext>
             </a:extLst>
           </p:cNvPr>
@@ -34284,7 +34284,7 @@
           <p:cNvPr id="10" name="Content Placeholder 5">
             <a:extLst>
               <a:ext uri="{FF2B5EF4-FFF2-40B4-BE49-F238E27FC236}">
-                <a16:creationId xmlns="" xmlns:a16="http://schemas.microsoft.com/office/drawing/2014/main" id="{B75F265B-9F81-4A64-A8D4-7D0A31CEA45A}"/>
+                <a16:creationId xmlns:a16="http://schemas.microsoft.com/office/drawing/2014/main" xmlns="" id="{B75F265B-9F81-4A64-A8D4-7D0A31CEA45A}"/>
               </a:ext>
             </a:extLst>
           </p:cNvPr>
@@ -34415,7 +34415,7 @@
           <p:cNvPr id="7" name="Rectangle 6">
             <a:extLst>
               <a:ext uri="{FF2B5EF4-FFF2-40B4-BE49-F238E27FC236}">
-                <a16:creationId xmlns="" xmlns:a16="http://schemas.microsoft.com/office/drawing/2014/main" id="{A16E3F0B-343E-4C97-A8D6-C47FCC915F74}"/>
+                <a16:creationId xmlns:a16="http://schemas.microsoft.com/office/drawing/2014/main" xmlns="" id="{A16E3F0B-343E-4C97-A8D6-C47FCC915F74}"/>
               </a:ext>
             </a:extLst>
           </p:cNvPr>
@@ -34482,7 +34482,7 @@
           <p:cNvPr id="3" name="Date Placeholder 2">
             <a:extLst>
               <a:ext uri="{FF2B5EF4-FFF2-40B4-BE49-F238E27FC236}">
-                <a16:creationId xmlns="" xmlns:a16="http://schemas.microsoft.com/office/drawing/2014/main" id="{046047C4-77C4-4E19-8DD7-2ED3165B7637}"/>
+                <a16:creationId xmlns:a16="http://schemas.microsoft.com/office/drawing/2014/main" xmlns="" id="{046047C4-77C4-4E19-8DD7-2ED3165B7637}"/>
               </a:ext>
             </a:extLst>
           </p:cNvPr>
@@ -34510,7 +34510,7 @@
           <p:cNvPr id="4" name="Footer Placeholder 3">
             <a:extLst>
               <a:ext uri="{FF2B5EF4-FFF2-40B4-BE49-F238E27FC236}">
-                <a16:creationId xmlns="" xmlns:a16="http://schemas.microsoft.com/office/drawing/2014/main" id="{D250B5CF-1C4F-4BA2-8E78-5F48C92A9DA1}"/>
+                <a16:creationId xmlns:a16="http://schemas.microsoft.com/office/drawing/2014/main" xmlns="" id="{D250B5CF-1C4F-4BA2-8E78-5F48C92A9DA1}"/>
               </a:ext>
             </a:extLst>
           </p:cNvPr>
@@ -34538,7 +34538,7 @@
           <p:cNvPr id="5" name="Slide Number Placeholder 4">
             <a:extLst>
               <a:ext uri="{FF2B5EF4-FFF2-40B4-BE49-F238E27FC236}">
-                <a16:creationId xmlns="" xmlns:a16="http://schemas.microsoft.com/office/drawing/2014/main" id="{714C6A0A-8A9D-47A1-97DA-BB494915175B}"/>
+                <a16:creationId xmlns:a16="http://schemas.microsoft.com/office/drawing/2014/main" xmlns="" id="{714C6A0A-8A9D-47A1-97DA-BB494915175B}"/>
               </a:ext>
             </a:extLst>
           </p:cNvPr>
@@ -34568,7 +34568,7 @@
           <p:cNvPr id="8" name="Title 1">
             <a:extLst>
               <a:ext uri="{FF2B5EF4-FFF2-40B4-BE49-F238E27FC236}">
-                <a16:creationId xmlns="" xmlns:a16="http://schemas.microsoft.com/office/drawing/2014/main" id="{8A02905C-2C7D-4445-B47F-3EBBA44657F7}"/>
+                <a16:creationId xmlns:a16="http://schemas.microsoft.com/office/drawing/2014/main" xmlns="" id="{8A02905C-2C7D-4445-B47F-3EBBA44657F7}"/>
               </a:ext>
             </a:extLst>
           </p:cNvPr>
@@ -34606,7 +34606,7 @@
           <p:cNvPr id="9" name="Text Placeholder 3">
             <a:extLst>
               <a:ext uri="{FF2B5EF4-FFF2-40B4-BE49-F238E27FC236}">
-                <a16:creationId xmlns="" xmlns:a16="http://schemas.microsoft.com/office/drawing/2014/main" id="{17BC8A51-D50F-4F98-9402-8FF90BD2D1BE}"/>
+                <a16:creationId xmlns:a16="http://schemas.microsoft.com/office/drawing/2014/main" xmlns="" id="{17BC8A51-D50F-4F98-9402-8FF90BD2D1BE}"/>
               </a:ext>
             </a:extLst>
           </p:cNvPr>
@@ -34677,7 +34677,7 @@
           <p:cNvPr id="10" name="Content Placeholder 2">
             <a:extLst>
               <a:ext uri="{FF2B5EF4-FFF2-40B4-BE49-F238E27FC236}">
-                <a16:creationId xmlns="" xmlns:a16="http://schemas.microsoft.com/office/drawing/2014/main" id="{3AE79E65-3D1E-4444-9BD4-8578BF0C6484}"/>
+                <a16:creationId xmlns:a16="http://schemas.microsoft.com/office/drawing/2014/main" xmlns="" id="{3AE79E65-3D1E-4444-9BD4-8578BF0C6484}"/>
               </a:ext>
             </a:extLst>
           </p:cNvPr>
@@ -34820,7 +34820,7 @@
           <p:cNvPr id="7" name="Rectangle 6">
             <a:extLst>
               <a:ext uri="{FF2B5EF4-FFF2-40B4-BE49-F238E27FC236}">
-                <a16:creationId xmlns="" xmlns:a16="http://schemas.microsoft.com/office/drawing/2014/main" id="{A16E3F0B-343E-4C97-A8D6-C47FCC915F74}"/>
+                <a16:creationId xmlns:a16="http://schemas.microsoft.com/office/drawing/2014/main" xmlns="" id="{A16E3F0B-343E-4C97-A8D6-C47FCC915F74}"/>
               </a:ext>
             </a:extLst>
           </p:cNvPr>
@@ -34887,7 +34887,7 @@
           <p:cNvPr id="3" name="Date Placeholder 2">
             <a:extLst>
               <a:ext uri="{FF2B5EF4-FFF2-40B4-BE49-F238E27FC236}">
-                <a16:creationId xmlns="" xmlns:a16="http://schemas.microsoft.com/office/drawing/2014/main" id="{046047C4-77C4-4E19-8DD7-2ED3165B7637}"/>
+                <a16:creationId xmlns:a16="http://schemas.microsoft.com/office/drawing/2014/main" xmlns="" id="{046047C4-77C4-4E19-8DD7-2ED3165B7637}"/>
               </a:ext>
             </a:extLst>
           </p:cNvPr>
@@ -34915,7 +34915,7 @@
           <p:cNvPr id="4" name="Footer Placeholder 3">
             <a:extLst>
               <a:ext uri="{FF2B5EF4-FFF2-40B4-BE49-F238E27FC236}">
-                <a16:creationId xmlns="" xmlns:a16="http://schemas.microsoft.com/office/drawing/2014/main" id="{D250B5CF-1C4F-4BA2-8E78-5F48C92A9DA1}"/>
+                <a16:creationId xmlns:a16="http://schemas.microsoft.com/office/drawing/2014/main" xmlns="" id="{D250B5CF-1C4F-4BA2-8E78-5F48C92A9DA1}"/>
               </a:ext>
             </a:extLst>
           </p:cNvPr>
@@ -34943,7 +34943,7 @@
           <p:cNvPr id="5" name="Slide Number Placeholder 4">
             <a:extLst>
               <a:ext uri="{FF2B5EF4-FFF2-40B4-BE49-F238E27FC236}">
-                <a16:creationId xmlns="" xmlns:a16="http://schemas.microsoft.com/office/drawing/2014/main" id="{714C6A0A-8A9D-47A1-97DA-BB494915175B}"/>
+                <a16:creationId xmlns:a16="http://schemas.microsoft.com/office/drawing/2014/main" xmlns="" id="{714C6A0A-8A9D-47A1-97DA-BB494915175B}"/>
               </a:ext>
             </a:extLst>
           </p:cNvPr>
@@ -34973,7 +34973,7 @@
           <p:cNvPr id="8" name="Title 1">
             <a:extLst>
               <a:ext uri="{FF2B5EF4-FFF2-40B4-BE49-F238E27FC236}">
-                <a16:creationId xmlns="" xmlns:a16="http://schemas.microsoft.com/office/drawing/2014/main" id="{8A02905C-2C7D-4445-B47F-3EBBA44657F7}"/>
+                <a16:creationId xmlns:a16="http://schemas.microsoft.com/office/drawing/2014/main" xmlns="" id="{8A02905C-2C7D-4445-B47F-3EBBA44657F7}"/>
               </a:ext>
             </a:extLst>
           </p:cNvPr>
@@ -35011,7 +35011,7 @@
           <p:cNvPr id="9" name="Text Placeholder 3">
             <a:extLst>
               <a:ext uri="{FF2B5EF4-FFF2-40B4-BE49-F238E27FC236}">
-                <a16:creationId xmlns="" xmlns:a16="http://schemas.microsoft.com/office/drawing/2014/main" id="{17BC8A51-D50F-4F98-9402-8FF90BD2D1BE}"/>
+                <a16:creationId xmlns:a16="http://schemas.microsoft.com/office/drawing/2014/main" xmlns="" id="{17BC8A51-D50F-4F98-9402-8FF90BD2D1BE}"/>
               </a:ext>
             </a:extLst>
           </p:cNvPr>
@@ -35082,7 +35082,7 @@
           <p:cNvPr id="11" name="Picture Placeholder 2">
             <a:extLst>
               <a:ext uri="{FF2B5EF4-FFF2-40B4-BE49-F238E27FC236}">
-                <a16:creationId xmlns="" xmlns:a16="http://schemas.microsoft.com/office/drawing/2014/main" id="{1D23A006-AC57-4A0B-BC20-6D226A80CC78}"/>
+                <a16:creationId xmlns:a16="http://schemas.microsoft.com/office/drawing/2014/main" xmlns="" id="{1D23A006-AC57-4A0B-BC20-6D226A80CC78}"/>
               </a:ext>
             </a:extLst>
           </p:cNvPr>
@@ -35189,7 +35189,7 @@
           <p:cNvPr id="7" name="Rectangle 6">
             <a:extLst>
               <a:ext uri="{FF2B5EF4-FFF2-40B4-BE49-F238E27FC236}">
-                <a16:creationId xmlns="" xmlns:a16="http://schemas.microsoft.com/office/drawing/2014/main" id="{9F05564D-C546-470F-B93C-274AA86CE01F}"/>
+                <a16:creationId xmlns:a16="http://schemas.microsoft.com/office/drawing/2014/main" xmlns="" id="{9F05564D-C546-470F-B93C-274AA86CE01F}"/>
               </a:ext>
             </a:extLst>
           </p:cNvPr>
@@ -35256,7 +35256,7 @@
           <p:cNvPr id="2" name="Title 1">
             <a:extLst>
               <a:ext uri="{FF2B5EF4-FFF2-40B4-BE49-F238E27FC236}">
-                <a16:creationId xmlns="" xmlns:a16="http://schemas.microsoft.com/office/drawing/2014/main" id="{7215E379-3C1C-4942-917E-02E25E8CB910}"/>
+                <a16:creationId xmlns:a16="http://schemas.microsoft.com/office/drawing/2014/main" xmlns="" id="{7215E379-3C1C-4942-917E-02E25E8CB910}"/>
               </a:ext>
             </a:extLst>
           </p:cNvPr>
@@ -35290,7 +35290,7 @@
           <p:cNvPr id="3" name="Date Placeholder 2">
             <a:extLst>
               <a:ext uri="{FF2B5EF4-FFF2-40B4-BE49-F238E27FC236}">
-                <a16:creationId xmlns="" xmlns:a16="http://schemas.microsoft.com/office/drawing/2014/main" id="{046047C4-77C4-4E19-8DD7-2ED3165B7637}"/>
+                <a16:creationId xmlns:a16="http://schemas.microsoft.com/office/drawing/2014/main" xmlns="" id="{046047C4-77C4-4E19-8DD7-2ED3165B7637}"/>
               </a:ext>
             </a:extLst>
           </p:cNvPr>
@@ -35318,7 +35318,7 @@
           <p:cNvPr id="4" name="Footer Placeholder 3">
             <a:extLst>
               <a:ext uri="{FF2B5EF4-FFF2-40B4-BE49-F238E27FC236}">
-                <a16:creationId xmlns="" xmlns:a16="http://schemas.microsoft.com/office/drawing/2014/main" id="{D250B5CF-1C4F-4BA2-8E78-5F48C92A9DA1}"/>
+                <a16:creationId xmlns:a16="http://schemas.microsoft.com/office/drawing/2014/main" xmlns="" id="{D250B5CF-1C4F-4BA2-8E78-5F48C92A9DA1}"/>
               </a:ext>
             </a:extLst>
           </p:cNvPr>
@@ -35346,7 +35346,7 @@
           <p:cNvPr id="5" name="Slide Number Placeholder 4">
             <a:extLst>
               <a:ext uri="{FF2B5EF4-FFF2-40B4-BE49-F238E27FC236}">
-                <a16:creationId xmlns="" xmlns:a16="http://schemas.microsoft.com/office/drawing/2014/main" id="{714C6A0A-8A9D-47A1-97DA-BB494915175B}"/>
+                <a16:creationId xmlns:a16="http://schemas.microsoft.com/office/drawing/2014/main" xmlns="" id="{714C6A0A-8A9D-47A1-97DA-BB494915175B}"/>
               </a:ext>
             </a:extLst>
           </p:cNvPr>
@@ -35376,7 +35376,7 @@
           <p:cNvPr id="8" name="Text Placeholder 7">
             <a:extLst>
               <a:ext uri="{FF2B5EF4-FFF2-40B4-BE49-F238E27FC236}">
-                <a16:creationId xmlns="" xmlns:a16="http://schemas.microsoft.com/office/drawing/2014/main" id="{FE102DC0-E499-4C34-9CD9-CDABF71081B3}"/>
+                <a16:creationId xmlns:a16="http://schemas.microsoft.com/office/drawing/2014/main" xmlns="" id="{FE102DC0-E499-4C34-9CD9-CDABF71081B3}"/>
               </a:ext>
             </a:extLst>
           </p:cNvPr>
@@ -35447,7 +35447,7 @@
           <p:cNvPr id="7" name="Rectangle 6">
             <a:extLst>
               <a:ext uri="{FF2B5EF4-FFF2-40B4-BE49-F238E27FC236}">
-                <a16:creationId xmlns="" xmlns:a16="http://schemas.microsoft.com/office/drawing/2014/main" id="{9F05564D-C546-470F-B93C-274AA86CE01F}"/>
+                <a16:creationId xmlns:a16="http://schemas.microsoft.com/office/drawing/2014/main" xmlns="" id="{9F05564D-C546-470F-B93C-274AA86CE01F}"/>
               </a:ext>
             </a:extLst>
           </p:cNvPr>
@@ -35514,7 +35514,7 @@
           <p:cNvPr id="2" name="Title 1">
             <a:extLst>
               <a:ext uri="{FF2B5EF4-FFF2-40B4-BE49-F238E27FC236}">
-                <a16:creationId xmlns="" xmlns:a16="http://schemas.microsoft.com/office/drawing/2014/main" id="{7215E379-3C1C-4942-917E-02E25E8CB910}"/>
+                <a16:creationId xmlns:a16="http://schemas.microsoft.com/office/drawing/2014/main" xmlns="" id="{7215E379-3C1C-4942-917E-02E25E8CB910}"/>
               </a:ext>
             </a:extLst>
           </p:cNvPr>
@@ -35548,7 +35548,7 @@
           <p:cNvPr id="3" name="Date Placeholder 2">
             <a:extLst>
               <a:ext uri="{FF2B5EF4-FFF2-40B4-BE49-F238E27FC236}">
-                <a16:creationId xmlns="" xmlns:a16="http://schemas.microsoft.com/office/drawing/2014/main" id="{046047C4-77C4-4E19-8DD7-2ED3165B7637}"/>
+                <a16:creationId xmlns:a16="http://schemas.microsoft.com/office/drawing/2014/main" xmlns="" id="{046047C4-77C4-4E19-8DD7-2ED3165B7637}"/>
               </a:ext>
             </a:extLst>
           </p:cNvPr>
@@ -35576,7 +35576,7 @@
           <p:cNvPr id="4" name="Footer Placeholder 3">
             <a:extLst>
               <a:ext uri="{FF2B5EF4-FFF2-40B4-BE49-F238E27FC236}">
-                <a16:creationId xmlns="" xmlns:a16="http://schemas.microsoft.com/office/drawing/2014/main" id="{D250B5CF-1C4F-4BA2-8E78-5F48C92A9DA1}"/>
+                <a16:creationId xmlns:a16="http://schemas.microsoft.com/office/drawing/2014/main" xmlns="" id="{D250B5CF-1C4F-4BA2-8E78-5F48C92A9DA1}"/>
               </a:ext>
             </a:extLst>
           </p:cNvPr>
@@ -35604,7 +35604,7 @@
           <p:cNvPr id="5" name="Slide Number Placeholder 4">
             <a:extLst>
               <a:ext uri="{FF2B5EF4-FFF2-40B4-BE49-F238E27FC236}">
-                <a16:creationId xmlns="" xmlns:a16="http://schemas.microsoft.com/office/drawing/2014/main" id="{714C6A0A-8A9D-47A1-97DA-BB494915175B}"/>
+                <a16:creationId xmlns:a16="http://schemas.microsoft.com/office/drawing/2014/main" xmlns="" id="{714C6A0A-8A9D-47A1-97DA-BB494915175B}"/>
               </a:ext>
             </a:extLst>
           </p:cNvPr>
@@ -35664,7 +35664,7 @@
           <p:cNvPr id="6" name="Rectangle 5">
             <a:extLst>
               <a:ext uri="{FF2B5EF4-FFF2-40B4-BE49-F238E27FC236}">
-                <a16:creationId xmlns="" xmlns:a16="http://schemas.microsoft.com/office/drawing/2014/main" id="{D9E60A5F-CE74-4F00-A5C2-F9742DDFFF1F}"/>
+                <a16:creationId xmlns:a16="http://schemas.microsoft.com/office/drawing/2014/main" xmlns="" id="{D9E60A5F-CE74-4F00-A5C2-F9742DDFFF1F}"/>
               </a:ext>
             </a:extLst>
           </p:cNvPr>
@@ -35731,7 +35731,7 @@
           <p:cNvPr id="3" name="Date Placeholder 2">
             <a:extLst>
               <a:ext uri="{FF2B5EF4-FFF2-40B4-BE49-F238E27FC236}">
-                <a16:creationId xmlns="" xmlns:a16="http://schemas.microsoft.com/office/drawing/2014/main" id="{046047C4-77C4-4E19-8DD7-2ED3165B7637}"/>
+                <a16:creationId xmlns:a16="http://schemas.microsoft.com/office/drawing/2014/main" xmlns="" id="{046047C4-77C4-4E19-8DD7-2ED3165B7637}"/>
               </a:ext>
             </a:extLst>
           </p:cNvPr>
@@ -35759,7 +35759,7 @@
           <p:cNvPr id="4" name="Footer Placeholder 3">
             <a:extLst>
               <a:ext uri="{FF2B5EF4-FFF2-40B4-BE49-F238E27FC236}">
-                <a16:creationId xmlns="" xmlns:a16="http://schemas.microsoft.com/office/drawing/2014/main" id="{D250B5CF-1C4F-4BA2-8E78-5F48C92A9DA1}"/>
+                <a16:creationId xmlns:a16="http://schemas.microsoft.com/office/drawing/2014/main" xmlns="" id="{D250B5CF-1C4F-4BA2-8E78-5F48C92A9DA1}"/>
               </a:ext>
             </a:extLst>
           </p:cNvPr>
@@ -35787,7 +35787,7 @@
           <p:cNvPr id="5" name="Slide Number Placeholder 4">
             <a:extLst>
               <a:ext uri="{FF2B5EF4-FFF2-40B4-BE49-F238E27FC236}">
-                <a16:creationId xmlns="" xmlns:a16="http://schemas.microsoft.com/office/drawing/2014/main" id="{714C6A0A-8A9D-47A1-97DA-BB494915175B}"/>
+                <a16:creationId xmlns:a16="http://schemas.microsoft.com/office/drawing/2014/main" xmlns="" id="{714C6A0A-8A9D-47A1-97DA-BB494915175B}"/>
               </a:ext>
             </a:extLst>
           </p:cNvPr>
@@ -35847,7 +35847,7 @@
           <p:cNvPr id="15" name="Rectangle 14">
             <a:extLst>
               <a:ext uri="{FF2B5EF4-FFF2-40B4-BE49-F238E27FC236}">
-                <a16:creationId xmlns="" xmlns:a16="http://schemas.microsoft.com/office/drawing/2014/main" id="{E8E3FDB8-6D5C-48FE-99EA-7EC60F4D8191}"/>
+                <a16:creationId xmlns:a16="http://schemas.microsoft.com/office/drawing/2014/main" xmlns="" id="{E8E3FDB8-6D5C-48FE-99EA-7EC60F4D8191}"/>
               </a:ext>
             </a:extLst>
           </p:cNvPr>
@@ -35914,7 +35914,7 @@
           <p:cNvPr id="5" name="Date Placeholder 4">
             <a:extLst>
               <a:ext uri="{FF2B5EF4-FFF2-40B4-BE49-F238E27FC236}">
-                <a16:creationId xmlns="" xmlns:a16="http://schemas.microsoft.com/office/drawing/2014/main" id="{2D9775F3-A041-479A-8038-652B7D9C72E9}"/>
+                <a16:creationId xmlns:a16="http://schemas.microsoft.com/office/drawing/2014/main" xmlns="" id="{2D9775F3-A041-479A-8038-652B7D9C72E9}"/>
               </a:ext>
             </a:extLst>
           </p:cNvPr>
@@ -35942,7 +35942,7 @@
           <p:cNvPr id="6" name="Footer Placeholder 5">
             <a:extLst>
               <a:ext uri="{FF2B5EF4-FFF2-40B4-BE49-F238E27FC236}">
-                <a16:creationId xmlns="" xmlns:a16="http://schemas.microsoft.com/office/drawing/2014/main" id="{29BEDD04-BE4E-4B91-B13E-0C4FB3E1658F}"/>
+                <a16:creationId xmlns:a16="http://schemas.microsoft.com/office/drawing/2014/main" xmlns="" id="{29BEDD04-BE4E-4B91-B13E-0C4FB3E1658F}"/>
               </a:ext>
             </a:extLst>
           </p:cNvPr>
@@ -35970,7 +35970,7 @@
           <p:cNvPr id="7" name="Slide Number Placeholder 6">
             <a:extLst>
               <a:ext uri="{FF2B5EF4-FFF2-40B4-BE49-F238E27FC236}">
-                <a16:creationId xmlns="" xmlns:a16="http://schemas.microsoft.com/office/drawing/2014/main" id="{306DF5D8-12DC-494E-B0F1-2E9C86A14544}"/>
+                <a16:creationId xmlns:a16="http://schemas.microsoft.com/office/drawing/2014/main" xmlns="" id="{306DF5D8-12DC-494E-B0F1-2E9C86A14544}"/>
               </a:ext>
             </a:extLst>
           </p:cNvPr>
@@ -35999,7 +35999,7 @@
           <p:cNvPr id="8" name="Title 1">
             <a:extLst>
               <a:ext uri="{FF2B5EF4-FFF2-40B4-BE49-F238E27FC236}">
-                <a16:creationId xmlns="" xmlns:a16="http://schemas.microsoft.com/office/drawing/2014/main" id="{ABF87C9E-53A2-4DE1-89DC-3907BE2E3D3C}"/>
+                <a16:creationId xmlns:a16="http://schemas.microsoft.com/office/drawing/2014/main" xmlns="" id="{ABF87C9E-53A2-4DE1-89DC-3907BE2E3D3C}"/>
               </a:ext>
             </a:extLst>
           </p:cNvPr>
@@ -36038,7 +36038,7 @@
           <p:cNvPr id="9" name="Text Placeholder 2">
             <a:extLst>
               <a:ext uri="{FF2B5EF4-FFF2-40B4-BE49-F238E27FC236}">
-                <a16:creationId xmlns="" xmlns:a16="http://schemas.microsoft.com/office/drawing/2014/main" id="{EB453F8F-AA02-4E0D-93BF-8CF4F1490377}"/>
+                <a16:creationId xmlns:a16="http://schemas.microsoft.com/office/drawing/2014/main" xmlns="" id="{EB453F8F-AA02-4E0D-93BF-8CF4F1490377}"/>
               </a:ext>
             </a:extLst>
           </p:cNvPr>
@@ -36168,7 +36168,7 @@
           <p:cNvPr id="10" name="Picture Placeholder 10">
             <a:extLst>
               <a:ext uri="{FF2B5EF4-FFF2-40B4-BE49-F238E27FC236}">
-                <a16:creationId xmlns="" xmlns:a16="http://schemas.microsoft.com/office/drawing/2014/main" id="{A541F291-2E4B-474E-9ED0-55C97A2A066D}"/>
+                <a16:creationId xmlns:a16="http://schemas.microsoft.com/office/drawing/2014/main" xmlns="" id="{A541F291-2E4B-474E-9ED0-55C97A2A066D}"/>
               </a:ext>
             </a:extLst>
           </p:cNvPr>
@@ -36209,7 +36209,7 @@
           <p:cNvPr id="11" name="Group 10">
             <a:extLst>
               <a:ext uri="{FF2B5EF4-FFF2-40B4-BE49-F238E27FC236}">
-                <a16:creationId xmlns="" xmlns:a16="http://schemas.microsoft.com/office/drawing/2014/main" id="{59E4D57E-4989-4939-A31F-637543FAB606}"/>
+                <a16:creationId xmlns:a16="http://schemas.microsoft.com/office/drawing/2014/main" xmlns="" id="{59E4D57E-4989-4939-A31F-637543FAB606}"/>
               </a:ext>
             </a:extLst>
           </p:cNvPr>
@@ -36229,7 +36229,7 @@
             <p:cNvPr id="12" name="Straight Connector 11">
               <a:extLst>
                 <a:ext uri="{FF2B5EF4-FFF2-40B4-BE49-F238E27FC236}">
-                  <a16:creationId xmlns="" xmlns:a16="http://schemas.microsoft.com/office/drawing/2014/main" id="{370B72A7-B625-48B8-88E6-BCE2A4DD531E}"/>
+                  <a16:creationId xmlns:a16="http://schemas.microsoft.com/office/drawing/2014/main" xmlns="" id="{370B72A7-B625-48B8-88E6-BCE2A4DD531E}"/>
                 </a:ext>
               </a:extLst>
             </p:cNvPr>
@@ -36273,7 +36273,7 @@
             <p:cNvPr id="13" name="Oval 12">
               <a:extLst>
                 <a:ext uri="{FF2B5EF4-FFF2-40B4-BE49-F238E27FC236}">
-                  <a16:creationId xmlns="" xmlns:a16="http://schemas.microsoft.com/office/drawing/2014/main" id="{01ED729F-F8A5-4244-9776-4935C260F11F}"/>
+                  <a16:creationId xmlns:a16="http://schemas.microsoft.com/office/drawing/2014/main" xmlns="" id="{01ED729F-F8A5-4244-9776-4935C260F11F}"/>
                 </a:ext>
               </a:extLst>
             </p:cNvPr>
@@ -36334,7 +36334,7 @@
           <p:cNvPr id="14" name="Text Placeholder 2">
             <a:extLst>
               <a:ext uri="{FF2B5EF4-FFF2-40B4-BE49-F238E27FC236}">
-                <a16:creationId xmlns="" xmlns:a16="http://schemas.microsoft.com/office/drawing/2014/main" id="{BE12A846-0DFC-435B-BAE9-D90C353E0344}"/>
+                <a16:creationId xmlns:a16="http://schemas.microsoft.com/office/drawing/2014/main" xmlns="" id="{BE12A846-0DFC-435B-BAE9-D90C353E0344}"/>
               </a:ext>
             </a:extLst>
           </p:cNvPr>
@@ -36469,7 +36469,7 @@
           <p:cNvPr id="17" name="Straight Connector 16">
             <a:extLst>
               <a:ext uri="{FF2B5EF4-FFF2-40B4-BE49-F238E27FC236}">
-                <a16:creationId xmlns="" xmlns:a16="http://schemas.microsoft.com/office/drawing/2014/main" id="{6150998C-CF95-4C6F-8962-8EB2DB30177D}"/>
+                <a16:creationId xmlns:a16="http://schemas.microsoft.com/office/drawing/2014/main" xmlns="" id="{6150998C-CF95-4C6F-8962-8EB2DB30177D}"/>
               </a:ext>
             </a:extLst>
           </p:cNvPr>
@@ -36513,7 +36513,7 @@
           <p:cNvPr id="18" name="Oval 17">
             <a:extLst>
               <a:ext uri="{FF2B5EF4-FFF2-40B4-BE49-F238E27FC236}">
-                <a16:creationId xmlns="" xmlns:a16="http://schemas.microsoft.com/office/drawing/2014/main" id="{F86A2ACD-8CF5-48A3-A678-E213A809B332}"/>
+                <a16:creationId xmlns:a16="http://schemas.microsoft.com/office/drawing/2014/main" xmlns="" id="{F86A2ACD-8CF5-48A3-A678-E213A809B332}"/>
               </a:ext>
             </a:extLst>
           </p:cNvPr>
@@ -36568,7 +36568,7 @@
           <p:cNvPr id="19" name="Straight Connector 18">
             <a:extLst>
               <a:ext uri="{FF2B5EF4-FFF2-40B4-BE49-F238E27FC236}">
-                <a16:creationId xmlns="" xmlns:a16="http://schemas.microsoft.com/office/drawing/2014/main" id="{F00811BB-0E37-4D70-84A5-97B3FBEDCBE6}"/>
+                <a16:creationId xmlns:a16="http://schemas.microsoft.com/office/drawing/2014/main" xmlns="" id="{F00811BB-0E37-4D70-84A5-97B3FBEDCBE6}"/>
               </a:ext>
             </a:extLst>
           </p:cNvPr>
@@ -36614,7 +36614,7 @@
           <p:cNvPr id="20" name="Oval 19">
             <a:extLst>
               <a:ext uri="{FF2B5EF4-FFF2-40B4-BE49-F238E27FC236}">
-                <a16:creationId xmlns="" xmlns:a16="http://schemas.microsoft.com/office/drawing/2014/main" id="{D03B3046-0457-4D23-8E0C-64E3FCD620BB}"/>
+                <a16:creationId xmlns:a16="http://schemas.microsoft.com/office/drawing/2014/main" xmlns="" id="{D03B3046-0457-4D23-8E0C-64E3FCD620BB}"/>
               </a:ext>
             </a:extLst>
           </p:cNvPr>
@@ -36669,7 +36669,7 @@
           <p:cNvPr id="22" name="Picture Placeholder 7">
             <a:extLst>
               <a:ext uri="{FF2B5EF4-FFF2-40B4-BE49-F238E27FC236}">
-                <a16:creationId xmlns="" xmlns:a16="http://schemas.microsoft.com/office/drawing/2014/main" id="{F0861AA2-8248-462C-B6D8-FFD829F41ED0}"/>
+                <a16:creationId xmlns:a16="http://schemas.microsoft.com/office/drawing/2014/main" xmlns="" id="{F0861AA2-8248-462C-B6D8-FFD829F41ED0}"/>
               </a:ext>
             </a:extLst>
           </p:cNvPr>
@@ -36740,7 +36740,7 @@
           <p:cNvPr id="7" name="Rectangle 6">
             <a:extLst>
               <a:ext uri="{FF2B5EF4-FFF2-40B4-BE49-F238E27FC236}">
-                <a16:creationId xmlns="" xmlns:a16="http://schemas.microsoft.com/office/drawing/2014/main" id="{09F1B35C-893A-4033-ADC0-2192AFA29271}"/>
+                <a16:creationId xmlns:a16="http://schemas.microsoft.com/office/drawing/2014/main" xmlns="" id="{09F1B35C-893A-4033-ADC0-2192AFA29271}"/>
               </a:ext>
             </a:extLst>
           </p:cNvPr>
@@ -36807,7 +36807,7 @@
           <p:cNvPr id="2" name="Title 1">
             <a:extLst>
               <a:ext uri="{FF2B5EF4-FFF2-40B4-BE49-F238E27FC236}">
-                <a16:creationId xmlns="" xmlns:a16="http://schemas.microsoft.com/office/drawing/2014/main" id="{CD637DF8-B064-4F36-89F8-EBF538A2E7F2}"/>
+                <a16:creationId xmlns:a16="http://schemas.microsoft.com/office/drawing/2014/main" xmlns="" id="{CD637DF8-B064-4F36-89F8-EBF538A2E7F2}"/>
               </a:ext>
             </a:extLst>
           </p:cNvPr>
@@ -36846,7 +36846,7 @@
           <p:cNvPr id="4" name="Date Placeholder 3">
             <a:extLst>
               <a:ext uri="{FF2B5EF4-FFF2-40B4-BE49-F238E27FC236}">
-                <a16:creationId xmlns="" xmlns:a16="http://schemas.microsoft.com/office/drawing/2014/main" id="{49EFC6D7-3241-401C-A16A-4A7CC2653954}"/>
+                <a16:creationId xmlns:a16="http://schemas.microsoft.com/office/drawing/2014/main" xmlns="" id="{49EFC6D7-3241-401C-A16A-4A7CC2653954}"/>
               </a:ext>
             </a:extLst>
           </p:cNvPr>
@@ -36874,7 +36874,7 @@
           <p:cNvPr id="5" name="Footer Placeholder 4">
             <a:extLst>
               <a:ext uri="{FF2B5EF4-FFF2-40B4-BE49-F238E27FC236}">
-                <a16:creationId xmlns="" xmlns:a16="http://schemas.microsoft.com/office/drawing/2014/main" id="{F345D6DC-ABA5-4D00-9CD3-92FFDD1FA2DC}"/>
+                <a16:creationId xmlns:a16="http://schemas.microsoft.com/office/drawing/2014/main" xmlns="" id="{F345D6DC-ABA5-4D00-9CD3-92FFDD1FA2DC}"/>
               </a:ext>
             </a:extLst>
           </p:cNvPr>
@@ -36902,7 +36902,7 @@
           <p:cNvPr id="6" name="Slide Number Placeholder 5">
             <a:extLst>
               <a:ext uri="{FF2B5EF4-FFF2-40B4-BE49-F238E27FC236}">
-                <a16:creationId xmlns="" xmlns:a16="http://schemas.microsoft.com/office/drawing/2014/main" id="{92459C86-0106-40E0-AA18-795EC5787677}"/>
+                <a16:creationId xmlns:a16="http://schemas.microsoft.com/office/drawing/2014/main" xmlns="" id="{92459C86-0106-40E0-AA18-795EC5787677}"/>
               </a:ext>
             </a:extLst>
           </p:cNvPr>
@@ -36931,7 +36931,7 @@
           <p:cNvPr id="11" name="Picture Placeholder 10">
             <a:extLst>
               <a:ext uri="{FF2B5EF4-FFF2-40B4-BE49-F238E27FC236}">
-                <a16:creationId xmlns="" xmlns:a16="http://schemas.microsoft.com/office/drawing/2014/main" id="{6D14F7B3-A6CF-491C-9855-75B5784CC456}"/>
+                <a16:creationId xmlns:a16="http://schemas.microsoft.com/office/drawing/2014/main" xmlns="" id="{6D14F7B3-A6CF-491C-9855-75B5784CC456}"/>
               </a:ext>
             </a:extLst>
           </p:cNvPr>
@@ -36972,7 +36972,7 @@
           <p:cNvPr id="15" name="Group 14">
             <a:extLst>
               <a:ext uri="{FF2B5EF4-FFF2-40B4-BE49-F238E27FC236}">
-                <a16:creationId xmlns="" xmlns:a16="http://schemas.microsoft.com/office/drawing/2014/main" id="{B7317392-EF87-4050-8BBE-32F74B0CF15A}"/>
+                <a16:creationId xmlns:a16="http://schemas.microsoft.com/office/drawing/2014/main" xmlns="" id="{B7317392-EF87-4050-8BBE-32F74B0CF15A}"/>
               </a:ext>
             </a:extLst>
           </p:cNvPr>
@@ -36992,7 +36992,7 @@
             <p:cNvPr id="13" name="Straight Connector 12">
               <a:extLst>
                 <a:ext uri="{FF2B5EF4-FFF2-40B4-BE49-F238E27FC236}">
-                  <a16:creationId xmlns="" xmlns:a16="http://schemas.microsoft.com/office/drawing/2014/main" id="{785A4134-866D-4143-AC1E-8A2FFDB49855}"/>
+                  <a16:creationId xmlns:a16="http://schemas.microsoft.com/office/drawing/2014/main" xmlns="" id="{785A4134-866D-4143-AC1E-8A2FFDB49855}"/>
                 </a:ext>
               </a:extLst>
             </p:cNvPr>
@@ -37036,7 +37036,7 @@
             <p:cNvPr id="14" name="Oval 13">
               <a:extLst>
                 <a:ext uri="{FF2B5EF4-FFF2-40B4-BE49-F238E27FC236}">
-                  <a16:creationId xmlns="" xmlns:a16="http://schemas.microsoft.com/office/drawing/2014/main" id="{1BBC5D9C-B8FB-455B-9398-36DB21F2765E}"/>
+                  <a16:creationId xmlns:a16="http://schemas.microsoft.com/office/drawing/2014/main" xmlns="" id="{1BBC5D9C-B8FB-455B-9398-36DB21F2765E}"/>
                 </a:ext>
               </a:extLst>
             </p:cNvPr>
@@ -37097,7 +37097,7 @@
           <p:cNvPr id="17" name="Oval 16">
             <a:extLst>
               <a:ext uri="{FF2B5EF4-FFF2-40B4-BE49-F238E27FC236}">
-                <a16:creationId xmlns="" xmlns:a16="http://schemas.microsoft.com/office/drawing/2014/main" id="{72225750-E4CE-4A81-A0C3-4023030D637E}"/>
+                <a16:creationId xmlns:a16="http://schemas.microsoft.com/office/drawing/2014/main" xmlns="" id="{72225750-E4CE-4A81-A0C3-4023030D637E}"/>
               </a:ext>
             </a:extLst>
           </p:cNvPr>
@@ -37152,7 +37152,7 @@
           <p:cNvPr id="18" name="Straight Connector 17">
             <a:extLst>
               <a:ext uri="{FF2B5EF4-FFF2-40B4-BE49-F238E27FC236}">
-                <a16:creationId xmlns="" xmlns:a16="http://schemas.microsoft.com/office/drawing/2014/main" id="{3819C324-07DF-49DB-A08C-0E6155CE3041}"/>
+                <a16:creationId xmlns:a16="http://schemas.microsoft.com/office/drawing/2014/main" xmlns="" id="{3819C324-07DF-49DB-A08C-0E6155CE3041}"/>
               </a:ext>
             </a:extLst>
           </p:cNvPr>
@@ -37196,7 +37196,7 @@
           <p:cNvPr id="19" name="Oval 18">
             <a:extLst>
               <a:ext uri="{FF2B5EF4-FFF2-40B4-BE49-F238E27FC236}">
-                <a16:creationId xmlns="" xmlns:a16="http://schemas.microsoft.com/office/drawing/2014/main" id="{75A34025-44F2-4A09-8629-F1794E9D35AF}"/>
+                <a16:creationId xmlns:a16="http://schemas.microsoft.com/office/drawing/2014/main" xmlns="" id="{75A34025-44F2-4A09-8629-F1794E9D35AF}"/>
               </a:ext>
             </a:extLst>
           </p:cNvPr>
@@ -37251,7 +37251,7 @@
           <p:cNvPr id="20" name="Straight Connector 19">
             <a:extLst>
               <a:ext uri="{FF2B5EF4-FFF2-40B4-BE49-F238E27FC236}">
-                <a16:creationId xmlns="" xmlns:a16="http://schemas.microsoft.com/office/drawing/2014/main" id="{815854A2-EAE9-4B2A-84CF-5A4BD753863A}"/>
+                <a16:creationId xmlns:a16="http://schemas.microsoft.com/office/drawing/2014/main" xmlns="" id="{815854A2-EAE9-4B2A-84CF-5A4BD753863A}"/>
               </a:ext>
             </a:extLst>
           </p:cNvPr>
@@ -37297,7 +37297,7 @@
           <p:cNvPr id="21" name="Text Placeholder 2">
             <a:extLst>
               <a:ext uri="{FF2B5EF4-FFF2-40B4-BE49-F238E27FC236}">
-                <a16:creationId xmlns="" xmlns:a16="http://schemas.microsoft.com/office/drawing/2014/main" id="{4C9D5785-B116-4BE7-AC26-5CD6481FFA6A}"/>
+                <a16:creationId xmlns:a16="http://schemas.microsoft.com/office/drawing/2014/main" xmlns="" id="{4C9D5785-B116-4BE7-AC26-5CD6481FFA6A}"/>
               </a:ext>
             </a:extLst>
           </p:cNvPr>
@@ -37432,7 +37432,7 @@
           <p:cNvPr id="23" name="Picture Placeholder 7">
             <a:extLst>
               <a:ext uri="{FF2B5EF4-FFF2-40B4-BE49-F238E27FC236}">
-                <a16:creationId xmlns="" xmlns:a16="http://schemas.microsoft.com/office/drawing/2014/main" id="{278C2B8F-0B29-449C-AFFD-42BB56FA1595}"/>
+                <a16:creationId xmlns:a16="http://schemas.microsoft.com/office/drawing/2014/main" xmlns="" id="{278C2B8F-0B29-449C-AFFD-42BB56FA1595}"/>
               </a:ext>
             </a:extLst>
           </p:cNvPr>
@@ -37503,7 +37503,7 @@
           <p:cNvPr id="15" name="Rectangle 14">
             <a:extLst>
               <a:ext uri="{FF2B5EF4-FFF2-40B4-BE49-F238E27FC236}">
-                <a16:creationId xmlns="" xmlns:a16="http://schemas.microsoft.com/office/drawing/2014/main" id="{E8E3FDB8-6D5C-48FE-99EA-7EC60F4D8191}"/>
+                <a16:creationId xmlns:a16="http://schemas.microsoft.com/office/drawing/2014/main" xmlns="" id="{E8E3FDB8-6D5C-48FE-99EA-7EC60F4D8191}"/>
               </a:ext>
             </a:extLst>
           </p:cNvPr>
@@ -37570,7 +37570,7 @@
           <p:cNvPr id="5" name="Date Placeholder 4">
             <a:extLst>
               <a:ext uri="{FF2B5EF4-FFF2-40B4-BE49-F238E27FC236}">
-                <a16:creationId xmlns="" xmlns:a16="http://schemas.microsoft.com/office/drawing/2014/main" id="{2D9775F3-A041-479A-8038-652B7D9C72E9}"/>
+                <a16:creationId xmlns:a16="http://schemas.microsoft.com/office/drawing/2014/main" xmlns="" id="{2D9775F3-A041-479A-8038-652B7D9C72E9}"/>
               </a:ext>
             </a:extLst>
           </p:cNvPr>
@@ -37598,7 +37598,7 @@
           <p:cNvPr id="6" name="Footer Placeholder 5">
             <a:extLst>
               <a:ext uri="{FF2B5EF4-FFF2-40B4-BE49-F238E27FC236}">
-                <a16:creationId xmlns="" xmlns:a16="http://schemas.microsoft.com/office/drawing/2014/main" id="{29BEDD04-BE4E-4B91-B13E-0C4FB3E1658F}"/>
+                <a16:creationId xmlns:a16="http://schemas.microsoft.com/office/drawing/2014/main" xmlns="" id="{29BEDD04-BE4E-4B91-B13E-0C4FB3E1658F}"/>
               </a:ext>
             </a:extLst>
           </p:cNvPr>
@@ -37626,7 +37626,7 @@
           <p:cNvPr id="7" name="Slide Number Placeholder 6">
             <a:extLst>
               <a:ext uri="{FF2B5EF4-FFF2-40B4-BE49-F238E27FC236}">
-                <a16:creationId xmlns="" xmlns:a16="http://schemas.microsoft.com/office/drawing/2014/main" id="{306DF5D8-12DC-494E-B0F1-2E9C86A14544}"/>
+                <a16:creationId xmlns:a16="http://schemas.microsoft.com/office/drawing/2014/main" xmlns="" id="{306DF5D8-12DC-494E-B0F1-2E9C86A14544}"/>
               </a:ext>
             </a:extLst>
           </p:cNvPr>
@@ -37655,7 +37655,7 @@
           <p:cNvPr id="8" name="Title 1">
             <a:extLst>
               <a:ext uri="{FF2B5EF4-FFF2-40B4-BE49-F238E27FC236}">
-                <a16:creationId xmlns="" xmlns:a16="http://schemas.microsoft.com/office/drawing/2014/main" id="{ABF87C9E-53A2-4DE1-89DC-3907BE2E3D3C}"/>
+                <a16:creationId xmlns:a16="http://schemas.microsoft.com/office/drawing/2014/main" xmlns="" id="{ABF87C9E-53A2-4DE1-89DC-3907BE2E3D3C}"/>
               </a:ext>
             </a:extLst>
           </p:cNvPr>
@@ -37694,7 +37694,7 @@
           <p:cNvPr id="9" name="Text Placeholder 2">
             <a:extLst>
               <a:ext uri="{FF2B5EF4-FFF2-40B4-BE49-F238E27FC236}">
-                <a16:creationId xmlns="" xmlns:a16="http://schemas.microsoft.com/office/drawing/2014/main" id="{EB453F8F-AA02-4E0D-93BF-8CF4F1490377}"/>
+                <a16:creationId xmlns:a16="http://schemas.microsoft.com/office/drawing/2014/main" xmlns="" id="{EB453F8F-AA02-4E0D-93BF-8CF4F1490377}"/>
               </a:ext>
             </a:extLst>
           </p:cNvPr>
@@ -37824,7 +37824,7 @@
           <p:cNvPr id="10" name="Picture Placeholder 10">
             <a:extLst>
               <a:ext uri="{FF2B5EF4-FFF2-40B4-BE49-F238E27FC236}">
-                <a16:creationId xmlns="" xmlns:a16="http://schemas.microsoft.com/office/drawing/2014/main" id="{A541F291-2E4B-474E-9ED0-55C97A2A066D}"/>
+                <a16:creationId xmlns:a16="http://schemas.microsoft.com/office/drawing/2014/main" xmlns="" id="{A541F291-2E4B-474E-9ED0-55C97A2A066D}"/>
               </a:ext>
             </a:extLst>
           </p:cNvPr>
@@ -37865,7 +37865,7 @@
           <p:cNvPr id="11" name="Group 10">
             <a:extLst>
               <a:ext uri="{FF2B5EF4-FFF2-40B4-BE49-F238E27FC236}">
-                <a16:creationId xmlns="" xmlns:a16="http://schemas.microsoft.com/office/drawing/2014/main" id="{59E4D57E-4989-4939-A31F-637543FAB606}"/>
+                <a16:creationId xmlns:a16="http://schemas.microsoft.com/office/drawing/2014/main" xmlns="" id="{59E4D57E-4989-4939-A31F-637543FAB606}"/>
               </a:ext>
             </a:extLst>
           </p:cNvPr>
@@ -37885,7 +37885,7 @@
             <p:cNvPr id="12" name="Straight Connector 11">
               <a:extLst>
                 <a:ext uri="{FF2B5EF4-FFF2-40B4-BE49-F238E27FC236}">
-                  <a16:creationId xmlns="" xmlns:a16="http://schemas.microsoft.com/office/drawing/2014/main" id="{370B72A7-B625-48B8-88E6-BCE2A4DD531E}"/>
+                  <a16:creationId xmlns:a16="http://schemas.microsoft.com/office/drawing/2014/main" xmlns="" id="{370B72A7-B625-48B8-88E6-BCE2A4DD531E}"/>
                 </a:ext>
               </a:extLst>
             </p:cNvPr>
@@ -37931,7 +37931,7 @@
             <p:cNvPr id="13" name="Oval 12">
               <a:extLst>
                 <a:ext uri="{FF2B5EF4-FFF2-40B4-BE49-F238E27FC236}">
-                  <a16:creationId xmlns="" xmlns:a16="http://schemas.microsoft.com/office/drawing/2014/main" id="{01ED729F-F8A5-4244-9776-4935C260F11F}"/>
+                  <a16:creationId xmlns:a16="http://schemas.microsoft.com/office/drawing/2014/main" xmlns="" id="{01ED729F-F8A5-4244-9776-4935C260F11F}"/>
                 </a:ext>
               </a:extLst>
             </p:cNvPr>
@@ -37992,7 +37992,7 @@
           <p:cNvPr id="14" name="Text Placeholder 2">
             <a:extLst>
               <a:ext uri="{FF2B5EF4-FFF2-40B4-BE49-F238E27FC236}">
-                <a16:creationId xmlns="" xmlns:a16="http://schemas.microsoft.com/office/drawing/2014/main" id="{BE12A846-0DFC-435B-BAE9-D90C353E0344}"/>
+                <a16:creationId xmlns:a16="http://schemas.microsoft.com/office/drawing/2014/main" xmlns="" id="{BE12A846-0DFC-435B-BAE9-D90C353E0344}"/>
               </a:ext>
             </a:extLst>
           </p:cNvPr>
@@ -38127,7 +38127,7 @@
           <p:cNvPr id="17" name="Straight Connector 16">
             <a:extLst>
               <a:ext uri="{FF2B5EF4-FFF2-40B4-BE49-F238E27FC236}">
-                <a16:creationId xmlns="" xmlns:a16="http://schemas.microsoft.com/office/drawing/2014/main" id="{6150998C-CF95-4C6F-8962-8EB2DB30177D}"/>
+                <a16:creationId xmlns:a16="http://schemas.microsoft.com/office/drawing/2014/main" xmlns="" id="{6150998C-CF95-4C6F-8962-8EB2DB30177D}"/>
               </a:ext>
             </a:extLst>
           </p:cNvPr>
@@ -38171,7 +38171,7 @@
           <p:cNvPr id="18" name="Oval 17">
             <a:extLst>
               <a:ext uri="{FF2B5EF4-FFF2-40B4-BE49-F238E27FC236}">
-                <a16:creationId xmlns="" xmlns:a16="http://schemas.microsoft.com/office/drawing/2014/main" id="{F86A2ACD-8CF5-48A3-A678-E213A809B332}"/>
+                <a16:creationId xmlns:a16="http://schemas.microsoft.com/office/drawing/2014/main" xmlns="" id="{F86A2ACD-8CF5-48A3-A678-E213A809B332}"/>
               </a:ext>
             </a:extLst>
           </p:cNvPr>
@@ -38226,7 +38226,7 @@
           <p:cNvPr id="19" name="Straight Connector 18">
             <a:extLst>
               <a:ext uri="{FF2B5EF4-FFF2-40B4-BE49-F238E27FC236}">
-                <a16:creationId xmlns="" xmlns:a16="http://schemas.microsoft.com/office/drawing/2014/main" id="{F00811BB-0E37-4D70-84A5-97B3FBEDCBE6}"/>
+                <a16:creationId xmlns:a16="http://schemas.microsoft.com/office/drawing/2014/main" xmlns="" id="{F00811BB-0E37-4D70-84A5-97B3FBEDCBE6}"/>
               </a:ext>
             </a:extLst>
           </p:cNvPr>
@@ -38272,7 +38272,7 @@
           <p:cNvPr id="20" name="Oval 19">
             <a:extLst>
               <a:ext uri="{FF2B5EF4-FFF2-40B4-BE49-F238E27FC236}">
-                <a16:creationId xmlns="" xmlns:a16="http://schemas.microsoft.com/office/drawing/2014/main" id="{D03B3046-0457-4D23-8E0C-64E3FCD620BB}"/>
+                <a16:creationId xmlns:a16="http://schemas.microsoft.com/office/drawing/2014/main" xmlns="" id="{D03B3046-0457-4D23-8E0C-64E3FCD620BB}"/>
               </a:ext>
             </a:extLst>
           </p:cNvPr>
@@ -38327,7 +38327,7 @@
           <p:cNvPr id="4" name="Picture Placeholder 3">
             <a:extLst>
               <a:ext uri="{FF2B5EF4-FFF2-40B4-BE49-F238E27FC236}">
-                <a16:creationId xmlns="" xmlns:a16="http://schemas.microsoft.com/office/drawing/2014/main" id="{1EDA47E0-9B2C-45BF-A34A-E7069690AEF4}"/>
+                <a16:creationId xmlns:a16="http://schemas.microsoft.com/office/drawing/2014/main" xmlns="" id="{1EDA47E0-9B2C-45BF-A34A-E7069690AEF4}"/>
               </a:ext>
             </a:extLst>
           </p:cNvPr>
@@ -38368,7 +38368,7 @@
           <p:cNvPr id="22" name="Text Placeholder 2">
             <a:extLst>
               <a:ext uri="{FF2B5EF4-FFF2-40B4-BE49-F238E27FC236}">
-                <a16:creationId xmlns="" xmlns:a16="http://schemas.microsoft.com/office/drawing/2014/main" id="{F2ACDD32-C1AB-4359-B055-2F910492987E}"/>
+                <a16:creationId xmlns:a16="http://schemas.microsoft.com/office/drawing/2014/main" xmlns="" id="{F2ACDD32-C1AB-4359-B055-2F910492987E}"/>
               </a:ext>
             </a:extLst>
           </p:cNvPr>
@@ -38501,7 +38501,7 @@
           <p:cNvPr id="23" name="Text Placeholder 2">
             <a:extLst>
               <a:ext uri="{FF2B5EF4-FFF2-40B4-BE49-F238E27FC236}">
-                <a16:creationId xmlns="" xmlns:a16="http://schemas.microsoft.com/office/drawing/2014/main" id="{C7A796C4-1255-4B26-B034-EFB1284B77EB}"/>
+                <a16:creationId xmlns:a16="http://schemas.microsoft.com/office/drawing/2014/main" xmlns="" id="{C7A796C4-1255-4B26-B034-EFB1284B77EB}"/>
               </a:ext>
             </a:extLst>
           </p:cNvPr>
@@ -38636,7 +38636,7 @@
           <p:cNvPr id="24" name="Picture Placeholder 3">
             <a:extLst>
               <a:ext uri="{FF2B5EF4-FFF2-40B4-BE49-F238E27FC236}">
-                <a16:creationId xmlns="" xmlns:a16="http://schemas.microsoft.com/office/drawing/2014/main" id="{7F406E84-6EA1-4D34-8016-6A41F065FF76}"/>
+                <a16:creationId xmlns:a16="http://schemas.microsoft.com/office/drawing/2014/main" xmlns="" id="{7F406E84-6EA1-4D34-8016-6A41F065FF76}"/>
               </a:ext>
             </a:extLst>
           </p:cNvPr>
@@ -38677,7 +38677,7 @@
           <p:cNvPr id="25" name="Text Placeholder 2">
             <a:extLst>
               <a:ext uri="{FF2B5EF4-FFF2-40B4-BE49-F238E27FC236}">
-                <a16:creationId xmlns="" xmlns:a16="http://schemas.microsoft.com/office/drawing/2014/main" id="{7965133B-076D-4FAD-8D2A-C24FE2619C80}"/>
+                <a16:creationId xmlns:a16="http://schemas.microsoft.com/office/drawing/2014/main" xmlns="" id="{7965133B-076D-4FAD-8D2A-C24FE2619C80}"/>
               </a:ext>
             </a:extLst>
           </p:cNvPr>
@@ -38810,7 +38810,7 @@
           <p:cNvPr id="26" name="Text Placeholder 2">
             <a:extLst>
               <a:ext uri="{FF2B5EF4-FFF2-40B4-BE49-F238E27FC236}">
-                <a16:creationId xmlns="" xmlns:a16="http://schemas.microsoft.com/office/drawing/2014/main" id="{CABE6307-1A20-419D-A352-17FF0286600B}"/>
+                <a16:creationId xmlns:a16="http://schemas.microsoft.com/office/drawing/2014/main" xmlns="" id="{CABE6307-1A20-419D-A352-17FF0286600B}"/>
               </a:ext>
             </a:extLst>
           </p:cNvPr>
@@ -38945,7 +38945,7 @@
           <p:cNvPr id="27" name="Picture Placeholder 3">
             <a:extLst>
               <a:ext uri="{FF2B5EF4-FFF2-40B4-BE49-F238E27FC236}">
-                <a16:creationId xmlns="" xmlns:a16="http://schemas.microsoft.com/office/drawing/2014/main" id="{D2C5C227-18EE-4D6A-AA31-30B8F7CD20AE}"/>
+                <a16:creationId xmlns:a16="http://schemas.microsoft.com/office/drawing/2014/main" xmlns="" id="{D2C5C227-18EE-4D6A-AA31-30B8F7CD20AE}"/>
               </a:ext>
             </a:extLst>
           </p:cNvPr>
@@ -38986,7 +38986,7 @@
           <p:cNvPr id="28" name="Text Placeholder 2">
             <a:extLst>
               <a:ext uri="{FF2B5EF4-FFF2-40B4-BE49-F238E27FC236}">
-                <a16:creationId xmlns="" xmlns:a16="http://schemas.microsoft.com/office/drawing/2014/main" id="{6ABEA821-83E0-4C10-98A8-5F29E246F741}"/>
+                <a16:creationId xmlns:a16="http://schemas.microsoft.com/office/drawing/2014/main" xmlns="" id="{6ABEA821-83E0-4C10-98A8-5F29E246F741}"/>
               </a:ext>
             </a:extLst>
           </p:cNvPr>
@@ -39119,7 +39119,7 @@
           <p:cNvPr id="29" name="Text Placeholder 2">
             <a:extLst>
               <a:ext uri="{FF2B5EF4-FFF2-40B4-BE49-F238E27FC236}">
-                <a16:creationId xmlns="" xmlns:a16="http://schemas.microsoft.com/office/drawing/2014/main" id="{CA1DC741-B44F-4275-A1D5-B8D26A3390B3}"/>
+                <a16:creationId xmlns:a16="http://schemas.microsoft.com/office/drawing/2014/main" xmlns="" id="{CA1DC741-B44F-4275-A1D5-B8D26A3390B3}"/>
               </a:ext>
             </a:extLst>
           </p:cNvPr>
@@ -39254,7 +39254,7 @@
           <p:cNvPr id="30" name="Picture Placeholder 3">
             <a:extLst>
               <a:ext uri="{FF2B5EF4-FFF2-40B4-BE49-F238E27FC236}">
-                <a16:creationId xmlns="" xmlns:a16="http://schemas.microsoft.com/office/drawing/2014/main" id="{C550F6C4-BE33-415F-B0BC-B47EDC1BDACB}"/>
+                <a16:creationId xmlns:a16="http://schemas.microsoft.com/office/drawing/2014/main" xmlns="" id="{C550F6C4-BE33-415F-B0BC-B47EDC1BDACB}"/>
               </a:ext>
             </a:extLst>
           </p:cNvPr>
@@ -39295,7 +39295,7 @@
           <p:cNvPr id="31" name="Text Placeholder 2">
             <a:extLst>
               <a:ext uri="{FF2B5EF4-FFF2-40B4-BE49-F238E27FC236}">
-                <a16:creationId xmlns="" xmlns:a16="http://schemas.microsoft.com/office/drawing/2014/main" id="{4C0830D2-D692-4161-8ECB-338703C94351}"/>
+                <a16:creationId xmlns:a16="http://schemas.microsoft.com/office/drawing/2014/main" xmlns="" id="{4C0830D2-D692-4161-8ECB-338703C94351}"/>
               </a:ext>
             </a:extLst>
           </p:cNvPr>
@@ -39458,7 +39458,7 @@
           <p:cNvPr id="7" name="Rectangle 6">
             <a:extLst>
               <a:ext uri="{FF2B5EF4-FFF2-40B4-BE49-F238E27FC236}">
-                <a16:creationId xmlns="" xmlns:a16="http://schemas.microsoft.com/office/drawing/2014/main" id="{09F1B35C-893A-4033-ADC0-2192AFA29271}"/>
+                <a16:creationId xmlns:a16="http://schemas.microsoft.com/office/drawing/2014/main" xmlns="" id="{09F1B35C-893A-4033-ADC0-2192AFA29271}"/>
               </a:ext>
             </a:extLst>
           </p:cNvPr>
@@ -39525,7 +39525,7 @@
           <p:cNvPr id="2" name="Title 1">
             <a:extLst>
               <a:ext uri="{FF2B5EF4-FFF2-40B4-BE49-F238E27FC236}">
-                <a16:creationId xmlns="" xmlns:a16="http://schemas.microsoft.com/office/drawing/2014/main" id="{CD637DF8-B064-4F36-89F8-EBF538A2E7F2}"/>
+                <a16:creationId xmlns:a16="http://schemas.microsoft.com/office/drawing/2014/main" xmlns="" id="{CD637DF8-B064-4F36-89F8-EBF538A2E7F2}"/>
               </a:ext>
             </a:extLst>
           </p:cNvPr>
@@ -39564,7 +39564,7 @@
           <p:cNvPr id="3" name="Text Placeholder 2">
             <a:extLst>
               <a:ext uri="{FF2B5EF4-FFF2-40B4-BE49-F238E27FC236}">
-                <a16:creationId xmlns="" xmlns:a16="http://schemas.microsoft.com/office/drawing/2014/main" id="{8A72532A-5006-46B7-AE99-3A6891CD0254}"/>
+                <a16:creationId xmlns:a16="http://schemas.microsoft.com/office/drawing/2014/main" xmlns="" id="{8A72532A-5006-46B7-AE99-3A6891CD0254}"/>
               </a:ext>
             </a:extLst>
           </p:cNvPr>
@@ -39694,7 +39694,7 @@
           <p:cNvPr id="4" name="Date Placeholder 3">
             <a:extLst>
               <a:ext uri="{FF2B5EF4-FFF2-40B4-BE49-F238E27FC236}">
-                <a16:creationId xmlns="" xmlns:a16="http://schemas.microsoft.com/office/drawing/2014/main" id="{49EFC6D7-3241-401C-A16A-4A7CC2653954}"/>
+                <a16:creationId xmlns:a16="http://schemas.microsoft.com/office/drawing/2014/main" xmlns="" id="{49EFC6D7-3241-401C-A16A-4A7CC2653954}"/>
               </a:ext>
             </a:extLst>
           </p:cNvPr>
@@ -39722,7 +39722,7 @@
           <p:cNvPr id="5" name="Footer Placeholder 4">
             <a:extLst>
               <a:ext uri="{FF2B5EF4-FFF2-40B4-BE49-F238E27FC236}">
-                <a16:creationId xmlns="" xmlns:a16="http://schemas.microsoft.com/office/drawing/2014/main" id="{F345D6DC-ABA5-4D00-9CD3-92FFDD1FA2DC}"/>
+                <a16:creationId xmlns:a16="http://schemas.microsoft.com/office/drawing/2014/main" xmlns="" id="{F345D6DC-ABA5-4D00-9CD3-92FFDD1FA2DC}"/>
               </a:ext>
             </a:extLst>
           </p:cNvPr>
@@ -39750,7 +39750,7 @@
           <p:cNvPr id="6" name="Slide Number Placeholder 5">
             <a:extLst>
               <a:ext uri="{FF2B5EF4-FFF2-40B4-BE49-F238E27FC236}">
-                <a16:creationId xmlns="" xmlns:a16="http://schemas.microsoft.com/office/drawing/2014/main" id="{92459C86-0106-40E0-AA18-795EC5787677}"/>
+                <a16:creationId xmlns:a16="http://schemas.microsoft.com/office/drawing/2014/main" xmlns="" id="{92459C86-0106-40E0-AA18-795EC5787677}"/>
               </a:ext>
             </a:extLst>
           </p:cNvPr>
@@ -39779,7 +39779,7 @@
           <p:cNvPr id="8" name="Rectangle 7">
             <a:extLst>
               <a:ext uri="{FF2B5EF4-FFF2-40B4-BE49-F238E27FC236}">
-                <a16:creationId xmlns="" xmlns:a16="http://schemas.microsoft.com/office/drawing/2014/main" id="{4ACF4ED1-C6C8-4C5C-8C14-4FF197588C03}"/>
+                <a16:creationId xmlns:a16="http://schemas.microsoft.com/office/drawing/2014/main" xmlns="" id="{4ACF4ED1-C6C8-4C5C-8C14-4FF197588C03}"/>
               </a:ext>
             </a:extLst>
           </p:cNvPr>
@@ -39798,7 +39798,7 @@
             <a:blip r:embed="rId2">
               <a:extLst>
                 <a:ext uri="{96DAC541-7B7A-43D3-8B79-37D633B846F1}">
-                  <asvg:svgBlip xmlns="" xmlns:asvg="http://schemas.microsoft.com/office/drawing/2016/SVG/main" r:embed="rId3"/>
+                  <asvg:svgBlip xmlns:asvg="http://schemas.microsoft.com/office/drawing/2016/SVG/main" xmlns="" r:embed="rId3"/>
                 </a:ext>
               </a:extLst>
             </a:blip>
@@ -39846,7 +39846,7 @@
           <p:cNvPr id="11" name="Picture Placeholder 10">
             <a:extLst>
               <a:ext uri="{FF2B5EF4-FFF2-40B4-BE49-F238E27FC236}">
-                <a16:creationId xmlns="" xmlns:a16="http://schemas.microsoft.com/office/drawing/2014/main" id="{6D14F7B3-A6CF-491C-9855-75B5784CC456}"/>
+                <a16:creationId xmlns:a16="http://schemas.microsoft.com/office/drawing/2014/main" xmlns="" id="{6D14F7B3-A6CF-491C-9855-75B5784CC456}"/>
               </a:ext>
             </a:extLst>
           </p:cNvPr>
@@ -39887,7 +39887,7 @@
           <p:cNvPr id="15" name="Group 14">
             <a:extLst>
               <a:ext uri="{FF2B5EF4-FFF2-40B4-BE49-F238E27FC236}">
-                <a16:creationId xmlns="" xmlns:a16="http://schemas.microsoft.com/office/drawing/2014/main" id="{B7317392-EF87-4050-8BBE-32F74B0CF15A}"/>
+                <a16:creationId xmlns:a16="http://schemas.microsoft.com/office/drawing/2014/main" xmlns="" id="{B7317392-EF87-4050-8BBE-32F74B0CF15A}"/>
               </a:ext>
             </a:extLst>
           </p:cNvPr>
@@ -39907,7 +39907,7 @@
             <p:cNvPr id="13" name="Straight Connector 12">
               <a:extLst>
                 <a:ext uri="{FF2B5EF4-FFF2-40B4-BE49-F238E27FC236}">
-                  <a16:creationId xmlns="" xmlns:a16="http://schemas.microsoft.com/office/drawing/2014/main" id="{785A4134-866D-4143-AC1E-8A2FFDB49855}"/>
+                  <a16:creationId xmlns:a16="http://schemas.microsoft.com/office/drawing/2014/main" xmlns="" id="{785A4134-866D-4143-AC1E-8A2FFDB49855}"/>
                 </a:ext>
               </a:extLst>
             </p:cNvPr>
@@ -39951,7 +39951,7 @@
             <p:cNvPr id="14" name="Oval 13">
               <a:extLst>
                 <a:ext uri="{FF2B5EF4-FFF2-40B4-BE49-F238E27FC236}">
-                  <a16:creationId xmlns="" xmlns:a16="http://schemas.microsoft.com/office/drawing/2014/main" id="{1BBC5D9C-B8FB-455B-9398-36DB21F2765E}"/>
+                  <a16:creationId xmlns:a16="http://schemas.microsoft.com/office/drawing/2014/main" xmlns="" id="{1BBC5D9C-B8FB-455B-9398-36DB21F2765E}"/>
                 </a:ext>
               </a:extLst>
             </p:cNvPr>
@@ -40012,7 +40012,7 @@
           <p:cNvPr id="16" name="Text Placeholder 2">
             <a:extLst>
               <a:ext uri="{FF2B5EF4-FFF2-40B4-BE49-F238E27FC236}">
-                <a16:creationId xmlns="" xmlns:a16="http://schemas.microsoft.com/office/drawing/2014/main" id="{BB522941-5C7D-4701-9AD7-BB4C11C6EBCE}"/>
+                <a16:creationId xmlns:a16="http://schemas.microsoft.com/office/drawing/2014/main" xmlns="" id="{BB522941-5C7D-4701-9AD7-BB4C11C6EBCE}"/>
               </a:ext>
             </a:extLst>
           </p:cNvPr>
@@ -40147,7 +40147,7 @@
           <p:cNvPr id="17" name="Oval 16">
             <a:extLst>
               <a:ext uri="{FF2B5EF4-FFF2-40B4-BE49-F238E27FC236}">
-                <a16:creationId xmlns="" xmlns:a16="http://schemas.microsoft.com/office/drawing/2014/main" id="{72225750-E4CE-4A81-A0C3-4023030D637E}"/>
+                <a16:creationId xmlns:a16="http://schemas.microsoft.com/office/drawing/2014/main" xmlns="" id="{72225750-E4CE-4A81-A0C3-4023030D637E}"/>
               </a:ext>
             </a:extLst>
           </p:cNvPr>
@@ -40202,7 +40202,7 @@
           <p:cNvPr id="18" name="Straight Connector 17">
             <a:extLst>
               <a:ext uri="{FF2B5EF4-FFF2-40B4-BE49-F238E27FC236}">
-                <a16:creationId xmlns="" xmlns:a16="http://schemas.microsoft.com/office/drawing/2014/main" id="{3819C324-07DF-49DB-A08C-0E6155CE3041}"/>
+                <a16:creationId xmlns:a16="http://schemas.microsoft.com/office/drawing/2014/main" xmlns="" id="{3819C324-07DF-49DB-A08C-0E6155CE3041}"/>
               </a:ext>
             </a:extLst>
           </p:cNvPr>
@@ -40246,7 +40246,7 @@
           <p:cNvPr id="19" name="Oval 18">
             <a:extLst>
               <a:ext uri="{FF2B5EF4-FFF2-40B4-BE49-F238E27FC236}">
-                <a16:creationId xmlns="" xmlns:a16="http://schemas.microsoft.com/office/drawing/2014/main" id="{75A34025-44F2-4A09-8629-F1794E9D35AF}"/>
+                <a16:creationId xmlns:a16="http://schemas.microsoft.com/office/drawing/2014/main" xmlns="" id="{75A34025-44F2-4A09-8629-F1794E9D35AF}"/>
               </a:ext>
             </a:extLst>
           </p:cNvPr>
@@ -40301,7 +40301,7 @@
           <p:cNvPr id="20" name="Straight Connector 19">
             <a:extLst>
               <a:ext uri="{FF2B5EF4-FFF2-40B4-BE49-F238E27FC236}">
-                <a16:creationId xmlns="" xmlns:a16="http://schemas.microsoft.com/office/drawing/2014/main" id="{815854A2-EAE9-4B2A-84CF-5A4BD753863A}"/>
+                <a16:creationId xmlns:a16="http://schemas.microsoft.com/office/drawing/2014/main" xmlns="" id="{815854A2-EAE9-4B2A-84CF-5A4BD753863A}"/>
               </a:ext>
             </a:extLst>
           </p:cNvPr>
@@ -40347,7 +40347,7 @@
           <p:cNvPr id="10" name="Picture Placeholder 9">
             <a:extLst>
               <a:ext uri="{FF2B5EF4-FFF2-40B4-BE49-F238E27FC236}">
-                <a16:creationId xmlns="" xmlns:a16="http://schemas.microsoft.com/office/drawing/2014/main" id="{6B8B3AB3-C02D-418C-A9E2-AA65DE78350D}"/>
+                <a16:creationId xmlns:a16="http://schemas.microsoft.com/office/drawing/2014/main" xmlns="" id="{6B8B3AB3-C02D-418C-A9E2-AA65DE78350D}"/>
               </a:ext>
             </a:extLst>
           </p:cNvPr>
@@ -40423,7 +40423,7 @@
           <p:cNvPr id="22" name="Picture Placeholder 7">
             <a:extLst>
               <a:ext uri="{FF2B5EF4-FFF2-40B4-BE49-F238E27FC236}">
-                <a16:creationId xmlns="" xmlns:a16="http://schemas.microsoft.com/office/drawing/2014/main" id="{093DA11F-BC94-447C-B660-9C906BED01B1}"/>
+                <a16:creationId xmlns:a16="http://schemas.microsoft.com/office/drawing/2014/main" xmlns="" id="{093DA11F-BC94-447C-B660-9C906BED01B1}"/>
               </a:ext>
             </a:extLst>
           </p:cNvPr>
@@ -40464,7 +40464,7 @@
           <p:cNvPr id="7" name="Rectangle 6">
             <a:extLst>
               <a:ext uri="{FF2B5EF4-FFF2-40B4-BE49-F238E27FC236}">
-                <a16:creationId xmlns="" xmlns:a16="http://schemas.microsoft.com/office/drawing/2014/main" id="{09F1B35C-893A-4033-ADC0-2192AFA29271}"/>
+                <a16:creationId xmlns:a16="http://schemas.microsoft.com/office/drawing/2014/main" xmlns="" id="{09F1B35C-893A-4033-ADC0-2192AFA29271}"/>
               </a:ext>
             </a:extLst>
           </p:cNvPr>
@@ -40531,7 +40531,7 @@
           <p:cNvPr id="2" name="Title 1">
             <a:extLst>
               <a:ext uri="{FF2B5EF4-FFF2-40B4-BE49-F238E27FC236}">
-                <a16:creationId xmlns="" xmlns:a16="http://schemas.microsoft.com/office/drawing/2014/main" id="{CD637DF8-B064-4F36-89F8-EBF538A2E7F2}"/>
+                <a16:creationId xmlns:a16="http://schemas.microsoft.com/office/drawing/2014/main" xmlns="" id="{CD637DF8-B064-4F36-89F8-EBF538A2E7F2}"/>
               </a:ext>
             </a:extLst>
           </p:cNvPr>
@@ -40570,7 +40570,7 @@
           <p:cNvPr id="3" name="Text Placeholder 2">
             <a:extLst>
               <a:ext uri="{FF2B5EF4-FFF2-40B4-BE49-F238E27FC236}">
-                <a16:creationId xmlns="" xmlns:a16="http://schemas.microsoft.com/office/drawing/2014/main" id="{8A72532A-5006-46B7-AE99-3A6891CD0254}"/>
+                <a16:creationId xmlns:a16="http://schemas.microsoft.com/office/drawing/2014/main" xmlns="" id="{8A72532A-5006-46B7-AE99-3A6891CD0254}"/>
               </a:ext>
             </a:extLst>
           </p:cNvPr>
@@ -40700,7 +40700,7 @@
           <p:cNvPr id="4" name="Date Placeholder 3">
             <a:extLst>
               <a:ext uri="{FF2B5EF4-FFF2-40B4-BE49-F238E27FC236}">
-                <a16:creationId xmlns="" xmlns:a16="http://schemas.microsoft.com/office/drawing/2014/main" id="{49EFC6D7-3241-401C-A16A-4A7CC2653954}"/>
+                <a16:creationId xmlns:a16="http://schemas.microsoft.com/office/drawing/2014/main" xmlns="" id="{49EFC6D7-3241-401C-A16A-4A7CC2653954}"/>
               </a:ext>
             </a:extLst>
           </p:cNvPr>
@@ -40728,7 +40728,7 @@
           <p:cNvPr id="5" name="Footer Placeholder 4">
             <a:extLst>
               <a:ext uri="{FF2B5EF4-FFF2-40B4-BE49-F238E27FC236}">
-                <a16:creationId xmlns="" xmlns:a16="http://schemas.microsoft.com/office/drawing/2014/main" id="{F345D6DC-ABA5-4D00-9CD3-92FFDD1FA2DC}"/>
+                <a16:creationId xmlns:a16="http://schemas.microsoft.com/office/drawing/2014/main" xmlns="" id="{F345D6DC-ABA5-4D00-9CD3-92FFDD1FA2DC}"/>
               </a:ext>
             </a:extLst>
           </p:cNvPr>
@@ -40756,7 +40756,7 @@
           <p:cNvPr id="6" name="Slide Number Placeholder 5">
             <a:extLst>
               <a:ext uri="{FF2B5EF4-FFF2-40B4-BE49-F238E27FC236}">
-                <a16:creationId xmlns="" xmlns:a16="http://schemas.microsoft.com/office/drawing/2014/main" id="{92459C86-0106-40E0-AA18-795EC5787677}"/>
+                <a16:creationId xmlns:a16="http://schemas.microsoft.com/office/drawing/2014/main" xmlns="" id="{92459C86-0106-40E0-AA18-795EC5787677}"/>
               </a:ext>
             </a:extLst>
           </p:cNvPr>
@@ -40785,7 +40785,7 @@
           <p:cNvPr id="11" name="Picture Placeholder 10">
             <a:extLst>
               <a:ext uri="{FF2B5EF4-FFF2-40B4-BE49-F238E27FC236}">
-                <a16:creationId xmlns="" xmlns:a16="http://schemas.microsoft.com/office/drawing/2014/main" id="{6D14F7B3-A6CF-491C-9855-75B5784CC456}"/>
+                <a16:creationId xmlns:a16="http://schemas.microsoft.com/office/drawing/2014/main" xmlns="" id="{6D14F7B3-A6CF-491C-9855-75B5784CC456}"/>
               </a:ext>
             </a:extLst>
           </p:cNvPr>
@@ -40826,7 +40826,7 @@
           <p:cNvPr id="17" name="Oval 16">
             <a:extLst>
               <a:ext uri="{FF2B5EF4-FFF2-40B4-BE49-F238E27FC236}">
-                <a16:creationId xmlns="" xmlns:a16="http://schemas.microsoft.com/office/drawing/2014/main" id="{72225750-E4CE-4A81-A0C3-4023030D637E}"/>
+                <a16:creationId xmlns:a16="http://schemas.microsoft.com/office/drawing/2014/main" xmlns="" id="{72225750-E4CE-4A81-A0C3-4023030D637E}"/>
               </a:ext>
             </a:extLst>
           </p:cNvPr>
@@ -40881,7 +40881,7 @@
           <p:cNvPr id="18" name="Straight Connector 17">
             <a:extLst>
               <a:ext uri="{FF2B5EF4-FFF2-40B4-BE49-F238E27FC236}">
-                <a16:creationId xmlns="" xmlns:a16="http://schemas.microsoft.com/office/drawing/2014/main" id="{3819C324-07DF-49DB-A08C-0E6155CE3041}"/>
+                <a16:creationId xmlns:a16="http://schemas.microsoft.com/office/drawing/2014/main" xmlns="" id="{3819C324-07DF-49DB-A08C-0E6155CE3041}"/>
               </a:ext>
             </a:extLst>
           </p:cNvPr>
@@ -40925,7 +40925,7 @@
           <p:cNvPr id="19" name="Oval 18">
             <a:extLst>
               <a:ext uri="{FF2B5EF4-FFF2-40B4-BE49-F238E27FC236}">
-                <a16:creationId xmlns="" xmlns:a16="http://schemas.microsoft.com/office/drawing/2014/main" id="{75A34025-44F2-4A09-8629-F1794E9D35AF}"/>
+                <a16:creationId xmlns:a16="http://schemas.microsoft.com/office/drawing/2014/main" xmlns="" id="{75A34025-44F2-4A09-8629-F1794E9D35AF}"/>
               </a:ext>
             </a:extLst>
           </p:cNvPr>
@@ -40980,7 +40980,7 @@
           <p:cNvPr id="20" name="Straight Connector 19">
             <a:extLst>
               <a:ext uri="{FF2B5EF4-FFF2-40B4-BE49-F238E27FC236}">
-                <a16:creationId xmlns="" xmlns:a16="http://schemas.microsoft.com/office/drawing/2014/main" id="{815854A2-EAE9-4B2A-84CF-5A4BD753863A}"/>
+                <a16:creationId xmlns:a16="http://schemas.microsoft.com/office/drawing/2014/main" xmlns="" id="{815854A2-EAE9-4B2A-84CF-5A4BD753863A}"/>
               </a:ext>
             </a:extLst>
           </p:cNvPr>
@@ -41026,7 +41026,7 @@
           <p:cNvPr id="9" name="Group 8">
             <a:extLst>
               <a:ext uri="{FF2B5EF4-FFF2-40B4-BE49-F238E27FC236}">
-                <a16:creationId xmlns="" xmlns:a16="http://schemas.microsoft.com/office/drawing/2014/main" id="{78842051-6173-4CC2-8C4A-8AE31FE7BA54}"/>
+                <a16:creationId xmlns:a16="http://schemas.microsoft.com/office/drawing/2014/main" xmlns="" id="{78842051-6173-4CC2-8C4A-8AE31FE7BA54}"/>
               </a:ext>
             </a:extLst>
           </p:cNvPr>
@@ -41046,7 +41046,7 @@
             <p:cNvPr id="15" name="Group 14">
               <a:extLst>
                 <a:ext uri="{FF2B5EF4-FFF2-40B4-BE49-F238E27FC236}">
-                  <a16:creationId xmlns="" xmlns:a16="http://schemas.microsoft.com/office/drawing/2014/main" id="{B7317392-EF87-4050-8BBE-32F74B0CF15A}"/>
+                  <a16:creationId xmlns:a16="http://schemas.microsoft.com/office/drawing/2014/main" xmlns="" id="{B7317392-EF87-4050-8BBE-32F74B0CF15A}"/>
                 </a:ext>
               </a:extLst>
             </p:cNvPr>
@@ -41066,7 +41066,7 @@
               <p:cNvPr id="13" name="Straight Connector 12">
                 <a:extLst>
                   <a:ext uri="{FF2B5EF4-FFF2-40B4-BE49-F238E27FC236}">
-                    <a16:creationId xmlns="" xmlns:a16="http://schemas.microsoft.com/office/drawing/2014/main" id="{785A4134-866D-4143-AC1E-8A2FFDB49855}"/>
+                    <a16:creationId xmlns:a16="http://schemas.microsoft.com/office/drawing/2014/main" xmlns="" id="{785A4134-866D-4143-AC1E-8A2FFDB49855}"/>
                   </a:ext>
                 </a:extLst>
               </p:cNvPr>
@@ -41110,7 +41110,7 @@
               <p:cNvPr id="14" name="Oval 13">
                 <a:extLst>
                   <a:ext uri="{FF2B5EF4-FFF2-40B4-BE49-F238E27FC236}">
-                    <a16:creationId xmlns="" xmlns:a16="http://schemas.microsoft.com/office/drawing/2014/main" id="{1BBC5D9C-B8FB-455B-9398-36DB21F2765E}"/>
+                    <a16:creationId xmlns:a16="http://schemas.microsoft.com/office/drawing/2014/main" xmlns="" id="{1BBC5D9C-B8FB-455B-9398-36DB21F2765E}"/>
                   </a:ext>
                 </a:extLst>
               </p:cNvPr>
@@ -41171,7 +41171,7 @@
             <p:cNvPr id="21" name="Oval 20">
               <a:extLst>
                 <a:ext uri="{FF2B5EF4-FFF2-40B4-BE49-F238E27FC236}">
-                  <a16:creationId xmlns="" xmlns:a16="http://schemas.microsoft.com/office/drawing/2014/main" id="{5D1C3636-C306-4492-8D46-194288459CAF}"/>
+                  <a16:creationId xmlns:a16="http://schemas.microsoft.com/office/drawing/2014/main" xmlns="" id="{5D1C3636-C306-4492-8D46-194288459CAF}"/>
                 </a:ext>
               </a:extLst>
             </p:cNvPr>
@@ -41262,7 +41262,7 @@
           <p:cNvPr id="15" name="Rectangle 14">
             <a:extLst>
               <a:ext uri="{FF2B5EF4-FFF2-40B4-BE49-F238E27FC236}">
-                <a16:creationId xmlns="" xmlns:a16="http://schemas.microsoft.com/office/drawing/2014/main" id="{E8E3FDB8-6D5C-48FE-99EA-7EC60F4D8191}"/>
+                <a16:creationId xmlns:a16="http://schemas.microsoft.com/office/drawing/2014/main" xmlns="" id="{E8E3FDB8-6D5C-48FE-99EA-7EC60F4D8191}"/>
               </a:ext>
             </a:extLst>
           </p:cNvPr>
@@ -41329,7 +41329,7 @@
           <p:cNvPr id="5" name="Date Placeholder 4">
             <a:extLst>
               <a:ext uri="{FF2B5EF4-FFF2-40B4-BE49-F238E27FC236}">
-                <a16:creationId xmlns="" xmlns:a16="http://schemas.microsoft.com/office/drawing/2014/main" id="{2D9775F3-A041-479A-8038-652B7D9C72E9}"/>
+                <a16:creationId xmlns:a16="http://schemas.microsoft.com/office/drawing/2014/main" xmlns="" id="{2D9775F3-A041-479A-8038-652B7D9C72E9}"/>
               </a:ext>
             </a:extLst>
           </p:cNvPr>
@@ -41357,7 +41357,7 @@
           <p:cNvPr id="6" name="Footer Placeholder 5">
             <a:extLst>
               <a:ext uri="{FF2B5EF4-FFF2-40B4-BE49-F238E27FC236}">
-                <a16:creationId xmlns="" xmlns:a16="http://schemas.microsoft.com/office/drawing/2014/main" id="{29BEDD04-BE4E-4B91-B13E-0C4FB3E1658F}"/>
+                <a16:creationId xmlns:a16="http://schemas.microsoft.com/office/drawing/2014/main" xmlns="" id="{29BEDD04-BE4E-4B91-B13E-0C4FB3E1658F}"/>
               </a:ext>
             </a:extLst>
           </p:cNvPr>
@@ -41385,7 +41385,7 @@
           <p:cNvPr id="7" name="Slide Number Placeholder 6">
             <a:extLst>
               <a:ext uri="{FF2B5EF4-FFF2-40B4-BE49-F238E27FC236}">
-                <a16:creationId xmlns="" xmlns:a16="http://schemas.microsoft.com/office/drawing/2014/main" id="{306DF5D8-12DC-494E-B0F1-2E9C86A14544}"/>
+                <a16:creationId xmlns:a16="http://schemas.microsoft.com/office/drawing/2014/main" xmlns="" id="{306DF5D8-12DC-494E-B0F1-2E9C86A14544}"/>
               </a:ext>
             </a:extLst>
           </p:cNvPr>
@@ -41414,7 +41414,7 @@
           <p:cNvPr id="8" name="Title 1">
             <a:extLst>
               <a:ext uri="{FF2B5EF4-FFF2-40B4-BE49-F238E27FC236}">
-                <a16:creationId xmlns="" xmlns:a16="http://schemas.microsoft.com/office/drawing/2014/main" id="{ABF87C9E-53A2-4DE1-89DC-3907BE2E3D3C}"/>
+                <a16:creationId xmlns:a16="http://schemas.microsoft.com/office/drawing/2014/main" xmlns="" id="{ABF87C9E-53A2-4DE1-89DC-3907BE2E3D3C}"/>
               </a:ext>
             </a:extLst>
           </p:cNvPr>
@@ -41454,7 +41454,7 @@
           <p:cNvPr id="9" name="Text Placeholder 2">
             <a:extLst>
               <a:ext uri="{FF2B5EF4-FFF2-40B4-BE49-F238E27FC236}">
-                <a16:creationId xmlns="" xmlns:a16="http://schemas.microsoft.com/office/drawing/2014/main" id="{EB453F8F-AA02-4E0D-93BF-8CF4F1490377}"/>
+                <a16:creationId xmlns:a16="http://schemas.microsoft.com/office/drawing/2014/main" xmlns="" id="{EB453F8F-AA02-4E0D-93BF-8CF4F1490377}"/>
               </a:ext>
             </a:extLst>
           </p:cNvPr>
@@ -41584,7 +41584,7 @@
           <p:cNvPr id="10" name="Picture Placeholder 10">
             <a:extLst>
               <a:ext uri="{FF2B5EF4-FFF2-40B4-BE49-F238E27FC236}">
-                <a16:creationId xmlns="" xmlns:a16="http://schemas.microsoft.com/office/drawing/2014/main" id="{A541F291-2E4B-474E-9ED0-55C97A2A066D}"/>
+                <a16:creationId xmlns:a16="http://schemas.microsoft.com/office/drawing/2014/main" xmlns="" id="{A541F291-2E4B-474E-9ED0-55C97A2A066D}"/>
               </a:ext>
             </a:extLst>
           </p:cNvPr>
@@ -41625,7 +41625,7 @@
           <p:cNvPr id="11" name="Group 10">
             <a:extLst>
               <a:ext uri="{FF2B5EF4-FFF2-40B4-BE49-F238E27FC236}">
-                <a16:creationId xmlns="" xmlns:a16="http://schemas.microsoft.com/office/drawing/2014/main" id="{59E4D57E-4989-4939-A31F-637543FAB606}"/>
+                <a16:creationId xmlns:a16="http://schemas.microsoft.com/office/drawing/2014/main" xmlns="" id="{59E4D57E-4989-4939-A31F-637543FAB606}"/>
               </a:ext>
             </a:extLst>
           </p:cNvPr>
@@ -41645,7 +41645,7 @@
             <p:cNvPr id="12" name="Straight Connector 11">
               <a:extLst>
                 <a:ext uri="{FF2B5EF4-FFF2-40B4-BE49-F238E27FC236}">
-                  <a16:creationId xmlns="" xmlns:a16="http://schemas.microsoft.com/office/drawing/2014/main" id="{370B72A7-B625-48B8-88E6-BCE2A4DD531E}"/>
+                  <a16:creationId xmlns:a16="http://schemas.microsoft.com/office/drawing/2014/main" xmlns="" id="{370B72A7-B625-48B8-88E6-BCE2A4DD531E}"/>
                 </a:ext>
               </a:extLst>
             </p:cNvPr>
@@ -41691,7 +41691,7 @@
             <p:cNvPr id="13" name="Oval 12">
               <a:extLst>
                 <a:ext uri="{FF2B5EF4-FFF2-40B4-BE49-F238E27FC236}">
-                  <a16:creationId xmlns="" xmlns:a16="http://schemas.microsoft.com/office/drawing/2014/main" id="{01ED729F-F8A5-4244-9776-4935C260F11F}"/>
+                  <a16:creationId xmlns:a16="http://schemas.microsoft.com/office/drawing/2014/main" xmlns="" id="{01ED729F-F8A5-4244-9776-4935C260F11F}"/>
                 </a:ext>
               </a:extLst>
             </p:cNvPr>
@@ -41752,7 +41752,7 @@
           <p:cNvPr id="14" name="Text Placeholder 2">
             <a:extLst>
               <a:ext uri="{FF2B5EF4-FFF2-40B4-BE49-F238E27FC236}">
-                <a16:creationId xmlns="" xmlns:a16="http://schemas.microsoft.com/office/drawing/2014/main" id="{BE12A846-0DFC-435B-BAE9-D90C353E0344}"/>
+                <a16:creationId xmlns:a16="http://schemas.microsoft.com/office/drawing/2014/main" xmlns="" id="{BE12A846-0DFC-435B-BAE9-D90C353E0344}"/>
               </a:ext>
             </a:extLst>
           </p:cNvPr>
@@ -41887,7 +41887,7 @@
           <p:cNvPr id="17" name="Straight Connector 16">
             <a:extLst>
               <a:ext uri="{FF2B5EF4-FFF2-40B4-BE49-F238E27FC236}">
-                <a16:creationId xmlns="" xmlns:a16="http://schemas.microsoft.com/office/drawing/2014/main" id="{6150998C-CF95-4C6F-8962-8EB2DB30177D}"/>
+                <a16:creationId xmlns:a16="http://schemas.microsoft.com/office/drawing/2014/main" xmlns="" id="{6150998C-CF95-4C6F-8962-8EB2DB30177D}"/>
               </a:ext>
             </a:extLst>
           </p:cNvPr>
@@ -41931,7 +41931,7 @@
           <p:cNvPr id="18" name="Oval 17">
             <a:extLst>
               <a:ext uri="{FF2B5EF4-FFF2-40B4-BE49-F238E27FC236}">
-                <a16:creationId xmlns="" xmlns:a16="http://schemas.microsoft.com/office/drawing/2014/main" id="{F86A2ACD-8CF5-48A3-A678-E213A809B332}"/>
+                <a16:creationId xmlns:a16="http://schemas.microsoft.com/office/drawing/2014/main" xmlns="" id="{F86A2ACD-8CF5-48A3-A678-E213A809B332}"/>
               </a:ext>
             </a:extLst>
           </p:cNvPr>
@@ -41986,7 +41986,7 @@
           <p:cNvPr id="19" name="Straight Connector 18">
             <a:extLst>
               <a:ext uri="{FF2B5EF4-FFF2-40B4-BE49-F238E27FC236}">
-                <a16:creationId xmlns="" xmlns:a16="http://schemas.microsoft.com/office/drawing/2014/main" id="{F00811BB-0E37-4D70-84A5-97B3FBEDCBE6}"/>
+                <a16:creationId xmlns:a16="http://schemas.microsoft.com/office/drawing/2014/main" xmlns="" id="{F00811BB-0E37-4D70-84A5-97B3FBEDCBE6}"/>
               </a:ext>
             </a:extLst>
           </p:cNvPr>
@@ -42032,7 +42032,7 @@
           <p:cNvPr id="20" name="Oval 19">
             <a:extLst>
               <a:ext uri="{FF2B5EF4-FFF2-40B4-BE49-F238E27FC236}">
-                <a16:creationId xmlns="" xmlns:a16="http://schemas.microsoft.com/office/drawing/2014/main" id="{D03B3046-0457-4D23-8E0C-64E3FCD620BB}"/>
+                <a16:creationId xmlns:a16="http://schemas.microsoft.com/office/drawing/2014/main" xmlns="" id="{D03B3046-0457-4D23-8E0C-64E3FCD620BB}"/>
               </a:ext>
             </a:extLst>
           </p:cNvPr>
@@ -42087,7 +42087,7 @@
           <p:cNvPr id="22" name="Text Placeholder 2">
             <a:extLst>
               <a:ext uri="{FF2B5EF4-FFF2-40B4-BE49-F238E27FC236}">
-                <a16:creationId xmlns="" xmlns:a16="http://schemas.microsoft.com/office/drawing/2014/main" id="{F2ACDD32-C1AB-4359-B055-2F910492987E}"/>
+                <a16:creationId xmlns:a16="http://schemas.microsoft.com/office/drawing/2014/main" xmlns="" id="{F2ACDD32-C1AB-4359-B055-2F910492987E}"/>
               </a:ext>
             </a:extLst>
           </p:cNvPr>
@@ -42220,7 +42220,7 @@
           <p:cNvPr id="16" name="Text Placeholder 15">
             <a:extLst>
               <a:ext uri="{FF2B5EF4-FFF2-40B4-BE49-F238E27FC236}">
-                <a16:creationId xmlns="" xmlns:a16="http://schemas.microsoft.com/office/drawing/2014/main" id="{D0092E26-7A96-4712-98A7-FFDA7C3D7721}"/>
+                <a16:creationId xmlns:a16="http://schemas.microsoft.com/office/drawing/2014/main" xmlns="" id="{D0092E26-7A96-4712-98A7-FFDA7C3D7721}"/>
               </a:ext>
             </a:extLst>
           </p:cNvPr>
@@ -42277,7 +42277,7 @@
           <p:cNvPr id="34" name="Text Placeholder 2">
             <a:extLst>
               <a:ext uri="{FF2B5EF4-FFF2-40B4-BE49-F238E27FC236}">
-                <a16:creationId xmlns="" xmlns:a16="http://schemas.microsoft.com/office/drawing/2014/main" id="{B17B484C-F876-40B2-89DE-FC7A9E54C835}"/>
+                <a16:creationId xmlns:a16="http://schemas.microsoft.com/office/drawing/2014/main" xmlns="" id="{B17B484C-F876-40B2-89DE-FC7A9E54C835}"/>
               </a:ext>
             </a:extLst>
           </p:cNvPr>
@@ -42412,7 +42412,7 @@
           <p:cNvPr id="35" name="Text Placeholder 15">
             <a:extLst>
               <a:ext uri="{FF2B5EF4-FFF2-40B4-BE49-F238E27FC236}">
-                <a16:creationId xmlns="" xmlns:a16="http://schemas.microsoft.com/office/drawing/2014/main" id="{7A54608E-523B-47AC-B8A6-3E8FE9A15847}"/>
+                <a16:creationId xmlns:a16="http://schemas.microsoft.com/office/drawing/2014/main" xmlns="" id="{7A54608E-523B-47AC-B8A6-3E8FE9A15847}"/>
               </a:ext>
             </a:extLst>
           </p:cNvPr>
@@ -42469,7 +42469,7 @@
           <p:cNvPr id="36" name="Text Placeholder 2">
             <a:extLst>
               <a:ext uri="{FF2B5EF4-FFF2-40B4-BE49-F238E27FC236}">
-                <a16:creationId xmlns="" xmlns:a16="http://schemas.microsoft.com/office/drawing/2014/main" id="{99E02476-A734-4A74-BC42-F104B37C8C19}"/>
+                <a16:creationId xmlns:a16="http://schemas.microsoft.com/office/drawing/2014/main" xmlns="" id="{99E02476-A734-4A74-BC42-F104B37C8C19}"/>
               </a:ext>
             </a:extLst>
           </p:cNvPr>
@@ -42602,7 +42602,7 @@
           <p:cNvPr id="37" name="Text Placeholder 2">
             <a:extLst>
               <a:ext uri="{FF2B5EF4-FFF2-40B4-BE49-F238E27FC236}">
-                <a16:creationId xmlns="" xmlns:a16="http://schemas.microsoft.com/office/drawing/2014/main" id="{E0D32F26-CEE2-4420-A43D-B008AE2D1DDC}"/>
+                <a16:creationId xmlns:a16="http://schemas.microsoft.com/office/drawing/2014/main" xmlns="" id="{E0D32F26-CEE2-4420-A43D-B008AE2D1DDC}"/>
               </a:ext>
             </a:extLst>
           </p:cNvPr>
@@ -42737,7 +42737,7 @@
           <p:cNvPr id="38" name="Text Placeholder 15">
             <a:extLst>
               <a:ext uri="{FF2B5EF4-FFF2-40B4-BE49-F238E27FC236}">
-                <a16:creationId xmlns="" xmlns:a16="http://schemas.microsoft.com/office/drawing/2014/main" id="{DBC2890A-FFF7-4606-A262-6D464BA5D997}"/>
+                <a16:creationId xmlns:a16="http://schemas.microsoft.com/office/drawing/2014/main" xmlns="" id="{DBC2890A-FFF7-4606-A262-6D464BA5D997}"/>
               </a:ext>
             </a:extLst>
           </p:cNvPr>
@@ -42794,7 +42794,7 @@
           <p:cNvPr id="39" name="Text Placeholder 2">
             <a:extLst>
               <a:ext uri="{FF2B5EF4-FFF2-40B4-BE49-F238E27FC236}">
-                <a16:creationId xmlns="" xmlns:a16="http://schemas.microsoft.com/office/drawing/2014/main" id="{268E1254-8C59-4B9B-A775-45CA3D655514}"/>
+                <a16:creationId xmlns:a16="http://schemas.microsoft.com/office/drawing/2014/main" xmlns="" id="{268E1254-8C59-4B9B-A775-45CA3D655514}"/>
               </a:ext>
             </a:extLst>
           </p:cNvPr>
@@ -42927,7 +42927,7 @@
           <p:cNvPr id="21" name="Straight Connector 20">
             <a:extLst>
               <a:ext uri="{FF2B5EF4-FFF2-40B4-BE49-F238E27FC236}">
-                <a16:creationId xmlns="" xmlns:a16="http://schemas.microsoft.com/office/drawing/2014/main" id="{8E47DC43-D8A0-4F17-B897-D8B07A6F1B47}"/>
+                <a16:creationId xmlns:a16="http://schemas.microsoft.com/office/drawing/2014/main" xmlns="" id="{8E47DC43-D8A0-4F17-B897-D8B07A6F1B47}"/>
               </a:ext>
             </a:extLst>
           </p:cNvPr>
@@ -42968,7 +42968,7 @@
           <p:cNvPr id="29" name="Straight Connector 28">
             <a:extLst>
               <a:ext uri="{FF2B5EF4-FFF2-40B4-BE49-F238E27FC236}">
-                <a16:creationId xmlns="" xmlns:a16="http://schemas.microsoft.com/office/drawing/2014/main" id="{D201F265-08ED-497A-BE5C-62220829348F}"/>
+                <a16:creationId xmlns:a16="http://schemas.microsoft.com/office/drawing/2014/main" xmlns="" id="{D201F265-08ED-497A-BE5C-62220829348F}"/>
               </a:ext>
             </a:extLst>
           </p:cNvPr>
@@ -43044,7 +43044,7 @@
           <p:cNvPr id="2" name="Title Placeholder 1">
             <a:extLst>
               <a:ext uri="{FF2B5EF4-FFF2-40B4-BE49-F238E27FC236}">
-                <a16:creationId xmlns="" xmlns:a16="http://schemas.microsoft.com/office/drawing/2014/main" id="{6967058B-89E0-4460-AB21-21747CB3A118}"/>
+                <a16:creationId xmlns:a16="http://schemas.microsoft.com/office/drawing/2014/main" xmlns="" id="{6967058B-89E0-4460-AB21-21747CB3A118}"/>
               </a:ext>
             </a:extLst>
           </p:cNvPr>
@@ -43083,7 +43083,7 @@
           <p:cNvPr id="3" name="Text Placeholder 2">
             <a:extLst>
               <a:ext uri="{FF2B5EF4-FFF2-40B4-BE49-F238E27FC236}">
-                <a16:creationId xmlns="" xmlns:a16="http://schemas.microsoft.com/office/drawing/2014/main" id="{7201C5EB-04D6-4050-930C-5F6907528D7A}"/>
+                <a16:creationId xmlns:a16="http://schemas.microsoft.com/office/drawing/2014/main" xmlns="" id="{7201C5EB-04D6-4050-930C-5F6907528D7A}"/>
               </a:ext>
             </a:extLst>
           </p:cNvPr>
@@ -43151,7 +43151,7 @@
           <p:cNvPr id="4" name="Date Placeholder 3">
             <a:extLst>
               <a:ext uri="{FF2B5EF4-FFF2-40B4-BE49-F238E27FC236}">
-                <a16:creationId xmlns="" xmlns:a16="http://schemas.microsoft.com/office/drawing/2014/main" id="{A732220F-109C-4A57-81E9-C6279EDA1374}"/>
+                <a16:creationId xmlns:a16="http://schemas.microsoft.com/office/drawing/2014/main" xmlns="" id="{A732220F-109C-4A57-81E9-C6279EDA1374}"/>
               </a:ext>
             </a:extLst>
           </p:cNvPr>
@@ -43198,7 +43198,7 @@
           <p:cNvPr id="5" name="Footer Placeholder 4">
             <a:extLst>
               <a:ext uri="{FF2B5EF4-FFF2-40B4-BE49-F238E27FC236}">
-                <a16:creationId xmlns="" xmlns:a16="http://schemas.microsoft.com/office/drawing/2014/main" id="{0A25404F-F26F-42E5-BA15-C0373FC1CF2B}"/>
+                <a16:creationId xmlns:a16="http://schemas.microsoft.com/office/drawing/2014/main" xmlns="" id="{0A25404F-F26F-42E5-BA15-C0373FC1CF2B}"/>
               </a:ext>
             </a:extLst>
           </p:cNvPr>
@@ -43245,7 +43245,7 @@
           <p:cNvPr id="6" name="Slide Number Placeholder 5">
             <a:extLst>
               <a:ext uri="{FF2B5EF4-FFF2-40B4-BE49-F238E27FC236}">
-                <a16:creationId xmlns="" xmlns:a16="http://schemas.microsoft.com/office/drawing/2014/main" id="{41725174-FA04-488F-9F0C-3CD1D1483FA9}"/>
+                <a16:creationId xmlns:a16="http://schemas.microsoft.com/office/drawing/2014/main" xmlns="" id="{41725174-FA04-488F-9F0C-3CD1D1483FA9}"/>
               </a:ext>
             </a:extLst>
           </p:cNvPr>
@@ -43291,7 +43291,7 @@
           <p:cNvPr id="7" name="Oval 6">
             <a:extLst>
               <a:ext uri="{FF2B5EF4-FFF2-40B4-BE49-F238E27FC236}">
-                <a16:creationId xmlns="" xmlns:a16="http://schemas.microsoft.com/office/drawing/2014/main" id="{7FEF1588-F385-48F3-800A-554A9423E77A}"/>
+                <a16:creationId xmlns:a16="http://schemas.microsoft.com/office/drawing/2014/main" xmlns="" id="{7FEF1588-F385-48F3-800A-554A9423E77A}"/>
               </a:ext>
             </a:extLst>
           </p:cNvPr>
@@ -43346,7 +43346,7 @@
           <p:cNvPr id="10" name="Straight Connector 9">
             <a:extLst>
               <a:ext uri="{FF2B5EF4-FFF2-40B4-BE49-F238E27FC236}">
-                <a16:creationId xmlns="" xmlns:a16="http://schemas.microsoft.com/office/drawing/2014/main" id="{440B0943-F568-4674-8FA4-B435B1E466AF}"/>
+                <a16:creationId xmlns:a16="http://schemas.microsoft.com/office/drawing/2014/main" xmlns="" id="{440B0943-F568-4674-8FA4-B435B1E466AF}"/>
               </a:ext>
             </a:extLst>
           </p:cNvPr>
@@ -43390,7 +43390,7 @@
           <p:cNvPr id="11" name="Oval 10">
             <a:extLst>
               <a:ext uri="{FF2B5EF4-FFF2-40B4-BE49-F238E27FC236}">
-                <a16:creationId xmlns="" xmlns:a16="http://schemas.microsoft.com/office/drawing/2014/main" id="{62DE7FD5-7941-43A1-8663-42AE40546A4F}"/>
+                <a16:creationId xmlns:a16="http://schemas.microsoft.com/office/drawing/2014/main" xmlns="" id="{62DE7FD5-7941-43A1-8663-42AE40546A4F}"/>
               </a:ext>
             </a:extLst>
           </p:cNvPr>
@@ -43445,7 +43445,7 @@
           <p:cNvPr id="13" name="Straight Connector 12">
             <a:extLst>
               <a:ext uri="{FF2B5EF4-FFF2-40B4-BE49-F238E27FC236}">
-                <a16:creationId xmlns="" xmlns:a16="http://schemas.microsoft.com/office/drawing/2014/main" id="{97791EE5-EF06-4BF8-84C6-EC24114E73F5}"/>
+                <a16:creationId xmlns:a16="http://schemas.microsoft.com/office/drawing/2014/main" xmlns="" id="{97791EE5-EF06-4BF8-84C6-EC24114E73F5}"/>
               </a:ext>
             </a:extLst>
           </p:cNvPr>
@@ -43885,7 +43885,7 @@
           <p:cNvPr id="5" name="Picture Placeholder 11">
             <a:extLst>
               <a:ext uri="{FF2B5EF4-FFF2-40B4-BE49-F238E27FC236}">
-                <a16:creationId xmlns="" xmlns:a16="http://schemas.microsoft.com/office/drawing/2014/main" id="{403E5740-1FF0-42AF-A459-70BE0BD24FDC}"/>
+                <a16:creationId xmlns:a16="http://schemas.microsoft.com/office/drawing/2014/main" xmlns="" id="{403E5740-1FF0-42AF-A459-70BE0BD24FDC}"/>
               </a:ext>
             </a:extLst>
           </p:cNvPr>
@@ -43996,7 +43996,7 @@
           <p:cNvPr id="6" name="Picture Placeholder 5">
             <a:extLst>
               <a:ext uri="{FF2B5EF4-FFF2-40B4-BE49-F238E27FC236}">
-                <a16:creationId xmlns="" xmlns:a16="http://schemas.microsoft.com/office/drawing/2014/main" id="{FF3996E1-6F7D-4351-A6C4-113726DEE44E}"/>
+                <a16:creationId xmlns:a16="http://schemas.microsoft.com/office/drawing/2014/main" xmlns="" id="{FF3996E1-6F7D-4351-A6C4-113726DEE44E}"/>
               </a:ext>
             </a:extLst>
           </p:cNvPr>
@@ -44032,7 +44032,7 @@
           <p:cNvPr id="7" name="Title 1">
             <a:extLst>
               <a:ext uri="{FF2B5EF4-FFF2-40B4-BE49-F238E27FC236}">
-                <a16:creationId xmlns="" xmlns:a16="http://schemas.microsoft.com/office/drawing/2014/main" id="{EA4B7241-C2B7-4F61-A69C-236E16A5F62F}"/>
+                <a16:creationId xmlns:a16="http://schemas.microsoft.com/office/drawing/2014/main" xmlns="" id="{EA4B7241-C2B7-4F61-A69C-236E16A5F62F}"/>
               </a:ext>
             </a:extLst>
           </p:cNvPr>
@@ -44085,7 +44085,7 @@
           <p:cNvPr id="8" name="Subtitle 2">
             <a:extLst>
               <a:ext uri="{FF2B5EF4-FFF2-40B4-BE49-F238E27FC236}">
-                <a16:creationId xmlns="" xmlns:a16="http://schemas.microsoft.com/office/drawing/2014/main" id="{FDFD3B61-D7B5-4C7A-80FB-02A3436F88E1}"/>
+                <a16:creationId xmlns:a16="http://schemas.microsoft.com/office/drawing/2014/main" xmlns="" id="{FDFD3B61-D7B5-4C7A-80FB-02A3436F88E1}"/>
               </a:ext>
             </a:extLst>
           </p:cNvPr>
@@ -44362,7 +44362,7 @@
           <p:cNvPr id="11" name="Picture Placeholder 10">
             <a:extLst>
               <a:ext uri="{FF2B5EF4-FFF2-40B4-BE49-F238E27FC236}">
-                <a16:creationId xmlns="" xmlns:a16="http://schemas.microsoft.com/office/drawing/2014/main" id="{271FB403-5130-4E57-8F57-B75FF9566019}"/>
+                <a16:creationId xmlns:a16="http://schemas.microsoft.com/office/drawing/2014/main" xmlns="" id="{271FB403-5130-4E57-8F57-B75FF9566019}"/>
               </a:ext>
             </a:extLst>
           </p:cNvPr>
@@ -44397,7 +44397,7 @@
           <p:cNvPr id="2" name="Title 1">
             <a:extLst>
               <a:ext uri="{FF2B5EF4-FFF2-40B4-BE49-F238E27FC236}">
-                <a16:creationId xmlns="" xmlns:a16="http://schemas.microsoft.com/office/drawing/2014/main" id="{B3E11F97-1677-43C0-8ED0-4CB92A533315}"/>
+                <a16:creationId xmlns:a16="http://schemas.microsoft.com/office/drawing/2014/main" xmlns="" id="{B3E11F97-1677-43C0-8ED0-4CB92A533315}"/>
               </a:ext>
             </a:extLst>
           </p:cNvPr>
@@ -44426,7 +44426,7 @@
           <p:cNvPr id="6" name="Slide Number Placeholder 5">
             <a:extLst>
               <a:ext uri="{FF2B5EF4-FFF2-40B4-BE49-F238E27FC236}">
-                <a16:creationId xmlns="" xmlns:a16="http://schemas.microsoft.com/office/drawing/2014/main" id="{7CF693C1-BDA6-43BD-BFD6-4BAE7901B070}"/>
+                <a16:creationId xmlns:a16="http://schemas.microsoft.com/office/drawing/2014/main" xmlns="" id="{7CF693C1-BDA6-43BD-BFD6-4BAE7901B070}"/>
               </a:ext>
             </a:extLst>
           </p:cNvPr>
@@ -44455,7 +44455,7 @@
           <p:cNvPr id="5" name="Footer Placeholder 4">
             <a:extLst>
               <a:ext uri="{FF2B5EF4-FFF2-40B4-BE49-F238E27FC236}">
-                <a16:creationId xmlns="" xmlns:a16="http://schemas.microsoft.com/office/drawing/2014/main" id="{9FAA6E94-F4BD-48C1-B0FD-D2D7F6F6D2A8}"/>
+                <a16:creationId xmlns:a16="http://schemas.microsoft.com/office/drawing/2014/main" xmlns="" id="{9FAA6E94-F4BD-48C1-B0FD-D2D7F6F6D2A8}"/>
               </a:ext>
             </a:extLst>
           </p:cNvPr>
@@ -44484,7 +44484,7 @@
           <p:cNvPr id="4" name="Date Placeholder 3">
             <a:extLst>
               <a:ext uri="{FF2B5EF4-FFF2-40B4-BE49-F238E27FC236}">
-                <a16:creationId xmlns="" xmlns:a16="http://schemas.microsoft.com/office/drawing/2014/main" id="{A5FD2C9D-BA15-406F-8A48-BDACE07BE101}"/>
+                <a16:creationId xmlns:a16="http://schemas.microsoft.com/office/drawing/2014/main" xmlns="" id="{A5FD2C9D-BA15-406F-8A48-BDACE07BE101}"/>
               </a:ext>
             </a:extLst>
           </p:cNvPr>
@@ -44631,7 +44631,7 @@
           <p:cNvPr id="11" name="Picture Placeholder 10">
             <a:extLst>
               <a:ext uri="{FF2B5EF4-FFF2-40B4-BE49-F238E27FC236}">
-                <a16:creationId xmlns="" xmlns:a16="http://schemas.microsoft.com/office/drawing/2014/main" id="{271FB403-5130-4E57-8F57-B75FF9566019}"/>
+                <a16:creationId xmlns:a16="http://schemas.microsoft.com/office/drawing/2014/main" xmlns="" id="{271FB403-5130-4E57-8F57-B75FF9566019}"/>
               </a:ext>
             </a:extLst>
           </p:cNvPr>
@@ -44666,7 +44666,7 @@
           <p:cNvPr id="2" name="Title 1">
             <a:extLst>
               <a:ext uri="{FF2B5EF4-FFF2-40B4-BE49-F238E27FC236}">
-                <a16:creationId xmlns="" xmlns:a16="http://schemas.microsoft.com/office/drawing/2014/main" id="{B3E11F97-1677-43C0-8ED0-4CB92A533315}"/>
+                <a16:creationId xmlns:a16="http://schemas.microsoft.com/office/drawing/2014/main" xmlns="" id="{B3E11F97-1677-43C0-8ED0-4CB92A533315}"/>
               </a:ext>
             </a:extLst>
           </p:cNvPr>
@@ -44695,7 +44695,7 @@
           <p:cNvPr id="6" name="Slide Number Placeholder 5">
             <a:extLst>
               <a:ext uri="{FF2B5EF4-FFF2-40B4-BE49-F238E27FC236}">
-                <a16:creationId xmlns="" xmlns:a16="http://schemas.microsoft.com/office/drawing/2014/main" id="{7CF693C1-BDA6-43BD-BFD6-4BAE7901B070}"/>
+                <a16:creationId xmlns:a16="http://schemas.microsoft.com/office/drawing/2014/main" xmlns="" id="{7CF693C1-BDA6-43BD-BFD6-4BAE7901B070}"/>
               </a:ext>
             </a:extLst>
           </p:cNvPr>
@@ -44724,7 +44724,7 @@
           <p:cNvPr id="5" name="Footer Placeholder 4">
             <a:extLst>
               <a:ext uri="{FF2B5EF4-FFF2-40B4-BE49-F238E27FC236}">
-                <a16:creationId xmlns="" xmlns:a16="http://schemas.microsoft.com/office/drawing/2014/main" id="{9FAA6E94-F4BD-48C1-B0FD-D2D7F6F6D2A8}"/>
+                <a16:creationId xmlns:a16="http://schemas.microsoft.com/office/drawing/2014/main" xmlns="" id="{9FAA6E94-F4BD-48C1-B0FD-D2D7F6F6D2A8}"/>
               </a:ext>
             </a:extLst>
           </p:cNvPr>
@@ -44753,7 +44753,7 @@
           <p:cNvPr id="4" name="Date Placeholder 3">
             <a:extLst>
               <a:ext uri="{FF2B5EF4-FFF2-40B4-BE49-F238E27FC236}">
-                <a16:creationId xmlns="" xmlns:a16="http://schemas.microsoft.com/office/drawing/2014/main" id="{A5FD2C9D-BA15-406F-8A48-BDACE07BE101}"/>
+                <a16:creationId xmlns:a16="http://schemas.microsoft.com/office/drawing/2014/main" xmlns="" id="{A5FD2C9D-BA15-406F-8A48-BDACE07BE101}"/>
               </a:ext>
             </a:extLst>
           </p:cNvPr>
@@ -44900,7 +44900,7 @@
           <p:cNvPr id="11" name="Picture Placeholder 10">
             <a:extLst>
               <a:ext uri="{FF2B5EF4-FFF2-40B4-BE49-F238E27FC236}">
-                <a16:creationId xmlns="" xmlns:a16="http://schemas.microsoft.com/office/drawing/2014/main" id="{271FB403-5130-4E57-8F57-B75FF9566019}"/>
+                <a16:creationId xmlns:a16="http://schemas.microsoft.com/office/drawing/2014/main" xmlns="" id="{271FB403-5130-4E57-8F57-B75FF9566019}"/>
               </a:ext>
             </a:extLst>
           </p:cNvPr>
@@ -44935,7 +44935,7 @@
           <p:cNvPr id="2" name="Title 1">
             <a:extLst>
               <a:ext uri="{FF2B5EF4-FFF2-40B4-BE49-F238E27FC236}">
-                <a16:creationId xmlns="" xmlns:a16="http://schemas.microsoft.com/office/drawing/2014/main" id="{B3E11F97-1677-43C0-8ED0-4CB92A533315}"/>
+                <a16:creationId xmlns:a16="http://schemas.microsoft.com/office/drawing/2014/main" xmlns="" id="{B3E11F97-1677-43C0-8ED0-4CB92A533315}"/>
               </a:ext>
             </a:extLst>
           </p:cNvPr>
@@ -44964,7 +44964,7 @@
           <p:cNvPr id="6" name="Slide Number Placeholder 5">
             <a:extLst>
               <a:ext uri="{FF2B5EF4-FFF2-40B4-BE49-F238E27FC236}">
-                <a16:creationId xmlns="" xmlns:a16="http://schemas.microsoft.com/office/drawing/2014/main" id="{7CF693C1-BDA6-43BD-BFD6-4BAE7901B070}"/>
+                <a16:creationId xmlns:a16="http://schemas.microsoft.com/office/drawing/2014/main" xmlns="" id="{7CF693C1-BDA6-43BD-BFD6-4BAE7901B070}"/>
               </a:ext>
             </a:extLst>
           </p:cNvPr>
@@ -44993,7 +44993,7 @@
           <p:cNvPr id="5" name="Footer Placeholder 4">
             <a:extLst>
               <a:ext uri="{FF2B5EF4-FFF2-40B4-BE49-F238E27FC236}">
-                <a16:creationId xmlns="" xmlns:a16="http://schemas.microsoft.com/office/drawing/2014/main" id="{9FAA6E94-F4BD-48C1-B0FD-D2D7F6F6D2A8}"/>
+                <a16:creationId xmlns:a16="http://schemas.microsoft.com/office/drawing/2014/main" xmlns="" id="{9FAA6E94-F4BD-48C1-B0FD-D2D7F6F6D2A8}"/>
               </a:ext>
             </a:extLst>
           </p:cNvPr>
@@ -45022,7 +45022,7 @@
           <p:cNvPr id="4" name="Date Placeholder 3">
             <a:extLst>
               <a:ext uri="{FF2B5EF4-FFF2-40B4-BE49-F238E27FC236}">
-                <a16:creationId xmlns="" xmlns:a16="http://schemas.microsoft.com/office/drawing/2014/main" id="{A5FD2C9D-BA15-406F-8A48-BDACE07BE101}"/>
+                <a16:creationId xmlns:a16="http://schemas.microsoft.com/office/drawing/2014/main" xmlns="" id="{A5FD2C9D-BA15-406F-8A48-BDACE07BE101}"/>
               </a:ext>
             </a:extLst>
           </p:cNvPr>
@@ -45169,7 +45169,7 @@
           <p:cNvPr id="11" name="Picture Placeholder 10">
             <a:extLst>
               <a:ext uri="{FF2B5EF4-FFF2-40B4-BE49-F238E27FC236}">
-                <a16:creationId xmlns="" xmlns:a16="http://schemas.microsoft.com/office/drawing/2014/main" id="{271FB403-5130-4E57-8F57-B75FF9566019}"/>
+                <a16:creationId xmlns:a16="http://schemas.microsoft.com/office/drawing/2014/main" xmlns="" id="{271FB403-5130-4E57-8F57-B75FF9566019}"/>
               </a:ext>
             </a:extLst>
           </p:cNvPr>
@@ -45204,7 +45204,7 @@
           <p:cNvPr id="2" name="Title 1">
             <a:extLst>
               <a:ext uri="{FF2B5EF4-FFF2-40B4-BE49-F238E27FC236}">
-                <a16:creationId xmlns="" xmlns:a16="http://schemas.microsoft.com/office/drawing/2014/main" id="{B3E11F97-1677-43C0-8ED0-4CB92A533315}"/>
+                <a16:creationId xmlns:a16="http://schemas.microsoft.com/office/drawing/2014/main" xmlns="" id="{B3E11F97-1677-43C0-8ED0-4CB92A533315}"/>
               </a:ext>
             </a:extLst>
           </p:cNvPr>
@@ -45233,7 +45233,7 @@
           <p:cNvPr id="6" name="Slide Number Placeholder 5">
             <a:extLst>
               <a:ext uri="{FF2B5EF4-FFF2-40B4-BE49-F238E27FC236}">
-                <a16:creationId xmlns="" xmlns:a16="http://schemas.microsoft.com/office/drawing/2014/main" id="{7CF693C1-BDA6-43BD-BFD6-4BAE7901B070}"/>
+                <a16:creationId xmlns:a16="http://schemas.microsoft.com/office/drawing/2014/main" xmlns="" id="{7CF693C1-BDA6-43BD-BFD6-4BAE7901B070}"/>
               </a:ext>
             </a:extLst>
           </p:cNvPr>
@@ -45262,7 +45262,7 @@
           <p:cNvPr id="5" name="Footer Placeholder 4">
             <a:extLst>
               <a:ext uri="{FF2B5EF4-FFF2-40B4-BE49-F238E27FC236}">
-                <a16:creationId xmlns="" xmlns:a16="http://schemas.microsoft.com/office/drawing/2014/main" id="{9FAA6E94-F4BD-48C1-B0FD-D2D7F6F6D2A8}"/>
+                <a16:creationId xmlns:a16="http://schemas.microsoft.com/office/drawing/2014/main" xmlns="" id="{9FAA6E94-F4BD-48C1-B0FD-D2D7F6F6D2A8}"/>
               </a:ext>
             </a:extLst>
           </p:cNvPr>
@@ -45291,7 +45291,7 @@
           <p:cNvPr id="4" name="Date Placeholder 3">
             <a:extLst>
               <a:ext uri="{FF2B5EF4-FFF2-40B4-BE49-F238E27FC236}">
-                <a16:creationId xmlns="" xmlns:a16="http://schemas.microsoft.com/office/drawing/2014/main" id="{A5FD2C9D-BA15-406F-8A48-BDACE07BE101}"/>
+                <a16:creationId xmlns:a16="http://schemas.microsoft.com/office/drawing/2014/main" xmlns="" id="{A5FD2C9D-BA15-406F-8A48-BDACE07BE101}"/>
               </a:ext>
             </a:extLst>
           </p:cNvPr>
@@ -45570,7 +45570,7 @@
           <p:cNvPr id="8" name="Picture Placeholder 10">
             <a:extLst>
               <a:ext uri="{FF2B5EF4-FFF2-40B4-BE49-F238E27FC236}">
-                <a16:creationId xmlns="" xmlns:a16="http://schemas.microsoft.com/office/drawing/2014/main" id="{271FB403-5130-4E57-8F57-B75FF9566019}"/>
+                <a16:creationId xmlns:a16="http://schemas.microsoft.com/office/drawing/2014/main" xmlns="" id="{271FB403-5130-4E57-8F57-B75FF9566019}"/>
               </a:ext>
             </a:extLst>
           </p:cNvPr>
@@ -45806,7 +45806,7 @@
           <p:cNvPr id="7" name="Picture Placeholder 10">
             <a:extLst>
               <a:ext uri="{FF2B5EF4-FFF2-40B4-BE49-F238E27FC236}">
-                <a16:creationId xmlns="" xmlns:a16="http://schemas.microsoft.com/office/drawing/2014/main" id="{271FB403-5130-4E57-8F57-B75FF9566019}"/>
+                <a16:creationId xmlns:a16="http://schemas.microsoft.com/office/drawing/2014/main" xmlns="" id="{271FB403-5130-4E57-8F57-B75FF9566019}"/>
               </a:ext>
             </a:extLst>
           </p:cNvPr>
@@ -46006,7 +46006,7 @@
           <p:cNvPr id="8" name="Picture Placeholder 10">
             <a:extLst>
               <a:ext uri="{FF2B5EF4-FFF2-40B4-BE49-F238E27FC236}">
-                <a16:creationId xmlns="" xmlns:a16="http://schemas.microsoft.com/office/drawing/2014/main" id="{271FB403-5130-4E57-8F57-B75FF9566019}"/>
+                <a16:creationId xmlns:a16="http://schemas.microsoft.com/office/drawing/2014/main" xmlns="" id="{271FB403-5130-4E57-8F57-B75FF9566019}"/>
               </a:ext>
             </a:extLst>
           </p:cNvPr>
@@ -46204,7 +46204,7 @@
           <p:cNvPr id="7" name="Picture Placeholder 10">
             <a:extLst>
               <a:ext uri="{FF2B5EF4-FFF2-40B4-BE49-F238E27FC236}">
-                <a16:creationId xmlns="" xmlns:a16="http://schemas.microsoft.com/office/drawing/2014/main" id="{271FB403-5130-4E57-8F57-B75FF9566019}"/>
+                <a16:creationId xmlns:a16="http://schemas.microsoft.com/office/drawing/2014/main" xmlns="" id="{271FB403-5130-4E57-8F57-B75FF9566019}"/>
               </a:ext>
             </a:extLst>
           </p:cNvPr>
@@ -46404,7 +46404,7 @@
           <p:cNvPr id="7" name="Picture Placeholder 10">
             <a:extLst>
               <a:ext uri="{FF2B5EF4-FFF2-40B4-BE49-F238E27FC236}">
-                <a16:creationId xmlns="" xmlns:a16="http://schemas.microsoft.com/office/drawing/2014/main" id="{271FB403-5130-4E57-8F57-B75FF9566019}"/>
+                <a16:creationId xmlns:a16="http://schemas.microsoft.com/office/drawing/2014/main" xmlns="" id="{271FB403-5130-4E57-8F57-B75FF9566019}"/>
               </a:ext>
             </a:extLst>
           </p:cNvPr>
@@ -46602,7 +46602,7 @@
           <p:cNvPr id="8" name="Picture Placeholder 10">
             <a:extLst>
               <a:ext uri="{FF2B5EF4-FFF2-40B4-BE49-F238E27FC236}">
-                <a16:creationId xmlns="" xmlns:a16="http://schemas.microsoft.com/office/drawing/2014/main" id="{271FB403-5130-4E57-8F57-B75FF9566019}"/>
+                <a16:creationId xmlns:a16="http://schemas.microsoft.com/office/drawing/2014/main" xmlns="" id="{271FB403-5130-4E57-8F57-B75FF9566019}"/>
               </a:ext>
             </a:extLst>
           </p:cNvPr>
@@ -46687,7 +46687,7 @@
           <p:cNvPr id="20" name="Picture Placeholder 19">
             <a:extLst>
               <a:ext uri="{FF2B5EF4-FFF2-40B4-BE49-F238E27FC236}">
-                <a16:creationId xmlns="" xmlns:a16="http://schemas.microsoft.com/office/drawing/2014/main" id="{61169563-0C6E-483D-91B6-7AB8952A8FAF}"/>
+                <a16:creationId xmlns:a16="http://schemas.microsoft.com/office/drawing/2014/main" xmlns="" id="{61169563-0C6E-483D-91B6-7AB8952A8FAF}"/>
               </a:ext>
             </a:extLst>
           </p:cNvPr>
@@ -46752,7 +46752,7 @@
           <p:cNvPr id="10" name="Picture Placeholder 9">
             <a:extLst>
               <a:ext uri="{FF2B5EF4-FFF2-40B4-BE49-F238E27FC236}">
-                <a16:creationId xmlns="" xmlns:a16="http://schemas.microsoft.com/office/drawing/2014/main" id="{CB42B89C-8D04-47C2-9942-FD44452D4119}"/>
+                <a16:creationId xmlns:a16="http://schemas.microsoft.com/office/drawing/2014/main" xmlns="" id="{CB42B89C-8D04-47C2-9942-FD44452D4119}"/>
               </a:ext>
             </a:extLst>
           </p:cNvPr>
@@ -46787,7 +46787,7 @@
           <p:cNvPr id="2" name="Title 1">
             <a:extLst>
               <a:ext uri="{FF2B5EF4-FFF2-40B4-BE49-F238E27FC236}">
-                <a16:creationId xmlns="" xmlns:a16="http://schemas.microsoft.com/office/drawing/2014/main" id="{BD4B26A0-76B0-4D92-8A3B-F4FB7FCBBD52}"/>
+                <a16:creationId xmlns:a16="http://schemas.microsoft.com/office/drawing/2014/main" xmlns="" id="{BD4B26A0-76B0-4D92-8A3B-F4FB7FCBBD52}"/>
               </a:ext>
             </a:extLst>
           </p:cNvPr>
@@ -46818,7 +46818,7 @@
           <p:cNvPr id="3" name="Text Placeholder 2">
             <a:extLst>
               <a:ext uri="{FF2B5EF4-FFF2-40B4-BE49-F238E27FC236}">
-                <a16:creationId xmlns="" xmlns:a16="http://schemas.microsoft.com/office/drawing/2014/main" id="{A50184F8-7D3E-4F39-85DA-53F65AF618F6}"/>
+                <a16:creationId xmlns:a16="http://schemas.microsoft.com/office/drawing/2014/main" xmlns="" id="{A50184F8-7D3E-4F39-85DA-53F65AF618F6}"/>
               </a:ext>
             </a:extLst>
           </p:cNvPr>
@@ -46847,7 +46847,7 @@
           <p:cNvPr id="8" name="Slide Number Placeholder 7">
             <a:extLst>
               <a:ext uri="{FF2B5EF4-FFF2-40B4-BE49-F238E27FC236}">
-                <a16:creationId xmlns="" xmlns:a16="http://schemas.microsoft.com/office/drawing/2014/main" id="{FE91C663-2D66-4255-91B4-906F720EB8BA}"/>
+                <a16:creationId xmlns:a16="http://schemas.microsoft.com/office/drawing/2014/main" xmlns="" id="{FE91C663-2D66-4255-91B4-906F720EB8BA}"/>
               </a:ext>
             </a:extLst>
           </p:cNvPr>
@@ -46876,7 +46876,7 @@
           <p:cNvPr id="7" name="Footer Placeholder 6">
             <a:extLst>
               <a:ext uri="{FF2B5EF4-FFF2-40B4-BE49-F238E27FC236}">
-                <a16:creationId xmlns="" xmlns:a16="http://schemas.microsoft.com/office/drawing/2014/main" id="{80B83D80-B29B-48B9-9B34-76AD9399E64D}"/>
+                <a16:creationId xmlns:a16="http://schemas.microsoft.com/office/drawing/2014/main" xmlns="" id="{80B83D80-B29B-48B9-9B34-76AD9399E64D}"/>
               </a:ext>
             </a:extLst>
           </p:cNvPr>
@@ -46905,7 +46905,7 @@
           <p:cNvPr id="6" name="Date Placeholder 5">
             <a:extLst>
               <a:ext uri="{FF2B5EF4-FFF2-40B4-BE49-F238E27FC236}">
-                <a16:creationId xmlns="" xmlns:a16="http://schemas.microsoft.com/office/drawing/2014/main" id="{5EC88EDC-DE1B-4E22-AB2A-B461D5C81354}"/>
+                <a16:creationId xmlns:a16="http://schemas.microsoft.com/office/drawing/2014/main" xmlns="" id="{5EC88EDC-DE1B-4E22-AB2A-B461D5C81354}"/>
               </a:ext>
             </a:extLst>
           </p:cNvPr>
@@ -47071,7 +47071,7 @@
           <p:cNvPr id="3" name="Picture Placeholder 2">
             <a:extLst>
               <a:ext uri="{FF2B5EF4-FFF2-40B4-BE49-F238E27FC236}">
-                <a16:creationId xmlns="" xmlns:a16="http://schemas.microsoft.com/office/drawing/2014/main" id="{8220D5DE-4628-433F-8A23-3DEA4571046F}"/>
+                <a16:creationId xmlns:a16="http://schemas.microsoft.com/office/drawing/2014/main" xmlns="" id="{8220D5DE-4628-433F-8A23-3DEA4571046F}"/>
               </a:ext>
             </a:extLst>
           </p:cNvPr>
@@ -47106,7 +47106,7 @@
           <p:cNvPr id="6" name="Title 5">
             <a:extLst>
               <a:ext uri="{FF2B5EF4-FFF2-40B4-BE49-F238E27FC236}">
-                <a16:creationId xmlns="" xmlns:a16="http://schemas.microsoft.com/office/drawing/2014/main" id="{D2F9A33A-E955-4DFB-9469-3FDBA6703985}"/>
+                <a16:creationId xmlns:a16="http://schemas.microsoft.com/office/drawing/2014/main" xmlns="" id="{D2F9A33A-E955-4DFB-9469-3FDBA6703985}"/>
               </a:ext>
             </a:extLst>
           </p:cNvPr>
@@ -47135,7 +47135,7 @@
           <p:cNvPr id="15" name="Picture Placeholder 14" descr="Abstract background">
             <a:extLst>
               <a:ext uri="{FF2B5EF4-FFF2-40B4-BE49-F238E27FC236}">
-                <a16:creationId xmlns="" xmlns:a16="http://schemas.microsoft.com/office/drawing/2014/main" id="{72AD0CC3-F8DE-4C10-916A-24BC65B1D283}"/>
+                <a16:creationId xmlns:a16="http://schemas.microsoft.com/office/drawing/2014/main" xmlns="" id="{72AD0CC3-F8DE-4C10-916A-24BC65B1D283}"/>
               </a:ext>
             </a:extLst>
           </p:cNvPr>
@@ -47259,7 +47259,7 @@
           <p:cNvPr id="10" name="Picture Placeholder 9">
             <a:extLst>
               <a:ext uri="{FF2B5EF4-FFF2-40B4-BE49-F238E27FC236}">
-                <a16:creationId xmlns="" xmlns:a16="http://schemas.microsoft.com/office/drawing/2014/main" id="{A7271147-093C-4AE4-8DB3-B51D6C633C7B}"/>
+                <a16:creationId xmlns:a16="http://schemas.microsoft.com/office/drawing/2014/main" xmlns="" id="{A7271147-093C-4AE4-8DB3-B51D6C633C7B}"/>
               </a:ext>
             </a:extLst>
           </p:cNvPr>
@@ -47294,7 +47294,7 @@
           <p:cNvPr id="20" name="Picture Placeholder 19">
             <a:extLst>
               <a:ext uri="{FF2B5EF4-FFF2-40B4-BE49-F238E27FC236}">
-                <a16:creationId xmlns="" xmlns:a16="http://schemas.microsoft.com/office/drawing/2014/main" id="{3330B498-1497-4DA8-99F4-8F8159B24FF9}"/>
+                <a16:creationId xmlns:a16="http://schemas.microsoft.com/office/drawing/2014/main" xmlns="" id="{3330B498-1497-4DA8-99F4-8F8159B24FF9}"/>
               </a:ext>
             </a:extLst>
           </p:cNvPr>
@@ -47329,7 +47329,7 @@
           <p:cNvPr id="5" name="Title 4">
             <a:extLst>
               <a:ext uri="{FF2B5EF4-FFF2-40B4-BE49-F238E27FC236}">
-                <a16:creationId xmlns="" xmlns:a16="http://schemas.microsoft.com/office/drawing/2014/main" id="{FF93F71D-1663-42FA-A91E-FA23F03F0287}"/>
+                <a16:creationId xmlns:a16="http://schemas.microsoft.com/office/drawing/2014/main" xmlns="" id="{FF93F71D-1663-42FA-A91E-FA23F03F0287}"/>
               </a:ext>
             </a:extLst>
           </p:cNvPr>
@@ -47360,7 +47360,7 @@
           <p:cNvPr id="6" name="Text Placeholder 5">
             <a:extLst>
               <a:ext uri="{FF2B5EF4-FFF2-40B4-BE49-F238E27FC236}">
-                <a16:creationId xmlns="" xmlns:a16="http://schemas.microsoft.com/office/drawing/2014/main" id="{F62CA978-7F10-45ED-A5E7-73BCC796D219}"/>
+                <a16:creationId xmlns:a16="http://schemas.microsoft.com/office/drawing/2014/main" xmlns="" id="{F62CA978-7F10-45ED-A5E7-73BCC796D219}"/>
               </a:ext>
             </a:extLst>
           </p:cNvPr>
@@ -47391,7 +47391,7 @@
           <p:cNvPr id="4" name="Slide Number Placeholder 3">
             <a:extLst>
               <a:ext uri="{FF2B5EF4-FFF2-40B4-BE49-F238E27FC236}">
-                <a16:creationId xmlns="" xmlns:a16="http://schemas.microsoft.com/office/drawing/2014/main" id="{494C7D40-6709-40D4-B0FB-9D6311AF439F}"/>
+                <a16:creationId xmlns:a16="http://schemas.microsoft.com/office/drawing/2014/main" xmlns="" id="{494C7D40-6709-40D4-B0FB-9D6311AF439F}"/>
               </a:ext>
             </a:extLst>
           </p:cNvPr>
@@ -47420,7 +47420,7 @@
           <p:cNvPr id="3" name="Footer Placeholder 2">
             <a:extLst>
               <a:ext uri="{FF2B5EF4-FFF2-40B4-BE49-F238E27FC236}">
-                <a16:creationId xmlns="" xmlns:a16="http://schemas.microsoft.com/office/drawing/2014/main" id="{101DB817-586B-493A-922D-54010C888E74}"/>
+                <a16:creationId xmlns:a16="http://schemas.microsoft.com/office/drawing/2014/main" xmlns="" id="{101DB817-586B-493A-922D-54010C888E74}"/>
               </a:ext>
             </a:extLst>
           </p:cNvPr>
@@ -47449,7 +47449,7 @@
           <p:cNvPr id="2" name="Date Placeholder 1">
             <a:extLst>
               <a:ext uri="{FF2B5EF4-FFF2-40B4-BE49-F238E27FC236}">
-                <a16:creationId xmlns="" xmlns:a16="http://schemas.microsoft.com/office/drawing/2014/main" id="{A96AB769-C08B-4A71-BEE7-D771D274389A}"/>
+                <a16:creationId xmlns:a16="http://schemas.microsoft.com/office/drawing/2014/main" xmlns="" id="{A96AB769-C08B-4A71-BEE7-D771D274389A}"/>
               </a:ext>
             </a:extLst>
           </p:cNvPr>
@@ -47540,7 +47540,7 @@
           <p:cNvPr id="18" name="Picture Placeholder 17">
             <a:extLst>
               <a:ext uri="{FF2B5EF4-FFF2-40B4-BE49-F238E27FC236}">
-                <a16:creationId xmlns="" xmlns:a16="http://schemas.microsoft.com/office/drawing/2014/main" id="{FA9DAA9F-5926-4BC1-8F7B-06E0B1C2F013}"/>
+                <a16:creationId xmlns:a16="http://schemas.microsoft.com/office/drawing/2014/main" xmlns="" id="{FA9DAA9F-5926-4BC1-8F7B-06E0B1C2F013}"/>
               </a:ext>
             </a:extLst>
           </p:cNvPr>
@@ -47575,7 +47575,7 @@
           <p:cNvPr id="9" name="Picture Placeholder 8">
             <a:extLst>
               <a:ext uri="{FF2B5EF4-FFF2-40B4-BE49-F238E27FC236}">
-                <a16:creationId xmlns="" xmlns:a16="http://schemas.microsoft.com/office/drawing/2014/main" id="{31A4E7D9-EFE3-4156-8990-1ABAF1C3807E}"/>
+                <a16:creationId xmlns:a16="http://schemas.microsoft.com/office/drawing/2014/main" xmlns="" id="{31A4E7D9-EFE3-4156-8990-1ABAF1C3807E}"/>
               </a:ext>
             </a:extLst>
           </p:cNvPr>
@@ -47610,7 +47610,7 @@
           <p:cNvPr id="2" name="Title 1">
             <a:extLst>
               <a:ext uri="{FF2B5EF4-FFF2-40B4-BE49-F238E27FC236}">
-                <a16:creationId xmlns="" xmlns:a16="http://schemas.microsoft.com/office/drawing/2014/main" id="{B0406C22-D0C4-4D8E-86F7-1A902F1CA7AB}"/>
+                <a16:creationId xmlns:a16="http://schemas.microsoft.com/office/drawing/2014/main" xmlns="" id="{B0406C22-D0C4-4D8E-86F7-1A902F1CA7AB}"/>
               </a:ext>
             </a:extLst>
           </p:cNvPr>
@@ -47641,7 +47641,7 @@
           <p:cNvPr id="7" name="Text Placeholder 6">
             <a:extLst>
               <a:ext uri="{FF2B5EF4-FFF2-40B4-BE49-F238E27FC236}">
-                <a16:creationId xmlns="" xmlns:a16="http://schemas.microsoft.com/office/drawing/2014/main" id="{1EBE5B37-5B62-411B-BD45-E04DD958A3F9}"/>
+                <a16:creationId xmlns:a16="http://schemas.microsoft.com/office/drawing/2014/main" xmlns="" id="{1EBE5B37-5B62-411B-BD45-E04DD958A3F9}"/>
               </a:ext>
             </a:extLst>
           </p:cNvPr>
@@ -47700,7 +47700,7 @@
           <p:cNvPr id="5" name="Slide Number Placeholder 4">
             <a:extLst>
               <a:ext uri="{FF2B5EF4-FFF2-40B4-BE49-F238E27FC236}">
-                <a16:creationId xmlns="" xmlns:a16="http://schemas.microsoft.com/office/drawing/2014/main" id="{1C5328BF-D489-4F39-BA27-5AD38E9116D8}"/>
+                <a16:creationId xmlns:a16="http://schemas.microsoft.com/office/drawing/2014/main" xmlns="" id="{1C5328BF-D489-4F39-BA27-5AD38E9116D8}"/>
               </a:ext>
             </a:extLst>
           </p:cNvPr>
@@ -47730,7 +47730,7 @@
           <p:cNvPr id="4" name="Footer Placeholder 3">
             <a:extLst>
               <a:ext uri="{FF2B5EF4-FFF2-40B4-BE49-F238E27FC236}">
-                <a16:creationId xmlns="" xmlns:a16="http://schemas.microsoft.com/office/drawing/2014/main" id="{577B5262-30A5-4063-A21E-56FCACC40308}"/>
+                <a16:creationId xmlns:a16="http://schemas.microsoft.com/office/drawing/2014/main" xmlns="" id="{577B5262-30A5-4063-A21E-56FCACC40308}"/>
               </a:ext>
             </a:extLst>
           </p:cNvPr>
@@ -47759,7 +47759,7 @@
           <p:cNvPr id="3" name="Date Placeholder 2">
             <a:extLst>
               <a:ext uri="{FF2B5EF4-FFF2-40B4-BE49-F238E27FC236}">
-                <a16:creationId xmlns="" xmlns:a16="http://schemas.microsoft.com/office/drawing/2014/main" id="{41F813B4-2C3F-45B0-A38D-A3FE79E6D71B}"/>
+                <a16:creationId xmlns:a16="http://schemas.microsoft.com/office/drawing/2014/main" xmlns="" id="{41F813B4-2C3F-45B0-A38D-A3FE79E6D71B}"/>
               </a:ext>
             </a:extLst>
           </p:cNvPr>
@@ -47904,7 +47904,7 @@
           <p:cNvPr id="6" name="Picture Placeholder 5">
             <a:extLst>
               <a:ext uri="{FF2B5EF4-FFF2-40B4-BE49-F238E27FC236}">
-                <a16:creationId xmlns="" xmlns:a16="http://schemas.microsoft.com/office/drawing/2014/main" id="{050063B3-C0D3-4BFD-82C5-423222881E49}"/>
+                <a16:creationId xmlns:a16="http://schemas.microsoft.com/office/drawing/2014/main" xmlns="" id="{050063B3-C0D3-4BFD-82C5-423222881E49}"/>
               </a:ext>
             </a:extLst>
           </p:cNvPr>
@@ -47939,7 +47939,7 @@
           <p:cNvPr id="67" name="Title 66">
             <a:extLst>
               <a:ext uri="{FF2B5EF4-FFF2-40B4-BE49-F238E27FC236}">
-                <a16:creationId xmlns="" xmlns:a16="http://schemas.microsoft.com/office/drawing/2014/main" id="{E72CC338-4598-4AF3-B140-D7F632D20BA5}"/>
+                <a16:creationId xmlns:a16="http://schemas.microsoft.com/office/drawing/2014/main" xmlns="" id="{E72CC338-4598-4AF3-B140-D7F632D20BA5}"/>
               </a:ext>
             </a:extLst>
           </p:cNvPr>
@@ -47970,7 +47970,7 @@
           <p:cNvPr id="68" name="Text Placeholder 67">
             <a:extLst>
               <a:ext uri="{FF2B5EF4-FFF2-40B4-BE49-F238E27FC236}">
-                <a16:creationId xmlns="" xmlns:a16="http://schemas.microsoft.com/office/drawing/2014/main" id="{1411656D-4971-4CC0-9065-8DA32BB8740B}"/>
+                <a16:creationId xmlns:a16="http://schemas.microsoft.com/office/drawing/2014/main" xmlns="" id="{1411656D-4971-4CC0-9065-8DA32BB8740B}"/>
               </a:ext>
             </a:extLst>
           </p:cNvPr>
@@ -48001,7 +48001,7 @@
           <p:cNvPr id="10" name="Text Placeholder 9">
             <a:extLst>
               <a:ext uri="{FF2B5EF4-FFF2-40B4-BE49-F238E27FC236}">
-                <a16:creationId xmlns="" xmlns:a16="http://schemas.microsoft.com/office/drawing/2014/main" id="{D87FAD12-8FEF-41B8-B478-8793FF9B485B}"/>
+                <a16:creationId xmlns:a16="http://schemas.microsoft.com/office/drawing/2014/main" xmlns="" id="{D87FAD12-8FEF-41B8-B478-8793FF9B485B}"/>
               </a:ext>
             </a:extLst>
           </p:cNvPr>
@@ -48030,7 +48030,7 @@
           <p:cNvPr id="7" name="Picture Placeholder 6" descr="Globe icon">
             <a:extLst>
               <a:ext uri="{FF2B5EF4-FFF2-40B4-BE49-F238E27FC236}">
-                <a16:creationId xmlns="" xmlns:a16="http://schemas.microsoft.com/office/drawing/2014/main" id="{610C6214-BE35-4ED8-9EE7-7252A6039583}"/>
+                <a16:creationId xmlns:a16="http://schemas.microsoft.com/office/drawing/2014/main" xmlns="" id="{610C6214-BE35-4ED8-9EE7-7252A6039583}"/>
               </a:ext>
             </a:extLst>
           </p:cNvPr>
@@ -48048,7 +48048,7 @@
                 <a14:useLocalDpi xmlns:a14="http://schemas.microsoft.com/office/drawing/2010/main" val="0"/>
               </a:ext>
               <a:ext uri="{96DAC541-7B7A-43D3-8B79-37D633B846F1}">
-                <asvg:svgBlip xmlns="" xmlns:asvg="http://schemas.microsoft.com/office/drawing/2016/SVG/main" r:embed="rId5"/>
+                <asvg:svgBlip xmlns:asvg="http://schemas.microsoft.com/office/drawing/2016/SVG/main" xmlns="" r:embed="rId5"/>
               </a:ext>
             </a:extLst>
           </a:blip>
@@ -48064,7 +48064,7 @@
           <p:cNvPr id="8" name="Text Placeholder 7">
             <a:extLst>
               <a:ext uri="{FF2B5EF4-FFF2-40B4-BE49-F238E27FC236}">
-                <a16:creationId xmlns="" xmlns:a16="http://schemas.microsoft.com/office/drawing/2014/main" id="{C8E5EEAD-1427-4576-B8F8-C485CAE758A4}"/>
+                <a16:creationId xmlns:a16="http://schemas.microsoft.com/office/drawing/2014/main" xmlns="" id="{C8E5EEAD-1427-4576-B8F8-C485CAE758A4}"/>
               </a:ext>
             </a:extLst>
           </p:cNvPr>
@@ -48093,7 +48093,7 @@
           <p:cNvPr id="16" name="Text Placeholder 15">
             <a:extLst>
               <a:ext uri="{FF2B5EF4-FFF2-40B4-BE49-F238E27FC236}">
-                <a16:creationId xmlns="" xmlns:a16="http://schemas.microsoft.com/office/drawing/2014/main" id="{C214C1BB-D845-4DB6-B4FC-B7AD5F5E0C3D}"/>
+                <a16:creationId xmlns:a16="http://schemas.microsoft.com/office/drawing/2014/main" xmlns="" id="{C214C1BB-D845-4DB6-B4FC-B7AD5F5E0C3D}"/>
               </a:ext>
             </a:extLst>
           </p:cNvPr>
@@ -48124,7 +48124,7 @@
           <p:cNvPr id="12" name="Picture Placeholder 11" descr="Cubes icon">
             <a:extLst>
               <a:ext uri="{FF2B5EF4-FFF2-40B4-BE49-F238E27FC236}">
-                <a16:creationId xmlns="" xmlns:a16="http://schemas.microsoft.com/office/drawing/2014/main" id="{92015B7B-96EB-42A1-A654-5DE5377A52C7}"/>
+                <a16:creationId xmlns:a16="http://schemas.microsoft.com/office/drawing/2014/main" xmlns="" id="{92015B7B-96EB-42A1-A654-5DE5377A52C7}"/>
               </a:ext>
             </a:extLst>
           </p:cNvPr>
@@ -48142,7 +48142,7 @@
                 <a14:useLocalDpi xmlns:a14="http://schemas.microsoft.com/office/drawing/2010/main" val="0"/>
               </a:ext>
               <a:ext uri="{96DAC541-7B7A-43D3-8B79-37D633B846F1}">
-                <asvg:svgBlip xmlns="" xmlns:asvg="http://schemas.microsoft.com/office/drawing/2016/SVG/main" r:embed="rId7"/>
+                <asvg:svgBlip xmlns:asvg="http://schemas.microsoft.com/office/drawing/2016/SVG/main" xmlns="" r:embed="rId7"/>
               </a:ext>
             </a:extLst>
           </a:blip>
@@ -48158,7 +48158,7 @@
           <p:cNvPr id="14" name="Text Placeholder 13">
             <a:extLst>
               <a:ext uri="{FF2B5EF4-FFF2-40B4-BE49-F238E27FC236}">
-                <a16:creationId xmlns="" xmlns:a16="http://schemas.microsoft.com/office/drawing/2014/main" id="{B9B92F0C-3A1D-438E-B581-C1A63389DAF6}"/>
+                <a16:creationId xmlns:a16="http://schemas.microsoft.com/office/drawing/2014/main" xmlns="" id="{B9B92F0C-3A1D-438E-B581-C1A63389DAF6}"/>
               </a:ext>
             </a:extLst>
           </p:cNvPr>
@@ -48187,7 +48187,7 @@
           <p:cNvPr id="13" name="Text Placeholder 12">
             <a:extLst>
               <a:ext uri="{FF2B5EF4-FFF2-40B4-BE49-F238E27FC236}">
-                <a16:creationId xmlns="" xmlns:a16="http://schemas.microsoft.com/office/drawing/2014/main" id="{B457CA9C-196E-494C-85C7-9B4861053912}"/>
+                <a16:creationId xmlns:a16="http://schemas.microsoft.com/office/drawing/2014/main" xmlns="" id="{B457CA9C-196E-494C-85C7-9B4861053912}"/>
               </a:ext>
             </a:extLst>
           </p:cNvPr>
@@ -48223,7 +48223,7 @@
           <p:cNvPr id="18" name="Picture Placeholder 17" descr="Microprocessor icon">
             <a:extLst>
               <a:ext uri="{FF2B5EF4-FFF2-40B4-BE49-F238E27FC236}">
-                <a16:creationId xmlns="" xmlns:a16="http://schemas.microsoft.com/office/drawing/2014/main" id="{2714DCC9-F1D9-4D7B-9452-B6DF9693F667}"/>
+                <a16:creationId xmlns:a16="http://schemas.microsoft.com/office/drawing/2014/main" xmlns="" id="{2714DCC9-F1D9-4D7B-9452-B6DF9693F667}"/>
               </a:ext>
             </a:extLst>
           </p:cNvPr>
@@ -48241,7 +48241,7 @@
                 <a14:useLocalDpi xmlns:a14="http://schemas.microsoft.com/office/drawing/2010/main" val="0"/>
               </a:ext>
               <a:ext uri="{96DAC541-7B7A-43D3-8B79-37D633B846F1}">
-                <asvg:svgBlip xmlns="" xmlns:asvg="http://schemas.microsoft.com/office/drawing/2016/SVG/main" r:embed="rId9"/>
+                <asvg:svgBlip xmlns:asvg="http://schemas.microsoft.com/office/drawing/2016/SVG/main" xmlns="" r:embed="rId9"/>
               </a:ext>
             </a:extLst>
           </a:blip>
@@ -48257,7 +48257,7 @@
           <p:cNvPr id="11" name="Text Placeholder 10">
             <a:extLst>
               <a:ext uri="{FF2B5EF4-FFF2-40B4-BE49-F238E27FC236}">
-                <a16:creationId xmlns="" xmlns:a16="http://schemas.microsoft.com/office/drawing/2014/main" id="{CE2783CF-764B-4358-9D88-FAC1CFEBE203}"/>
+                <a16:creationId xmlns:a16="http://schemas.microsoft.com/office/drawing/2014/main" xmlns="" id="{CE2783CF-764B-4358-9D88-FAC1CFEBE203}"/>
               </a:ext>
             </a:extLst>
           </p:cNvPr>
@@ -48293,7 +48293,7 @@
           <p:cNvPr id="19" name="Text Placeholder 18">
             <a:extLst>
               <a:ext uri="{FF2B5EF4-FFF2-40B4-BE49-F238E27FC236}">
-                <a16:creationId xmlns="" xmlns:a16="http://schemas.microsoft.com/office/drawing/2014/main" id="{0D9ADD0F-E05E-4B0E-9D9D-545FD755D7AE}"/>
+                <a16:creationId xmlns:a16="http://schemas.microsoft.com/office/drawing/2014/main" xmlns="" id="{0D9ADD0F-E05E-4B0E-9D9D-545FD755D7AE}"/>
               </a:ext>
             </a:extLst>
           </p:cNvPr>
@@ -48324,7 +48324,7 @@
           <p:cNvPr id="21" name="Picture Placeholder 20" descr="Atom icon">
             <a:extLst>
               <a:ext uri="{FF2B5EF4-FFF2-40B4-BE49-F238E27FC236}">
-                <a16:creationId xmlns="" xmlns:a16="http://schemas.microsoft.com/office/drawing/2014/main" id="{E6E2A99D-9A76-4170-84C5-E8E895DEA558}"/>
+                <a16:creationId xmlns:a16="http://schemas.microsoft.com/office/drawing/2014/main" xmlns="" id="{E6E2A99D-9A76-4170-84C5-E8E895DEA558}"/>
               </a:ext>
             </a:extLst>
           </p:cNvPr>
@@ -48342,7 +48342,7 @@
                 <a14:useLocalDpi xmlns:a14="http://schemas.microsoft.com/office/drawing/2010/main" val="0"/>
               </a:ext>
               <a:ext uri="{96DAC541-7B7A-43D3-8B79-37D633B846F1}">
-                <asvg:svgBlip xmlns="" xmlns:asvg="http://schemas.microsoft.com/office/drawing/2016/SVG/main" r:embed="rId11"/>
+                <asvg:svgBlip xmlns:asvg="http://schemas.microsoft.com/office/drawing/2016/SVG/main" xmlns="" r:embed="rId11"/>
               </a:ext>
             </a:extLst>
           </a:blip>
@@ -48358,7 +48358,7 @@
           <p:cNvPr id="17" name="Text Placeholder 16">
             <a:extLst>
               <a:ext uri="{FF2B5EF4-FFF2-40B4-BE49-F238E27FC236}">
-                <a16:creationId xmlns="" xmlns:a16="http://schemas.microsoft.com/office/drawing/2014/main" id="{46EA4E1F-EF09-44AB-9483-363CF418AA99}"/>
+                <a16:creationId xmlns:a16="http://schemas.microsoft.com/office/drawing/2014/main" xmlns="" id="{46EA4E1F-EF09-44AB-9483-363CF418AA99}"/>
               </a:ext>
             </a:extLst>
           </p:cNvPr>
@@ -48394,7 +48394,7 @@
           <p:cNvPr id="4" name="Slide Number Placeholder 3">
             <a:extLst>
               <a:ext uri="{FF2B5EF4-FFF2-40B4-BE49-F238E27FC236}">
-                <a16:creationId xmlns="" xmlns:a16="http://schemas.microsoft.com/office/drawing/2014/main" id="{D3581DBA-A3EE-4E75-90A6-DC25DF9DABFC}"/>
+                <a16:creationId xmlns:a16="http://schemas.microsoft.com/office/drawing/2014/main" xmlns="" id="{D3581DBA-A3EE-4E75-90A6-DC25DF9DABFC}"/>
               </a:ext>
             </a:extLst>
           </p:cNvPr>
@@ -48424,7 +48424,7 @@
           <p:cNvPr id="3" name="Footer Placeholder 2">
             <a:extLst>
               <a:ext uri="{FF2B5EF4-FFF2-40B4-BE49-F238E27FC236}">
-                <a16:creationId xmlns="" xmlns:a16="http://schemas.microsoft.com/office/drawing/2014/main" id="{6A109C3A-84E8-4719-8AE7-A66B8CA97997}"/>
+                <a16:creationId xmlns:a16="http://schemas.microsoft.com/office/drawing/2014/main" xmlns="" id="{6A109C3A-84E8-4719-8AE7-A66B8CA97997}"/>
               </a:ext>
             </a:extLst>
           </p:cNvPr>
@@ -48453,7 +48453,7 @@
           <p:cNvPr id="2" name="Date Placeholder 1">
             <a:extLst>
               <a:ext uri="{FF2B5EF4-FFF2-40B4-BE49-F238E27FC236}">
-                <a16:creationId xmlns="" xmlns:a16="http://schemas.microsoft.com/office/drawing/2014/main" id="{8B2EEAA2-E066-4E86-A51B-FAC3333192BD}"/>
+                <a16:creationId xmlns:a16="http://schemas.microsoft.com/office/drawing/2014/main" xmlns="" id="{8B2EEAA2-E066-4E86-A51B-FAC3333192BD}"/>
               </a:ext>
             </a:extLst>
           </p:cNvPr>
@@ -48530,7 +48530,7 @@
           <p:cNvPr id="11" name="Picture Placeholder 10">
             <a:extLst>
               <a:ext uri="{FF2B5EF4-FFF2-40B4-BE49-F238E27FC236}">
-                <a16:creationId xmlns="" xmlns:a16="http://schemas.microsoft.com/office/drawing/2014/main" id="{F137CA39-CE16-4C0C-AFB5-324FE940E664}"/>
+                <a16:creationId xmlns:a16="http://schemas.microsoft.com/office/drawing/2014/main" xmlns="" id="{F137CA39-CE16-4C0C-AFB5-324FE940E664}"/>
               </a:ext>
             </a:extLst>
           </p:cNvPr>
@@ -48565,7 +48565,7 @@
           <p:cNvPr id="2" name="Title 1">
             <a:extLst>
               <a:ext uri="{FF2B5EF4-FFF2-40B4-BE49-F238E27FC236}">
-                <a16:creationId xmlns="" xmlns:a16="http://schemas.microsoft.com/office/drawing/2014/main" id="{134CB059-9E3B-4C24-8E61-717292C2944E}"/>
+                <a16:creationId xmlns:a16="http://schemas.microsoft.com/office/drawing/2014/main" xmlns="" id="{134CB059-9E3B-4C24-8E61-717292C2944E}"/>
               </a:ext>
             </a:extLst>
           </p:cNvPr>
@@ -48596,7 +48596,7 @@
           <p:cNvPr id="3" name="Text Placeholder 2">
             <a:extLst>
               <a:ext uri="{FF2B5EF4-FFF2-40B4-BE49-F238E27FC236}">
-                <a16:creationId xmlns="" xmlns:a16="http://schemas.microsoft.com/office/drawing/2014/main" id="{E66139D5-668D-4A3D-B6B6-F71EC385C8FF}"/>
+                <a16:creationId xmlns:a16="http://schemas.microsoft.com/office/drawing/2014/main" xmlns="" id="{E66139D5-668D-4A3D-B6B6-F71EC385C8FF}"/>
               </a:ext>
             </a:extLst>
           </p:cNvPr>
@@ -48627,7 +48627,7 @@
           <p:cNvPr id="8" name="Text Placeholder 7">
             <a:extLst>
               <a:ext uri="{FF2B5EF4-FFF2-40B4-BE49-F238E27FC236}">
-                <a16:creationId xmlns="" xmlns:a16="http://schemas.microsoft.com/office/drawing/2014/main" id="{EEA947F5-DD66-4D26-BA34-D1D8F7CE9010}"/>
+                <a16:creationId xmlns:a16="http://schemas.microsoft.com/office/drawing/2014/main" xmlns="" id="{EEA947F5-DD66-4D26-BA34-D1D8F7CE9010}"/>
               </a:ext>
             </a:extLst>
           </p:cNvPr>
@@ -48741,7 +48741,7 @@
           <p:cNvPr id="6" name="Slide Number Placeholder 5">
             <a:extLst>
               <a:ext uri="{FF2B5EF4-FFF2-40B4-BE49-F238E27FC236}">
-                <a16:creationId xmlns="" xmlns:a16="http://schemas.microsoft.com/office/drawing/2014/main" id="{2B9E0CB5-2F64-4439-AFE9-1BB3ACE6FA9D}"/>
+                <a16:creationId xmlns:a16="http://schemas.microsoft.com/office/drawing/2014/main" xmlns="" id="{2B9E0CB5-2F64-4439-AFE9-1BB3ACE6FA9D}"/>
               </a:ext>
             </a:extLst>
           </p:cNvPr>
@@ -48770,7 +48770,7 @@
           <p:cNvPr id="5" name="Footer Placeholder 4">
             <a:extLst>
               <a:ext uri="{FF2B5EF4-FFF2-40B4-BE49-F238E27FC236}">
-                <a16:creationId xmlns="" xmlns:a16="http://schemas.microsoft.com/office/drawing/2014/main" id="{FFFF8DFC-D37E-4FE9-81F0-77C68D469526}"/>
+                <a16:creationId xmlns:a16="http://schemas.microsoft.com/office/drawing/2014/main" xmlns="" id="{FFFF8DFC-D37E-4FE9-81F0-77C68D469526}"/>
               </a:ext>
             </a:extLst>
           </p:cNvPr>
@@ -48799,7 +48799,7 @@
           <p:cNvPr id="4" name="Date Placeholder 3">
             <a:extLst>
               <a:ext uri="{FF2B5EF4-FFF2-40B4-BE49-F238E27FC236}">
-                <a16:creationId xmlns="" xmlns:a16="http://schemas.microsoft.com/office/drawing/2014/main" id="{0BA396AE-BE46-43FB-B4E7-224D2AF39F83}"/>
+                <a16:creationId xmlns:a16="http://schemas.microsoft.com/office/drawing/2014/main" xmlns="" id="{0BA396AE-BE46-43FB-B4E7-224D2AF39F83}"/>
               </a:ext>
             </a:extLst>
           </p:cNvPr>
@@ -48913,7 +48913,7 @@
           <p:cNvPr id="17" name="Picture Placeholder 16">
             <a:extLst>
               <a:ext uri="{FF2B5EF4-FFF2-40B4-BE49-F238E27FC236}">
-                <a16:creationId xmlns="" xmlns:a16="http://schemas.microsoft.com/office/drawing/2014/main" id="{D652F905-B33B-4D47-80C8-0F74935D9B8E}"/>
+                <a16:creationId xmlns:a16="http://schemas.microsoft.com/office/drawing/2014/main" xmlns="" id="{D652F905-B33B-4D47-80C8-0F74935D9B8E}"/>
               </a:ext>
             </a:extLst>
           </p:cNvPr>
@@ -48948,7 +48948,7 @@
           <p:cNvPr id="5" name="Title 4">
             <a:extLst>
               <a:ext uri="{FF2B5EF4-FFF2-40B4-BE49-F238E27FC236}">
-                <a16:creationId xmlns="" xmlns:a16="http://schemas.microsoft.com/office/drawing/2014/main" id="{9FFA9230-37E2-4CEB-A3E5-B704CE27367E}"/>
+                <a16:creationId xmlns:a16="http://schemas.microsoft.com/office/drawing/2014/main" xmlns="" id="{9FFA9230-37E2-4CEB-A3E5-B704CE27367E}"/>
               </a:ext>
             </a:extLst>
           </p:cNvPr>
@@ -48982,7 +48982,7 @@
           <p:cNvPr id="6" name="Text Placeholder 5">
             <a:extLst>
               <a:ext uri="{FF2B5EF4-FFF2-40B4-BE49-F238E27FC236}">
-                <a16:creationId xmlns="" xmlns:a16="http://schemas.microsoft.com/office/drawing/2014/main" id="{04CE41FD-E209-4A5A-A2E8-544E35CFA6C5}"/>
+                <a16:creationId xmlns:a16="http://schemas.microsoft.com/office/drawing/2014/main" xmlns="" id="{04CE41FD-E209-4A5A-A2E8-544E35CFA6C5}"/>
               </a:ext>
             </a:extLst>
           </p:cNvPr>
@@ -49017,7 +49017,7 @@
           <p:cNvPr id="10" name="Text Placeholder 9">
             <a:extLst>
               <a:ext uri="{FF2B5EF4-FFF2-40B4-BE49-F238E27FC236}">
-                <a16:creationId xmlns="" xmlns:a16="http://schemas.microsoft.com/office/drawing/2014/main" id="{89BE0DA3-3A03-418B-B7CF-0D4107499B9C}"/>
+                <a16:creationId xmlns:a16="http://schemas.microsoft.com/office/drawing/2014/main" xmlns="" id="{89BE0DA3-3A03-418B-B7CF-0D4107499B9C}"/>
               </a:ext>
             </a:extLst>
           </p:cNvPr>
@@ -49045,7 +49045,7 @@
           <p:cNvPr id="9" name="Text Placeholder 8">
             <a:extLst>
               <a:ext uri="{FF2B5EF4-FFF2-40B4-BE49-F238E27FC236}">
-                <a16:creationId xmlns="" xmlns:a16="http://schemas.microsoft.com/office/drawing/2014/main" id="{4E74A44B-1AAF-44D0-A426-104890F03E29}"/>
+                <a16:creationId xmlns:a16="http://schemas.microsoft.com/office/drawing/2014/main" xmlns="" id="{4E74A44B-1AAF-44D0-A426-104890F03E29}"/>
               </a:ext>
             </a:extLst>
           </p:cNvPr>
@@ -49074,7 +49074,7 @@
           <p:cNvPr id="8" name="Text Placeholder 7">
             <a:extLst>
               <a:ext uri="{FF2B5EF4-FFF2-40B4-BE49-F238E27FC236}">
-                <a16:creationId xmlns="" xmlns:a16="http://schemas.microsoft.com/office/drawing/2014/main" id="{D5450AF9-6A8E-4054-A832-F7BF5DA0E16C}"/>
+                <a16:creationId xmlns:a16="http://schemas.microsoft.com/office/drawing/2014/main" xmlns="" id="{D5450AF9-6A8E-4054-A832-F7BF5DA0E16C}"/>
               </a:ext>
             </a:extLst>
           </p:cNvPr>
@@ -49113,7 +49113,7 @@
           <p:cNvPr id="12" name="Text Placeholder 11">
             <a:extLst>
               <a:ext uri="{FF2B5EF4-FFF2-40B4-BE49-F238E27FC236}">
-                <a16:creationId xmlns="" xmlns:a16="http://schemas.microsoft.com/office/drawing/2014/main" id="{CC46A248-3DD2-4083-A410-269D3C38BC7D}"/>
+                <a16:creationId xmlns:a16="http://schemas.microsoft.com/office/drawing/2014/main" xmlns="" id="{CC46A248-3DD2-4083-A410-269D3C38BC7D}"/>
               </a:ext>
             </a:extLst>
           </p:cNvPr>
@@ -49141,7 +49141,7 @@
           <p:cNvPr id="13" name="Text Placeholder 12">
             <a:extLst>
               <a:ext uri="{FF2B5EF4-FFF2-40B4-BE49-F238E27FC236}">
-                <a16:creationId xmlns="" xmlns:a16="http://schemas.microsoft.com/office/drawing/2014/main" id="{C2591E4E-87B2-4D64-B582-FBD4968920C5}"/>
+                <a16:creationId xmlns:a16="http://schemas.microsoft.com/office/drawing/2014/main" xmlns="" id="{C2591E4E-87B2-4D64-B582-FBD4968920C5}"/>
               </a:ext>
             </a:extLst>
           </p:cNvPr>
@@ -49170,7 +49170,7 @@
           <p:cNvPr id="11" name="Text Placeholder 10">
             <a:extLst>
               <a:ext uri="{FF2B5EF4-FFF2-40B4-BE49-F238E27FC236}">
-                <a16:creationId xmlns="" xmlns:a16="http://schemas.microsoft.com/office/drawing/2014/main" id="{D02433E8-0DB5-41D8-8B35-D76C17922FE5}"/>
+                <a16:creationId xmlns:a16="http://schemas.microsoft.com/office/drawing/2014/main" xmlns="" id="{D02433E8-0DB5-41D8-8B35-D76C17922FE5}"/>
               </a:ext>
             </a:extLst>
           </p:cNvPr>
@@ -49200,7 +49200,7 @@
           <p:cNvPr id="15" name="Text Placeholder 14">
             <a:extLst>
               <a:ext uri="{FF2B5EF4-FFF2-40B4-BE49-F238E27FC236}">
-                <a16:creationId xmlns="" xmlns:a16="http://schemas.microsoft.com/office/drawing/2014/main" id="{A0DE6855-935C-4D9C-A6CA-A30ED4BC73A2}"/>
+                <a16:creationId xmlns:a16="http://schemas.microsoft.com/office/drawing/2014/main" xmlns="" id="{A0DE6855-935C-4D9C-A6CA-A30ED4BC73A2}"/>
               </a:ext>
             </a:extLst>
           </p:cNvPr>
@@ -49228,7 +49228,7 @@
           <p:cNvPr id="16" name="Text Placeholder 15">
             <a:extLst>
               <a:ext uri="{FF2B5EF4-FFF2-40B4-BE49-F238E27FC236}">
-                <a16:creationId xmlns="" xmlns:a16="http://schemas.microsoft.com/office/drawing/2014/main" id="{A9BECA94-5E25-4E6D-A58C-7792A89CED7C}"/>
+                <a16:creationId xmlns:a16="http://schemas.microsoft.com/office/drawing/2014/main" xmlns="" id="{A9BECA94-5E25-4E6D-A58C-7792A89CED7C}"/>
               </a:ext>
             </a:extLst>
           </p:cNvPr>
@@ -49257,7 +49257,7 @@
           <p:cNvPr id="14" name="Text Placeholder 13">
             <a:extLst>
               <a:ext uri="{FF2B5EF4-FFF2-40B4-BE49-F238E27FC236}">
-                <a16:creationId xmlns="" xmlns:a16="http://schemas.microsoft.com/office/drawing/2014/main" id="{1A32FF73-A652-43C6-96BD-425851F591BC}"/>
+                <a16:creationId xmlns:a16="http://schemas.microsoft.com/office/drawing/2014/main" xmlns="" id="{1A32FF73-A652-43C6-96BD-425851F591BC}"/>
               </a:ext>
             </a:extLst>
           </p:cNvPr>
@@ -49288,7 +49288,7 @@
           <p:cNvPr id="4" name="Slide Number Placeholder 3">
             <a:extLst>
               <a:ext uri="{FF2B5EF4-FFF2-40B4-BE49-F238E27FC236}">
-                <a16:creationId xmlns="" xmlns:a16="http://schemas.microsoft.com/office/drawing/2014/main" id="{30CD95F8-281D-4A11-99F2-9795C5264F76}"/>
+                <a16:creationId xmlns:a16="http://schemas.microsoft.com/office/drawing/2014/main" xmlns="" id="{30CD95F8-281D-4A11-99F2-9795C5264F76}"/>
               </a:ext>
             </a:extLst>
           </p:cNvPr>
@@ -49318,7 +49318,7 @@
           <p:cNvPr id="3" name="Footer Placeholder 2">
             <a:extLst>
               <a:ext uri="{FF2B5EF4-FFF2-40B4-BE49-F238E27FC236}">
-                <a16:creationId xmlns="" xmlns:a16="http://schemas.microsoft.com/office/drawing/2014/main" id="{6EF07EF2-7D34-4156-A053-F39C573604F8}"/>
+                <a16:creationId xmlns:a16="http://schemas.microsoft.com/office/drawing/2014/main" xmlns="" id="{6EF07EF2-7D34-4156-A053-F39C573604F8}"/>
               </a:ext>
             </a:extLst>
           </p:cNvPr>
@@ -49347,7 +49347,7 @@
           <p:cNvPr id="2" name="Date Placeholder 1">
             <a:extLst>
               <a:ext uri="{FF2B5EF4-FFF2-40B4-BE49-F238E27FC236}">
-                <a16:creationId xmlns="" xmlns:a16="http://schemas.microsoft.com/office/drawing/2014/main" id="{AC3AE2A4-3957-4B28-BF08-92D47AFB3D61}"/>
+                <a16:creationId xmlns:a16="http://schemas.microsoft.com/office/drawing/2014/main" xmlns="" id="{AC3AE2A4-3957-4B28-BF08-92D47AFB3D61}"/>
               </a:ext>
             </a:extLst>
           </p:cNvPr>
@@ -49424,7 +49424,7 @@
           <p:cNvPr id="9" name="Picture Placeholder 8">
             <a:extLst>
               <a:ext uri="{FF2B5EF4-FFF2-40B4-BE49-F238E27FC236}">
-                <a16:creationId xmlns="" xmlns:a16="http://schemas.microsoft.com/office/drawing/2014/main" id="{00A900CE-F052-47BC-8B74-B92A4604BF6A}"/>
+                <a16:creationId xmlns:a16="http://schemas.microsoft.com/office/drawing/2014/main" xmlns="" id="{00A900CE-F052-47BC-8B74-B92A4604BF6A}"/>
               </a:ext>
             </a:extLst>
           </p:cNvPr>
@@ -49459,7 +49459,7 @@
           <p:cNvPr id="2" name="Title 1">
             <a:extLst>
               <a:ext uri="{FF2B5EF4-FFF2-40B4-BE49-F238E27FC236}">
-                <a16:creationId xmlns="" xmlns:a16="http://schemas.microsoft.com/office/drawing/2014/main" id="{9A6E18C9-A34F-49C5-973E-6760D1EF1059}"/>
+                <a16:creationId xmlns:a16="http://schemas.microsoft.com/office/drawing/2014/main" xmlns="" id="{9A6E18C9-A34F-49C5-973E-6760D1EF1059}"/>
               </a:ext>
             </a:extLst>
           </p:cNvPr>
@@ -49495,7 +49495,7 @@
           <p:cNvPr id="22" name="Picture Placeholder 21">
             <a:extLst>
               <a:ext uri="{FF2B5EF4-FFF2-40B4-BE49-F238E27FC236}">
-                <a16:creationId xmlns="" xmlns:a16="http://schemas.microsoft.com/office/drawing/2014/main" id="{0342E5A4-E598-4185-B93F-5814F00C2011}"/>
+                <a16:creationId xmlns:a16="http://schemas.microsoft.com/office/drawing/2014/main" xmlns="" id="{0342E5A4-E598-4185-B93F-5814F00C2011}"/>
               </a:ext>
             </a:extLst>
           </p:cNvPr>
@@ -49530,7 +49530,7 @@
           <p:cNvPr id="3" name="Text Placeholder 2">
             <a:extLst>
               <a:ext uri="{FF2B5EF4-FFF2-40B4-BE49-F238E27FC236}">
-                <a16:creationId xmlns="" xmlns:a16="http://schemas.microsoft.com/office/drawing/2014/main" id="{C679F2E6-BA14-4C8A-ABD2-DF50609348D1}"/>
+                <a16:creationId xmlns:a16="http://schemas.microsoft.com/office/drawing/2014/main" xmlns="" id="{C679F2E6-BA14-4C8A-ABD2-DF50609348D1}"/>
               </a:ext>
             </a:extLst>
           </p:cNvPr>
@@ -49586,7 +49586,7 @@
           <p:cNvPr id="6" name="Slide Number Placeholder 5">
             <a:extLst>
               <a:ext uri="{FF2B5EF4-FFF2-40B4-BE49-F238E27FC236}">
-                <a16:creationId xmlns="" xmlns:a16="http://schemas.microsoft.com/office/drawing/2014/main" id="{C35D9EA8-AA17-47B2-A4C4-B60DC7C7DC49}"/>
+                <a16:creationId xmlns:a16="http://schemas.microsoft.com/office/drawing/2014/main" xmlns="" id="{C35D9EA8-AA17-47B2-A4C4-B60DC7C7DC49}"/>
               </a:ext>
             </a:extLst>
           </p:cNvPr>
@@ -49616,7 +49616,7 @@
           <p:cNvPr id="5" name="Footer Placeholder 4">
             <a:extLst>
               <a:ext uri="{FF2B5EF4-FFF2-40B4-BE49-F238E27FC236}">
-                <a16:creationId xmlns="" xmlns:a16="http://schemas.microsoft.com/office/drawing/2014/main" id="{1ED7D25D-51F0-4AAA-86C5-F3584C0E8A44}"/>
+                <a16:creationId xmlns:a16="http://schemas.microsoft.com/office/drawing/2014/main" xmlns="" id="{1ED7D25D-51F0-4AAA-86C5-F3584C0E8A44}"/>
               </a:ext>
             </a:extLst>
           </p:cNvPr>
@@ -49645,7 +49645,7 @@
           <p:cNvPr id="4" name="Date Placeholder 3">
             <a:extLst>
               <a:ext uri="{FF2B5EF4-FFF2-40B4-BE49-F238E27FC236}">
-                <a16:creationId xmlns="" xmlns:a16="http://schemas.microsoft.com/office/drawing/2014/main" id="{F48CF653-A1E7-473E-A717-8659C5E457A1}"/>
+                <a16:creationId xmlns:a16="http://schemas.microsoft.com/office/drawing/2014/main" xmlns="" id="{F48CF653-A1E7-473E-A717-8659C5E457A1}"/>
               </a:ext>
             </a:extLst>
           </p:cNvPr>
@@ -50438,7 +50438,7 @@
           <p:cNvPr id="11" name="Picture Placeholder 10">
             <a:extLst>
               <a:ext uri="{FF2B5EF4-FFF2-40B4-BE49-F238E27FC236}">
-                <a16:creationId xmlns="" xmlns:a16="http://schemas.microsoft.com/office/drawing/2014/main" id="{271FB403-5130-4E57-8F57-B75FF9566019}"/>
+                <a16:creationId xmlns:a16="http://schemas.microsoft.com/office/drawing/2014/main" xmlns="" id="{271FB403-5130-4E57-8F57-B75FF9566019}"/>
               </a:ext>
             </a:extLst>
           </p:cNvPr>
@@ -50473,7 +50473,7 @@
           <p:cNvPr id="2" name="Title 1">
             <a:extLst>
               <a:ext uri="{FF2B5EF4-FFF2-40B4-BE49-F238E27FC236}">
-                <a16:creationId xmlns="" xmlns:a16="http://schemas.microsoft.com/office/drawing/2014/main" id="{B3E11F97-1677-43C0-8ED0-4CB92A533315}"/>
+                <a16:creationId xmlns:a16="http://schemas.microsoft.com/office/drawing/2014/main" xmlns="" id="{B3E11F97-1677-43C0-8ED0-4CB92A533315}"/>
               </a:ext>
             </a:extLst>
           </p:cNvPr>
@@ -50502,7 +50502,7 @@
           <p:cNvPr id="3" name="Text Placeholder 2">
             <a:extLst>
               <a:ext uri="{FF2B5EF4-FFF2-40B4-BE49-F238E27FC236}">
-                <a16:creationId xmlns="" xmlns:a16="http://schemas.microsoft.com/office/drawing/2014/main" id="{477ADD4D-2C19-4F7E-B75C-08B47053AF74}"/>
+                <a16:creationId xmlns:a16="http://schemas.microsoft.com/office/drawing/2014/main" xmlns="" id="{477ADD4D-2C19-4F7E-B75C-08B47053AF74}"/>
               </a:ext>
             </a:extLst>
           </p:cNvPr>
@@ -50533,7 +50533,7 @@
           <p:cNvPr id="6" name="Slide Number Placeholder 5">
             <a:extLst>
               <a:ext uri="{FF2B5EF4-FFF2-40B4-BE49-F238E27FC236}">
-                <a16:creationId xmlns="" xmlns:a16="http://schemas.microsoft.com/office/drawing/2014/main" id="{7CF693C1-BDA6-43BD-BFD6-4BAE7901B070}"/>
+                <a16:creationId xmlns:a16="http://schemas.microsoft.com/office/drawing/2014/main" xmlns="" id="{7CF693C1-BDA6-43BD-BFD6-4BAE7901B070}"/>
               </a:ext>
             </a:extLst>
           </p:cNvPr>
@@ -50562,7 +50562,7 @@
           <p:cNvPr id="5" name="Footer Placeholder 4">
             <a:extLst>
               <a:ext uri="{FF2B5EF4-FFF2-40B4-BE49-F238E27FC236}">
-                <a16:creationId xmlns="" xmlns:a16="http://schemas.microsoft.com/office/drawing/2014/main" id="{9FAA6E94-F4BD-48C1-B0FD-D2D7F6F6D2A8}"/>
+                <a16:creationId xmlns:a16="http://schemas.microsoft.com/office/drawing/2014/main" xmlns="" id="{9FAA6E94-F4BD-48C1-B0FD-D2D7F6F6D2A8}"/>
               </a:ext>
             </a:extLst>
           </p:cNvPr>
@@ -50591,7 +50591,7 @@
           <p:cNvPr id="4" name="Date Placeholder 3">
             <a:extLst>
               <a:ext uri="{FF2B5EF4-FFF2-40B4-BE49-F238E27FC236}">
-                <a16:creationId xmlns="" xmlns:a16="http://schemas.microsoft.com/office/drawing/2014/main" id="{A5FD2C9D-BA15-406F-8A48-BDACE07BE101}"/>
+                <a16:creationId xmlns:a16="http://schemas.microsoft.com/office/drawing/2014/main" xmlns="" id="{A5FD2C9D-BA15-406F-8A48-BDACE07BE101}"/>
               </a:ext>
             </a:extLst>
           </p:cNvPr>
@@ -51545,6 +51545,23 @@
 </file>
 
 <file path=customXml/item1.xml><?xml version="1.0" encoding="utf-8"?>
+<p:properties xmlns:p="http://schemas.microsoft.com/office/2006/metadata/properties" xmlns:xsi="http://www.w3.org/2001/XMLSchema-instance" xmlns:pc="http://schemas.microsoft.com/office/infopath/2007/PartnerControls">
+  <documentManagement>
+    <MediaServiceKeyPoints xmlns="71af3243-3dd4-4a8d-8c0d-dd76da1f02a5" xsi:nil="true"/>
+  </documentManagement>
+</p:properties>
+</file>
+
+<file path=customXml/item2.xml><?xml version="1.0" encoding="utf-8"?>
+<?mso-contentType ?>
+<FormTemplates xmlns="http://schemas.microsoft.com/sharepoint/v3/contenttype/forms">
+  <Display>DocumentLibraryForm</Display>
+  <Edit>DocumentLibraryForm</Edit>
+  <New>DocumentLibraryForm</New>
+</FormTemplates>
+</file>
+
+<file path=customXml/item3.xml><?xml version="1.0" encoding="utf-8"?>
 <ct:contentTypeSchema xmlns:ct="http://schemas.microsoft.com/office/2006/metadata/contentType" xmlns:ma="http://schemas.microsoft.com/office/2006/metadata/properties/metaAttributes" ct:_="" ma:_="" ma:contentTypeName="Document" ma:contentTypeID="0x01010079F111ED35F8CC479449609E8A0923A6" ma:contentTypeVersion="11" ma:contentTypeDescription="Create a new document." ma:contentTypeScope="" ma:versionID="96291512c1ee715ab617f4c07df79fc1">
   <xsd:schema xmlns:xsd="http://www.w3.org/2001/XMLSchema" xmlns:xs="http://www.w3.org/2001/XMLSchema" xmlns:p="http://schemas.microsoft.com/office/2006/metadata/properties" xmlns:ns2="71af3243-3dd4-4a8d-8c0d-dd76da1f02a5" xmlns:ns3="16c05727-aa75-4e4a-9b5f-8a80a1165891" targetNamespace="http://schemas.microsoft.com/office/2006/metadata/properties" ma:root="true" ma:fieldsID="8256c27c40ca5c40ce1cf6c44f0205df" ns2:_="" ns3:_="">
     <xsd:import namespace="71af3243-3dd4-4a8d-8c0d-dd76da1f02a5"/>
@@ -51755,24 +51772,32 @@
 </ct:contentTypeSchema>
 </file>
 
-<file path=customXml/item2.xml><?xml version="1.0" encoding="utf-8"?>
-<?mso-contentType ?>
-<FormTemplates xmlns="http://schemas.microsoft.com/sharepoint/v3/contenttype/forms">
-  <Display>DocumentLibraryForm</Display>
-  <Edit>DocumentLibraryForm</Edit>
-  <New>DocumentLibraryForm</New>
-</FormTemplates>
+<file path=customXml/itemProps1.xml><?xml version="1.0" encoding="utf-8"?>
+<ds:datastoreItem xmlns:ds="http://schemas.openxmlformats.org/officeDocument/2006/customXml" ds:itemID="{D726A944-A9F4-4295-9B5E-C397EB1318B9}">
+  <ds:schemaRefs>
+    <ds:schemaRef ds:uri="http://purl.org/dc/elements/1.1/"/>
+    <ds:schemaRef ds:uri="http://schemas.microsoft.com/office/2006/metadata/properties"/>
+    <ds:schemaRef ds:uri="http://purl.org/dc/terms/"/>
+    <ds:schemaRef ds:uri="http://schemas.microsoft.com/office/2006/documentManagement/types"/>
+    <ds:schemaRef ds:uri="16c05727-aa75-4e4a-9b5f-8a80a1165891"/>
+    <ds:schemaRef ds:uri="http://purl.org/dc/dcmitype/"/>
+    <ds:schemaRef ds:uri="http://schemas.microsoft.com/office/infopath/2007/PartnerControls"/>
+    <ds:schemaRef ds:uri="http://schemas.openxmlformats.org/package/2006/metadata/core-properties"/>
+    <ds:schemaRef ds:uri="71af3243-3dd4-4a8d-8c0d-dd76da1f02a5"/>
+    <ds:schemaRef ds:uri="http://www.w3.org/XML/1998/namespace"/>
+  </ds:schemaRefs>
+</ds:datastoreItem>
 </file>
 
-<file path=customXml/item3.xml><?xml version="1.0" encoding="utf-8"?>
-<p:properties xmlns:p="http://schemas.microsoft.com/office/2006/metadata/properties" xmlns:xsi="http://www.w3.org/2001/XMLSchema-instance" xmlns:pc="http://schemas.microsoft.com/office/infopath/2007/PartnerControls">
-  <documentManagement>
-    <MediaServiceKeyPoints xmlns="71af3243-3dd4-4a8d-8c0d-dd76da1f02a5" xsi:nil="true"/>
-  </documentManagement>
-</p:properties>
+<file path=customXml/itemProps2.xml><?xml version="1.0" encoding="utf-8"?>
+<ds:datastoreItem xmlns:ds="http://schemas.openxmlformats.org/officeDocument/2006/customXml" ds:itemID="{01743C61-8CA7-48FF-B2A3-6055DA854CF6}">
+  <ds:schemaRefs>
+    <ds:schemaRef ds:uri="http://schemas.microsoft.com/sharepoint/v3/contenttype/forms"/>
+  </ds:schemaRefs>
+</ds:datastoreItem>
 </file>
 
-<file path=customXml/itemProps1.xml><?xml version="1.0" encoding="utf-8"?>
+<file path=customXml/itemProps3.xml><?xml version="1.0" encoding="utf-8"?>
 <ds:datastoreItem xmlns:ds="http://schemas.openxmlformats.org/officeDocument/2006/customXml" ds:itemID="{472965D8-9C19-4E48-8421-5D6B21FC440C}">
   <ds:schemaRefs>
     <ds:schemaRef ds:uri="http://schemas.microsoft.com/office/2006/metadata/contentType"/>
@@ -51789,29 +51814,4 @@
     <ds:schemaRef ds:uri="http://schemas.microsoft.com/internal/obd"/>
   </ds:schemaRefs>
 </ds:datastoreItem>
-</file>
-
-<file path=customXml/itemProps2.xml><?xml version="1.0" encoding="utf-8"?>
-<ds:datastoreItem xmlns:ds="http://schemas.openxmlformats.org/officeDocument/2006/customXml" ds:itemID="{01743C61-8CA7-48FF-B2A3-6055DA854CF6}">
-  <ds:schemaRefs>
-    <ds:schemaRef ds:uri="http://schemas.microsoft.com/sharepoint/v3/contenttype/forms"/>
-  </ds:schemaRefs>
-</ds:datastoreItem>
-</file>
-
-<file path=customXml/itemProps3.xml><?xml version="1.0" encoding="utf-8"?>
-<ds:datastoreItem xmlns:ds="http://schemas.openxmlformats.org/officeDocument/2006/customXml" ds:itemID="{D726A944-A9F4-4295-9B5E-C397EB1318B9}">
-  <ds:schemaRefs>
-    <ds:schemaRef ds:uri="16c05727-aa75-4e4a-9b5f-8a80a1165891"/>
-    <ds:schemaRef ds:uri="http://schemas.microsoft.com/office/2006/documentManagement/types"/>
-    <ds:schemaRef ds:uri="http://schemas.microsoft.com/office/infopath/2007/PartnerControls"/>
-    <ds:schemaRef ds:uri="http://purl.org/dc/elements/1.1/"/>
-    <ds:schemaRef ds:uri="http://schemas.microsoft.com/office/2006/metadata/properties"/>
-    <ds:schemaRef ds:uri="http://purl.org/dc/terms/"/>
-    <ds:schemaRef ds:uri="http://schemas.openxmlformats.org/package/2006/metadata/core-properties"/>
-    <ds:schemaRef ds:uri="71af3243-3dd4-4a8d-8c0d-dd76da1f02a5"/>
-    <ds:schemaRef ds:uri="http://www.w3.org/XML/1998/namespace"/>
-    <ds:schemaRef ds:uri="http://purl.org/dc/dcmitype/"/>
-  </ds:schemaRefs>
-</ds:datastoreItem>
 </file>